--- a/Lectures/BlockCiphersLite.pptx
+++ b/Lectures/BlockCiphersLite.pptx
@@ -3462,11 +3462,7 @@
           <a:p>
             <a:r>
               <a:rPr lang="ru-RU" dirty="0" smtClean="0"/>
-              <a:t>МИФИ </a:t>
-            </a:r>
-            <a:r>
-              <a:rPr lang="ru-RU" dirty="0" smtClean="0"/>
-              <a:t>2020</a:t>
+              <a:t>МИФИ 2020</a:t>
             </a:r>
             <a:endParaRPr lang="ru-RU" dirty="0"/>
           </a:p>
@@ -5795,8 +5791,8 @@
           </a:p>
         </p:txBody>
       </p:sp>
-      <mc:AlternateContent xmlns:mc="http://schemas.openxmlformats.org/markup-compatibility/2006" xmlns:a14="http://schemas.microsoft.com/office/drawing/2010/main">
-        <mc:Choice Requires="a14">
+      <mc:AlternateContent xmlns:mc="http://schemas.openxmlformats.org/markup-compatibility/2006">
+        <mc:Choice xmlns:a14="http://schemas.microsoft.com/office/drawing/2010/main" Requires="a14">
           <p:sp>
             <p:nvSpPr>
               <p:cNvPr id="3" name="Объект 2"/>
@@ -5911,7 +5907,7 @@
                           <a:rPr lang="en-US" b="0" i="1" smtClean="0">
                             <a:latin typeface="Cambria Math" panose="02040503050406030204" pitchFamily="18" charset="0"/>
                           </a:rPr>
-                          <m:t>𝐸</m:t>
+                          <m:t>𝐾</m:t>
                         </m:r>
                         <m:r>
                           <a:rPr lang="en-US" b="0" i="1" smtClean="0">
@@ -5923,7 +5919,7 @@
                           <a:rPr lang="en-US" b="0" i="1" smtClean="0">
                             <a:latin typeface="Cambria Math" panose="02040503050406030204" pitchFamily="18" charset="0"/>
                           </a:rPr>
-                          <m:t>𝐷</m:t>
+                          <m:t>𝑋</m:t>
                         </m:r>
                       </m:e>
                     </m:d>
@@ -6603,7 +6599,7 @@
             </p:txBody>
           </p:sp>
         </mc:Choice>
-        <mc:Fallback xmlns="">
+        <mc:Fallback>
           <p:sp>
             <p:nvSpPr>
               <p:cNvPr id="3" name="Объект 2"/>
@@ -7330,8 +7326,8 @@
           </a:p>
         </p:txBody>
       </p:sp>
-      <mc:AlternateContent xmlns:mc="http://schemas.openxmlformats.org/markup-compatibility/2006">
-        <mc:Choice xmlns:a14="http://schemas.microsoft.com/office/drawing/2010/main" Requires="a14">
+      <mc:AlternateContent xmlns:mc="http://schemas.openxmlformats.org/markup-compatibility/2006" xmlns:a14="http://schemas.microsoft.com/office/drawing/2010/main">
+        <mc:Choice Requires="a14">
           <p:sp>
             <p:nvSpPr>
               <p:cNvPr id="5" name="Rectangle 3"/>
@@ -8253,13 +8249,7 @@
                   <a:rPr lang="ru-RU" dirty="0" smtClean="0">
                     <a:sym typeface="Symbol" pitchFamily="18" charset="2"/>
                   </a:rPr>
-                  <a:t> – подстановка</a:t>
-                </a:r>
-                <a:r>
-                  <a:rPr lang="ru-RU" dirty="0" smtClean="0">
-                    <a:sym typeface="Symbol" pitchFamily="18" charset="2"/>
-                  </a:rPr>
-                  <a:t>.</a:t>
+                  <a:t> – подстановка.</a:t>
                 </a:r>
                 <a:endParaRPr lang="en-US" dirty="0" smtClean="0">
                   <a:sym typeface="Symbol" pitchFamily="18" charset="2"/>
@@ -8474,7 +8464,7 @@
             </p:txBody>
           </p:sp>
         </mc:Choice>
-        <mc:Fallback>
+        <mc:Fallback xmlns="">
           <p:sp>
             <p:nvSpPr>
               <p:cNvPr id="5" name="Rectangle 3"/>
@@ -8716,8 +8706,8 @@
           </a:p>
         </p:txBody>
       </p:sp>
-      <mc:AlternateContent xmlns:mc="http://schemas.openxmlformats.org/markup-compatibility/2006">
-        <mc:Choice xmlns:a14="http://schemas.microsoft.com/office/drawing/2010/main" Requires="a14">
+      <mc:AlternateContent xmlns:mc="http://schemas.openxmlformats.org/markup-compatibility/2006" xmlns:a14="http://schemas.microsoft.com/office/drawing/2010/main">
+        <mc:Choice Requires="a14">
           <p:sp>
             <p:nvSpPr>
               <p:cNvPr id="3" name="Объект 2"/>
@@ -8856,19 +8846,7 @@
                 </a:pPr>
                 <a:r>
                   <a:rPr lang="ru-RU" dirty="0" smtClean="0"/>
-                  <a:t>Можем ли мы использовать блочный шифр для построения </a:t>
-                </a:r>
-                <a:r>
-                  <a:rPr lang="ru-RU" dirty="0" smtClean="0"/>
-                  <a:t>шифров </a:t>
-                </a:r>
-                <a:r>
-                  <a:rPr lang="ru-RU" dirty="0" smtClean="0"/>
-                  <a:t>для сообщений произвольной длины</a:t>
-                </a:r>
-                <a:r>
-                  <a:rPr lang="ru-RU" dirty="0" smtClean="0"/>
-                  <a:t>?</a:t>
+                  <a:t>Можем ли мы использовать блочный шифр для построения шифров для сообщений произвольной длины?</a:t>
                 </a:r>
               </a:p>
               <a:p>
@@ -8885,12 +8863,11 @@
                   <a:rPr lang="ru-RU" dirty="0" smtClean="0"/>
                   <a:t>Сможем, будем использовать режимы шифрования блочных шифров, определяющие шифрование сообщений произвольной длины, на основе блочных шифров.</a:t>
                 </a:r>
-                <a:endParaRPr lang="ru-RU" dirty="0" smtClean="0"/>
               </a:p>
             </p:txBody>
           </p:sp>
         </mc:Choice>
-        <mc:Fallback>
+        <mc:Fallback xmlns="">
           <p:sp>
             <p:nvSpPr>
               <p:cNvPr id="3" name="Объект 2"/>
@@ -10392,11 +10369,7 @@
             </a:r>
             <a:r>
               <a:rPr lang="ru-RU" dirty="0" smtClean="0"/>
-              <a:t>–стойкий </a:t>
-            </a:r>
-            <a:r>
-              <a:rPr lang="ru-RU" dirty="0" smtClean="0"/>
-              <a:t>для</a:t>
+              <a:t>–стойкий для</a:t>
             </a:r>
           </a:p>
           <a:p>
@@ -10411,13 +10384,8 @@
             </a:r>
             <a:r>
               <a:rPr lang="ru-RU" dirty="0" smtClean="0"/>
-              <a:t>(например есть открытый текст – случайных ключ), не повторяющихся во время жизни </a:t>
-            </a:r>
-            <a:r>
-              <a:rPr lang="ru-RU" dirty="0" smtClean="0"/>
-              <a:t>ключа шифрования</a:t>
-            </a:r>
-            <a:endParaRPr lang="ru-RU" dirty="0" smtClean="0"/>
+              <a:t>(например есть открытый текст – случайных ключ), не повторяющихся во время жизни ключа шифрования</a:t>
+            </a:r>
           </a:p>
           <a:p>
             <a:pPr lvl="1"/>
@@ -10437,11 +10405,7 @@
             </a:r>
             <a:r>
               <a:rPr lang="ru-RU" dirty="0" smtClean="0"/>
-              <a:t>длины</a:t>
-            </a:r>
-            <a:r>
-              <a:rPr lang="ru-RU" dirty="0" smtClean="0"/>
-              <a:t>?</a:t>
+              <a:t>длины?</a:t>
             </a:r>
           </a:p>
           <a:p>
@@ -17097,8 +17061,8 @@
           </a:p>
         </p:txBody>
       </p:sp>
-      <mc:AlternateContent xmlns:mc="http://schemas.openxmlformats.org/markup-compatibility/2006">
-        <mc:Choice xmlns:a14="http://schemas.microsoft.com/office/drawing/2010/main" Requires="a14">
+      <mc:AlternateContent xmlns:mc="http://schemas.openxmlformats.org/markup-compatibility/2006" xmlns:a14="http://schemas.microsoft.com/office/drawing/2010/main">
+        <mc:Choice Requires="a14">
           <p:sp>
             <p:nvSpPr>
               <p:cNvPr id="3" name="Объект 2"/>
@@ -17359,7 +17323,7 @@
             </p:txBody>
           </p:sp>
         </mc:Choice>
-        <mc:Fallback>
+        <mc:Fallback xmlns="">
           <p:sp>
             <p:nvSpPr>
               <p:cNvPr id="3" name="Объект 2"/>

--- a/Lectures/BlockCiphersLite.pptx
+++ b/Lectures/BlockCiphersLite.pptx
@@ -5,37 +5,38 @@
     <p:sldMasterId id="2147483648" r:id="rId1"/>
   </p:sldMasterIdLst>
   <p:notesMasterIdLst>
-    <p:notesMasterId r:id="rId30"/>
+    <p:notesMasterId r:id="rId31"/>
   </p:notesMasterIdLst>
   <p:sldIdLst>
     <p:sldId id="256" r:id="rId2"/>
     <p:sldId id="260" r:id="rId3"/>
     <p:sldId id="275" r:id="rId4"/>
-    <p:sldId id="276" r:id="rId5"/>
-    <p:sldId id="281" r:id="rId6"/>
-    <p:sldId id="268" r:id="rId7"/>
-    <p:sldId id="289" r:id="rId8"/>
-    <p:sldId id="297" r:id="rId9"/>
-    <p:sldId id="298" r:id="rId10"/>
-    <p:sldId id="299" r:id="rId11"/>
-    <p:sldId id="300" r:id="rId12"/>
-    <p:sldId id="301" r:id="rId13"/>
-    <p:sldId id="302" r:id="rId14"/>
-    <p:sldId id="303" r:id="rId15"/>
-    <p:sldId id="304" r:id="rId16"/>
-    <p:sldId id="306" r:id="rId17"/>
-    <p:sldId id="307" r:id="rId18"/>
-    <p:sldId id="308" r:id="rId19"/>
-    <p:sldId id="309" r:id="rId20"/>
-    <p:sldId id="310" r:id="rId21"/>
-    <p:sldId id="311" r:id="rId22"/>
-    <p:sldId id="312" r:id="rId23"/>
-    <p:sldId id="313" r:id="rId24"/>
-    <p:sldId id="314" r:id="rId25"/>
-    <p:sldId id="315" r:id="rId26"/>
-    <p:sldId id="316" r:id="rId27"/>
-    <p:sldId id="317" r:id="rId28"/>
-    <p:sldId id="318" r:id="rId29"/>
+    <p:sldId id="319" r:id="rId5"/>
+    <p:sldId id="276" r:id="rId6"/>
+    <p:sldId id="281" r:id="rId7"/>
+    <p:sldId id="268" r:id="rId8"/>
+    <p:sldId id="289" r:id="rId9"/>
+    <p:sldId id="297" r:id="rId10"/>
+    <p:sldId id="298" r:id="rId11"/>
+    <p:sldId id="299" r:id="rId12"/>
+    <p:sldId id="300" r:id="rId13"/>
+    <p:sldId id="301" r:id="rId14"/>
+    <p:sldId id="302" r:id="rId15"/>
+    <p:sldId id="303" r:id="rId16"/>
+    <p:sldId id="304" r:id="rId17"/>
+    <p:sldId id="306" r:id="rId18"/>
+    <p:sldId id="307" r:id="rId19"/>
+    <p:sldId id="308" r:id="rId20"/>
+    <p:sldId id="309" r:id="rId21"/>
+    <p:sldId id="310" r:id="rId22"/>
+    <p:sldId id="311" r:id="rId23"/>
+    <p:sldId id="312" r:id="rId24"/>
+    <p:sldId id="313" r:id="rId25"/>
+    <p:sldId id="314" r:id="rId26"/>
+    <p:sldId id="315" r:id="rId27"/>
+    <p:sldId id="316" r:id="rId28"/>
+    <p:sldId id="317" r:id="rId29"/>
+    <p:sldId id="318" r:id="rId30"/>
   </p:sldIdLst>
   <p:sldSz cx="12192000" cy="6858000"/>
   <p:notesSz cx="6858000" cy="9144000"/>
@@ -3515,20 +3516,80 @@
             <p:ph type="title"/>
           </p:nvPr>
         </p:nvSpPr>
-        <p:spPr>
-          <a:xfrm>
-            <a:off x="838200" y="385248"/>
-            <a:ext cx="10515600" cy="1325563"/>
-          </a:xfrm>
-        </p:spPr>
+        <p:spPr/>
         <p:txBody>
           <a:bodyPr/>
           <a:lstStyle/>
           <a:p>
             <a:r>
-              <a:rPr lang="ru-RU" dirty="0"/>
+              <a:rPr lang="ru-RU" dirty="0" smtClean="0"/>
               <a:t>Идея одноразового блокнота</a:t>
             </a:r>
+            <a:endParaRPr lang="ru-RU" dirty="0"/>
+          </a:p>
+        </p:txBody>
+      </p:sp>
+      <p:sp>
+        <p:nvSpPr>
+          <p:cNvPr id="3" name="Объект 2"/>
+          <p:cNvSpPr>
+            <a:spLocks noGrp="1"/>
+          </p:cNvSpPr>
+          <p:nvPr>
+            <p:ph idx="1"/>
+          </p:nvPr>
+        </p:nvSpPr>
+        <p:spPr/>
+        <p:txBody>
+          <a:bodyPr/>
+          <a:lstStyle/>
+          <a:p>
+            <a:pPr marL="0" indent="0">
+              <a:buNone/>
+            </a:pPr>
+            <a:r>
+              <a:rPr lang="ru-RU" dirty="0" smtClean="0"/>
+              <a:t>Одноразовый блокнот – сложение (побитное) случайного равновероятного вектора ключа с вектором открытого текста, для получения </a:t>
+            </a:r>
+            <a:r>
+              <a:rPr lang="ru-RU" dirty="0" err="1" smtClean="0"/>
+              <a:t>шифртекста</a:t>
+            </a:r>
+            <a:r>
+              <a:rPr lang="ru-RU" dirty="0" smtClean="0"/>
+              <a:t>.</a:t>
+            </a:r>
+          </a:p>
+          <a:p>
+            <a:pPr marL="0" indent="0">
+              <a:buNone/>
+            </a:pPr>
+            <a:endParaRPr lang="ru-RU" dirty="0"/>
+          </a:p>
+          <a:p>
+            <a:pPr marL="0" indent="0">
+              <a:buNone/>
+            </a:pPr>
+            <a:r>
+              <a:rPr lang="ru-RU" dirty="0" smtClean="0"/>
+              <a:t>Проблема (Теорема Шеннона) – длина (энтропия) ключа должна быть больше или равна длине сообщения.</a:t>
+            </a:r>
+          </a:p>
+          <a:p>
+            <a:pPr marL="0" indent="0">
+              <a:buNone/>
+            </a:pPr>
+            <a:endParaRPr lang="ru-RU" dirty="0"/>
+          </a:p>
+          <a:p>
+            <a:pPr marL="0" indent="0">
+              <a:buNone/>
+            </a:pPr>
+            <a:r>
+              <a:rPr lang="ru-RU" dirty="0" smtClean="0"/>
+              <a:t>Основная идея – заменить случайный длинный вектор ключа на «псевдослучайную» последовательность, называемую гаммой.</a:t>
+            </a:r>
+            <a:endParaRPr lang="ru-RU" dirty="0"/>
           </a:p>
         </p:txBody>
       </p:sp>
@@ -3550,6 +3611,93 @@
             <a:fld id="{8253DDDB-F8F7-4D64-A7FD-3F3D61C1949F}" type="slidenum">
               <a:rPr lang="ru-RU" smtClean="0"/>
               <a:t>10</a:t>
+            </a:fld>
+            <a:endParaRPr lang="ru-RU"/>
+          </a:p>
+        </p:txBody>
+      </p:sp>
+    </p:spTree>
+    <p:extLst>
+      <p:ext uri="{BB962C8B-B14F-4D97-AF65-F5344CB8AC3E}">
+        <p14:creationId xmlns:p14="http://schemas.microsoft.com/office/powerpoint/2010/main" val="979625680"/>
+      </p:ext>
+    </p:extLst>
+  </p:cSld>
+  <p:clrMapOvr>
+    <a:masterClrMapping/>
+  </p:clrMapOvr>
+  <p:timing>
+    <p:tnLst>
+      <p:par>
+        <p:cTn id="1" dur="indefinite" restart="never" nodeType="tmRoot"/>
+      </p:par>
+    </p:tnLst>
+  </p:timing>
+</p:sld>
+</file>
+
+<file path=ppt/slides/slide11.xml><?xml version="1.0" encoding="utf-8"?>
+<p:sld xmlns:a="http://schemas.openxmlformats.org/drawingml/2006/main" xmlns:r="http://schemas.openxmlformats.org/officeDocument/2006/relationships" xmlns:p="http://schemas.openxmlformats.org/presentationml/2006/main">
+  <p:cSld>
+    <p:spTree>
+      <p:nvGrpSpPr>
+        <p:cNvPr id="1" name=""/>
+        <p:cNvGrpSpPr/>
+        <p:nvPr/>
+      </p:nvGrpSpPr>
+      <p:grpSpPr>
+        <a:xfrm>
+          <a:off x="0" y="0"/>
+          <a:ext cx="0" cy="0"/>
+          <a:chOff x="0" y="0"/>
+          <a:chExt cx="0" cy="0"/>
+        </a:xfrm>
+      </p:grpSpPr>
+      <p:sp>
+        <p:nvSpPr>
+          <p:cNvPr id="2" name="Заголовок 1"/>
+          <p:cNvSpPr>
+            <a:spLocks noGrp="1"/>
+          </p:cNvSpPr>
+          <p:nvPr>
+            <p:ph type="title"/>
+          </p:nvPr>
+        </p:nvSpPr>
+        <p:spPr>
+          <a:xfrm>
+            <a:off x="838200" y="385248"/>
+            <a:ext cx="10515600" cy="1325563"/>
+          </a:xfrm>
+        </p:spPr>
+        <p:txBody>
+          <a:bodyPr/>
+          <a:lstStyle/>
+          <a:p>
+            <a:r>
+              <a:rPr lang="ru-RU" dirty="0"/>
+              <a:t>Идея одноразового блокнота</a:t>
+            </a:r>
+          </a:p>
+        </p:txBody>
+      </p:sp>
+      <p:sp>
+        <p:nvSpPr>
+          <p:cNvPr id="4" name="Номер слайда 3"/>
+          <p:cNvSpPr>
+            <a:spLocks noGrp="1"/>
+          </p:cNvSpPr>
+          <p:nvPr>
+            <p:ph type="sldNum" sz="quarter" idx="12"/>
+          </p:nvPr>
+        </p:nvSpPr>
+        <p:spPr/>
+        <p:txBody>
+          <a:bodyPr/>
+          <a:lstStyle/>
+          <a:p>
+            <a:fld id="{8253DDDB-F8F7-4D64-A7FD-3F3D61C1949F}" type="slidenum">
+              <a:rPr lang="ru-RU" smtClean="0"/>
+              <a:t>11</a:t>
             </a:fld>
             <a:endParaRPr lang="ru-RU"/>
           </a:p>
@@ -4940,817 +5088,6 @@
 </p:sld>
 </file>
 
-<file path=ppt/slides/slide11.xml><?xml version="1.0" encoding="utf-8"?>
-<p:sld xmlns:a="http://schemas.openxmlformats.org/drawingml/2006/main" xmlns:r="http://schemas.openxmlformats.org/officeDocument/2006/relationships" xmlns:p="http://schemas.openxmlformats.org/presentationml/2006/main">
-  <p:cSld>
-    <p:spTree>
-      <p:nvGrpSpPr>
-        <p:cNvPr id="1" name=""/>
-        <p:cNvGrpSpPr/>
-        <p:nvPr/>
-      </p:nvGrpSpPr>
-      <p:grpSpPr>
-        <a:xfrm>
-          <a:off x="0" y="0"/>
-          <a:ext cx="0" cy="0"/>
-          <a:chOff x="0" y="0"/>
-          <a:chExt cx="0" cy="0"/>
-        </a:xfrm>
-      </p:grpSpPr>
-      <p:sp>
-        <p:nvSpPr>
-          <p:cNvPr id="2" name="Заголовок 1"/>
-          <p:cNvSpPr>
-            <a:spLocks noGrp="1"/>
-          </p:cNvSpPr>
-          <p:nvPr>
-            <p:ph type="title"/>
-          </p:nvPr>
-        </p:nvSpPr>
-        <p:spPr/>
-        <p:txBody>
-          <a:bodyPr/>
-          <a:lstStyle/>
-          <a:p>
-            <a:r>
-              <a:rPr lang="ru-RU" dirty="0" smtClean="0"/>
-              <a:t>Поточный шифр</a:t>
-            </a:r>
-            <a:endParaRPr lang="ru-RU" dirty="0"/>
-          </a:p>
-        </p:txBody>
-      </p:sp>
-      <mc:AlternateContent xmlns:mc="http://schemas.openxmlformats.org/markup-compatibility/2006" xmlns:a14="http://schemas.microsoft.com/office/drawing/2010/main">
-        <mc:Choice Requires="a14">
-          <p:sp>
-            <p:nvSpPr>
-              <p:cNvPr id="3" name="Объект 2"/>
-              <p:cNvSpPr>
-                <a:spLocks noGrp="1"/>
-              </p:cNvSpPr>
-              <p:nvPr>
-                <p:ph idx="1"/>
-              </p:nvPr>
-            </p:nvSpPr>
-            <p:spPr/>
-            <p:txBody>
-              <a:bodyPr>
-                <a:normAutofit fontScale="92500" lnSpcReduction="10000"/>
-              </a:bodyPr>
-              <a:lstStyle/>
-              <a:p>
-                <a:pPr marL="0" indent="0">
-                  <a:buNone/>
-                </a:pPr>
-                <a:r>
-                  <a:rPr lang="ru-RU" dirty="0" smtClean="0"/>
-                  <a:t>Эффективно вычислимая функция </a:t>
-                </a:r>
-                <a14:m>
-                  <m:oMath xmlns:m="http://schemas.openxmlformats.org/officeDocument/2006/math">
-                    <m:r>
-                      <a:rPr lang="en-US" b="0" i="1" smtClean="0">
-                        <a:latin typeface="Cambria Math" panose="02040503050406030204" pitchFamily="18" charset="0"/>
-                      </a:rPr>
-                      <m:t>𝐺</m:t>
-                    </m:r>
-                    <m:r>
-                      <a:rPr lang="en-US" b="0" i="1" smtClean="0">
-                        <a:latin typeface="Cambria Math" panose="02040503050406030204" pitchFamily="18" charset="0"/>
-                      </a:rPr>
-                      <m:t>:</m:t>
-                    </m:r>
-                    <m:r>
-                      <a:rPr lang="en-US" b="0" i="1" smtClean="0">
-                        <a:latin typeface="Cambria Math" panose="02040503050406030204" pitchFamily="18" charset="0"/>
-                      </a:rPr>
-                      <m:t>𝑆</m:t>
-                    </m:r>
-                    <m:r>
-                      <a:rPr lang="en-US" b="0" i="1" smtClean="0">
-                        <a:latin typeface="Cambria Math" panose="02040503050406030204" pitchFamily="18" charset="0"/>
-                      </a:rPr>
-                      <m:t>→</m:t>
-                    </m:r>
-                    <m:r>
-                      <a:rPr lang="en-US" b="0" i="1" smtClean="0">
-                        <a:latin typeface="Cambria Math" panose="02040503050406030204" pitchFamily="18" charset="0"/>
-                      </a:rPr>
-                      <m:t>𝑅</m:t>
-                    </m:r>
-                  </m:oMath>
-                </a14:m>
-                <a:r>
-                  <a:rPr lang="en-US" dirty="0" smtClean="0"/>
-                  <a:t> </a:t>
-                </a:r>
-                <a:r>
-                  <a:rPr lang="ru-RU" dirty="0" smtClean="0"/>
-                  <a:t>называется </a:t>
-                </a:r>
-                <a:r>
-                  <a:rPr lang="ru-RU" b="1" dirty="0" smtClean="0"/>
-                  <a:t>псевдослучайным генератором</a:t>
-                </a:r>
-                <a:r>
-                  <a:rPr lang="en-US" dirty="0" smtClean="0"/>
-                  <a:t> </a:t>
-                </a:r>
-                <a:r>
-                  <a:rPr lang="ru-RU" dirty="0" smtClean="0"/>
-                  <a:t>на </a:t>
-                </a:r>
-                <a14:m>
-                  <m:oMath xmlns:m="http://schemas.openxmlformats.org/officeDocument/2006/math">
-                    <m:r>
-                      <a:rPr lang="en-US" b="0" i="1" smtClean="0">
-                        <a:latin typeface="Cambria Math" panose="02040503050406030204" pitchFamily="18" charset="0"/>
-                      </a:rPr>
-                      <m:t>(</m:t>
-                    </m:r>
-                    <m:r>
-                      <a:rPr lang="en-US" b="0" i="1" smtClean="0">
-                        <a:latin typeface="Cambria Math" panose="02040503050406030204" pitchFamily="18" charset="0"/>
-                      </a:rPr>
-                      <m:t>𝑆</m:t>
-                    </m:r>
-                    <m:r>
-                      <a:rPr lang="en-US" b="0" i="1" smtClean="0">
-                        <a:latin typeface="Cambria Math" panose="02040503050406030204" pitchFamily="18" charset="0"/>
-                      </a:rPr>
-                      <m:t>,</m:t>
-                    </m:r>
-                    <m:r>
-                      <a:rPr lang="en-US" b="0" i="1" smtClean="0">
-                        <a:latin typeface="Cambria Math" panose="02040503050406030204" pitchFamily="18" charset="0"/>
-                      </a:rPr>
-                      <m:t>𝑅</m:t>
-                    </m:r>
-                    <m:r>
-                      <a:rPr lang="en-US" b="0" i="1" smtClean="0">
-                        <a:latin typeface="Cambria Math" panose="02040503050406030204" pitchFamily="18" charset="0"/>
-                      </a:rPr>
-                      <m:t>)</m:t>
-                    </m:r>
-                  </m:oMath>
-                </a14:m>
-                <a:r>
-                  <a:rPr lang="ru-RU" dirty="0" smtClean="0"/>
-                  <a:t> </a:t>
-                </a:r>
-                <a:r>
-                  <a:rPr lang="en-US" b="1" dirty="0" smtClean="0"/>
-                  <a:t>PRG</a:t>
-                </a:r>
-                <a:r>
-                  <a:rPr lang="ru-RU" dirty="0" smtClean="0"/>
-                  <a:t>.</a:t>
-                </a:r>
-              </a:p>
-              <a:p>
-                <a:pPr marL="0" indent="0">
-                  <a:buNone/>
-                </a:pPr>
-                <a:r>
-                  <a:rPr lang="ru-RU" dirty="0" smtClean="0"/>
-                  <a:t>Шифр </a:t>
-                </a:r>
-                <a14:m>
-                  <m:oMath xmlns:m="http://schemas.openxmlformats.org/officeDocument/2006/math">
-                    <m:r>
-                      <m:rPr>
-                        <m:sty m:val="p"/>
-                      </m:rPr>
-                      <a:rPr lang="ru-RU" b="0" i="0" smtClean="0">
-                        <a:latin typeface="Cambria Math" panose="02040503050406030204" pitchFamily="18" charset="0"/>
-                      </a:rPr>
-                      <m:t>Ε</m:t>
-                    </m:r>
-                    <m:r>
-                      <a:rPr lang="en-US" b="0" i="1" smtClean="0">
-                        <a:latin typeface="Cambria Math" panose="02040503050406030204" pitchFamily="18" charset="0"/>
-                      </a:rPr>
-                      <m:t>=</m:t>
-                    </m:r>
-                    <m:d>
-                      <m:dPr>
-                        <m:ctrlPr>
-                          <a:rPr lang="en-US" b="0" i="1" smtClean="0">
-                            <a:latin typeface="Cambria Math" panose="02040503050406030204" pitchFamily="18" charset="0"/>
-                          </a:rPr>
-                        </m:ctrlPr>
-                      </m:dPr>
-                      <m:e>
-                        <m:r>
-                          <a:rPr lang="en-US" b="0" i="1" smtClean="0">
-                            <a:latin typeface="Cambria Math" panose="02040503050406030204" pitchFamily="18" charset="0"/>
-                          </a:rPr>
-                          <m:t>𝐸</m:t>
-                        </m:r>
-                        <m:r>
-                          <a:rPr lang="en-US" b="0" i="1" smtClean="0">
-                            <a:latin typeface="Cambria Math" panose="02040503050406030204" pitchFamily="18" charset="0"/>
-                          </a:rPr>
-                          <m:t>,</m:t>
-                        </m:r>
-                        <m:r>
-                          <a:rPr lang="en-US" b="0" i="1" smtClean="0">
-                            <a:latin typeface="Cambria Math" panose="02040503050406030204" pitchFamily="18" charset="0"/>
-                          </a:rPr>
-                          <m:t>𝐷</m:t>
-                        </m:r>
-                      </m:e>
-                    </m:d>
-                  </m:oMath>
-                </a14:m>
-                <a:r>
-                  <a:rPr lang="ru-RU" dirty="0" smtClean="0"/>
-                  <a:t> с параметрам </a:t>
-                </a:r>
-                <a14:m>
-                  <m:oMath xmlns:m="http://schemas.openxmlformats.org/officeDocument/2006/math">
-                    <m:r>
-                      <a:rPr lang="ru-RU" b="0" i="1" smtClean="0">
-                        <a:latin typeface="Cambria Math" panose="02040503050406030204" pitchFamily="18" charset="0"/>
-                      </a:rPr>
-                      <m:t>(</m:t>
-                    </m:r>
-                    <m:r>
-                      <a:rPr lang="en-US" b="0" i="1" smtClean="0">
-                        <a:latin typeface="Cambria Math" panose="02040503050406030204" pitchFamily="18" charset="0"/>
-                      </a:rPr>
-                      <m:t>𝑙</m:t>
-                    </m:r>
-                    <m:r>
-                      <a:rPr lang="en-US" b="0" i="1" smtClean="0">
-                        <a:latin typeface="Cambria Math" panose="02040503050406030204" pitchFamily="18" charset="0"/>
-                      </a:rPr>
-                      <m:t>, </m:t>
-                    </m:r>
-                    <m:r>
-                      <a:rPr lang="en-US" b="0" i="1" smtClean="0">
-                        <a:latin typeface="Cambria Math" panose="02040503050406030204" pitchFamily="18" charset="0"/>
-                      </a:rPr>
-                      <m:t>𝐿</m:t>
-                    </m:r>
-                    <m:r>
-                      <a:rPr lang="ru-RU" b="0" i="1" smtClean="0">
-                        <a:latin typeface="Cambria Math" panose="02040503050406030204" pitchFamily="18" charset="0"/>
-                      </a:rPr>
-                      <m:t>)</m:t>
-                    </m:r>
-                  </m:oMath>
-                </a14:m>
-                <a:r>
-                  <a:rPr lang="ru-RU" dirty="0" smtClean="0"/>
-                  <a:t> на </a:t>
-                </a:r>
-                <a14:m>
-                  <m:oMath xmlns:m="http://schemas.openxmlformats.org/officeDocument/2006/math">
-                    <m:d>
-                      <m:dPr>
-                        <m:ctrlPr>
-                          <a:rPr lang="en-US" b="0" i="1" smtClean="0">
-                            <a:latin typeface="Cambria Math" panose="02040503050406030204" pitchFamily="18" charset="0"/>
-                          </a:rPr>
-                        </m:ctrlPr>
-                      </m:dPr>
-                      <m:e>
-                        <m:r>
-                          <a:rPr lang="en-US" b="0" i="1" smtClean="0">
-                            <a:latin typeface="Cambria Math" panose="02040503050406030204" pitchFamily="18" charset="0"/>
-                          </a:rPr>
-                          <m:t>𝐾</m:t>
-                        </m:r>
-                        <m:r>
-                          <a:rPr lang="en-US" b="0" i="1" smtClean="0">
-                            <a:latin typeface="Cambria Math" panose="02040503050406030204" pitchFamily="18" charset="0"/>
-                          </a:rPr>
-                          <m:t>,</m:t>
-                        </m:r>
-                        <m:r>
-                          <a:rPr lang="en-US" b="0" i="1" smtClean="0">
-                            <a:latin typeface="Cambria Math" panose="02040503050406030204" pitchFamily="18" charset="0"/>
-                          </a:rPr>
-                          <m:t>𝑀</m:t>
-                        </m:r>
-                        <m:r>
-                          <a:rPr lang="en-US" b="0" i="1" smtClean="0">
-                            <a:latin typeface="Cambria Math" panose="02040503050406030204" pitchFamily="18" charset="0"/>
-                          </a:rPr>
-                          <m:t>,</m:t>
-                        </m:r>
-                        <m:r>
-                          <a:rPr lang="en-US" b="0" i="1" smtClean="0">
-                            <a:latin typeface="Cambria Math" panose="02040503050406030204" pitchFamily="18" charset="0"/>
-                          </a:rPr>
-                          <m:t>𝐶</m:t>
-                        </m:r>
-                      </m:e>
-                    </m:d>
-                    <m:r>
-                      <a:rPr lang="en-US" b="0" i="1" smtClean="0">
-                        <a:latin typeface="Cambria Math" panose="02040503050406030204" pitchFamily="18" charset="0"/>
-                      </a:rPr>
-                      <m:t>:</m:t>
-                    </m:r>
-                    <m:r>
-                      <a:rPr lang="en-US" b="0" i="1" smtClean="0">
-                        <a:latin typeface="Cambria Math" panose="02040503050406030204" pitchFamily="18" charset="0"/>
-                      </a:rPr>
-                      <m:t>𝐾</m:t>
-                    </m:r>
-                    <m:r>
-                      <a:rPr lang="en-US" b="0" i="1" smtClean="0">
-                        <a:latin typeface="Cambria Math" panose="02040503050406030204" pitchFamily="18" charset="0"/>
-                      </a:rPr>
-                      <m:t>=</m:t>
-                    </m:r>
-                    <m:sSup>
-                      <m:sSupPr>
-                        <m:ctrlPr>
-                          <a:rPr lang="en-US" b="0" i="1" smtClean="0">
-                            <a:latin typeface="Cambria Math" panose="02040503050406030204" pitchFamily="18" charset="0"/>
-                          </a:rPr>
-                        </m:ctrlPr>
-                      </m:sSupPr>
-                      <m:e>
-                        <m:d>
-                          <m:dPr>
-                            <m:begChr m:val="{"/>
-                            <m:endChr m:val="}"/>
-                            <m:ctrlPr>
-                              <a:rPr lang="en-US" b="0" i="1" smtClean="0">
-                                <a:latin typeface="Cambria Math" panose="02040503050406030204" pitchFamily="18" charset="0"/>
-                              </a:rPr>
-                            </m:ctrlPr>
-                          </m:dPr>
-                          <m:e>
-                            <m:r>
-                              <a:rPr lang="en-US" b="0" i="1" smtClean="0">
-                                <a:latin typeface="Cambria Math" panose="02040503050406030204" pitchFamily="18" charset="0"/>
-                              </a:rPr>
-                              <m:t>0,1</m:t>
-                            </m:r>
-                          </m:e>
-                        </m:d>
-                      </m:e>
-                      <m:sup>
-                        <m:r>
-                          <a:rPr lang="en-US" b="0" i="1" smtClean="0">
-                            <a:latin typeface="Cambria Math" panose="02040503050406030204" pitchFamily="18" charset="0"/>
-                          </a:rPr>
-                          <m:t>𝑙</m:t>
-                        </m:r>
-                      </m:sup>
-                    </m:sSup>
-                    <m:r>
-                      <a:rPr lang="en-US" b="0" i="1" smtClean="0">
-                        <a:latin typeface="Cambria Math" panose="02040503050406030204" pitchFamily="18" charset="0"/>
-                      </a:rPr>
-                      <m:t>, </m:t>
-                    </m:r>
-                    <m:r>
-                      <a:rPr lang="en-US" b="0" i="1" smtClean="0">
-                        <a:latin typeface="Cambria Math" panose="02040503050406030204" pitchFamily="18" charset="0"/>
-                      </a:rPr>
-                      <m:t>𝑀</m:t>
-                    </m:r>
-                    <m:r>
-                      <a:rPr lang="en-US" b="0" i="1" smtClean="0">
-                        <a:latin typeface="Cambria Math" panose="02040503050406030204" pitchFamily="18" charset="0"/>
-                      </a:rPr>
-                      <m:t>=</m:t>
-                    </m:r>
-                    <m:r>
-                      <a:rPr lang="en-US" b="0" i="1" smtClean="0">
-                        <a:latin typeface="Cambria Math" panose="02040503050406030204" pitchFamily="18" charset="0"/>
-                      </a:rPr>
-                      <m:t>𝐶</m:t>
-                    </m:r>
-                    <m:r>
-                      <a:rPr lang="en-US" b="0" i="1" smtClean="0">
-                        <a:latin typeface="Cambria Math" panose="02040503050406030204" pitchFamily="18" charset="0"/>
-                      </a:rPr>
-                      <m:t>=</m:t>
-                    </m:r>
-                    <m:sSup>
-                      <m:sSupPr>
-                        <m:ctrlPr>
-                          <a:rPr lang="en-US" b="0" i="1" smtClean="0">
-                            <a:latin typeface="Cambria Math" panose="02040503050406030204" pitchFamily="18" charset="0"/>
-                          </a:rPr>
-                        </m:ctrlPr>
-                      </m:sSupPr>
-                      <m:e>
-                        <m:d>
-                          <m:dPr>
-                            <m:begChr m:val="{"/>
-                            <m:endChr m:val="}"/>
-                            <m:ctrlPr>
-                              <a:rPr lang="en-US" b="0" i="1" smtClean="0">
-                                <a:latin typeface="Cambria Math" panose="02040503050406030204" pitchFamily="18" charset="0"/>
-                              </a:rPr>
-                            </m:ctrlPr>
-                          </m:dPr>
-                          <m:e>
-                            <m:r>
-                              <a:rPr lang="en-US" b="0" i="1" smtClean="0">
-                                <a:latin typeface="Cambria Math" panose="02040503050406030204" pitchFamily="18" charset="0"/>
-                              </a:rPr>
-                              <m:t>0,1</m:t>
-                            </m:r>
-                          </m:e>
-                        </m:d>
-                      </m:e>
-                      <m:sup>
-                        <m:r>
-                          <a:rPr lang="en-US" b="0" i="1" smtClean="0">
-                            <a:latin typeface="Cambria Math" panose="02040503050406030204" pitchFamily="18" charset="0"/>
-                          </a:rPr>
-                          <m:t>𝐿</m:t>
-                        </m:r>
-                      </m:sup>
-                    </m:sSup>
-                  </m:oMath>
-                </a14:m>
-                <a:r>
-                  <a:rPr lang="ru-RU" dirty="0" smtClean="0"/>
-                  <a:t>, называется </a:t>
-                </a:r>
-                <a:r>
-                  <a:rPr lang="ru-RU" b="1" dirty="0" smtClean="0"/>
-                  <a:t>поточным шифром</a:t>
-                </a:r>
-                <a:r>
-                  <a:rPr lang="ru-RU" dirty="0" smtClean="0"/>
-                  <a:t>, если </a:t>
-                </a:r>
-              </a:p>
-              <a:p>
-                <a:pPr marL="0" indent="0" algn="ctr">
-                  <a:buNone/>
-                </a:pPr>
-                <a14:m>
-                  <m:oMath xmlns:m="http://schemas.openxmlformats.org/officeDocument/2006/math">
-                    <m:r>
-                      <a:rPr lang="en-US" b="0" i="1" smtClean="0">
-                        <a:latin typeface="Cambria Math" panose="02040503050406030204" pitchFamily="18" charset="0"/>
-                      </a:rPr>
-                      <m:t>𝐸</m:t>
-                    </m:r>
-                    <m:d>
-                      <m:dPr>
-                        <m:ctrlPr>
-                          <a:rPr lang="en-US" b="0" i="1" smtClean="0">
-                            <a:latin typeface="Cambria Math" panose="02040503050406030204" pitchFamily="18" charset="0"/>
-                          </a:rPr>
-                        </m:ctrlPr>
-                      </m:dPr>
-                      <m:e>
-                        <m:r>
-                          <a:rPr lang="en-US" b="0" i="1" smtClean="0">
-                            <a:latin typeface="Cambria Math" panose="02040503050406030204" pitchFamily="18" charset="0"/>
-                          </a:rPr>
-                          <m:t>𝑘</m:t>
-                        </m:r>
-                        <m:r>
-                          <a:rPr lang="en-US" b="0" i="1" smtClean="0">
-                            <a:latin typeface="Cambria Math" panose="02040503050406030204" pitchFamily="18" charset="0"/>
-                          </a:rPr>
-                          <m:t>,</m:t>
-                        </m:r>
-                        <m:r>
-                          <a:rPr lang="en-US" b="0" i="1" smtClean="0">
-                            <a:latin typeface="Cambria Math" panose="02040503050406030204" pitchFamily="18" charset="0"/>
-                          </a:rPr>
-                          <m:t>𝑚</m:t>
-                        </m:r>
-                      </m:e>
-                    </m:d>
-                    <m:r>
-                      <a:rPr lang="en-US" b="0" i="1" smtClean="0">
-                        <a:latin typeface="Cambria Math" panose="02040503050406030204" pitchFamily="18" charset="0"/>
-                      </a:rPr>
-                      <m:t>=</m:t>
-                    </m:r>
-                    <m:r>
-                      <a:rPr lang="en-US" b="0" i="1" smtClean="0">
-                        <a:latin typeface="Cambria Math" panose="02040503050406030204" pitchFamily="18" charset="0"/>
-                      </a:rPr>
-                      <m:t>𝐺</m:t>
-                    </m:r>
-                    <m:d>
-                      <m:dPr>
-                        <m:ctrlPr>
-                          <a:rPr lang="en-US" b="0" i="1" smtClean="0">
-                            <a:latin typeface="Cambria Math" panose="02040503050406030204" pitchFamily="18" charset="0"/>
-                          </a:rPr>
-                        </m:ctrlPr>
-                      </m:dPr>
-                      <m:e>
-                        <m:r>
-                          <a:rPr lang="en-US" b="0" i="1" smtClean="0">
-                            <a:latin typeface="Cambria Math" panose="02040503050406030204" pitchFamily="18" charset="0"/>
-                          </a:rPr>
-                          <m:t>𝑘</m:t>
-                        </m:r>
-                      </m:e>
-                    </m:d>
-                    <m:r>
-                      <a:rPr lang="en-US" b="0" i="1" smtClean="0">
-                        <a:latin typeface="Cambria Math" panose="02040503050406030204" pitchFamily="18" charset="0"/>
-                      </a:rPr>
-                      <m:t>⊕</m:t>
-                    </m:r>
-                    <m:r>
-                      <a:rPr lang="en-US" b="0" i="1" smtClean="0">
-                        <a:latin typeface="Cambria Math" panose="02040503050406030204" pitchFamily="18" charset="0"/>
-                      </a:rPr>
-                      <m:t>𝑚</m:t>
-                    </m:r>
-                    <m:r>
-                      <a:rPr lang="ru-RU" b="0" i="0" smtClean="0">
-                        <a:latin typeface="Cambria Math" panose="02040503050406030204" pitchFamily="18" charset="0"/>
-                      </a:rPr>
-                      <m:t>,</m:t>
-                    </m:r>
-                  </m:oMath>
-                </a14:m>
-                <a:r>
-                  <a:rPr lang="ru-RU" dirty="0" smtClean="0"/>
-                  <a:t> </a:t>
-                </a:r>
-              </a:p>
-              <a:p>
-                <a:pPr marL="0" indent="0">
-                  <a:buNone/>
-                </a:pPr>
-                <a:r>
-                  <a:rPr lang="ru-RU" dirty="0" smtClean="0"/>
-                  <a:t>где</a:t>
-                </a:r>
-                <a14:m>
-                  <m:oMath xmlns:m="http://schemas.openxmlformats.org/officeDocument/2006/math">
-                    <m:r>
-                      <a:rPr lang="ru-RU" b="0" i="0" smtClean="0">
-                        <a:latin typeface="Cambria Math" panose="02040503050406030204" pitchFamily="18" charset="0"/>
-                      </a:rPr>
-                      <m:t> </m:t>
-                    </m:r>
-                    <m:r>
-                      <a:rPr lang="en-US" i="1">
-                        <a:latin typeface="Cambria Math" panose="02040503050406030204" pitchFamily="18" charset="0"/>
-                      </a:rPr>
-                      <m:t>𝐺</m:t>
-                    </m:r>
-                    <m:r>
-                      <a:rPr lang="en-US" i="1">
-                        <a:latin typeface="Cambria Math" panose="02040503050406030204" pitchFamily="18" charset="0"/>
-                      </a:rPr>
-                      <m:t>:</m:t>
-                    </m:r>
-                    <m:sSup>
-                      <m:sSupPr>
-                        <m:ctrlPr>
-                          <a:rPr lang="en-US" i="1">
-                            <a:latin typeface="Cambria Math" panose="02040503050406030204" pitchFamily="18" charset="0"/>
-                          </a:rPr>
-                        </m:ctrlPr>
-                      </m:sSupPr>
-                      <m:e>
-                        <m:d>
-                          <m:dPr>
-                            <m:begChr m:val="{"/>
-                            <m:endChr m:val="}"/>
-                            <m:ctrlPr>
-                              <a:rPr lang="en-US" i="1">
-                                <a:latin typeface="Cambria Math" panose="02040503050406030204" pitchFamily="18" charset="0"/>
-                              </a:rPr>
-                            </m:ctrlPr>
-                          </m:dPr>
-                          <m:e>
-                            <m:r>
-                              <a:rPr lang="en-US" i="1">
-                                <a:latin typeface="Cambria Math" panose="02040503050406030204" pitchFamily="18" charset="0"/>
-                              </a:rPr>
-                              <m:t>0,1</m:t>
-                            </m:r>
-                          </m:e>
-                        </m:d>
-                      </m:e>
-                      <m:sup>
-                        <m:r>
-                          <a:rPr lang="en-US" i="1">
-                            <a:latin typeface="Cambria Math" panose="02040503050406030204" pitchFamily="18" charset="0"/>
-                          </a:rPr>
-                          <m:t>𝑙</m:t>
-                        </m:r>
-                      </m:sup>
-                    </m:sSup>
-                    <m:r>
-                      <a:rPr lang="en-US" i="1">
-                        <a:latin typeface="Cambria Math" panose="02040503050406030204" pitchFamily="18" charset="0"/>
-                      </a:rPr>
-                      <m:t>→</m:t>
-                    </m:r>
-                    <m:sSup>
-                      <m:sSupPr>
-                        <m:ctrlPr>
-                          <a:rPr lang="en-US" i="1">
-                            <a:latin typeface="Cambria Math" panose="02040503050406030204" pitchFamily="18" charset="0"/>
-                          </a:rPr>
-                        </m:ctrlPr>
-                      </m:sSupPr>
-                      <m:e>
-                        <m:d>
-                          <m:dPr>
-                            <m:begChr m:val="{"/>
-                            <m:endChr m:val="}"/>
-                            <m:ctrlPr>
-                              <a:rPr lang="en-US" i="1">
-                                <a:latin typeface="Cambria Math" panose="02040503050406030204" pitchFamily="18" charset="0"/>
-                              </a:rPr>
-                            </m:ctrlPr>
-                          </m:dPr>
-                          <m:e>
-                            <m:r>
-                              <a:rPr lang="en-US" i="1">
-                                <a:latin typeface="Cambria Math" panose="02040503050406030204" pitchFamily="18" charset="0"/>
-                              </a:rPr>
-                              <m:t>0,1</m:t>
-                            </m:r>
-                          </m:e>
-                        </m:d>
-                      </m:e>
-                      <m:sup>
-                        <m:r>
-                          <a:rPr lang="en-US" i="1">
-                            <a:latin typeface="Cambria Math" panose="02040503050406030204" pitchFamily="18" charset="0"/>
-                          </a:rPr>
-                          <m:t>𝐿</m:t>
-                        </m:r>
-                      </m:sup>
-                    </m:sSup>
-                  </m:oMath>
-                </a14:m>
-                <a:r>
-                  <a:rPr lang="en-US" dirty="0" smtClean="0"/>
-                  <a:t> - </a:t>
-                </a:r>
-                <a:r>
-                  <a:rPr lang="ru-RU" dirty="0" smtClean="0"/>
-                  <a:t>псевдослучайный генератор.</a:t>
-                </a:r>
-              </a:p>
-              <a:p>
-                <a:endParaRPr lang="ru-RU" dirty="0"/>
-              </a:p>
-              <a:p>
-                <a:pPr marL="0" indent="0">
-                  <a:buNone/>
-                </a:pPr>
-                <a:r>
-                  <a:rPr lang="ru-RU" dirty="0" smtClean="0"/>
-                  <a:t>Аналогично можно ввести Поточный шифр по произвольному модулю.</a:t>
-                </a:r>
-              </a:p>
-              <a:p>
-                <a:pPr marL="0" indent="0">
-                  <a:buNone/>
-                </a:pPr>
-                <a:endParaRPr lang="ru-RU" dirty="0"/>
-              </a:p>
-              <a:p>
-                <a:pPr marL="0" indent="0">
-                  <a:buNone/>
-                </a:pPr>
-                <a:r>
-                  <a:rPr lang="ru-RU" dirty="0" smtClean="0"/>
-                  <a:t>Стойкость поточного шифра сводится к «качеству» псевдослучайной последовательности </a:t>
-                </a:r>
-                <a14:m>
-                  <m:oMath xmlns:m="http://schemas.openxmlformats.org/officeDocument/2006/math">
-                    <m:r>
-                      <a:rPr lang="en-US" b="0" i="1" smtClean="0">
-                        <a:latin typeface="Cambria Math" panose="02040503050406030204" pitchFamily="18" charset="0"/>
-                      </a:rPr>
-                      <m:t>𝛾</m:t>
-                    </m:r>
-                    <m:r>
-                      <a:rPr lang="en-US" b="0" i="1" smtClean="0">
-                        <a:latin typeface="Cambria Math" panose="02040503050406030204" pitchFamily="18" charset="0"/>
-                      </a:rPr>
-                      <m:t>=</m:t>
-                    </m:r>
-                    <m:r>
-                      <a:rPr lang="en-US" b="0" i="1" smtClean="0">
-                        <a:latin typeface="Cambria Math" panose="02040503050406030204" pitchFamily="18" charset="0"/>
-                      </a:rPr>
-                      <m:t>𝐺</m:t>
-                    </m:r>
-                    <m:r>
-                      <a:rPr lang="en-US" b="0" i="1" smtClean="0">
-                        <a:latin typeface="Cambria Math" panose="02040503050406030204" pitchFamily="18" charset="0"/>
-                      </a:rPr>
-                      <m:t>(</m:t>
-                    </m:r>
-                    <m:r>
-                      <a:rPr lang="en-US" b="0" i="1" smtClean="0">
-                        <a:latin typeface="Cambria Math" panose="02040503050406030204" pitchFamily="18" charset="0"/>
-                      </a:rPr>
-                      <m:t>𝑘</m:t>
-                    </m:r>
-                    <m:r>
-                      <a:rPr lang="en-US" b="0" i="1" smtClean="0">
-                        <a:latin typeface="Cambria Math" panose="02040503050406030204" pitchFamily="18" charset="0"/>
-                      </a:rPr>
-                      <m:t>)</m:t>
-                    </m:r>
-                  </m:oMath>
-                </a14:m>
-                <a:endParaRPr lang="ru-RU" dirty="0"/>
-              </a:p>
-            </p:txBody>
-          </p:sp>
-        </mc:Choice>
-        <mc:Fallback xmlns="">
-          <p:sp>
-            <p:nvSpPr>
-              <p:cNvPr id="3" name="Объект 2"/>
-              <p:cNvSpPr>
-                <a:spLocks noGrp="1" noRot="1" noChangeAspect="1" noMove="1" noResize="1" noEditPoints="1" noAdjustHandles="1" noChangeArrowheads="1" noChangeShapeType="1" noTextEdit="1"/>
-              </p:cNvSpPr>
-              <p:nvPr>
-                <p:ph idx="1"/>
-              </p:nvPr>
-            </p:nvSpPr>
-            <p:spPr>
-              <a:blipFill>
-                <a:blip r:embed="rId2"/>
-                <a:stretch>
-                  <a:fillRect l="-928" t="-2661" b="-140"/>
-                </a:stretch>
-              </a:blipFill>
-            </p:spPr>
-            <p:txBody>
-              <a:bodyPr/>
-              <a:lstStyle/>
-              <a:p>
-                <a:r>
-                  <a:rPr lang="ru-RU">
-                    <a:noFill/>
-                  </a:rPr>
-                  <a:t> </a:t>
-                </a:r>
-              </a:p>
-            </p:txBody>
-          </p:sp>
-        </mc:Fallback>
-      </mc:AlternateContent>
-      <p:sp>
-        <p:nvSpPr>
-          <p:cNvPr id="4" name="Номер слайда 3"/>
-          <p:cNvSpPr>
-            <a:spLocks noGrp="1"/>
-          </p:cNvSpPr>
-          <p:nvPr>
-            <p:ph type="sldNum" sz="quarter" idx="12"/>
-          </p:nvPr>
-        </p:nvSpPr>
-        <p:spPr/>
-        <p:txBody>
-          <a:bodyPr/>
-          <a:lstStyle/>
-          <a:p>
-            <a:fld id="{8253DDDB-F8F7-4D64-A7FD-3F3D61C1949F}" type="slidenum">
-              <a:rPr lang="ru-RU" smtClean="0"/>
-              <a:t>11</a:t>
-            </a:fld>
-            <a:endParaRPr lang="ru-RU"/>
-          </a:p>
-        </p:txBody>
-      </p:sp>
-    </p:spTree>
-    <p:extLst>
-      <p:ext uri="{BB962C8B-B14F-4D97-AF65-F5344CB8AC3E}">
-        <p14:creationId xmlns:p14="http://schemas.microsoft.com/office/powerpoint/2010/main" val="3575011092"/>
-      </p:ext>
-    </p:extLst>
-  </p:cSld>
-  <p:clrMapOvr>
-    <a:masterClrMapping/>
-  </p:clrMapOvr>
-  <p:timing>
-    <p:tnLst>
-      <p:par>
-        <p:cTn id="1" dur="indefinite" restart="never" nodeType="tmRoot"/>
-      </p:par>
-    </p:tnLst>
-  </p:timing>
-</p:sld>
-</file>
-
 <file path=ppt/slides/slide12.xml><?xml version="1.0" encoding="utf-8"?>
 <p:sld xmlns:a="http://schemas.openxmlformats.org/drawingml/2006/main" xmlns:r="http://schemas.openxmlformats.org/officeDocument/2006/relationships" xmlns:p="http://schemas.openxmlformats.org/presentationml/2006/main">
   <p:cSld>
@@ -5785,14 +5122,14 @@
           <a:p>
             <a:r>
               <a:rPr lang="ru-RU" dirty="0" smtClean="0"/>
-              <a:t>Блочный шифр</a:t>
+              <a:t>Поточный шифр</a:t>
             </a:r>
             <a:endParaRPr lang="ru-RU" dirty="0"/>
           </a:p>
         </p:txBody>
       </p:sp>
-      <mc:AlternateContent xmlns:mc="http://schemas.openxmlformats.org/markup-compatibility/2006">
-        <mc:Choice xmlns:a14="http://schemas.microsoft.com/office/drawing/2010/main" Requires="a14">
+      <mc:AlternateContent xmlns:mc="http://schemas.openxmlformats.org/markup-compatibility/2006" xmlns:a14="http://schemas.microsoft.com/office/drawing/2010/main">
+        <mc:Choice Requires="a14">
           <p:sp>
             <p:nvSpPr>
               <p:cNvPr id="3" name="Объект 2"/>
@@ -5803,15 +5140,10 @@
                 <p:ph idx="1"/>
               </p:nvPr>
             </p:nvSpPr>
-            <p:spPr>
-              <a:xfrm>
-                <a:off x="838200" y="1825625"/>
-                <a:ext cx="10515600" cy="4233981"/>
-              </a:xfrm>
-            </p:spPr>
+            <p:spPr/>
             <p:txBody>
               <a:bodyPr>
-                <a:normAutofit/>
+                <a:normAutofit fontScale="92500" lnSpcReduction="10000"/>
               </a:bodyPr>
               <a:lstStyle/>
               <a:p>
@@ -5819,12 +5151,117 @@
                   <a:buNone/>
                 </a:pPr>
                 <a:r>
+                  <a:rPr lang="ru-RU" dirty="0" smtClean="0"/>
+                  <a:t>Эффективно вычислимая функция </a:t>
+                </a:r>
+                <a14:m>
+                  <m:oMath xmlns:m="http://schemas.openxmlformats.org/officeDocument/2006/math">
+                    <m:r>
+                      <a:rPr lang="en-US" b="0" i="1" smtClean="0">
+                        <a:latin typeface="Cambria Math" panose="02040503050406030204" pitchFamily="18" charset="0"/>
+                      </a:rPr>
+                      <m:t>𝐺</m:t>
+                    </m:r>
+                    <m:r>
+                      <a:rPr lang="en-US" b="0" i="1" smtClean="0">
+                        <a:latin typeface="Cambria Math" panose="02040503050406030204" pitchFamily="18" charset="0"/>
+                      </a:rPr>
+                      <m:t>:</m:t>
+                    </m:r>
+                    <m:r>
+                      <a:rPr lang="en-US" b="0" i="1" smtClean="0">
+                        <a:latin typeface="Cambria Math" panose="02040503050406030204" pitchFamily="18" charset="0"/>
+                      </a:rPr>
+                      <m:t>𝑆</m:t>
+                    </m:r>
+                    <m:r>
+                      <a:rPr lang="en-US" b="0" i="1" smtClean="0">
+                        <a:latin typeface="Cambria Math" panose="02040503050406030204" pitchFamily="18" charset="0"/>
+                      </a:rPr>
+                      <m:t>→</m:t>
+                    </m:r>
+                    <m:r>
+                      <a:rPr lang="en-US" b="0" i="1" smtClean="0">
+                        <a:latin typeface="Cambria Math" panose="02040503050406030204" pitchFamily="18" charset="0"/>
+                      </a:rPr>
+                      <m:t>𝑅</m:t>
+                    </m:r>
+                  </m:oMath>
+                </a14:m>
+                <a:r>
+                  <a:rPr lang="en-US" dirty="0" smtClean="0"/>
+                  <a:t> </a:t>
+                </a:r>
+                <a:r>
+                  <a:rPr lang="ru-RU" dirty="0" smtClean="0"/>
+                  <a:t>называется </a:t>
+                </a:r>
+                <a:r>
                   <a:rPr lang="ru-RU" b="1" dirty="0" smtClean="0"/>
-                  <a:t>Блочный шифр </a:t>
+                  <a:t>псевдослучайным генератором</a:t>
+                </a:r>
+                <a:r>
+                  <a:rPr lang="en-US" dirty="0" smtClean="0"/>
+                  <a:t> </a:t>
                 </a:r>
                 <a:r>
                   <a:rPr lang="ru-RU" dirty="0" smtClean="0"/>
-                  <a:t>– детерминированный шифр </a:t>
+                  <a:t>на </a:t>
+                </a:r>
+                <a14:m>
+                  <m:oMath xmlns:m="http://schemas.openxmlformats.org/officeDocument/2006/math">
+                    <m:r>
+                      <a:rPr lang="en-US" b="0" i="1" smtClean="0">
+                        <a:latin typeface="Cambria Math" panose="02040503050406030204" pitchFamily="18" charset="0"/>
+                      </a:rPr>
+                      <m:t>(</m:t>
+                    </m:r>
+                    <m:r>
+                      <a:rPr lang="en-US" b="0" i="1" smtClean="0">
+                        <a:latin typeface="Cambria Math" panose="02040503050406030204" pitchFamily="18" charset="0"/>
+                      </a:rPr>
+                      <m:t>𝑆</m:t>
+                    </m:r>
+                    <m:r>
+                      <a:rPr lang="en-US" b="0" i="1" smtClean="0">
+                        <a:latin typeface="Cambria Math" panose="02040503050406030204" pitchFamily="18" charset="0"/>
+                      </a:rPr>
+                      <m:t>,</m:t>
+                    </m:r>
+                    <m:r>
+                      <a:rPr lang="en-US" b="0" i="1" smtClean="0">
+                        <a:latin typeface="Cambria Math" panose="02040503050406030204" pitchFamily="18" charset="0"/>
+                      </a:rPr>
+                      <m:t>𝑅</m:t>
+                    </m:r>
+                    <m:r>
+                      <a:rPr lang="en-US" b="0" i="1" smtClean="0">
+                        <a:latin typeface="Cambria Math" panose="02040503050406030204" pitchFamily="18" charset="0"/>
+                      </a:rPr>
+                      <m:t>)</m:t>
+                    </m:r>
+                  </m:oMath>
+                </a14:m>
+                <a:r>
+                  <a:rPr lang="ru-RU" dirty="0" smtClean="0"/>
+                  <a:t> </a:t>
+                </a:r>
+                <a:r>
+                  <a:rPr lang="en-US" b="1" dirty="0" smtClean="0"/>
+                  <a:t>PRG</a:t>
+                </a:r>
+                <a:r>
+                  <a:rPr lang="ru-RU" dirty="0" smtClean="0"/>
+                  <a:t>.</a:t>
+                </a:r>
+              </a:p>
+              <a:p>
+                <a:pPr marL="0" indent="0">
+                  <a:buNone/>
+                </a:pPr>
+                <a:r>
+                  <a:rPr lang="ru-RU" dirty="0" smtClean="0"/>
+                  <a:t>Шифр </a:t>
                 </a:r>
                 <a14:m>
                   <m:oMath xmlns:m="http://schemas.openxmlformats.org/officeDocument/2006/math">
@@ -5872,22 +5309,46 @@
                         </m:r>
                       </m:e>
                     </m:d>
-                    <m:r>
-                      <a:rPr lang="ru-RU" b="0" i="1" smtClean="0">
-                        <a:latin typeface="Cambria Math" panose="02040503050406030204" pitchFamily="18" charset="0"/>
-                      </a:rPr>
-                      <m:t> </m:t>
-                    </m:r>
                   </m:oMath>
                 </a14:m>
                 <a:r>
-                  <a:rPr lang="en-US" dirty="0" smtClean="0"/>
-                  <a:t>о</a:t>
-                </a:r>
-                <a:r>
-                  <a:rPr lang="ru-RU" dirty="0" err="1" smtClean="0"/>
-                  <a:t>пределённый</a:t>
-                </a:r>
+                  <a:rPr lang="ru-RU" dirty="0" smtClean="0"/>
+                  <a:t> с параметрам </a:t>
+                </a:r>
+                <a14:m>
+                  <m:oMath xmlns:m="http://schemas.openxmlformats.org/officeDocument/2006/math">
+                    <m:r>
+                      <a:rPr lang="ru-RU" b="0" i="1" smtClean="0">
+                        <a:latin typeface="Cambria Math" panose="02040503050406030204" pitchFamily="18" charset="0"/>
+                      </a:rPr>
+                      <m:t>(</m:t>
+                    </m:r>
+                    <m:r>
+                      <a:rPr lang="en-US" b="0" i="1" smtClean="0">
+                        <a:latin typeface="Cambria Math" panose="02040503050406030204" pitchFamily="18" charset="0"/>
+                      </a:rPr>
+                      <m:t>𝑙</m:t>
+                    </m:r>
+                    <m:r>
+                      <a:rPr lang="en-US" b="0" i="1" smtClean="0">
+                        <a:latin typeface="Cambria Math" panose="02040503050406030204" pitchFamily="18" charset="0"/>
+                      </a:rPr>
+                      <m:t>, </m:t>
+                    </m:r>
+                    <m:r>
+                      <a:rPr lang="en-US" b="0" i="1" smtClean="0">
+                        <a:latin typeface="Cambria Math" panose="02040503050406030204" pitchFamily="18" charset="0"/>
+                      </a:rPr>
+                      <m:t>𝐿</m:t>
+                    </m:r>
+                    <m:r>
+                      <a:rPr lang="ru-RU" b="0" i="1" smtClean="0">
+                        <a:latin typeface="Cambria Math" panose="02040503050406030204" pitchFamily="18" charset="0"/>
+                      </a:rPr>
+                      <m:t>)</m:t>
+                    </m:r>
+                  </m:oMath>
+                </a14:m>
                 <a:r>
                   <a:rPr lang="ru-RU" dirty="0" smtClean="0"/>
                   <a:t> на </a:t>
@@ -5897,7 +5358,7 @@
                     <m:d>
                       <m:dPr>
                         <m:ctrlPr>
-                          <a:rPr lang="ru-RU" b="0" i="1" smtClean="0">
+                          <a:rPr lang="en-US" b="0" i="1" smtClean="0">
                             <a:latin typeface="Cambria Math" panose="02040503050406030204" pitchFamily="18" charset="0"/>
                           </a:rPr>
                         </m:ctrlPr>
@@ -5919,22 +5380,165 @@
                           <a:rPr lang="en-US" b="0" i="1" smtClean="0">
                             <a:latin typeface="Cambria Math" panose="02040503050406030204" pitchFamily="18" charset="0"/>
                           </a:rPr>
-                          <m:t>𝑋</m:t>
+                          <m:t>𝑀</m:t>
+                        </m:r>
+                        <m:r>
+                          <a:rPr lang="en-US" b="0" i="1" smtClean="0">
+                            <a:latin typeface="Cambria Math" panose="02040503050406030204" pitchFamily="18" charset="0"/>
+                          </a:rPr>
+                          <m:t>,</m:t>
+                        </m:r>
+                        <m:r>
+                          <a:rPr lang="en-US" b="0" i="1" smtClean="0">
+                            <a:latin typeface="Cambria Math" panose="02040503050406030204" pitchFamily="18" charset="0"/>
+                          </a:rPr>
+                          <m:t>𝐶</m:t>
                         </m:r>
                       </m:e>
                     </m:d>
                     <m:r>
-                      <a:rPr lang="en-US" b="0" i="0" smtClean="0">
+                      <a:rPr lang="en-US" b="0" i="1" smtClean="0">
                         <a:latin typeface="Cambria Math" panose="02040503050406030204" pitchFamily="18" charset="0"/>
                       </a:rPr>
                       <m:t>:</m:t>
                     </m:r>
+                    <m:r>
+                      <a:rPr lang="en-US" b="0" i="1" smtClean="0">
+                        <a:latin typeface="Cambria Math" panose="02040503050406030204" pitchFamily="18" charset="0"/>
+                      </a:rPr>
+                      <m:t>𝐾</m:t>
+                    </m:r>
+                    <m:r>
+                      <a:rPr lang="en-US" b="0" i="1" smtClean="0">
+                        <a:latin typeface="Cambria Math" panose="02040503050406030204" pitchFamily="18" charset="0"/>
+                      </a:rPr>
+                      <m:t>=</m:t>
+                    </m:r>
+                    <m:sSup>
+                      <m:sSupPr>
+                        <m:ctrlPr>
+                          <a:rPr lang="en-US" b="0" i="1" smtClean="0">
+                            <a:latin typeface="Cambria Math" panose="02040503050406030204" pitchFamily="18" charset="0"/>
+                          </a:rPr>
+                        </m:ctrlPr>
+                      </m:sSupPr>
+                      <m:e>
+                        <m:d>
+                          <m:dPr>
+                            <m:begChr m:val="{"/>
+                            <m:endChr m:val="}"/>
+                            <m:ctrlPr>
+                              <a:rPr lang="en-US" b="0" i="1" smtClean="0">
+                                <a:latin typeface="Cambria Math" panose="02040503050406030204" pitchFamily="18" charset="0"/>
+                              </a:rPr>
+                            </m:ctrlPr>
+                          </m:dPr>
+                          <m:e>
+                            <m:r>
+                              <a:rPr lang="en-US" b="0" i="1" smtClean="0">
+                                <a:latin typeface="Cambria Math" panose="02040503050406030204" pitchFamily="18" charset="0"/>
+                              </a:rPr>
+                              <m:t>0,1</m:t>
+                            </m:r>
+                          </m:e>
+                        </m:d>
+                      </m:e>
+                      <m:sup>
+                        <m:r>
+                          <a:rPr lang="en-US" b="0" i="1" smtClean="0">
+                            <a:latin typeface="Cambria Math" panose="02040503050406030204" pitchFamily="18" charset="0"/>
+                          </a:rPr>
+                          <m:t>𝑙</m:t>
+                        </m:r>
+                      </m:sup>
+                    </m:sSup>
+                    <m:r>
+                      <a:rPr lang="en-US" b="0" i="1" smtClean="0">
+                        <a:latin typeface="Cambria Math" panose="02040503050406030204" pitchFamily="18" charset="0"/>
+                      </a:rPr>
+                      <m:t>, </m:t>
+                    </m:r>
+                    <m:r>
+                      <a:rPr lang="en-US" b="0" i="1" smtClean="0">
+                        <a:latin typeface="Cambria Math" panose="02040503050406030204" pitchFamily="18" charset="0"/>
+                      </a:rPr>
+                      <m:t>𝑀</m:t>
+                    </m:r>
+                    <m:r>
+                      <a:rPr lang="en-US" b="0" i="1" smtClean="0">
+                        <a:latin typeface="Cambria Math" panose="02040503050406030204" pitchFamily="18" charset="0"/>
+                      </a:rPr>
+                      <m:t>=</m:t>
+                    </m:r>
+                    <m:r>
+                      <a:rPr lang="en-US" b="0" i="1" smtClean="0">
+                        <a:latin typeface="Cambria Math" panose="02040503050406030204" pitchFamily="18" charset="0"/>
+                      </a:rPr>
+                      <m:t>𝐶</m:t>
+                    </m:r>
+                    <m:r>
+                      <a:rPr lang="en-US" b="0" i="1" smtClean="0">
+                        <a:latin typeface="Cambria Math" panose="02040503050406030204" pitchFamily="18" charset="0"/>
+                      </a:rPr>
+                      <m:t>=</m:t>
+                    </m:r>
+                    <m:sSup>
+                      <m:sSupPr>
+                        <m:ctrlPr>
+                          <a:rPr lang="en-US" b="0" i="1" smtClean="0">
+                            <a:latin typeface="Cambria Math" panose="02040503050406030204" pitchFamily="18" charset="0"/>
+                          </a:rPr>
+                        </m:ctrlPr>
+                      </m:sSupPr>
+                      <m:e>
+                        <m:d>
+                          <m:dPr>
+                            <m:begChr m:val="{"/>
+                            <m:endChr m:val="}"/>
+                            <m:ctrlPr>
+                              <a:rPr lang="en-US" b="0" i="1" smtClean="0">
+                                <a:latin typeface="Cambria Math" panose="02040503050406030204" pitchFamily="18" charset="0"/>
+                              </a:rPr>
+                            </m:ctrlPr>
+                          </m:dPr>
+                          <m:e>
+                            <m:r>
+                              <a:rPr lang="en-US" b="0" i="1" smtClean="0">
+                                <a:latin typeface="Cambria Math" panose="02040503050406030204" pitchFamily="18" charset="0"/>
+                              </a:rPr>
+                              <m:t>0,1</m:t>
+                            </m:r>
+                          </m:e>
+                        </m:d>
+                      </m:e>
+                      <m:sup>
+                        <m:r>
+                          <a:rPr lang="en-US" b="0" i="1" smtClean="0">
+                            <a:latin typeface="Cambria Math" panose="02040503050406030204" pitchFamily="18" charset="0"/>
+                          </a:rPr>
+                          <m:t>𝐿</m:t>
+                        </m:r>
+                      </m:sup>
+                    </m:sSup>
                   </m:oMath>
                 </a14:m>
                 <a:r>
                   <a:rPr lang="ru-RU" dirty="0" smtClean="0"/>
-                  <a:t> </a:t>
-                </a:r>
+                  <a:t>, называется </a:t>
+                </a:r>
+                <a:r>
+                  <a:rPr lang="ru-RU" b="1" dirty="0" smtClean="0"/>
+                  <a:t>поточным шифром</a:t>
+                </a:r>
+                <a:r>
+                  <a:rPr lang="ru-RU" dirty="0" smtClean="0"/>
+                  <a:t>, если </a:t>
+                </a:r>
+              </a:p>
+              <a:p>
+                <a:pPr marL="0" indent="0" algn="ctr">
+                  <a:buNone/>
+                </a:pPr>
                 <a14:m>
                   <m:oMath xmlns:m="http://schemas.openxmlformats.org/officeDocument/2006/math">
                     <m:r>
@@ -5943,110 +5547,212 @@
                       </a:rPr>
                       <m:t>𝐸</m:t>
                     </m:r>
-                    <m:r>
-                      <a:rPr lang="en-US" b="0" i="1" smtClean="0">
-                        <a:latin typeface="Cambria Math" panose="02040503050406030204" pitchFamily="18" charset="0"/>
-                      </a:rPr>
-                      <m:t>:</m:t>
-                    </m:r>
-                    <m:r>
-                      <a:rPr lang="en-US" b="0" i="1" smtClean="0">
-                        <a:latin typeface="Cambria Math" panose="02040503050406030204" pitchFamily="18" charset="0"/>
-                      </a:rPr>
-                      <m:t>𝐾</m:t>
-                    </m:r>
-                    <m:r>
-                      <a:rPr lang="en-US" b="0" i="1" smtClean="0">
-                        <a:latin typeface="Cambria Math" panose="02040503050406030204" pitchFamily="18" charset="0"/>
-                      </a:rPr>
-                      <m:t>×</m:t>
-                    </m:r>
-                    <m:r>
-                      <a:rPr lang="en-US" b="0" i="1" smtClean="0">
-                        <a:latin typeface="Cambria Math" panose="02040503050406030204" pitchFamily="18" charset="0"/>
-                      </a:rPr>
-                      <m:t>𝑋</m:t>
-                    </m:r>
-                    <m:r>
-                      <a:rPr lang="en-US" b="0" i="1" smtClean="0">
-                        <a:latin typeface="Cambria Math" panose="02040503050406030204" pitchFamily="18" charset="0"/>
-                      </a:rPr>
-                      <m:t>→</m:t>
-                    </m:r>
-                    <m:r>
-                      <a:rPr lang="en-US" b="0" i="1" smtClean="0">
-                        <a:latin typeface="Cambria Math" panose="02040503050406030204" pitchFamily="18" charset="0"/>
-                      </a:rPr>
-                      <m:t>𝑋</m:t>
-                    </m:r>
-                    <m:r>
-                      <a:rPr lang="en-US" b="0" i="0" smtClean="0">
-                        <a:latin typeface="Cambria Math" panose="02040503050406030204" pitchFamily="18" charset="0"/>
-                      </a:rPr>
-                      <m:t>.</m:t>
+                    <m:d>
+                      <m:dPr>
+                        <m:ctrlPr>
+                          <a:rPr lang="en-US" b="0" i="1" smtClean="0">
+                            <a:latin typeface="Cambria Math" panose="02040503050406030204" pitchFamily="18" charset="0"/>
+                          </a:rPr>
+                        </m:ctrlPr>
+                      </m:dPr>
+                      <m:e>
+                        <m:r>
+                          <a:rPr lang="en-US" b="0" i="1" smtClean="0">
+                            <a:latin typeface="Cambria Math" panose="02040503050406030204" pitchFamily="18" charset="0"/>
+                          </a:rPr>
+                          <m:t>𝑘</m:t>
+                        </m:r>
+                        <m:r>
+                          <a:rPr lang="en-US" b="0" i="1" smtClean="0">
+                            <a:latin typeface="Cambria Math" panose="02040503050406030204" pitchFamily="18" charset="0"/>
+                          </a:rPr>
+                          <m:t>,</m:t>
+                        </m:r>
+                        <m:r>
+                          <a:rPr lang="en-US" b="0" i="1" smtClean="0">
+                            <a:latin typeface="Cambria Math" panose="02040503050406030204" pitchFamily="18" charset="0"/>
+                          </a:rPr>
+                          <m:t>𝑚</m:t>
+                        </m:r>
+                      </m:e>
+                    </m:d>
+                    <m:r>
+                      <a:rPr lang="en-US" b="0" i="1" smtClean="0">
+                        <a:latin typeface="Cambria Math" panose="02040503050406030204" pitchFamily="18" charset="0"/>
+                      </a:rPr>
+                      <m:t>=</m:t>
+                    </m:r>
+                    <m:r>
+                      <a:rPr lang="en-US" b="0" i="1" smtClean="0">
+                        <a:latin typeface="Cambria Math" panose="02040503050406030204" pitchFamily="18" charset="0"/>
+                      </a:rPr>
+                      <m:t>𝐺</m:t>
+                    </m:r>
+                    <m:d>
+                      <m:dPr>
+                        <m:ctrlPr>
+                          <a:rPr lang="en-US" b="0" i="1" smtClean="0">
+                            <a:latin typeface="Cambria Math" panose="02040503050406030204" pitchFamily="18" charset="0"/>
+                          </a:rPr>
+                        </m:ctrlPr>
+                      </m:dPr>
+                      <m:e>
+                        <m:r>
+                          <a:rPr lang="en-US" b="0" i="1" smtClean="0">
+                            <a:latin typeface="Cambria Math" panose="02040503050406030204" pitchFamily="18" charset="0"/>
+                          </a:rPr>
+                          <m:t>𝑘</m:t>
+                        </m:r>
+                      </m:e>
+                    </m:d>
+                    <m:r>
+                      <a:rPr lang="en-US" b="0" i="1" smtClean="0">
+                        <a:latin typeface="Cambria Math" panose="02040503050406030204" pitchFamily="18" charset="0"/>
+                      </a:rPr>
+                      <m:t>⊕</m:t>
+                    </m:r>
+                    <m:r>
+                      <a:rPr lang="en-US" b="0" i="1" smtClean="0">
+                        <a:latin typeface="Cambria Math" panose="02040503050406030204" pitchFamily="18" charset="0"/>
+                      </a:rPr>
+                      <m:t>𝑚</m:t>
+                    </m:r>
+                    <m:r>
+                      <a:rPr lang="ru-RU" b="0" i="0" smtClean="0">
+                        <a:latin typeface="Cambria Math" panose="02040503050406030204" pitchFamily="18" charset="0"/>
+                      </a:rPr>
+                      <m:t>,</m:t>
                     </m:r>
                   </m:oMath>
                 </a14:m>
-                <a:endParaRPr lang="en-US" dirty="0" smtClean="0"/>
+                <a:r>
+                  <a:rPr lang="ru-RU" dirty="0" smtClean="0"/>
+                  <a:t> </a:t>
+                </a:r>
               </a:p>
               <a:p>
                 <a:pPr marL="0" indent="0">
                   <a:buNone/>
                 </a:pPr>
+                <a:r>
+                  <a:rPr lang="ru-RU" dirty="0" smtClean="0"/>
+                  <a:t>где</a:t>
+                </a:r>
                 <a14:m>
                   <m:oMath xmlns:m="http://schemas.openxmlformats.org/officeDocument/2006/math">
                     <m:r>
-                      <a:rPr lang="en-US" b="0" i="1" smtClean="0">
-                        <a:latin typeface="Cambria Math" panose="02040503050406030204" pitchFamily="18" charset="0"/>
-                      </a:rPr>
-                      <m:t>𝑥</m:t>
-                    </m:r>
-                    <m:r>
-                      <a:rPr lang="en-US" b="0" i="1" smtClean="0">
-                        <a:latin typeface="Cambria Math" panose="02040503050406030204" pitchFamily="18" charset="0"/>
-                      </a:rPr>
-                      <m:t>∈</m:t>
-                    </m:r>
-                    <m:r>
-                      <a:rPr lang="en-US" b="0" i="1" smtClean="0">
-                        <a:latin typeface="Cambria Math" panose="02040503050406030204" pitchFamily="18" charset="0"/>
-                      </a:rPr>
-                      <m:t>𝑋</m:t>
-                    </m:r>
+                      <a:rPr lang="ru-RU" b="0" i="0" smtClean="0">
+                        <a:latin typeface="Cambria Math" panose="02040503050406030204" pitchFamily="18" charset="0"/>
+                      </a:rPr>
+                      <m:t> </m:t>
+                    </m:r>
+                    <m:r>
+                      <a:rPr lang="en-US" i="1">
+                        <a:latin typeface="Cambria Math" panose="02040503050406030204" pitchFamily="18" charset="0"/>
+                      </a:rPr>
+                      <m:t>𝐺</m:t>
+                    </m:r>
+                    <m:r>
+                      <a:rPr lang="en-US" i="1">
+                        <a:latin typeface="Cambria Math" panose="02040503050406030204" pitchFamily="18" charset="0"/>
+                      </a:rPr>
+                      <m:t>:</m:t>
+                    </m:r>
+                    <m:sSup>
+                      <m:sSupPr>
+                        <m:ctrlPr>
+                          <a:rPr lang="en-US" i="1">
+                            <a:latin typeface="Cambria Math" panose="02040503050406030204" pitchFamily="18" charset="0"/>
+                          </a:rPr>
+                        </m:ctrlPr>
+                      </m:sSupPr>
+                      <m:e>
+                        <m:d>
+                          <m:dPr>
+                            <m:begChr m:val="{"/>
+                            <m:endChr m:val="}"/>
+                            <m:ctrlPr>
+                              <a:rPr lang="en-US" i="1">
+                                <a:latin typeface="Cambria Math" panose="02040503050406030204" pitchFamily="18" charset="0"/>
+                              </a:rPr>
+                            </m:ctrlPr>
+                          </m:dPr>
+                          <m:e>
+                            <m:r>
+                              <a:rPr lang="en-US" i="1">
+                                <a:latin typeface="Cambria Math" panose="02040503050406030204" pitchFamily="18" charset="0"/>
+                              </a:rPr>
+                              <m:t>0,1</m:t>
+                            </m:r>
+                          </m:e>
+                        </m:d>
+                      </m:e>
+                      <m:sup>
+                        <m:r>
+                          <a:rPr lang="en-US" i="1">
+                            <a:latin typeface="Cambria Math" panose="02040503050406030204" pitchFamily="18" charset="0"/>
+                          </a:rPr>
+                          <m:t>𝑙</m:t>
+                        </m:r>
+                      </m:sup>
+                    </m:sSup>
+                    <m:r>
+                      <a:rPr lang="en-US" i="1">
+                        <a:latin typeface="Cambria Math" panose="02040503050406030204" pitchFamily="18" charset="0"/>
+                      </a:rPr>
+                      <m:t>→</m:t>
+                    </m:r>
+                    <m:sSup>
+                      <m:sSupPr>
+                        <m:ctrlPr>
+                          <a:rPr lang="en-US" i="1">
+                            <a:latin typeface="Cambria Math" panose="02040503050406030204" pitchFamily="18" charset="0"/>
+                          </a:rPr>
+                        </m:ctrlPr>
+                      </m:sSupPr>
+                      <m:e>
+                        <m:d>
+                          <m:dPr>
+                            <m:begChr m:val="{"/>
+                            <m:endChr m:val="}"/>
+                            <m:ctrlPr>
+                              <a:rPr lang="en-US" i="1">
+                                <a:latin typeface="Cambria Math" panose="02040503050406030204" pitchFamily="18" charset="0"/>
+                              </a:rPr>
+                            </m:ctrlPr>
+                          </m:dPr>
+                          <m:e>
+                            <m:r>
+                              <a:rPr lang="en-US" i="1">
+                                <a:latin typeface="Cambria Math" panose="02040503050406030204" pitchFamily="18" charset="0"/>
+                              </a:rPr>
+                              <m:t>0,1</m:t>
+                            </m:r>
+                          </m:e>
+                        </m:d>
+                      </m:e>
+                      <m:sup>
+                        <m:r>
+                          <a:rPr lang="en-US" i="1">
+                            <a:latin typeface="Cambria Math" panose="02040503050406030204" pitchFamily="18" charset="0"/>
+                          </a:rPr>
+                          <m:t>𝐿</m:t>
+                        </m:r>
+                      </m:sup>
+                    </m:sSup>
                   </m:oMath>
                 </a14:m>
                 <a:r>
+                  <a:rPr lang="en-US" dirty="0" smtClean="0"/>
+                  <a:t> - </a:t>
+                </a:r>
+                <a:r>
                   <a:rPr lang="ru-RU" dirty="0" smtClean="0"/>
-                  <a:t> – блок данных, </a:t>
-                </a:r>
-                <a14:m>
-                  <m:oMath xmlns:m="http://schemas.openxmlformats.org/officeDocument/2006/math">
-                    <m:r>
-                      <a:rPr lang="en-US" b="0" i="1" smtClean="0">
-                        <a:latin typeface="Cambria Math" panose="02040503050406030204" pitchFamily="18" charset="0"/>
-                      </a:rPr>
-                      <m:t>𝑋</m:t>
-                    </m:r>
-                  </m:oMath>
-                </a14:m>
-                <a:r>
-                  <a:rPr lang="ru-RU" dirty="0" smtClean="0"/>
-                  <a:t> – множество блоков, </a:t>
-                </a:r>
-                <a14:m>
-                  <m:oMath xmlns:m="http://schemas.openxmlformats.org/officeDocument/2006/math">
-                    <m:r>
-                      <a:rPr lang="en-US" b="0" i="1" smtClean="0">
-                        <a:latin typeface="Cambria Math" panose="02040503050406030204" pitchFamily="18" charset="0"/>
-                      </a:rPr>
-                      <m:t>𝐾</m:t>
-                    </m:r>
-                  </m:oMath>
-                </a14:m>
-                <a:r>
-                  <a:rPr lang="ru-RU" dirty="0" smtClean="0"/>
-                  <a:t> – множество ключей блочного шифра.</a:t>
-                </a:r>
+                  <a:t>псевдослучайный генератор.</a:t>
+                </a:r>
+              </a:p>
+              <a:p>
+                <a:endParaRPr lang="ru-RU" dirty="0"/>
               </a:p>
               <a:p>
                 <a:pPr marL="0" indent="0">
@@ -6054,305 +5760,8 @@
                 </a:pPr>
                 <a:r>
                   <a:rPr lang="ru-RU" dirty="0" smtClean="0"/>
-                  <a:t>Для ключа </a:t>
-                </a:r>
-                <a14:m>
-                  <m:oMath xmlns:m="http://schemas.openxmlformats.org/officeDocument/2006/math">
-                    <m:r>
-                      <a:rPr lang="en-US" b="0" i="1" smtClean="0">
-                        <a:latin typeface="Cambria Math" panose="02040503050406030204" pitchFamily="18" charset="0"/>
-                      </a:rPr>
-                      <m:t>𝑘</m:t>
-                    </m:r>
-                    <m:r>
-                      <a:rPr lang="en-US" b="0" i="1" smtClean="0">
-                        <a:latin typeface="Cambria Math" panose="02040503050406030204" pitchFamily="18" charset="0"/>
-                      </a:rPr>
-                      <m:t>∈</m:t>
-                    </m:r>
-                    <m:r>
-                      <a:rPr lang="en-US" b="0" i="1" smtClean="0">
-                        <a:latin typeface="Cambria Math" panose="02040503050406030204" pitchFamily="18" charset="0"/>
-                      </a:rPr>
-                      <m:t>𝐾</m:t>
-                    </m:r>
-                  </m:oMath>
-                </a14:m>
-                <a:r>
-                  <a:rPr lang="ru-RU" dirty="0" smtClean="0"/>
-                  <a:t> определим функцию </a:t>
-                </a:r>
-                <a14:m>
-                  <m:oMath xmlns:m="http://schemas.openxmlformats.org/officeDocument/2006/math">
-                    <m:sSub>
-                      <m:sSubPr>
-                        <m:ctrlPr>
-                          <a:rPr lang="en-US" b="0" i="1" smtClean="0">
-                            <a:latin typeface="Cambria Math" panose="02040503050406030204" pitchFamily="18" charset="0"/>
-                          </a:rPr>
-                        </m:ctrlPr>
-                      </m:sSubPr>
-                      <m:e>
-                        <m:sSub>
-                          <m:sSubPr>
-                            <m:ctrlPr>
-                              <a:rPr lang="en-US" i="1">
-                                <a:latin typeface="Cambria Math" panose="02040503050406030204" pitchFamily="18" charset="0"/>
-                              </a:rPr>
-                            </m:ctrlPr>
-                          </m:sSubPr>
-                          <m:e>
-                            <m:r>
-                              <a:rPr lang="en-US" i="1">
-                                <a:latin typeface="Cambria Math" panose="02040503050406030204" pitchFamily="18" charset="0"/>
-                              </a:rPr>
-                              <m:t>𝑓</m:t>
-                            </m:r>
-                          </m:e>
-                          <m:sub>
-                            <m:r>
-                              <a:rPr lang="en-US" i="1">
-                                <a:latin typeface="Cambria Math" panose="02040503050406030204" pitchFamily="18" charset="0"/>
-                              </a:rPr>
-                              <m:t>𝑘</m:t>
-                            </m:r>
-                          </m:sub>
-                        </m:sSub>
-                        <m:r>
-                          <a:rPr lang="en-US" i="1">
-                            <a:latin typeface="Cambria Math" panose="02040503050406030204" pitchFamily="18" charset="0"/>
-                          </a:rPr>
-                          <m:t>:</m:t>
-                        </m:r>
-                        <m:r>
-                          <a:rPr lang="en-US" i="1">
-                            <a:latin typeface="Cambria Math" panose="02040503050406030204" pitchFamily="18" charset="0"/>
-                          </a:rPr>
-                          <m:t>𝑋</m:t>
-                        </m:r>
-                        <m:r>
-                          <a:rPr lang="en-US" i="1">
-                            <a:latin typeface="Cambria Math" panose="02040503050406030204" pitchFamily="18" charset="0"/>
-                          </a:rPr>
-                          <m:t>→</m:t>
-                        </m:r>
-                        <m:r>
-                          <a:rPr lang="en-US" i="1">
-                            <a:latin typeface="Cambria Math" panose="02040503050406030204" pitchFamily="18" charset="0"/>
-                          </a:rPr>
-                          <m:t>𝑋</m:t>
-                        </m:r>
-                        <m:r>
-                          <a:rPr lang="en-US" b="0" i="1" smtClean="0">
-                            <a:latin typeface="Cambria Math" panose="02040503050406030204" pitchFamily="18" charset="0"/>
-                          </a:rPr>
-                          <m:t>:</m:t>
-                        </m:r>
-                        <m:r>
-                          <a:rPr lang="en-US" b="0" i="1" smtClean="0">
-                            <a:latin typeface="Cambria Math" panose="02040503050406030204" pitchFamily="18" charset="0"/>
-                          </a:rPr>
-                          <m:t>𝑓</m:t>
-                        </m:r>
-                      </m:e>
-                      <m:sub>
-                        <m:r>
-                          <a:rPr lang="en-US" b="0" i="1" smtClean="0">
-                            <a:latin typeface="Cambria Math" panose="02040503050406030204" pitchFamily="18" charset="0"/>
-                          </a:rPr>
-                          <m:t>𝑘</m:t>
-                        </m:r>
-                      </m:sub>
-                    </m:sSub>
-                    <m:r>
-                      <a:rPr lang="en-US" b="0" i="1" smtClean="0">
-                        <a:latin typeface="Cambria Math" panose="02040503050406030204" pitchFamily="18" charset="0"/>
-                      </a:rPr>
-                      <m:t>=</m:t>
-                    </m:r>
-                    <m:r>
-                      <a:rPr lang="en-US" b="0" i="1" smtClean="0">
-                        <a:latin typeface="Cambria Math" panose="02040503050406030204" pitchFamily="18" charset="0"/>
-                      </a:rPr>
-                      <m:t>𝐸</m:t>
-                    </m:r>
-                    <m:d>
-                      <m:dPr>
-                        <m:ctrlPr>
-                          <a:rPr lang="en-US" b="0" i="1" smtClean="0">
-                            <a:latin typeface="Cambria Math" panose="02040503050406030204" pitchFamily="18" charset="0"/>
-                          </a:rPr>
-                        </m:ctrlPr>
-                      </m:dPr>
-                      <m:e>
-                        <m:r>
-                          <a:rPr lang="en-US" b="0" i="1" smtClean="0">
-                            <a:latin typeface="Cambria Math" panose="02040503050406030204" pitchFamily="18" charset="0"/>
-                          </a:rPr>
-                          <m:t>𝑘</m:t>
-                        </m:r>
-                        <m:r>
-                          <a:rPr lang="en-US" b="0" i="1" smtClean="0">
-                            <a:latin typeface="Cambria Math" panose="02040503050406030204" pitchFamily="18" charset="0"/>
-                          </a:rPr>
-                          <m:t>, ∗</m:t>
-                        </m:r>
-                      </m:e>
-                    </m:d>
-                    <m:r>
-                      <a:rPr lang="en-US" b="0" i="0" smtClean="0">
-                        <a:latin typeface="Cambria Math" panose="02040503050406030204" pitchFamily="18" charset="0"/>
-                      </a:rPr>
-                      <m:t>.</m:t>
-                    </m:r>
-                  </m:oMath>
-                </a14:m>
-                <a:r>
-                  <a:rPr lang="en-US" dirty="0" smtClean="0"/>
-                  <a:t> </a:t>
-                </a:r>
-                <a14:m>
-                  <m:oMath xmlns:m="http://schemas.openxmlformats.org/officeDocument/2006/math">
-                    <m:sSubSup>
-                      <m:sSubSupPr>
-                        <m:ctrlPr>
-                          <a:rPr lang="en-US" b="0" i="1" smtClean="0">
-                            <a:latin typeface="Cambria Math" panose="02040503050406030204" pitchFamily="18" charset="0"/>
-                          </a:rPr>
-                        </m:ctrlPr>
-                      </m:sSubSupPr>
-                      <m:e>
-                        <m:r>
-                          <a:rPr lang="en-US" b="0" i="1" smtClean="0">
-                            <a:latin typeface="Cambria Math" panose="02040503050406030204" pitchFamily="18" charset="0"/>
-                          </a:rPr>
-                          <m:t>𝑓</m:t>
-                        </m:r>
-                      </m:e>
-                      <m:sub>
-                        <m:r>
-                          <a:rPr lang="en-US" b="0" i="1" smtClean="0">
-                            <a:latin typeface="Cambria Math" panose="02040503050406030204" pitchFamily="18" charset="0"/>
-                          </a:rPr>
-                          <m:t>𝑘</m:t>
-                        </m:r>
-                      </m:sub>
-                      <m:sup>
-                        <m:r>
-                          <a:rPr lang="en-US" b="0" i="1" smtClean="0">
-                            <a:latin typeface="Cambria Math" panose="02040503050406030204" pitchFamily="18" charset="0"/>
-                          </a:rPr>
-                          <m:t>−1</m:t>
-                        </m:r>
-                      </m:sup>
-                    </m:sSubSup>
-                    <m:r>
-                      <a:rPr lang="en-US" b="0" i="1" smtClean="0">
-                        <a:latin typeface="Cambria Math" panose="02040503050406030204" pitchFamily="18" charset="0"/>
-                      </a:rPr>
-                      <m:t>:</m:t>
-                    </m:r>
-                    <m:r>
-                      <a:rPr lang="en-US" b="0" i="1" smtClean="0">
-                        <a:latin typeface="Cambria Math" panose="02040503050406030204" pitchFamily="18" charset="0"/>
-                      </a:rPr>
-                      <m:t>𝑋</m:t>
-                    </m:r>
-                    <m:r>
-                      <a:rPr lang="en-US" b="0" i="1" smtClean="0">
-                        <a:latin typeface="Cambria Math" panose="02040503050406030204" pitchFamily="18" charset="0"/>
-                      </a:rPr>
-                      <m:t>→</m:t>
-                    </m:r>
-                    <m:r>
-                      <a:rPr lang="en-US" b="0" i="1" smtClean="0">
-                        <a:latin typeface="Cambria Math" panose="02040503050406030204" pitchFamily="18" charset="0"/>
-                      </a:rPr>
-                      <m:t>𝑋</m:t>
-                    </m:r>
-                    <m:r>
-                      <a:rPr lang="en-US" b="0" i="1" smtClean="0">
-                        <a:latin typeface="Cambria Math" panose="02040503050406030204" pitchFamily="18" charset="0"/>
-                      </a:rPr>
-                      <m:t>:</m:t>
-                    </m:r>
-                    <m:sSubSup>
-                      <m:sSubSupPr>
-                        <m:ctrlPr>
-                          <a:rPr lang="en-US" b="0" i="1" smtClean="0">
-                            <a:latin typeface="Cambria Math" panose="02040503050406030204" pitchFamily="18" charset="0"/>
-                          </a:rPr>
-                        </m:ctrlPr>
-                      </m:sSubSupPr>
-                      <m:e>
-                        <m:r>
-                          <a:rPr lang="en-US" b="0" i="1" smtClean="0">
-                            <a:latin typeface="Cambria Math" panose="02040503050406030204" pitchFamily="18" charset="0"/>
-                          </a:rPr>
-                          <m:t>𝑓</m:t>
-                        </m:r>
-                      </m:e>
-                      <m:sub>
-                        <m:r>
-                          <a:rPr lang="en-US" b="0" i="1" smtClean="0">
-                            <a:latin typeface="Cambria Math" panose="02040503050406030204" pitchFamily="18" charset="0"/>
-                          </a:rPr>
-                          <m:t>𝑘</m:t>
-                        </m:r>
-                      </m:sub>
-                      <m:sup>
-                        <m:r>
-                          <a:rPr lang="en-US" b="0" i="1" smtClean="0">
-                            <a:latin typeface="Cambria Math" panose="02040503050406030204" pitchFamily="18" charset="0"/>
-                          </a:rPr>
-                          <m:t>−1</m:t>
-                        </m:r>
-                      </m:sup>
-                    </m:sSubSup>
-                    <m:r>
-                      <a:rPr lang="en-US" b="0" i="1" smtClean="0">
-                        <a:latin typeface="Cambria Math" panose="02040503050406030204" pitchFamily="18" charset="0"/>
-                      </a:rPr>
-                      <m:t>=</m:t>
-                    </m:r>
-                    <m:r>
-                      <a:rPr lang="en-US" b="0" i="1" smtClean="0">
-                        <a:latin typeface="Cambria Math" panose="02040503050406030204" pitchFamily="18" charset="0"/>
-                      </a:rPr>
-                      <m:t>𝐷</m:t>
-                    </m:r>
-                    <m:d>
-                      <m:dPr>
-                        <m:ctrlPr>
-                          <a:rPr lang="en-US" b="0" i="1" smtClean="0">
-                            <a:latin typeface="Cambria Math" panose="02040503050406030204" pitchFamily="18" charset="0"/>
-                          </a:rPr>
-                        </m:ctrlPr>
-                      </m:dPr>
-                      <m:e>
-                        <m:r>
-                          <a:rPr lang="en-US" b="0" i="1" smtClean="0">
-                            <a:latin typeface="Cambria Math" panose="02040503050406030204" pitchFamily="18" charset="0"/>
-                          </a:rPr>
-                          <m:t>𝑘</m:t>
-                        </m:r>
-                        <m:r>
-                          <a:rPr lang="en-US" b="0" i="1" smtClean="0">
-                            <a:latin typeface="Cambria Math" panose="02040503050406030204" pitchFamily="18" charset="0"/>
-                          </a:rPr>
-                          <m:t>,∗</m:t>
-                        </m:r>
-                      </m:e>
-                    </m:d>
-                    <m:r>
-                      <a:rPr lang="en-US" b="0" i="0" smtClean="0">
-                        <a:latin typeface="Cambria Math" panose="02040503050406030204" pitchFamily="18" charset="0"/>
-                      </a:rPr>
-                      <m:t>.</m:t>
-                    </m:r>
-                  </m:oMath>
-                </a14:m>
-                <a:endParaRPr lang="en-US" dirty="0" smtClean="0"/>
+                  <a:t>Аналогично можно ввести Поточный шифр по произвольному модулю.</a:t>
+                </a:r>
               </a:p>
               <a:p>
                 <a:pPr marL="0" indent="0">
@@ -6366,240 +5775,54 @@
                 </a:pPr>
                 <a:r>
                   <a:rPr lang="ru-RU" dirty="0" smtClean="0"/>
-                  <a:t>Из свойства корректности имеем </a:t>
+                  <a:t>Стойкость поточного шифра сводится к «качеству» псевдослучайной последовательности </a:t>
                 </a:r>
                 <a14:m>
                   <m:oMath xmlns:m="http://schemas.openxmlformats.org/officeDocument/2006/math">
-                    <m:sSub>
-                      <m:sSubPr>
-                        <m:ctrlPr>
-                          <a:rPr lang="en-US" i="1" dirty="0">
-                            <a:latin typeface="Cambria Math" panose="02040503050406030204" pitchFamily="18" charset="0"/>
-                          </a:rPr>
-                        </m:ctrlPr>
-                      </m:sSubPr>
-                      <m:e>
-                        <m:r>
-                          <a:rPr lang="en-US" i="1" dirty="0">
-                            <a:latin typeface="Cambria Math" panose="02040503050406030204" pitchFamily="18" charset="0"/>
-                          </a:rPr>
-                          <m:t>𝑓</m:t>
-                        </m:r>
-                      </m:e>
-                      <m:sub>
-                        <m:r>
-                          <a:rPr lang="en-US" i="1" dirty="0">
-                            <a:latin typeface="Cambria Math" panose="02040503050406030204" pitchFamily="18" charset="0"/>
-                          </a:rPr>
-                          <m:t>𝑘</m:t>
-                        </m:r>
-                      </m:sub>
-                    </m:sSub>
-                    <m:r>
-                      <a:rPr lang="en-US" b="0" i="1" dirty="0" smtClean="0">
-                        <a:latin typeface="Cambria Math" panose="02040503050406030204" pitchFamily="18" charset="0"/>
-                      </a:rPr>
-                      <m:t>, </m:t>
-                    </m:r>
-                    <m:sSubSup>
-                      <m:sSubSupPr>
-                        <m:ctrlPr>
-                          <a:rPr lang="en-US" b="0" i="1" dirty="0" smtClean="0">
-                            <a:latin typeface="Cambria Math" panose="02040503050406030204" pitchFamily="18" charset="0"/>
-                          </a:rPr>
-                        </m:ctrlPr>
-                      </m:sSubSupPr>
-                      <m:e>
-                        <m:r>
-                          <a:rPr lang="en-US" b="0" i="1" dirty="0" smtClean="0">
-                            <a:latin typeface="Cambria Math" panose="02040503050406030204" pitchFamily="18" charset="0"/>
-                          </a:rPr>
-                          <m:t>𝑓</m:t>
-                        </m:r>
-                      </m:e>
-                      <m:sub>
-                        <m:r>
-                          <a:rPr lang="en-US" b="0" i="1" dirty="0" smtClean="0">
-                            <a:latin typeface="Cambria Math" panose="02040503050406030204" pitchFamily="18" charset="0"/>
-                          </a:rPr>
-                          <m:t>𝑘</m:t>
-                        </m:r>
-                      </m:sub>
-                      <m:sup>
-                        <m:r>
-                          <a:rPr lang="en-US" b="0" i="1" dirty="0" smtClean="0">
-                            <a:latin typeface="Cambria Math" panose="02040503050406030204" pitchFamily="18" charset="0"/>
-                          </a:rPr>
-                          <m:t>−1</m:t>
-                        </m:r>
-                      </m:sup>
-                    </m:sSubSup>
+                    <m:r>
+                      <a:rPr lang="en-US" b="0" i="1" smtClean="0">
+                        <a:latin typeface="Cambria Math" panose="02040503050406030204" pitchFamily="18" charset="0"/>
+                      </a:rPr>
+                      <m:t>𝛾</m:t>
+                    </m:r>
+                    <m:r>
+                      <a:rPr lang="en-US" b="0" i="1" smtClean="0">
+                        <a:latin typeface="Cambria Math" panose="02040503050406030204" pitchFamily="18" charset="0"/>
+                      </a:rPr>
+                      <m:t>=</m:t>
+                    </m:r>
+                    <m:r>
+                      <a:rPr lang="en-US" b="0" i="1" smtClean="0">
+                        <a:latin typeface="Cambria Math" panose="02040503050406030204" pitchFamily="18" charset="0"/>
+                      </a:rPr>
+                      <m:t>𝐺</m:t>
+                    </m:r>
+                    <m:r>
+                      <a:rPr lang="en-US" b="0" i="1" smtClean="0">
+                        <a:latin typeface="Cambria Math" panose="02040503050406030204" pitchFamily="18" charset="0"/>
+                      </a:rPr>
+                      <m:t>(</m:t>
+                    </m:r>
+                    <m:r>
+                      <a:rPr lang="en-US" b="0" i="1" smtClean="0">
+                        <a:latin typeface="Cambria Math" panose="02040503050406030204" pitchFamily="18" charset="0"/>
+                      </a:rPr>
+                      <m:t>𝑘</m:t>
+                    </m:r>
+                    <m:r>
+                      <a:rPr lang="en-US" b="0" i="1" smtClean="0">
+                        <a:latin typeface="Cambria Math" panose="02040503050406030204" pitchFamily="18" charset="0"/>
+                      </a:rPr>
+                      <m:t>)</m:t>
+                    </m:r>
                   </m:oMath>
                 </a14:m>
-                <a:r>
-                  <a:rPr lang="ru-RU" dirty="0" smtClean="0"/>
-                  <a:t> </a:t>
-                </a:r>
-                <a:r>
-                  <a:rPr lang="ru-RU" dirty="0"/>
-                  <a:t>- </a:t>
-                </a:r>
-                <a:r>
-                  <a:rPr lang="ru-RU" dirty="0" smtClean="0"/>
-                  <a:t>подстановки </a:t>
-                </a:r>
-                <a:r>
-                  <a:rPr lang="ru-RU" dirty="0"/>
-                  <a:t>на множестве </a:t>
-                </a:r>
-                <a14:m>
-                  <m:oMath xmlns:m="http://schemas.openxmlformats.org/officeDocument/2006/math">
-                    <m:r>
-                      <a:rPr lang="en-US" i="1">
-                        <a:latin typeface="Cambria Math" panose="02040503050406030204" pitchFamily="18" charset="0"/>
-                      </a:rPr>
-                      <m:t>𝑋</m:t>
-                    </m:r>
-                    <m:r>
-                      <a:rPr lang="ru-RU" b="0" i="0" smtClean="0">
-                        <a:latin typeface="Cambria Math" panose="02040503050406030204" pitchFamily="18" charset="0"/>
-                      </a:rPr>
-                      <m:t>,</m:t>
-                    </m:r>
-                  </m:oMath>
-                </a14:m>
-                <a:r>
-                  <a:rPr lang="ru-RU" dirty="0" smtClean="0"/>
-                  <a:t> </a:t>
-                </a:r>
-                <a14:m>
-                  <m:oMath xmlns:m="http://schemas.openxmlformats.org/officeDocument/2006/math">
-                    <m:sSub>
-                      <m:sSubPr>
-                        <m:ctrlPr>
-                          <a:rPr lang="en-US" b="0" i="1" dirty="0" smtClean="0">
-                            <a:latin typeface="Cambria Math" panose="02040503050406030204" pitchFamily="18" charset="0"/>
-                          </a:rPr>
-                        </m:ctrlPr>
-                      </m:sSubPr>
-                      <m:e>
-                        <m:r>
-                          <a:rPr lang="en-US" b="0" i="1" dirty="0" smtClean="0">
-                            <a:latin typeface="Cambria Math" panose="02040503050406030204" pitchFamily="18" charset="0"/>
-                          </a:rPr>
-                          <m:t>𝑓</m:t>
-                        </m:r>
-                      </m:e>
-                      <m:sub>
-                        <m:r>
-                          <a:rPr lang="en-US" b="0" i="1" dirty="0" smtClean="0">
-                            <a:latin typeface="Cambria Math" panose="02040503050406030204" pitchFamily="18" charset="0"/>
-                          </a:rPr>
-                          <m:t>𝑘</m:t>
-                        </m:r>
-                      </m:sub>
-                    </m:sSub>
-                    <m:sSubSup>
-                      <m:sSubSupPr>
-                        <m:ctrlPr>
-                          <a:rPr lang="en-US" b="0" i="1" dirty="0" smtClean="0">
-                            <a:latin typeface="Cambria Math" panose="02040503050406030204" pitchFamily="18" charset="0"/>
-                          </a:rPr>
-                        </m:ctrlPr>
-                      </m:sSubSupPr>
-                      <m:e>
-                        <m:r>
-                          <a:rPr lang="en-US" b="0" i="1" dirty="0" smtClean="0">
-                            <a:latin typeface="Cambria Math" panose="02040503050406030204" pitchFamily="18" charset="0"/>
-                          </a:rPr>
-                          <m:t>𝑓</m:t>
-                        </m:r>
-                      </m:e>
-                      <m:sub>
-                        <m:r>
-                          <a:rPr lang="en-US" b="0" i="1" dirty="0" smtClean="0">
-                            <a:latin typeface="Cambria Math" panose="02040503050406030204" pitchFamily="18" charset="0"/>
-                          </a:rPr>
-                          <m:t>𝑘</m:t>
-                        </m:r>
-                      </m:sub>
-                      <m:sup>
-                        <m:r>
-                          <a:rPr lang="en-US" b="0" i="1" dirty="0" smtClean="0">
-                            <a:latin typeface="Cambria Math" panose="02040503050406030204" pitchFamily="18" charset="0"/>
-                          </a:rPr>
-                          <m:t>−1</m:t>
-                        </m:r>
-                      </m:sup>
-                    </m:sSubSup>
-                    <m:r>
-                      <a:rPr lang="en-US" b="0" i="1" dirty="0" smtClean="0">
-                        <a:latin typeface="Cambria Math" panose="02040503050406030204" pitchFamily="18" charset="0"/>
-                      </a:rPr>
-                      <m:t>=</m:t>
-                    </m:r>
-                    <m:r>
-                      <a:rPr lang="en-US" b="0" i="1" dirty="0" smtClean="0">
-                        <a:latin typeface="Cambria Math" panose="02040503050406030204" pitchFamily="18" charset="0"/>
-                      </a:rPr>
-                      <m:t>𝑒</m:t>
-                    </m:r>
-                    <m:r>
-                      <a:rPr lang="en-US" b="0" i="0" dirty="0" smtClean="0">
-                        <a:latin typeface="Cambria Math" panose="02040503050406030204" pitchFamily="18" charset="0"/>
-                      </a:rPr>
-                      <m:t>,</m:t>
-                    </m:r>
-                  </m:oMath>
-                </a14:m>
-                <a:r>
-                  <a:rPr lang="en-US" dirty="0" smtClean="0"/>
-                  <a:t> </a:t>
-                </a:r>
-                <a:r>
-                  <a:rPr lang="ru-RU" dirty="0" smtClean="0"/>
-                  <a:t>где </a:t>
-                </a:r>
-                <a14:m>
-                  <m:oMath xmlns:m="http://schemas.openxmlformats.org/officeDocument/2006/math">
-                    <m:r>
-                      <a:rPr lang="en-US" b="0" i="1" smtClean="0">
-                        <a:latin typeface="Cambria Math" panose="02040503050406030204" pitchFamily="18" charset="0"/>
-                      </a:rPr>
-                      <m:t>𝑒</m:t>
-                    </m:r>
-                  </m:oMath>
-                </a14:m>
-                <a:r>
-                  <a:rPr lang="ru-RU" dirty="0" smtClean="0"/>
-                  <a:t> – тождественная подстановка на </a:t>
-                </a:r>
-                <a14:m>
-                  <m:oMath xmlns:m="http://schemas.openxmlformats.org/officeDocument/2006/math">
-                    <m:r>
-                      <a:rPr lang="en-US" b="0" i="1" smtClean="0">
-                        <a:latin typeface="Cambria Math" panose="02040503050406030204" pitchFamily="18" charset="0"/>
-                      </a:rPr>
-                      <m:t>𝑋</m:t>
-                    </m:r>
-                  </m:oMath>
-                </a14:m>
-                <a:r>
-                  <a:rPr lang="ru-RU" dirty="0" smtClean="0"/>
-                  <a:t>. </a:t>
-                </a:r>
-                <a:endParaRPr lang="en-US" dirty="0" smtClean="0"/>
-              </a:p>
-              <a:p>
-                <a:pPr marL="0" indent="0">
-                  <a:buNone/>
-                </a:pPr>
-                <a:endParaRPr lang="en-US" dirty="0" smtClean="0"/>
+                <a:endParaRPr lang="ru-RU" dirty="0"/>
               </a:p>
             </p:txBody>
           </p:sp>
         </mc:Choice>
-        <mc:Fallback>
+        <mc:Fallback xmlns="">
           <p:sp>
             <p:nvSpPr>
               <p:cNvPr id="3" name="Объект 2"/>
@@ -6611,14 +5834,10 @@
               </p:nvPr>
             </p:nvSpPr>
             <p:spPr>
-              <a:xfrm>
-                <a:off x="838200" y="1825625"/>
-                <a:ext cx="10515600" cy="4233981"/>
-              </a:xfrm>
               <a:blipFill>
                 <a:blip r:embed="rId2"/>
                 <a:stretch>
-                  <a:fillRect l="-1043" t="-2158"/>
+                  <a:fillRect l="-928" t="-2661" b="-140"/>
                 </a:stretch>
               </a:blipFill>
             </p:spPr>
@@ -6663,7 +5882,7 @@
     </p:spTree>
     <p:extLst>
       <p:ext uri="{BB962C8B-B14F-4D97-AF65-F5344CB8AC3E}">
-        <p14:creationId xmlns:p14="http://schemas.microsoft.com/office/powerpoint/2010/main" val="3711160555"/>
+        <p14:creationId xmlns:p14="http://schemas.microsoft.com/office/powerpoint/2010/main" val="3575011092"/>
       </p:ext>
     </p:extLst>
   </p:cSld>
@@ -6720,35 +5939,852 @@
           </a:p>
         </p:txBody>
       </p:sp>
-      <p:sp>
-        <p:nvSpPr>
-          <p:cNvPr id="3" name="Объект 2"/>
-          <p:cNvSpPr>
-            <a:spLocks noGrp="1"/>
-          </p:cNvSpPr>
-          <p:nvPr>
-            <p:ph idx="1"/>
-          </p:nvPr>
-        </p:nvSpPr>
-        <p:spPr/>
-        <p:txBody>
-          <a:bodyPr/>
-          <a:lstStyle/>
-          <a:p>
-            <a:r>
-              <a:rPr lang="ru-RU" dirty="0" smtClean="0"/>
-              <a:t>Блочные шифры является основным криптографическим примитивом для построения симметричных криптосистем.</a:t>
-            </a:r>
-          </a:p>
-          <a:p>
-            <a:r>
-              <a:rPr lang="ru-RU" dirty="0" smtClean="0"/>
-              <a:t>Могут быть использованы для как схем шифрования (в схемах шифрования), так и для обеспечения аутентичности (в кодах аутентичности сообщений.</a:t>
-            </a:r>
-            <a:endParaRPr lang="ru-RU" dirty="0"/>
-          </a:p>
-        </p:txBody>
-      </p:sp>
+      <mc:AlternateContent xmlns:mc="http://schemas.openxmlformats.org/markup-compatibility/2006" xmlns:a14="http://schemas.microsoft.com/office/drawing/2010/main">
+        <mc:Choice Requires="a14">
+          <p:sp>
+            <p:nvSpPr>
+              <p:cNvPr id="3" name="Объект 2"/>
+              <p:cNvSpPr>
+                <a:spLocks noGrp="1"/>
+              </p:cNvSpPr>
+              <p:nvPr>
+                <p:ph idx="1"/>
+              </p:nvPr>
+            </p:nvSpPr>
+            <p:spPr>
+              <a:xfrm>
+                <a:off x="838200" y="1825625"/>
+                <a:ext cx="10515600" cy="4233981"/>
+              </a:xfrm>
+            </p:spPr>
+            <p:txBody>
+              <a:bodyPr>
+                <a:normAutofit/>
+              </a:bodyPr>
+              <a:lstStyle/>
+              <a:p>
+                <a:pPr marL="0" indent="0">
+                  <a:buNone/>
+                </a:pPr>
+                <a:r>
+                  <a:rPr lang="ru-RU" b="1" dirty="0" smtClean="0"/>
+                  <a:t>Блочный шифр </a:t>
+                </a:r>
+                <a:r>
+                  <a:rPr lang="ru-RU" dirty="0" smtClean="0"/>
+                  <a:t>– детерминированный шифр </a:t>
+                </a:r>
+                <a14:m>
+                  <m:oMath xmlns:m="http://schemas.openxmlformats.org/officeDocument/2006/math">
+                    <m:r>
+                      <m:rPr>
+                        <m:sty m:val="p"/>
+                      </m:rPr>
+                      <a:rPr lang="ru-RU" b="0" i="0" smtClean="0">
+                        <a:latin typeface="Cambria Math" panose="02040503050406030204" pitchFamily="18" charset="0"/>
+                      </a:rPr>
+                      <m:t>Ε</m:t>
+                    </m:r>
+                    <m:r>
+                      <a:rPr lang="en-US" b="0" i="1" smtClean="0">
+                        <a:latin typeface="Cambria Math" panose="02040503050406030204" pitchFamily="18" charset="0"/>
+                      </a:rPr>
+                      <m:t>=</m:t>
+                    </m:r>
+                    <m:d>
+                      <m:dPr>
+                        <m:ctrlPr>
+                          <a:rPr lang="en-US" b="0" i="1" smtClean="0">
+                            <a:latin typeface="Cambria Math" panose="02040503050406030204" pitchFamily="18" charset="0"/>
+                          </a:rPr>
+                        </m:ctrlPr>
+                      </m:dPr>
+                      <m:e>
+                        <m:r>
+                          <a:rPr lang="en-US" b="0" i="1" smtClean="0">
+                            <a:latin typeface="Cambria Math" panose="02040503050406030204" pitchFamily="18" charset="0"/>
+                          </a:rPr>
+                          <m:t>𝐸</m:t>
+                        </m:r>
+                        <m:r>
+                          <a:rPr lang="en-US" b="0" i="1" smtClean="0">
+                            <a:latin typeface="Cambria Math" panose="02040503050406030204" pitchFamily="18" charset="0"/>
+                          </a:rPr>
+                          <m:t>,</m:t>
+                        </m:r>
+                        <m:r>
+                          <a:rPr lang="en-US" b="0" i="1" smtClean="0">
+                            <a:latin typeface="Cambria Math" panose="02040503050406030204" pitchFamily="18" charset="0"/>
+                          </a:rPr>
+                          <m:t>𝐷</m:t>
+                        </m:r>
+                      </m:e>
+                    </m:d>
+                    <m:r>
+                      <a:rPr lang="ru-RU" b="0" i="1" smtClean="0">
+                        <a:latin typeface="Cambria Math" panose="02040503050406030204" pitchFamily="18" charset="0"/>
+                      </a:rPr>
+                      <m:t> </m:t>
+                    </m:r>
+                  </m:oMath>
+                </a14:m>
+                <a:r>
+                  <a:rPr lang="en-US" dirty="0" smtClean="0"/>
+                  <a:t>о</a:t>
+                </a:r>
+                <a:r>
+                  <a:rPr lang="ru-RU" dirty="0" err="1" smtClean="0"/>
+                  <a:t>пределённый</a:t>
+                </a:r>
+                <a:r>
+                  <a:rPr lang="ru-RU" dirty="0" smtClean="0"/>
+                  <a:t> на </a:t>
+                </a:r>
+                <a14:m>
+                  <m:oMath xmlns:m="http://schemas.openxmlformats.org/officeDocument/2006/math">
+                    <m:d>
+                      <m:dPr>
+                        <m:ctrlPr>
+                          <a:rPr lang="ru-RU" b="0" i="1" smtClean="0">
+                            <a:latin typeface="Cambria Math" panose="02040503050406030204" pitchFamily="18" charset="0"/>
+                          </a:rPr>
+                        </m:ctrlPr>
+                      </m:dPr>
+                      <m:e>
+                        <m:r>
+                          <a:rPr lang="en-US" b="0" i="1" smtClean="0">
+                            <a:latin typeface="Cambria Math" panose="02040503050406030204" pitchFamily="18" charset="0"/>
+                          </a:rPr>
+                          <m:t>𝐾</m:t>
+                        </m:r>
+                        <m:r>
+                          <a:rPr lang="en-US" b="0" i="1" smtClean="0">
+                            <a:latin typeface="Cambria Math" panose="02040503050406030204" pitchFamily="18" charset="0"/>
+                          </a:rPr>
+                          <m:t>,</m:t>
+                        </m:r>
+                        <m:r>
+                          <a:rPr lang="en-US" b="0" i="1" smtClean="0">
+                            <a:latin typeface="Cambria Math" panose="02040503050406030204" pitchFamily="18" charset="0"/>
+                          </a:rPr>
+                          <m:t>𝑋</m:t>
+                        </m:r>
+                      </m:e>
+                    </m:d>
+                    <m:r>
+                      <a:rPr lang="en-US" b="0" i="0" smtClean="0">
+                        <a:latin typeface="Cambria Math" panose="02040503050406030204" pitchFamily="18" charset="0"/>
+                      </a:rPr>
+                      <m:t>:</m:t>
+                    </m:r>
+                  </m:oMath>
+                </a14:m>
+                <a:r>
+                  <a:rPr lang="ru-RU" dirty="0" smtClean="0"/>
+                  <a:t> </a:t>
+                </a:r>
+                <a14:m>
+                  <m:oMath xmlns:m="http://schemas.openxmlformats.org/officeDocument/2006/math">
+                    <m:r>
+                      <a:rPr lang="en-US" b="0" i="1" smtClean="0">
+                        <a:latin typeface="Cambria Math" panose="02040503050406030204" pitchFamily="18" charset="0"/>
+                      </a:rPr>
+                      <m:t>𝐸</m:t>
+                    </m:r>
+                    <m:r>
+                      <a:rPr lang="en-US" b="0" i="1" smtClean="0">
+                        <a:latin typeface="Cambria Math" panose="02040503050406030204" pitchFamily="18" charset="0"/>
+                      </a:rPr>
+                      <m:t>:</m:t>
+                    </m:r>
+                    <m:r>
+                      <a:rPr lang="en-US" b="0" i="1" smtClean="0">
+                        <a:latin typeface="Cambria Math" panose="02040503050406030204" pitchFamily="18" charset="0"/>
+                      </a:rPr>
+                      <m:t>𝐾</m:t>
+                    </m:r>
+                    <m:r>
+                      <a:rPr lang="en-US" b="0" i="1" smtClean="0">
+                        <a:latin typeface="Cambria Math" panose="02040503050406030204" pitchFamily="18" charset="0"/>
+                      </a:rPr>
+                      <m:t>×</m:t>
+                    </m:r>
+                    <m:r>
+                      <a:rPr lang="en-US" b="0" i="1" smtClean="0">
+                        <a:latin typeface="Cambria Math" panose="02040503050406030204" pitchFamily="18" charset="0"/>
+                      </a:rPr>
+                      <m:t>𝑋</m:t>
+                    </m:r>
+                    <m:r>
+                      <a:rPr lang="en-US" b="0" i="1" smtClean="0">
+                        <a:latin typeface="Cambria Math" panose="02040503050406030204" pitchFamily="18" charset="0"/>
+                      </a:rPr>
+                      <m:t>→</m:t>
+                    </m:r>
+                    <m:r>
+                      <a:rPr lang="en-US" b="0" i="1" smtClean="0">
+                        <a:latin typeface="Cambria Math" panose="02040503050406030204" pitchFamily="18" charset="0"/>
+                      </a:rPr>
+                      <m:t>𝑋</m:t>
+                    </m:r>
+                    <m:r>
+                      <a:rPr lang="en-US" b="0" i="0" smtClean="0">
+                        <a:latin typeface="Cambria Math" panose="02040503050406030204" pitchFamily="18" charset="0"/>
+                      </a:rPr>
+                      <m:t>.</m:t>
+                    </m:r>
+                  </m:oMath>
+                </a14:m>
+                <a:endParaRPr lang="en-US" dirty="0" smtClean="0"/>
+              </a:p>
+              <a:p>
+                <a:pPr marL="0" indent="0">
+                  <a:buNone/>
+                </a:pPr>
+                <a14:m>
+                  <m:oMath xmlns:m="http://schemas.openxmlformats.org/officeDocument/2006/math">
+                    <m:r>
+                      <a:rPr lang="en-US" b="0" i="1" smtClean="0">
+                        <a:latin typeface="Cambria Math" panose="02040503050406030204" pitchFamily="18" charset="0"/>
+                      </a:rPr>
+                      <m:t>𝑥</m:t>
+                    </m:r>
+                    <m:r>
+                      <a:rPr lang="en-US" b="0" i="1" smtClean="0">
+                        <a:latin typeface="Cambria Math" panose="02040503050406030204" pitchFamily="18" charset="0"/>
+                      </a:rPr>
+                      <m:t>∈</m:t>
+                    </m:r>
+                    <m:r>
+                      <a:rPr lang="en-US" b="0" i="1" smtClean="0">
+                        <a:latin typeface="Cambria Math" panose="02040503050406030204" pitchFamily="18" charset="0"/>
+                      </a:rPr>
+                      <m:t>𝑋</m:t>
+                    </m:r>
+                  </m:oMath>
+                </a14:m>
+                <a:r>
+                  <a:rPr lang="ru-RU" dirty="0" smtClean="0"/>
+                  <a:t> – блок данных, </a:t>
+                </a:r>
+                <a14:m>
+                  <m:oMath xmlns:m="http://schemas.openxmlformats.org/officeDocument/2006/math">
+                    <m:r>
+                      <a:rPr lang="en-US" b="0" i="1" smtClean="0">
+                        <a:latin typeface="Cambria Math" panose="02040503050406030204" pitchFamily="18" charset="0"/>
+                      </a:rPr>
+                      <m:t>𝑋</m:t>
+                    </m:r>
+                  </m:oMath>
+                </a14:m>
+                <a:r>
+                  <a:rPr lang="ru-RU" dirty="0" smtClean="0"/>
+                  <a:t> – множество блоков, </a:t>
+                </a:r>
+                <a14:m>
+                  <m:oMath xmlns:m="http://schemas.openxmlformats.org/officeDocument/2006/math">
+                    <m:r>
+                      <a:rPr lang="en-US" b="0" i="1" smtClean="0">
+                        <a:latin typeface="Cambria Math" panose="02040503050406030204" pitchFamily="18" charset="0"/>
+                      </a:rPr>
+                      <m:t>𝐾</m:t>
+                    </m:r>
+                  </m:oMath>
+                </a14:m>
+                <a:r>
+                  <a:rPr lang="ru-RU" dirty="0" smtClean="0"/>
+                  <a:t> – множество ключей блочного шифра.</a:t>
+                </a:r>
+              </a:p>
+              <a:p>
+                <a:pPr marL="0" indent="0">
+                  <a:buNone/>
+                </a:pPr>
+                <a:r>
+                  <a:rPr lang="ru-RU" dirty="0" smtClean="0"/>
+                  <a:t>Для ключа </a:t>
+                </a:r>
+                <a14:m>
+                  <m:oMath xmlns:m="http://schemas.openxmlformats.org/officeDocument/2006/math">
+                    <m:r>
+                      <a:rPr lang="en-US" b="0" i="1" smtClean="0">
+                        <a:latin typeface="Cambria Math" panose="02040503050406030204" pitchFamily="18" charset="0"/>
+                      </a:rPr>
+                      <m:t>𝑘</m:t>
+                    </m:r>
+                    <m:r>
+                      <a:rPr lang="en-US" b="0" i="1" smtClean="0">
+                        <a:latin typeface="Cambria Math" panose="02040503050406030204" pitchFamily="18" charset="0"/>
+                      </a:rPr>
+                      <m:t>∈</m:t>
+                    </m:r>
+                    <m:r>
+                      <a:rPr lang="en-US" b="0" i="1" smtClean="0">
+                        <a:latin typeface="Cambria Math" panose="02040503050406030204" pitchFamily="18" charset="0"/>
+                      </a:rPr>
+                      <m:t>𝐾</m:t>
+                    </m:r>
+                  </m:oMath>
+                </a14:m>
+                <a:r>
+                  <a:rPr lang="ru-RU" dirty="0" smtClean="0"/>
+                  <a:t> определим функцию </a:t>
+                </a:r>
+                <a14:m>
+                  <m:oMath xmlns:m="http://schemas.openxmlformats.org/officeDocument/2006/math">
+                    <m:sSub>
+                      <m:sSubPr>
+                        <m:ctrlPr>
+                          <a:rPr lang="en-US" b="0" i="1" smtClean="0">
+                            <a:latin typeface="Cambria Math" panose="02040503050406030204" pitchFamily="18" charset="0"/>
+                          </a:rPr>
+                        </m:ctrlPr>
+                      </m:sSubPr>
+                      <m:e>
+                        <m:sSub>
+                          <m:sSubPr>
+                            <m:ctrlPr>
+                              <a:rPr lang="en-US" i="1">
+                                <a:latin typeface="Cambria Math" panose="02040503050406030204" pitchFamily="18" charset="0"/>
+                              </a:rPr>
+                            </m:ctrlPr>
+                          </m:sSubPr>
+                          <m:e>
+                            <m:r>
+                              <a:rPr lang="en-US" i="1">
+                                <a:latin typeface="Cambria Math" panose="02040503050406030204" pitchFamily="18" charset="0"/>
+                              </a:rPr>
+                              <m:t>𝑓</m:t>
+                            </m:r>
+                          </m:e>
+                          <m:sub>
+                            <m:r>
+                              <a:rPr lang="en-US" i="1">
+                                <a:latin typeface="Cambria Math" panose="02040503050406030204" pitchFamily="18" charset="0"/>
+                              </a:rPr>
+                              <m:t>𝑘</m:t>
+                            </m:r>
+                          </m:sub>
+                        </m:sSub>
+                        <m:r>
+                          <a:rPr lang="en-US" i="1">
+                            <a:latin typeface="Cambria Math" panose="02040503050406030204" pitchFamily="18" charset="0"/>
+                          </a:rPr>
+                          <m:t>:</m:t>
+                        </m:r>
+                        <m:r>
+                          <a:rPr lang="en-US" i="1">
+                            <a:latin typeface="Cambria Math" panose="02040503050406030204" pitchFamily="18" charset="0"/>
+                          </a:rPr>
+                          <m:t>𝑋</m:t>
+                        </m:r>
+                        <m:r>
+                          <a:rPr lang="en-US" i="1">
+                            <a:latin typeface="Cambria Math" panose="02040503050406030204" pitchFamily="18" charset="0"/>
+                          </a:rPr>
+                          <m:t>→</m:t>
+                        </m:r>
+                        <m:r>
+                          <a:rPr lang="en-US" i="1">
+                            <a:latin typeface="Cambria Math" panose="02040503050406030204" pitchFamily="18" charset="0"/>
+                          </a:rPr>
+                          <m:t>𝑋</m:t>
+                        </m:r>
+                        <m:r>
+                          <a:rPr lang="en-US" b="0" i="1" smtClean="0">
+                            <a:latin typeface="Cambria Math" panose="02040503050406030204" pitchFamily="18" charset="0"/>
+                          </a:rPr>
+                          <m:t>:</m:t>
+                        </m:r>
+                        <m:r>
+                          <a:rPr lang="en-US" b="0" i="1" smtClean="0">
+                            <a:latin typeface="Cambria Math" panose="02040503050406030204" pitchFamily="18" charset="0"/>
+                          </a:rPr>
+                          <m:t>𝑓</m:t>
+                        </m:r>
+                      </m:e>
+                      <m:sub>
+                        <m:r>
+                          <a:rPr lang="en-US" b="0" i="1" smtClean="0">
+                            <a:latin typeface="Cambria Math" panose="02040503050406030204" pitchFamily="18" charset="0"/>
+                          </a:rPr>
+                          <m:t>𝑘</m:t>
+                        </m:r>
+                      </m:sub>
+                    </m:sSub>
+                    <m:r>
+                      <a:rPr lang="en-US" b="0" i="1" smtClean="0">
+                        <a:latin typeface="Cambria Math" panose="02040503050406030204" pitchFamily="18" charset="0"/>
+                      </a:rPr>
+                      <m:t>=</m:t>
+                    </m:r>
+                    <m:r>
+                      <a:rPr lang="en-US" b="0" i="1" smtClean="0">
+                        <a:latin typeface="Cambria Math" panose="02040503050406030204" pitchFamily="18" charset="0"/>
+                      </a:rPr>
+                      <m:t>𝐸</m:t>
+                    </m:r>
+                    <m:d>
+                      <m:dPr>
+                        <m:ctrlPr>
+                          <a:rPr lang="en-US" b="0" i="1" smtClean="0">
+                            <a:latin typeface="Cambria Math" panose="02040503050406030204" pitchFamily="18" charset="0"/>
+                          </a:rPr>
+                        </m:ctrlPr>
+                      </m:dPr>
+                      <m:e>
+                        <m:r>
+                          <a:rPr lang="en-US" b="0" i="1" smtClean="0">
+                            <a:latin typeface="Cambria Math" panose="02040503050406030204" pitchFamily="18" charset="0"/>
+                          </a:rPr>
+                          <m:t>𝑘</m:t>
+                        </m:r>
+                        <m:r>
+                          <a:rPr lang="en-US" b="0" i="1" smtClean="0">
+                            <a:latin typeface="Cambria Math" panose="02040503050406030204" pitchFamily="18" charset="0"/>
+                          </a:rPr>
+                          <m:t>, ∗</m:t>
+                        </m:r>
+                      </m:e>
+                    </m:d>
+                    <m:r>
+                      <a:rPr lang="en-US" b="0" i="0" smtClean="0">
+                        <a:latin typeface="Cambria Math" panose="02040503050406030204" pitchFamily="18" charset="0"/>
+                      </a:rPr>
+                      <m:t>.</m:t>
+                    </m:r>
+                  </m:oMath>
+                </a14:m>
+                <a:r>
+                  <a:rPr lang="en-US" dirty="0" smtClean="0"/>
+                  <a:t> </a:t>
+                </a:r>
+                <a14:m>
+                  <m:oMath xmlns:m="http://schemas.openxmlformats.org/officeDocument/2006/math">
+                    <m:sSubSup>
+                      <m:sSubSupPr>
+                        <m:ctrlPr>
+                          <a:rPr lang="en-US" b="0" i="1" smtClean="0">
+                            <a:latin typeface="Cambria Math" panose="02040503050406030204" pitchFamily="18" charset="0"/>
+                          </a:rPr>
+                        </m:ctrlPr>
+                      </m:sSubSupPr>
+                      <m:e>
+                        <m:r>
+                          <a:rPr lang="en-US" b="0" i="1" smtClean="0">
+                            <a:latin typeface="Cambria Math" panose="02040503050406030204" pitchFamily="18" charset="0"/>
+                          </a:rPr>
+                          <m:t>𝑓</m:t>
+                        </m:r>
+                      </m:e>
+                      <m:sub>
+                        <m:r>
+                          <a:rPr lang="en-US" b="0" i="1" smtClean="0">
+                            <a:latin typeface="Cambria Math" panose="02040503050406030204" pitchFamily="18" charset="0"/>
+                          </a:rPr>
+                          <m:t>𝑘</m:t>
+                        </m:r>
+                      </m:sub>
+                      <m:sup>
+                        <m:r>
+                          <a:rPr lang="en-US" b="0" i="1" smtClean="0">
+                            <a:latin typeface="Cambria Math" panose="02040503050406030204" pitchFamily="18" charset="0"/>
+                          </a:rPr>
+                          <m:t>−1</m:t>
+                        </m:r>
+                      </m:sup>
+                    </m:sSubSup>
+                    <m:r>
+                      <a:rPr lang="en-US" b="0" i="1" smtClean="0">
+                        <a:latin typeface="Cambria Math" panose="02040503050406030204" pitchFamily="18" charset="0"/>
+                      </a:rPr>
+                      <m:t>:</m:t>
+                    </m:r>
+                    <m:r>
+                      <a:rPr lang="en-US" b="0" i="1" smtClean="0">
+                        <a:latin typeface="Cambria Math" panose="02040503050406030204" pitchFamily="18" charset="0"/>
+                      </a:rPr>
+                      <m:t>𝑋</m:t>
+                    </m:r>
+                    <m:r>
+                      <a:rPr lang="en-US" b="0" i="1" smtClean="0">
+                        <a:latin typeface="Cambria Math" panose="02040503050406030204" pitchFamily="18" charset="0"/>
+                      </a:rPr>
+                      <m:t>→</m:t>
+                    </m:r>
+                    <m:r>
+                      <a:rPr lang="en-US" b="0" i="1" smtClean="0">
+                        <a:latin typeface="Cambria Math" panose="02040503050406030204" pitchFamily="18" charset="0"/>
+                      </a:rPr>
+                      <m:t>𝑋</m:t>
+                    </m:r>
+                    <m:r>
+                      <a:rPr lang="en-US" b="0" i="1" smtClean="0">
+                        <a:latin typeface="Cambria Math" panose="02040503050406030204" pitchFamily="18" charset="0"/>
+                      </a:rPr>
+                      <m:t>:</m:t>
+                    </m:r>
+                    <m:sSubSup>
+                      <m:sSubSupPr>
+                        <m:ctrlPr>
+                          <a:rPr lang="en-US" b="0" i="1" smtClean="0">
+                            <a:latin typeface="Cambria Math" panose="02040503050406030204" pitchFamily="18" charset="0"/>
+                          </a:rPr>
+                        </m:ctrlPr>
+                      </m:sSubSupPr>
+                      <m:e>
+                        <m:r>
+                          <a:rPr lang="en-US" b="0" i="1" smtClean="0">
+                            <a:latin typeface="Cambria Math" panose="02040503050406030204" pitchFamily="18" charset="0"/>
+                          </a:rPr>
+                          <m:t>𝑓</m:t>
+                        </m:r>
+                      </m:e>
+                      <m:sub>
+                        <m:r>
+                          <a:rPr lang="en-US" b="0" i="1" smtClean="0">
+                            <a:latin typeface="Cambria Math" panose="02040503050406030204" pitchFamily="18" charset="0"/>
+                          </a:rPr>
+                          <m:t>𝑘</m:t>
+                        </m:r>
+                      </m:sub>
+                      <m:sup>
+                        <m:r>
+                          <a:rPr lang="en-US" b="0" i="1" smtClean="0">
+                            <a:latin typeface="Cambria Math" panose="02040503050406030204" pitchFamily="18" charset="0"/>
+                          </a:rPr>
+                          <m:t>−1</m:t>
+                        </m:r>
+                      </m:sup>
+                    </m:sSubSup>
+                    <m:r>
+                      <a:rPr lang="en-US" b="0" i="1" smtClean="0">
+                        <a:latin typeface="Cambria Math" panose="02040503050406030204" pitchFamily="18" charset="0"/>
+                      </a:rPr>
+                      <m:t>=</m:t>
+                    </m:r>
+                    <m:r>
+                      <a:rPr lang="en-US" b="0" i="1" smtClean="0">
+                        <a:latin typeface="Cambria Math" panose="02040503050406030204" pitchFamily="18" charset="0"/>
+                      </a:rPr>
+                      <m:t>𝐷</m:t>
+                    </m:r>
+                    <m:d>
+                      <m:dPr>
+                        <m:ctrlPr>
+                          <a:rPr lang="en-US" b="0" i="1" smtClean="0">
+                            <a:latin typeface="Cambria Math" panose="02040503050406030204" pitchFamily="18" charset="0"/>
+                          </a:rPr>
+                        </m:ctrlPr>
+                      </m:dPr>
+                      <m:e>
+                        <m:r>
+                          <a:rPr lang="en-US" b="0" i="1" smtClean="0">
+                            <a:latin typeface="Cambria Math" panose="02040503050406030204" pitchFamily="18" charset="0"/>
+                          </a:rPr>
+                          <m:t>𝑘</m:t>
+                        </m:r>
+                        <m:r>
+                          <a:rPr lang="en-US" b="0" i="1" smtClean="0">
+                            <a:latin typeface="Cambria Math" panose="02040503050406030204" pitchFamily="18" charset="0"/>
+                          </a:rPr>
+                          <m:t>,∗</m:t>
+                        </m:r>
+                      </m:e>
+                    </m:d>
+                    <m:r>
+                      <a:rPr lang="en-US" b="0" i="0" smtClean="0">
+                        <a:latin typeface="Cambria Math" panose="02040503050406030204" pitchFamily="18" charset="0"/>
+                      </a:rPr>
+                      <m:t>.</m:t>
+                    </m:r>
+                  </m:oMath>
+                </a14:m>
+                <a:endParaRPr lang="en-US" dirty="0" smtClean="0"/>
+              </a:p>
+              <a:p>
+                <a:pPr marL="0" indent="0">
+                  <a:buNone/>
+                </a:pPr>
+                <a:endParaRPr lang="ru-RU" dirty="0"/>
+              </a:p>
+              <a:p>
+                <a:pPr marL="0" indent="0">
+                  <a:buNone/>
+                </a:pPr>
+                <a:r>
+                  <a:rPr lang="ru-RU" dirty="0" smtClean="0"/>
+                  <a:t>Из свойства корректности имеем </a:t>
+                </a:r>
+                <a14:m>
+                  <m:oMath xmlns:m="http://schemas.openxmlformats.org/officeDocument/2006/math">
+                    <m:sSub>
+                      <m:sSubPr>
+                        <m:ctrlPr>
+                          <a:rPr lang="en-US" i="1" dirty="0">
+                            <a:latin typeface="Cambria Math" panose="02040503050406030204" pitchFamily="18" charset="0"/>
+                          </a:rPr>
+                        </m:ctrlPr>
+                      </m:sSubPr>
+                      <m:e>
+                        <m:r>
+                          <a:rPr lang="en-US" i="1" dirty="0">
+                            <a:latin typeface="Cambria Math" panose="02040503050406030204" pitchFamily="18" charset="0"/>
+                          </a:rPr>
+                          <m:t>𝑓</m:t>
+                        </m:r>
+                      </m:e>
+                      <m:sub>
+                        <m:r>
+                          <a:rPr lang="en-US" i="1" dirty="0">
+                            <a:latin typeface="Cambria Math" panose="02040503050406030204" pitchFamily="18" charset="0"/>
+                          </a:rPr>
+                          <m:t>𝑘</m:t>
+                        </m:r>
+                      </m:sub>
+                    </m:sSub>
+                    <m:r>
+                      <a:rPr lang="en-US" b="0" i="1" dirty="0" smtClean="0">
+                        <a:latin typeface="Cambria Math" panose="02040503050406030204" pitchFamily="18" charset="0"/>
+                      </a:rPr>
+                      <m:t>, </m:t>
+                    </m:r>
+                    <m:sSubSup>
+                      <m:sSubSupPr>
+                        <m:ctrlPr>
+                          <a:rPr lang="en-US" b="0" i="1" dirty="0" smtClean="0">
+                            <a:latin typeface="Cambria Math" panose="02040503050406030204" pitchFamily="18" charset="0"/>
+                          </a:rPr>
+                        </m:ctrlPr>
+                      </m:sSubSupPr>
+                      <m:e>
+                        <m:r>
+                          <a:rPr lang="en-US" b="0" i="1" dirty="0" smtClean="0">
+                            <a:latin typeface="Cambria Math" panose="02040503050406030204" pitchFamily="18" charset="0"/>
+                          </a:rPr>
+                          <m:t>𝑓</m:t>
+                        </m:r>
+                      </m:e>
+                      <m:sub>
+                        <m:r>
+                          <a:rPr lang="en-US" b="0" i="1" dirty="0" smtClean="0">
+                            <a:latin typeface="Cambria Math" panose="02040503050406030204" pitchFamily="18" charset="0"/>
+                          </a:rPr>
+                          <m:t>𝑘</m:t>
+                        </m:r>
+                      </m:sub>
+                      <m:sup>
+                        <m:r>
+                          <a:rPr lang="en-US" b="0" i="1" dirty="0" smtClean="0">
+                            <a:latin typeface="Cambria Math" panose="02040503050406030204" pitchFamily="18" charset="0"/>
+                          </a:rPr>
+                          <m:t>−1</m:t>
+                        </m:r>
+                      </m:sup>
+                    </m:sSubSup>
+                  </m:oMath>
+                </a14:m>
+                <a:r>
+                  <a:rPr lang="ru-RU" dirty="0" smtClean="0"/>
+                  <a:t> </a:t>
+                </a:r>
+                <a:r>
+                  <a:rPr lang="ru-RU" dirty="0"/>
+                  <a:t>- </a:t>
+                </a:r>
+                <a:r>
+                  <a:rPr lang="ru-RU" dirty="0" smtClean="0"/>
+                  <a:t>подстановки </a:t>
+                </a:r>
+                <a:r>
+                  <a:rPr lang="ru-RU" dirty="0"/>
+                  <a:t>на множестве </a:t>
+                </a:r>
+                <a14:m>
+                  <m:oMath xmlns:m="http://schemas.openxmlformats.org/officeDocument/2006/math">
+                    <m:r>
+                      <a:rPr lang="en-US" i="1">
+                        <a:latin typeface="Cambria Math" panose="02040503050406030204" pitchFamily="18" charset="0"/>
+                      </a:rPr>
+                      <m:t>𝑋</m:t>
+                    </m:r>
+                    <m:r>
+                      <a:rPr lang="ru-RU" b="0" i="0" smtClean="0">
+                        <a:latin typeface="Cambria Math" panose="02040503050406030204" pitchFamily="18" charset="0"/>
+                      </a:rPr>
+                      <m:t>,</m:t>
+                    </m:r>
+                  </m:oMath>
+                </a14:m>
+                <a:r>
+                  <a:rPr lang="ru-RU" dirty="0" smtClean="0"/>
+                  <a:t> </a:t>
+                </a:r>
+                <a14:m>
+                  <m:oMath xmlns:m="http://schemas.openxmlformats.org/officeDocument/2006/math">
+                    <m:sSub>
+                      <m:sSubPr>
+                        <m:ctrlPr>
+                          <a:rPr lang="en-US" b="0" i="1" dirty="0" smtClean="0">
+                            <a:latin typeface="Cambria Math" panose="02040503050406030204" pitchFamily="18" charset="0"/>
+                          </a:rPr>
+                        </m:ctrlPr>
+                      </m:sSubPr>
+                      <m:e>
+                        <m:r>
+                          <a:rPr lang="en-US" b="0" i="1" dirty="0" smtClean="0">
+                            <a:latin typeface="Cambria Math" panose="02040503050406030204" pitchFamily="18" charset="0"/>
+                          </a:rPr>
+                          <m:t>𝑓</m:t>
+                        </m:r>
+                      </m:e>
+                      <m:sub>
+                        <m:r>
+                          <a:rPr lang="en-US" b="0" i="1" dirty="0" smtClean="0">
+                            <a:latin typeface="Cambria Math" panose="02040503050406030204" pitchFamily="18" charset="0"/>
+                          </a:rPr>
+                          <m:t>𝑘</m:t>
+                        </m:r>
+                      </m:sub>
+                    </m:sSub>
+                    <m:sSubSup>
+                      <m:sSubSupPr>
+                        <m:ctrlPr>
+                          <a:rPr lang="en-US" b="0" i="1" dirty="0" smtClean="0">
+                            <a:latin typeface="Cambria Math" panose="02040503050406030204" pitchFamily="18" charset="0"/>
+                          </a:rPr>
+                        </m:ctrlPr>
+                      </m:sSubSupPr>
+                      <m:e>
+                        <m:r>
+                          <a:rPr lang="en-US" b="0" i="1" dirty="0" smtClean="0">
+                            <a:latin typeface="Cambria Math" panose="02040503050406030204" pitchFamily="18" charset="0"/>
+                          </a:rPr>
+                          <m:t>𝑓</m:t>
+                        </m:r>
+                      </m:e>
+                      <m:sub>
+                        <m:r>
+                          <a:rPr lang="en-US" b="0" i="1" dirty="0" smtClean="0">
+                            <a:latin typeface="Cambria Math" panose="02040503050406030204" pitchFamily="18" charset="0"/>
+                          </a:rPr>
+                          <m:t>𝑘</m:t>
+                        </m:r>
+                      </m:sub>
+                      <m:sup>
+                        <m:r>
+                          <a:rPr lang="en-US" b="0" i="1" dirty="0" smtClean="0">
+                            <a:latin typeface="Cambria Math" panose="02040503050406030204" pitchFamily="18" charset="0"/>
+                          </a:rPr>
+                          <m:t>−1</m:t>
+                        </m:r>
+                      </m:sup>
+                    </m:sSubSup>
+                    <m:r>
+                      <a:rPr lang="en-US" b="0" i="1" dirty="0" smtClean="0">
+                        <a:latin typeface="Cambria Math" panose="02040503050406030204" pitchFamily="18" charset="0"/>
+                      </a:rPr>
+                      <m:t>=</m:t>
+                    </m:r>
+                    <m:r>
+                      <a:rPr lang="en-US" b="0" i="1" dirty="0" smtClean="0">
+                        <a:latin typeface="Cambria Math" panose="02040503050406030204" pitchFamily="18" charset="0"/>
+                      </a:rPr>
+                      <m:t>𝑒</m:t>
+                    </m:r>
+                    <m:r>
+                      <a:rPr lang="en-US" b="0" i="0" dirty="0" smtClean="0">
+                        <a:latin typeface="Cambria Math" panose="02040503050406030204" pitchFamily="18" charset="0"/>
+                      </a:rPr>
+                      <m:t>,</m:t>
+                    </m:r>
+                  </m:oMath>
+                </a14:m>
+                <a:r>
+                  <a:rPr lang="en-US" dirty="0" smtClean="0"/>
+                  <a:t> </a:t>
+                </a:r>
+                <a:r>
+                  <a:rPr lang="ru-RU" dirty="0" smtClean="0"/>
+                  <a:t>где </a:t>
+                </a:r>
+                <a14:m>
+                  <m:oMath xmlns:m="http://schemas.openxmlformats.org/officeDocument/2006/math">
+                    <m:r>
+                      <a:rPr lang="en-US" b="0" i="1" smtClean="0">
+                        <a:latin typeface="Cambria Math" panose="02040503050406030204" pitchFamily="18" charset="0"/>
+                      </a:rPr>
+                      <m:t>𝑒</m:t>
+                    </m:r>
+                  </m:oMath>
+                </a14:m>
+                <a:r>
+                  <a:rPr lang="ru-RU" dirty="0" smtClean="0"/>
+                  <a:t> – тождественная подстановка на </a:t>
+                </a:r>
+                <a14:m>
+                  <m:oMath xmlns:m="http://schemas.openxmlformats.org/officeDocument/2006/math">
+                    <m:r>
+                      <a:rPr lang="en-US" b="0" i="1" smtClean="0">
+                        <a:latin typeface="Cambria Math" panose="02040503050406030204" pitchFamily="18" charset="0"/>
+                      </a:rPr>
+                      <m:t>𝑋</m:t>
+                    </m:r>
+                  </m:oMath>
+                </a14:m>
+                <a:r>
+                  <a:rPr lang="ru-RU" dirty="0" smtClean="0"/>
+                  <a:t>. </a:t>
+                </a:r>
+                <a:endParaRPr lang="en-US" dirty="0" smtClean="0"/>
+              </a:p>
+              <a:p>
+                <a:pPr marL="0" indent="0">
+                  <a:buNone/>
+                </a:pPr>
+                <a:endParaRPr lang="en-US" dirty="0" smtClean="0"/>
+              </a:p>
+            </p:txBody>
+          </p:sp>
+        </mc:Choice>
+        <mc:Fallback xmlns="">
+          <p:sp>
+            <p:nvSpPr>
+              <p:cNvPr id="3" name="Объект 2"/>
+              <p:cNvSpPr>
+                <a:spLocks noGrp="1" noRot="1" noChangeAspect="1" noMove="1" noResize="1" noEditPoints="1" noAdjustHandles="1" noChangeArrowheads="1" noChangeShapeType="1" noTextEdit="1"/>
+              </p:cNvSpPr>
+              <p:nvPr>
+                <p:ph idx="1"/>
+              </p:nvPr>
+            </p:nvSpPr>
+            <p:spPr>
+              <a:xfrm>
+                <a:off x="838200" y="1825625"/>
+                <a:ext cx="10515600" cy="4233981"/>
+              </a:xfrm>
+              <a:blipFill>
+                <a:blip r:embed="rId2"/>
+                <a:stretch>
+                  <a:fillRect l="-1043" t="-2158"/>
+                </a:stretch>
+              </a:blipFill>
+            </p:spPr>
+            <p:txBody>
+              <a:bodyPr/>
+              <a:lstStyle/>
+              <a:p>
+                <a:r>
+                  <a:rPr lang="ru-RU">
+                    <a:noFill/>
+                  </a:rPr>
+                  <a:t> </a:t>
+                </a:r>
+              </a:p>
+            </p:txBody>
+          </p:sp>
+        </mc:Fallback>
+      </mc:AlternateContent>
       <p:sp>
         <p:nvSpPr>
           <p:cNvPr id="4" name="Номер слайда 3"/>
@@ -6768,477 +6804,14 @@
               <a:rPr lang="ru-RU" smtClean="0"/>
               <a:t>13</a:t>
             </a:fld>
-            <a:endParaRPr lang="ru-RU" dirty="0"/>
-          </a:p>
-        </p:txBody>
-      </p:sp>
-      <p:sp>
-        <p:nvSpPr>
-          <p:cNvPr id="5" name="Rectangle 4"/>
-          <p:cNvSpPr>
-            <a:spLocks noChangeArrowheads="1"/>
-          </p:cNvSpPr>
-          <p:nvPr/>
-        </p:nvSpPr>
-        <p:spPr bwMode="auto">
-          <a:xfrm>
-            <a:off x="5231643" y="4586050"/>
-            <a:ext cx="1371600" cy="742950"/>
-          </a:xfrm>
-          <a:prstGeom prst="rect">
-            <a:avLst/>
-          </a:prstGeom>
-          <a:solidFill>
-            <a:schemeClr val="accent6">
-              <a:lumMod val="60000"/>
-              <a:lumOff val="40000"/>
-            </a:schemeClr>
-          </a:solidFill>
-          <a:ln w="57150">
-            <a:solidFill>
-              <a:schemeClr val="tx1"/>
-            </a:solidFill>
-            <a:miter lim="800000"/>
-            <a:headEnd/>
-            <a:tailEnd/>
-          </a:ln>
-        </p:spPr>
-        <p:txBody>
-          <a:bodyPr wrap="none" anchor="ctr"/>
-          <a:lstStyle/>
-          <a:p>
-            <a:pPr algn="ctr">
-              <a:spcBef>
-                <a:spcPct val="50000"/>
-              </a:spcBef>
-            </a:pPr>
-            <a:r>
-              <a:rPr lang="en-US" sz="2800" b="1" dirty="0">
-                <a:solidFill>
-                  <a:srgbClr val="0000FF"/>
-                </a:solidFill>
-                <a:latin typeface="Tahoma" pitchFamily="34" charset="0"/>
-              </a:rPr>
-              <a:t>E, D</a:t>
-            </a:r>
-          </a:p>
-        </p:txBody>
-      </p:sp>
-      <p:sp>
-        <p:nvSpPr>
-          <p:cNvPr id="6" name="Line 5"/>
-          <p:cNvSpPr>
-            <a:spLocks noChangeShapeType="1"/>
-          </p:cNvSpPr>
-          <p:nvPr/>
-        </p:nvSpPr>
-        <p:spPr bwMode="auto">
-          <a:xfrm>
-            <a:off x="4317243" y="4986100"/>
-            <a:ext cx="914400" cy="0"/>
-          </a:xfrm>
-          <a:prstGeom prst="line">
-            <a:avLst/>
-          </a:prstGeom>
-          <a:noFill/>
-          <a:ln w="9525">
-            <a:solidFill>
-              <a:schemeClr val="tx1"/>
-            </a:solidFill>
-            <a:round/>
-            <a:headEnd type="none" w="med" len="med"/>
-            <a:tailEnd type="triangle" w="med" len="med"/>
-          </a:ln>
-        </p:spPr>
-        <p:txBody>
-          <a:bodyPr wrap="none" anchor="ctr"/>
-          <a:lstStyle/>
-          <a:p>
-            <a:endParaRPr lang="en-US"/>
-          </a:p>
-        </p:txBody>
-      </p:sp>
-      <p:sp>
-        <p:nvSpPr>
-          <p:cNvPr id="7" name="Line 6"/>
-          <p:cNvSpPr>
-            <a:spLocks noChangeShapeType="1"/>
-          </p:cNvSpPr>
-          <p:nvPr/>
-        </p:nvSpPr>
-        <p:spPr bwMode="auto">
-          <a:xfrm>
-            <a:off x="6603243" y="4986100"/>
-            <a:ext cx="914400" cy="0"/>
-          </a:xfrm>
-          <a:prstGeom prst="line">
-            <a:avLst/>
-          </a:prstGeom>
-          <a:noFill/>
-          <a:ln w="9525">
-            <a:solidFill>
-              <a:schemeClr val="tx1"/>
-            </a:solidFill>
-            <a:round/>
-            <a:headEnd type="none" w="med" len="med"/>
-            <a:tailEnd type="triangle" w="med" len="med"/>
-          </a:ln>
-        </p:spPr>
-        <p:txBody>
-          <a:bodyPr wrap="none" anchor="ctr"/>
-          <a:lstStyle/>
-          <a:p>
-            <a:endParaRPr lang="en-US"/>
-          </a:p>
-        </p:txBody>
-      </p:sp>
-      <p:sp>
-        <p:nvSpPr>
-          <p:cNvPr id="8" name="Rectangle 7"/>
-          <p:cNvSpPr>
-            <a:spLocks noChangeArrowheads="1"/>
-          </p:cNvSpPr>
-          <p:nvPr/>
-        </p:nvSpPr>
-        <p:spPr bwMode="auto">
-          <a:xfrm>
-            <a:off x="7517643" y="4814650"/>
-            <a:ext cx="2209800" cy="342900"/>
-          </a:xfrm>
-          <a:prstGeom prst="rect">
-            <a:avLst/>
-          </a:prstGeom>
-          <a:solidFill>
-            <a:schemeClr val="accent1"/>
-          </a:solidFill>
-          <a:ln w="9525">
-            <a:solidFill>
-              <a:schemeClr val="tx1"/>
-            </a:solidFill>
-            <a:miter lim="800000"/>
-            <a:headEnd/>
-            <a:tailEnd/>
-          </a:ln>
-        </p:spPr>
-        <p:txBody>
-          <a:bodyPr wrap="none" anchor="ctr"/>
-          <a:lstStyle/>
-          <a:p>
-            <a:pPr algn="ctr">
-              <a:spcBef>
-                <a:spcPct val="50000"/>
-              </a:spcBef>
-            </a:pPr>
-            <a:r>
-              <a:rPr lang="en-US">
-                <a:latin typeface="Tahoma" pitchFamily="34" charset="0"/>
-              </a:rPr>
-              <a:t>CT Block</a:t>
-            </a:r>
-          </a:p>
-        </p:txBody>
-      </p:sp>
-      <p:sp>
-        <p:nvSpPr>
-          <p:cNvPr id="9" name="Text Box 8"/>
-          <p:cNvSpPr txBox="1">
-            <a:spLocks noChangeArrowheads="1"/>
-          </p:cNvSpPr>
-          <p:nvPr/>
-        </p:nvSpPr>
-        <p:spPr bwMode="auto">
-          <a:xfrm>
-            <a:off x="8230417" y="4468733"/>
-            <a:ext cx="748923" cy="369332"/>
-          </a:xfrm>
-          <a:prstGeom prst="rect">
-            <a:avLst/>
-          </a:prstGeom>
-          <a:noFill/>
-          <a:ln w="9525">
-            <a:noFill/>
-            <a:miter lim="800000"/>
-            <a:headEnd/>
-            <a:tailEnd/>
-          </a:ln>
-        </p:spPr>
-        <p:txBody>
-          <a:bodyPr wrap="none">
-            <a:spAutoFit/>
-          </a:bodyPr>
-          <a:lstStyle/>
-          <a:p>
-            <a:pPr algn="ctr">
-              <a:spcBef>
-                <a:spcPct val="50000"/>
-              </a:spcBef>
-            </a:pPr>
-            <a:r>
-              <a:rPr lang="en-US" dirty="0">
-                <a:latin typeface="Tahoma" pitchFamily="34" charset="0"/>
-              </a:rPr>
-              <a:t>n</a:t>
-            </a:r>
-            <a:r>
-              <a:rPr lang="en-US" sz="1800" dirty="0" smtClean="0">
-                <a:latin typeface="Tahoma" pitchFamily="34" charset="0"/>
-              </a:rPr>
-              <a:t> </a:t>
-            </a:r>
-            <a:r>
-              <a:rPr lang="ru-RU" sz="1800" dirty="0" smtClean="0">
-                <a:latin typeface="Tahoma" pitchFamily="34" charset="0"/>
-              </a:rPr>
-              <a:t>бит</a:t>
-            </a:r>
-            <a:endParaRPr lang="en-US" sz="1800" dirty="0">
-              <a:latin typeface="Tahoma" pitchFamily="34" charset="0"/>
-            </a:endParaRPr>
-          </a:p>
-        </p:txBody>
-      </p:sp>
-      <p:sp>
-        <p:nvSpPr>
-          <p:cNvPr id="10" name="Rectangle 9"/>
-          <p:cNvSpPr>
-            <a:spLocks noChangeArrowheads="1"/>
-          </p:cNvSpPr>
-          <p:nvPr/>
-        </p:nvSpPr>
-        <p:spPr bwMode="auto">
-          <a:xfrm>
-            <a:off x="2132843" y="4814650"/>
-            <a:ext cx="2209800" cy="342900"/>
-          </a:xfrm>
-          <a:prstGeom prst="rect">
-            <a:avLst/>
-          </a:prstGeom>
-          <a:solidFill>
-            <a:schemeClr val="accent1"/>
-          </a:solidFill>
-          <a:ln w="9525">
-            <a:solidFill>
-              <a:schemeClr val="tx1"/>
-            </a:solidFill>
-            <a:miter lim="800000"/>
-            <a:headEnd/>
-            <a:tailEnd/>
-          </a:ln>
-        </p:spPr>
-        <p:txBody>
-          <a:bodyPr wrap="none" anchor="ctr"/>
-          <a:lstStyle/>
-          <a:p>
-            <a:pPr algn="ctr">
-              <a:spcBef>
-                <a:spcPct val="50000"/>
-              </a:spcBef>
-            </a:pPr>
-            <a:r>
-              <a:rPr lang="en-US" sz="2000">
-                <a:latin typeface="Tahoma" pitchFamily="34" charset="0"/>
-              </a:rPr>
-              <a:t>PT Block</a:t>
-            </a:r>
-          </a:p>
-        </p:txBody>
-      </p:sp>
-      <p:sp>
-        <p:nvSpPr>
-          <p:cNvPr id="11" name="Text Box 10"/>
-          <p:cNvSpPr txBox="1">
-            <a:spLocks noChangeArrowheads="1"/>
-          </p:cNvSpPr>
-          <p:nvPr/>
-        </p:nvSpPr>
-        <p:spPr bwMode="auto">
-          <a:xfrm>
-            <a:off x="2744704" y="4444365"/>
-            <a:ext cx="813044" cy="400110"/>
-          </a:xfrm>
-          <a:prstGeom prst="rect">
-            <a:avLst/>
-          </a:prstGeom>
-          <a:noFill/>
-          <a:ln w="9525">
-            <a:noFill/>
-            <a:miter lim="800000"/>
-            <a:headEnd/>
-            <a:tailEnd/>
-          </a:ln>
-        </p:spPr>
-        <p:txBody>
-          <a:bodyPr wrap="none">
-            <a:spAutoFit/>
-          </a:bodyPr>
-          <a:lstStyle/>
-          <a:p>
-            <a:pPr algn="ctr">
-              <a:spcBef>
-                <a:spcPct val="50000"/>
-              </a:spcBef>
-            </a:pPr>
-            <a:r>
-              <a:rPr lang="en-US" sz="2000" dirty="0">
-                <a:latin typeface="Tahoma" pitchFamily="34" charset="0"/>
-              </a:rPr>
-              <a:t>n</a:t>
-            </a:r>
-            <a:r>
-              <a:rPr lang="en-US" sz="2000" dirty="0" smtClean="0">
-                <a:latin typeface="Tahoma" pitchFamily="34" charset="0"/>
-              </a:rPr>
-              <a:t> </a:t>
-            </a:r>
-            <a:r>
-              <a:rPr lang="ru-RU" sz="2000" dirty="0" smtClean="0">
-                <a:latin typeface="Tahoma" pitchFamily="34" charset="0"/>
-              </a:rPr>
-              <a:t>бит</a:t>
-            </a:r>
-            <a:endParaRPr lang="en-US" sz="2000" dirty="0">
-              <a:latin typeface="Tahoma" pitchFamily="34" charset="0"/>
-            </a:endParaRPr>
-          </a:p>
-        </p:txBody>
-      </p:sp>
-      <p:sp>
-        <p:nvSpPr>
-          <p:cNvPr id="12" name="Rectangle 11"/>
-          <p:cNvSpPr>
-            <a:spLocks noChangeArrowheads="1"/>
-          </p:cNvSpPr>
-          <p:nvPr/>
-        </p:nvSpPr>
-        <p:spPr bwMode="auto">
-          <a:xfrm>
-            <a:off x="5460243" y="5786200"/>
-            <a:ext cx="990600" cy="342900"/>
-          </a:xfrm>
-          <a:prstGeom prst="rect">
-            <a:avLst/>
-          </a:prstGeom>
-          <a:solidFill>
-            <a:schemeClr val="accent1"/>
-          </a:solidFill>
-          <a:ln w="9525">
-            <a:solidFill>
-              <a:schemeClr val="tx1"/>
-            </a:solidFill>
-            <a:miter lim="800000"/>
-            <a:headEnd/>
-            <a:tailEnd/>
-          </a:ln>
-        </p:spPr>
-        <p:txBody>
-          <a:bodyPr wrap="none" anchor="ctr"/>
-          <a:lstStyle/>
-          <a:p>
-            <a:pPr algn="ctr">
-              <a:spcBef>
-                <a:spcPct val="50000"/>
-              </a:spcBef>
-            </a:pPr>
-            <a:r>
-              <a:rPr lang="en-US">
-                <a:latin typeface="Tahoma" pitchFamily="34" charset="0"/>
-              </a:rPr>
-              <a:t>Key</a:t>
-            </a:r>
-          </a:p>
-        </p:txBody>
-      </p:sp>
-      <p:sp>
-        <p:nvSpPr>
-          <p:cNvPr id="13" name="Text Box 12"/>
-          <p:cNvSpPr txBox="1">
-            <a:spLocks noChangeArrowheads="1"/>
-          </p:cNvSpPr>
-          <p:nvPr/>
-        </p:nvSpPr>
-        <p:spPr bwMode="auto">
-          <a:xfrm>
-            <a:off x="6520152" y="5807631"/>
-            <a:ext cx="736099" cy="369332"/>
-          </a:xfrm>
-          <a:prstGeom prst="rect">
-            <a:avLst/>
-          </a:prstGeom>
-          <a:noFill/>
-          <a:ln w="9525">
-            <a:noFill/>
-            <a:miter lim="800000"/>
-            <a:headEnd/>
-            <a:tailEnd/>
-          </a:ln>
-        </p:spPr>
-        <p:txBody>
-          <a:bodyPr wrap="none">
-            <a:spAutoFit/>
-          </a:bodyPr>
-          <a:lstStyle/>
-          <a:p>
-            <a:pPr algn="ctr">
-              <a:spcBef>
-                <a:spcPct val="50000"/>
-              </a:spcBef>
-            </a:pPr>
-            <a:r>
-              <a:rPr lang="en-US" sz="1800" dirty="0">
-                <a:latin typeface="Tahoma" pitchFamily="34" charset="0"/>
-              </a:rPr>
-              <a:t>k </a:t>
-            </a:r>
-            <a:r>
-              <a:rPr lang="ru-RU" sz="1800" dirty="0" smtClean="0">
-                <a:latin typeface="Tahoma" pitchFamily="34" charset="0"/>
-              </a:rPr>
-              <a:t>бит</a:t>
-            </a:r>
-            <a:endParaRPr lang="en-US" sz="1800" dirty="0">
-              <a:latin typeface="Tahoma" pitchFamily="34" charset="0"/>
-            </a:endParaRPr>
-          </a:p>
-        </p:txBody>
-      </p:sp>
-      <p:sp>
-        <p:nvSpPr>
-          <p:cNvPr id="14" name="Line 13"/>
-          <p:cNvSpPr>
-            <a:spLocks noChangeShapeType="1"/>
-          </p:cNvSpPr>
-          <p:nvPr/>
-        </p:nvSpPr>
-        <p:spPr bwMode="auto">
-          <a:xfrm flipV="1">
-            <a:off x="5993643" y="5329000"/>
-            <a:ext cx="0" cy="457200"/>
-          </a:xfrm>
-          <a:prstGeom prst="line">
-            <a:avLst/>
-          </a:prstGeom>
-          <a:noFill/>
-          <a:ln w="9525">
-            <a:solidFill>
-              <a:schemeClr val="tx1"/>
-            </a:solidFill>
-            <a:round/>
-            <a:headEnd/>
-            <a:tailEnd type="triangle" w="med" len="med"/>
-          </a:ln>
-        </p:spPr>
-        <p:txBody>
-          <a:bodyPr wrap="none" anchor="ctr"/>
-          <a:lstStyle/>
-          <a:p>
-            <a:endParaRPr lang="en-US"/>
+            <a:endParaRPr lang="ru-RU"/>
           </a:p>
         </p:txBody>
       </p:sp>
     </p:spTree>
     <p:extLst>
       <p:ext uri="{BB962C8B-B14F-4D97-AF65-F5344CB8AC3E}">
-        <p14:creationId xmlns:p14="http://schemas.microsoft.com/office/powerpoint/2010/main" val="1618079482"/>
+        <p14:creationId xmlns:p14="http://schemas.microsoft.com/office/powerpoint/2010/main" val="3711160555"/>
       </p:ext>
     </p:extLst>
   </p:cSld>
@@ -7288,16 +6861,37 @@
           <a:lstStyle/>
           <a:p>
             <a:r>
-              <a:rPr lang="en-US" dirty="0" smtClean="0"/>
-              <a:t>PRP </a:t>
-            </a:r>
-            <a:r>
               <a:rPr lang="ru-RU" dirty="0" smtClean="0"/>
-              <a:t>и </a:t>
-            </a:r>
-            <a:r>
-              <a:rPr lang="en-US" dirty="0" smtClean="0"/>
-              <a:t>PRF</a:t>
+              <a:t>Блочный шифр</a:t>
+            </a:r>
+            <a:endParaRPr lang="ru-RU" dirty="0"/>
+          </a:p>
+        </p:txBody>
+      </p:sp>
+      <p:sp>
+        <p:nvSpPr>
+          <p:cNvPr id="3" name="Объект 2"/>
+          <p:cNvSpPr>
+            <a:spLocks noGrp="1"/>
+          </p:cNvSpPr>
+          <p:nvPr>
+            <p:ph idx="1"/>
+          </p:nvPr>
+        </p:nvSpPr>
+        <p:spPr/>
+        <p:txBody>
+          <a:bodyPr/>
+          <a:lstStyle/>
+          <a:p>
+            <a:r>
+              <a:rPr lang="ru-RU" dirty="0" smtClean="0"/>
+              <a:t>Блочные шифры является основным криптографическим примитивом для построения симметричных криптосистем.</a:t>
+            </a:r>
+          </a:p>
+          <a:p>
+            <a:r>
+              <a:rPr lang="ru-RU" dirty="0" smtClean="0"/>
+              <a:t>Могут быть использованы для как схем шифрования (в схемах шифрования), так и для обеспечения аутентичности (в кодах аутентичности сообщений.</a:t>
             </a:r>
             <a:endParaRPr lang="ru-RU" dirty="0"/>
           </a:p>
@@ -7322,1190 +6916,477 @@
               <a:rPr lang="ru-RU" smtClean="0"/>
               <a:t>14</a:t>
             </a:fld>
-            <a:endParaRPr lang="ru-RU"/>
+            <a:endParaRPr lang="ru-RU" dirty="0"/>
           </a:p>
         </p:txBody>
       </p:sp>
-      <mc:AlternateContent xmlns:mc="http://schemas.openxmlformats.org/markup-compatibility/2006" xmlns:a14="http://schemas.microsoft.com/office/drawing/2010/main">
-        <mc:Choice Requires="a14">
-          <p:sp>
-            <p:nvSpPr>
-              <p:cNvPr id="5" name="Rectangle 3"/>
-              <p:cNvSpPr>
-                <a:spLocks noGrp="1" noChangeArrowheads="1"/>
-              </p:cNvSpPr>
-              <p:nvPr>
-                <p:ph idx="1"/>
-              </p:nvPr>
-            </p:nvSpPr>
-            <p:spPr>
-              <a:xfrm>
-                <a:off x="838200" y="1473958"/>
-                <a:ext cx="11008056" cy="4882391"/>
-              </a:xfrm>
-            </p:spPr>
-            <p:txBody>
-              <a:bodyPr>
-                <a:normAutofit fontScale="92500" lnSpcReduction="20000"/>
-              </a:bodyPr>
-              <a:lstStyle/>
-              <a:p>
-                <a:pPr marL="0" indent="0">
-                  <a:lnSpc>
-                    <a:spcPct val="120000"/>
-                  </a:lnSpc>
-                  <a:buNone/>
-                </a:pPr>
-                <a:r>
-                  <a:rPr lang="ru-RU" dirty="0" smtClean="0">
-                    <a:sym typeface="Symbol" pitchFamily="18" charset="2"/>
-                  </a:rPr>
-                  <a:t>Пусть функция </a:t>
-                </a:r>
-                <a14:m>
-                  <m:oMath xmlns:m="http://schemas.openxmlformats.org/officeDocument/2006/math">
-                    <m:r>
-                      <a:rPr lang="en-US" b="0" i="1" smtClean="0">
-                        <a:latin typeface="Cambria Math" panose="02040503050406030204" pitchFamily="18" charset="0"/>
-                        <a:sym typeface="Symbol" pitchFamily="18" charset="2"/>
-                      </a:rPr>
-                      <m:t>𝐹</m:t>
-                    </m:r>
-                    <m:r>
-                      <a:rPr lang="en-US" b="0" i="1" smtClean="0">
-                        <a:latin typeface="Cambria Math" panose="02040503050406030204" pitchFamily="18" charset="0"/>
-                        <a:sym typeface="Symbol" pitchFamily="18" charset="2"/>
-                      </a:rPr>
-                      <m:t>:</m:t>
-                    </m:r>
-                    <m:r>
-                      <a:rPr lang="en-US" b="0" i="1" smtClean="0">
-                        <a:latin typeface="Cambria Math" panose="02040503050406030204" pitchFamily="18" charset="0"/>
-                        <a:sym typeface="Symbol" pitchFamily="18" charset="2"/>
-                      </a:rPr>
-                      <m:t>𝐾</m:t>
-                    </m:r>
-                    <m:r>
-                      <a:rPr lang="en-US" b="0" i="1" smtClean="0">
-                        <a:latin typeface="Cambria Math" panose="02040503050406030204" pitchFamily="18" charset="0"/>
-                        <a:sym typeface="Symbol" pitchFamily="18" charset="2"/>
-                      </a:rPr>
-                      <m:t>×</m:t>
-                    </m:r>
-                    <m:r>
-                      <a:rPr lang="en-US" b="0" i="1" smtClean="0">
-                        <a:latin typeface="Cambria Math" panose="02040503050406030204" pitchFamily="18" charset="0"/>
-                        <a:sym typeface="Symbol" pitchFamily="18" charset="2"/>
-                      </a:rPr>
-                      <m:t>𝑋</m:t>
-                    </m:r>
-                    <m:r>
-                      <a:rPr lang="en-US" b="0" i="1" smtClean="0">
-                        <a:latin typeface="Cambria Math" panose="02040503050406030204" pitchFamily="18" charset="0"/>
-                        <a:sym typeface="Symbol" pitchFamily="18" charset="2"/>
-                      </a:rPr>
-                      <m:t>→</m:t>
-                    </m:r>
-                    <m:r>
-                      <a:rPr lang="en-US" b="0" i="1" smtClean="0">
-                        <a:latin typeface="Cambria Math" panose="02040503050406030204" pitchFamily="18" charset="0"/>
-                        <a:sym typeface="Symbol" pitchFamily="18" charset="2"/>
-                      </a:rPr>
-                      <m:t>𝑌</m:t>
-                    </m:r>
-                  </m:oMath>
-                </a14:m>
-                <a:r>
-                  <a:rPr lang="en-US" dirty="0" smtClean="0">
-                    <a:sym typeface="Symbol" pitchFamily="18" charset="2"/>
-                  </a:rPr>
-                  <a:t> </a:t>
-                </a:r>
-                <a:r>
-                  <a:rPr lang="ru-RU" dirty="0" smtClean="0">
-                    <a:sym typeface="Symbol" pitchFamily="18" charset="2"/>
-                  </a:rPr>
-                  <a:t>определена на </a:t>
-                </a:r>
-                <a14:m>
-                  <m:oMath xmlns:m="http://schemas.openxmlformats.org/officeDocument/2006/math">
-                    <m:r>
-                      <a:rPr lang="ru-RU" b="0" i="1" smtClean="0">
-                        <a:latin typeface="Cambria Math" panose="02040503050406030204" pitchFamily="18" charset="0"/>
-                        <a:sym typeface="Symbol" pitchFamily="18" charset="2"/>
-                      </a:rPr>
-                      <m:t>(</m:t>
-                    </m:r>
-                    <m:r>
-                      <a:rPr lang="en-US" b="0" i="1" smtClean="0">
-                        <a:latin typeface="Cambria Math" panose="02040503050406030204" pitchFamily="18" charset="0"/>
-                        <a:sym typeface="Symbol" pitchFamily="18" charset="2"/>
-                      </a:rPr>
-                      <m:t>𝐾</m:t>
-                    </m:r>
-                    <m:r>
-                      <a:rPr lang="en-US" b="0" i="1" smtClean="0">
-                        <a:latin typeface="Cambria Math" panose="02040503050406030204" pitchFamily="18" charset="0"/>
-                        <a:sym typeface="Symbol" pitchFamily="18" charset="2"/>
-                      </a:rPr>
-                      <m:t>,</m:t>
-                    </m:r>
-                    <m:r>
-                      <a:rPr lang="en-US" b="0" i="1" smtClean="0">
-                        <a:latin typeface="Cambria Math" panose="02040503050406030204" pitchFamily="18" charset="0"/>
-                        <a:sym typeface="Symbol" pitchFamily="18" charset="2"/>
-                      </a:rPr>
-                      <m:t>𝑋</m:t>
-                    </m:r>
-                    <m:r>
-                      <a:rPr lang="en-US" b="0" i="1" smtClean="0">
-                        <a:latin typeface="Cambria Math" panose="02040503050406030204" pitchFamily="18" charset="0"/>
-                        <a:sym typeface="Symbol" pitchFamily="18" charset="2"/>
-                      </a:rPr>
-                      <m:t>,</m:t>
-                    </m:r>
-                    <m:r>
-                      <a:rPr lang="en-US" b="0" i="1" smtClean="0">
-                        <a:latin typeface="Cambria Math" panose="02040503050406030204" pitchFamily="18" charset="0"/>
-                        <a:sym typeface="Symbol" pitchFamily="18" charset="2"/>
-                      </a:rPr>
-                      <m:t>𝑌</m:t>
-                    </m:r>
-                    <m:r>
-                      <a:rPr lang="en-US" b="0" i="1" smtClean="0">
-                        <a:latin typeface="Cambria Math" panose="02040503050406030204" pitchFamily="18" charset="0"/>
-                        <a:sym typeface="Symbol" pitchFamily="18" charset="2"/>
-                      </a:rPr>
-                      <m:t>)</m:t>
-                    </m:r>
-                  </m:oMath>
-                </a14:m>
-                <a:r>
-                  <a:rPr lang="ru-RU" dirty="0" smtClean="0">
-                    <a:sym typeface="Symbol" pitchFamily="18" charset="2"/>
-                  </a:rPr>
-                  <a:t>. </a:t>
-                </a:r>
-              </a:p>
-              <a:p>
-                <a:pPr marL="0" indent="0">
-                  <a:lnSpc>
-                    <a:spcPct val="120000"/>
-                  </a:lnSpc>
-                  <a:buNone/>
-                </a:pPr>
-                <a:r>
-                  <a:rPr lang="ru-RU" dirty="0" smtClean="0">
-                    <a:sym typeface="Symbol" pitchFamily="18" charset="2"/>
-                  </a:rPr>
-                  <a:t>Тогда </a:t>
-                </a:r>
-                <a14:m>
-                  <m:oMath xmlns:m="http://schemas.openxmlformats.org/officeDocument/2006/math">
-                    <m:r>
-                      <a:rPr lang="en-US" b="0" i="1" smtClean="0">
-                        <a:latin typeface="Cambria Math" panose="02040503050406030204" pitchFamily="18" charset="0"/>
-                        <a:sym typeface="Symbol" pitchFamily="18" charset="2"/>
-                      </a:rPr>
-                      <m:t>𝐹</m:t>
-                    </m:r>
-                  </m:oMath>
-                </a14:m>
-                <a:r>
-                  <a:rPr lang="ru-RU" dirty="0" smtClean="0">
-                    <a:sym typeface="Symbol" pitchFamily="18" charset="2"/>
-                  </a:rPr>
-                  <a:t> – </a:t>
-                </a:r>
-                <a:r>
-                  <a:rPr lang="ru-RU" b="1" dirty="0" smtClean="0">
-                    <a:sym typeface="Symbol" pitchFamily="18" charset="2"/>
-                  </a:rPr>
-                  <a:t>псевдослучайная функция (</a:t>
-                </a:r>
-                <a:r>
-                  <a:rPr lang="en-US" b="1" dirty="0" smtClean="0">
-                    <a:sym typeface="Symbol" pitchFamily="18" charset="2"/>
-                  </a:rPr>
-                  <a:t>PRF)</a:t>
-                </a:r>
-                <a:r>
-                  <a:rPr lang="ru-RU" dirty="0" smtClean="0">
-                    <a:sym typeface="Symbol" pitchFamily="18" charset="2"/>
-                  </a:rPr>
-                  <a:t>, если существует эффективный алгоритм, вычисляющий </a:t>
-                </a:r>
-                <a14:m>
-                  <m:oMath xmlns:m="http://schemas.openxmlformats.org/officeDocument/2006/math">
-                    <m:r>
-                      <a:rPr lang="en-US" b="0" i="1" smtClean="0">
-                        <a:latin typeface="Cambria Math" panose="02040503050406030204" pitchFamily="18" charset="0"/>
-                        <a:sym typeface="Symbol" pitchFamily="18" charset="2"/>
-                      </a:rPr>
-                      <m:t>𝐹</m:t>
-                    </m:r>
-                    <m:d>
-                      <m:dPr>
-                        <m:ctrlPr>
-                          <a:rPr lang="en-US" b="0" i="1" smtClean="0">
-                            <a:latin typeface="Cambria Math" panose="02040503050406030204" pitchFamily="18" charset="0"/>
-                            <a:sym typeface="Symbol" pitchFamily="18" charset="2"/>
-                          </a:rPr>
-                        </m:ctrlPr>
-                      </m:dPr>
-                      <m:e>
-                        <m:r>
-                          <a:rPr lang="en-US" b="0" i="1" smtClean="0">
-                            <a:latin typeface="Cambria Math" panose="02040503050406030204" pitchFamily="18" charset="0"/>
-                            <a:sym typeface="Symbol" pitchFamily="18" charset="2"/>
-                          </a:rPr>
-                          <m:t>𝑘</m:t>
-                        </m:r>
-                        <m:r>
-                          <a:rPr lang="en-US" b="0" i="1" smtClean="0">
-                            <a:latin typeface="Cambria Math" panose="02040503050406030204" pitchFamily="18" charset="0"/>
-                            <a:sym typeface="Symbol" pitchFamily="18" charset="2"/>
-                          </a:rPr>
-                          <m:t>,</m:t>
-                        </m:r>
-                        <m:r>
-                          <a:rPr lang="en-US" b="0" i="1" smtClean="0">
-                            <a:latin typeface="Cambria Math" panose="02040503050406030204" pitchFamily="18" charset="0"/>
-                            <a:sym typeface="Symbol" pitchFamily="18" charset="2"/>
-                          </a:rPr>
-                          <m:t>𝑚</m:t>
-                        </m:r>
-                      </m:e>
-                    </m:d>
-                    <m:r>
-                      <a:rPr lang="en-US" b="0" i="1" smtClean="0">
-                        <a:latin typeface="Cambria Math" panose="02040503050406030204" pitchFamily="18" charset="0"/>
-                        <a:sym typeface="Symbol" pitchFamily="18" charset="2"/>
-                      </a:rPr>
-                      <m:t>, </m:t>
-                    </m:r>
-                    <m:r>
-                      <a:rPr lang="en-US" b="0" i="1" smtClean="0">
-                        <a:latin typeface="Cambria Math" panose="02040503050406030204" pitchFamily="18" charset="0"/>
-                        <a:sym typeface="Symbol" pitchFamily="18" charset="2"/>
-                      </a:rPr>
-                      <m:t>𝑘</m:t>
-                    </m:r>
-                    <m:r>
-                      <a:rPr lang="en-US" b="0" i="1" smtClean="0">
-                        <a:latin typeface="Cambria Math" panose="02040503050406030204" pitchFamily="18" charset="0"/>
-                        <a:sym typeface="Symbol" pitchFamily="18" charset="2"/>
-                      </a:rPr>
-                      <m:t>∈</m:t>
-                    </m:r>
-                    <m:r>
-                      <a:rPr lang="en-US" b="0" i="1" smtClean="0">
-                        <a:latin typeface="Cambria Math" panose="02040503050406030204" pitchFamily="18" charset="0"/>
-                        <a:sym typeface="Symbol" pitchFamily="18" charset="2"/>
-                      </a:rPr>
-                      <m:t>𝐾</m:t>
-                    </m:r>
-                    <m:r>
-                      <a:rPr lang="en-US" b="0" i="1" smtClean="0">
-                        <a:latin typeface="Cambria Math" panose="02040503050406030204" pitchFamily="18" charset="0"/>
-                        <a:sym typeface="Symbol" pitchFamily="18" charset="2"/>
-                      </a:rPr>
-                      <m:t>, </m:t>
-                    </m:r>
-                    <m:r>
-                      <a:rPr lang="en-US" b="0" i="1" smtClean="0">
-                        <a:latin typeface="Cambria Math" panose="02040503050406030204" pitchFamily="18" charset="0"/>
-                        <a:sym typeface="Symbol" pitchFamily="18" charset="2"/>
-                      </a:rPr>
-                      <m:t>𝑥</m:t>
-                    </m:r>
-                    <m:r>
-                      <a:rPr lang="en-US" b="0" i="1" smtClean="0">
-                        <a:latin typeface="Cambria Math" panose="02040503050406030204" pitchFamily="18" charset="0"/>
-                        <a:sym typeface="Symbol" pitchFamily="18" charset="2"/>
-                      </a:rPr>
-                      <m:t>∈</m:t>
-                    </m:r>
-                    <m:r>
-                      <a:rPr lang="en-US" b="0" i="1" smtClean="0">
-                        <a:latin typeface="Cambria Math" panose="02040503050406030204" pitchFamily="18" charset="0"/>
-                        <a:sym typeface="Symbol" pitchFamily="18" charset="2"/>
-                      </a:rPr>
-                      <m:t>𝑋</m:t>
-                    </m:r>
-                  </m:oMath>
-                </a14:m>
-                <a:r>
-                  <a:rPr lang="ru-RU" dirty="0" smtClean="0">
-                    <a:sym typeface="Symbol" pitchFamily="18" charset="2"/>
-                  </a:rPr>
-                  <a:t>.</a:t>
-                </a:r>
-                <a:endParaRPr lang="en-US" dirty="0" smtClean="0">
-                  <a:sym typeface="Symbol" pitchFamily="18" charset="2"/>
-                </a:endParaRPr>
-              </a:p>
-              <a:p>
-                <a:pPr marL="0" indent="0">
-                  <a:lnSpc>
-                    <a:spcPct val="120000"/>
-                  </a:lnSpc>
-                  <a:buNone/>
-                </a:pPr>
-                <a:r>
-                  <a:rPr lang="en-US" dirty="0" smtClean="0">
-                    <a:sym typeface="Symbol" pitchFamily="18" charset="2"/>
-                  </a:rPr>
-                  <a:t>PRF </a:t>
-                </a:r>
-                <a:r>
-                  <a:rPr lang="ru-RU" dirty="0" smtClean="0">
-                    <a:sym typeface="Symbol" pitchFamily="18" charset="2"/>
-                  </a:rPr>
-                  <a:t>стойкая, если</a:t>
-                </a:r>
-                <a:r>
-                  <a:rPr lang="en-US" dirty="0" smtClean="0">
-                    <a:sym typeface="Symbol" pitchFamily="18" charset="2"/>
-                  </a:rPr>
-                  <a:t> </a:t>
-                </a:r>
-                <a14:m>
-                  <m:oMath xmlns:m="http://schemas.openxmlformats.org/officeDocument/2006/math">
-                    <m:r>
-                      <a:rPr lang="en-US" i="1" dirty="0">
-                        <a:latin typeface="Cambria Math" panose="02040503050406030204" pitchFamily="18" charset="0"/>
-                        <a:sym typeface="Symbol" pitchFamily="18" charset="2"/>
-                      </a:rPr>
-                      <m:t>𝑘</m:t>
-                    </m:r>
-                    <m:sSub>
-                      <m:sSubPr>
-                        <m:ctrlPr>
-                          <a:rPr lang="en-US" b="0" i="1" dirty="0" smtClean="0">
-                            <a:latin typeface="Cambria Math" panose="02040503050406030204" pitchFamily="18" charset="0"/>
-                            <a:sym typeface="Symbol" pitchFamily="18" charset="2"/>
-                          </a:rPr>
-                        </m:ctrlPr>
-                      </m:sSubPr>
-                      <m:e>
-                        <m:r>
-                          <a:rPr lang="en-US" b="0" i="1" dirty="0" smtClean="0">
-                            <a:latin typeface="Cambria Math" panose="02040503050406030204" pitchFamily="18" charset="0"/>
-                            <a:sym typeface="Symbol" pitchFamily="18" charset="2"/>
-                          </a:rPr>
-                          <m:t>∈</m:t>
-                        </m:r>
-                      </m:e>
-                      <m:sub>
-                        <m:r>
-                          <a:rPr lang="en-US" b="0" i="1" dirty="0" smtClean="0">
-                            <a:latin typeface="Cambria Math" panose="02040503050406030204" pitchFamily="18" charset="0"/>
-                            <a:sym typeface="Symbol" pitchFamily="18" charset="2"/>
-                          </a:rPr>
-                          <m:t>𝑅</m:t>
-                        </m:r>
-                      </m:sub>
-                    </m:sSub>
-                    <m:r>
-                      <a:rPr lang="en-US" b="0" i="1" dirty="0" smtClean="0">
-                        <a:latin typeface="Cambria Math" panose="02040503050406030204" pitchFamily="18" charset="0"/>
-                        <a:sym typeface="Symbol" pitchFamily="18" charset="2"/>
-                      </a:rPr>
-                      <m:t>𝐾</m:t>
-                    </m:r>
-                    <m:r>
-                      <a:rPr lang="en-US" b="0" i="1" dirty="0" smtClean="0">
-                        <a:latin typeface="Cambria Math" panose="02040503050406030204" pitchFamily="18" charset="0"/>
-                        <a:sym typeface="Symbol" pitchFamily="18" charset="2"/>
-                      </a:rPr>
-                      <m:t>, </m:t>
-                    </m:r>
-                    <m:r>
-                      <a:rPr lang="en-US" i="1" dirty="0" smtClean="0">
-                        <a:latin typeface="Cambria Math" panose="02040503050406030204" pitchFamily="18" charset="0"/>
-                        <a:sym typeface="Symbol" pitchFamily="18" charset="2"/>
-                      </a:rPr>
-                      <m:t>𝐹</m:t>
-                    </m:r>
-                    <m:d>
-                      <m:dPr>
-                        <m:ctrlPr>
-                          <a:rPr lang="en-US" i="1" dirty="0" smtClean="0">
-                            <a:latin typeface="Cambria Math" panose="02040503050406030204" pitchFamily="18" charset="0"/>
-                            <a:sym typeface="Symbol" pitchFamily="18" charset="2"/>
-                          </a:rPr>
-                        </m:ctrlPr>
-                      </m:dPr>
-                      <m:e>
-                        <m:r>
-                          <a:rPr lang="en-US" i="1" dirty="0" err="1" smtClean="0">
-                            <a:latin typeface="Cambria Math" panose="02040503050406030204" pitchFamily="18" charset="0"/>
-                            <a:sym typeface="Symbol" pitchFamily="18" charset="2"/>
-                          </a:rPr>
-                          <m:t>𝑘</m:t>
-                        </m:r>
-                        <m:r>
-                          <a:rPr lang="en-US" i="1" dirty="0" err="1" smtClean="0">
-                            <a:latin typeface="Cambria Math" panose="02040503050406030204" pitchFamily="18" charset="0"/>
-                            <a:sym typeface="Symbol" pitchFamily="18" charset="2"/>
-                          </a:rPr>
-                          <m:t>,</m:t>
-                        </m:r>
-                        <m:r>
-                          <a:rPr lang="en-US" i="1" dirty="0" err="1" smtClean="0">
-                            <a:latin typeface="Cambria Math" panose="02040503050406030204" pitchFamily="18" charset="0"/>
-                            <a:sym typeface="Symbol" pitchFamily="18" charset="2"/>
-                          </a:rPr>
-                          <m:t>𝑚</m:t>
-                        </m:r>
-                      </m:e>
-                    </m:d>
-                    <m:sSub>
-                      <m:sSubPr>
-                        <m:ctrlPr>
-                          <a:rPr lang="en-US" i="1">
-                            <a:latin typeface="Cambria Math" panose="02040503050406030204" pitchFamily="18" charset="0"/>
-                            <a:ea typeface="Cambria Math" panose="02040503050406030204" pitchFamily="18" charset="0"/>
-                          </a:rPr>
-                        </m:ctrlPr>
-                      </m:sSubPr>
-                      <m:e>
-                        <m:r>
-                          <a:rPr lang="ru-RU" i="1">
-                            <a:latin typeface="Cambria Math" panose="02040503050406030204" pitchFamily="18" charset="0"/>
-                            <a:ea typeface="Cambria Math" panose="02040503050406030204" pitchFamily="18" charset="0"/>
-                          </a:rPr>
-                          <m:t>≈</m:t>
-                        </m:r>
-                      </m:e>
-                      <m:sub>
-                        <m:r>
-                          <a:rPr lang="en-US" i="1">
-                            <a:latin typeface="Cambria Math" panose="02040503050406030204" pitchFamily="18" charset="0"/>
-                            <a:ea typeface="Cambria Math" panose="02040503050406030204" pitchFamily="18" charset="0"/>
-                          </a:rPr>
-                          <m:t>𝑝</m:t>
-                        </m:r>
-                      </m:sub>
-                    </m:sSub>
-                    <m:r>
-                      <a:rPr lang="en-US" b="0" i="1" smtClean="0">
-                        <a:latin typeface="Cambria Math" panose="02040503050406030204" pitchFamily="18" charset="0"/>
-                        <a:ea typeface="Cambria Math" panose="02040503050406030204" pitchFamily="18" charset="0"/>
-                      </a:rPr>
-                      <m:t>𝑟</m:t>
-                    </m:r>
-                    <m:r>
-                      <a:rPr lang="en-US" b="0" i="1" smtClean="0">
-                        <a:latin typeface="Cambria Math" panose="02040503050406030204" pitchFamily="18" charset="0"/>
-                        <a:ea typeface="Cambria Math" panose="02040503050406030204" pitchFamily="18" charset="0"/>
-                      </a:rPr>
-                      <m:t>, </m:t>
-                    </m:r>
-                    <m:r>
-                      <a:rPr lang="en-US" b="0" i="1" smtClean="0">
-                        <a:latin typeface="Cambria Math" panose="02040503050406030204" pitchFamily="18" charset="0"/>
-                        <a:ea typeface="Cambria Math" panose="02040503050406030204" pitchFamily="18" charset="0"/>
-                      </a:rPr>
-                      <m:t>𝑟</m:t>
-                    </m:r>
-                    <m:sSub>
-                      <m:sSubPr>
-                        <m:ctrlPr>
-                          <a:rPr lang="en-US" b="0" i="1" smtClean="0">
-                            <a:latin typeface="Cambria Math" panose="02040503050406030204" pitchFamily="18" charset="0"/>
-                            <a:ea typeface="Cambria Math" panose="02040503050406030204" pitchFamily="18" charset="0"/>
-                          </a:rPr>
-                        </m:ctrlPr>
-                      </m:sSubPr>
-                      <m:e>
-                        <m:r>
-                          <a:rPr lang="en-US" b="0" i="1" smtClean="0">
-                            <a:latin typeface="Cambria Math" panose="02040503050406030204" pitchFamily="18" charset="0"/>
-                            <a:ea typeface="Cambria Math" panose="02040503050406030204" pitchFamily="18" charset="0"/>
-                          </a:rPr>
-                          <m:t>∈</m:t>
-                        </m:r>
-                      </m:e>
-                      <m:sub>
-                        <m:r>
-                          <a:rPr lang="en-US" b="0" i="1" smtClean="0">
-                            <a:latin typeface="Cambria Math" panose="02040503050406030204" pitchFamily="18" charset="0"/>
-                            <a:ea typeface="Cambria Math" panose="02040503050406030204" pitchFamily="18" charset="0"/>
-                          </a:rPr>
-                          <m:t>𝑅</m:t>
-                        </m:r>
-                      </m:sub>
-                    </m:sSub>
-                    <m:r>
-                      <a:rPr lang="en-US" b="0" i="1" smtClean="0">
-                        <a:latin typeface="Cambria Math" panose="02040503050406030204" pitchFamily="18" charset="0"/>
-                        <a:ea typeface="Cambria Math" panose="02040503050406030204" pitchFamily="18" charset="0"/>
-                      </a:rPr>
-                      <m:t>𝑌</m:t>
-                    </m:r>
-                  </m:oMath>
-                </a14:m>
-                <a:endParaRPr lang="ru-RU" dirty="0" smtClean="0">
-                  <a:sym typeface="Symbol" pitchFamily="18" charset="2"/>
-                </a:endParaRPr>
-              </a:p>
-              <a:p>
-                <a:pPr marL="0" indent="0">
-                  <a:lnSpc>
-                    <a:spcPct val="120000"/>
-                  </a:lnSpc>
-                  <a:buNone/>
-                </a:pPr>
-                <a:endParaRPr lang="ru-RU" dirty="0">
-                  <a:sym typeface="Symbol" pitchFamily="18" charset="2"/>
-                </a:endParaRPr>
-              </a:p>
-              <a:p>
-                <a:pPr marL="0" indent="0">
-                  <a:lnSpc>
-                    <a:spcPct val="120000"/>
-                  </a:lnSpc>
-                  <a:buNone/>
-                </a:pPr>
-                <a:r>
-                  <a:rPr lang="ru-RU" dirty="0" smtClean="0">
-                    <a:sym typeface="Symbol" pitchFamily="18" charset="2"/>
-                  </a:rPr>
-                  <a:t>Пусть функция </a:t>
-                </a:r>
-                <a14:m>
-                  <m:oMath xmlns:m="http://schemas.openxmlformats.org/officeDocument/2006/math">
-                    <m:r>
-                      <a:rPr lang="en-US" b="0" i="1" smtClean="0">
-                        <a:latin typeface="Cambria Math" panose="02040503050406030204" pitchFamily="18" charset="0"/>
-                        <a:sym typeface="Symbol" pitchFamily="18" charset="2"/>
-                      </a:rPr>
-                      <m:t>𝐸</m:t>
-                    </m:r>
-                    <m:r>
-                      <a:rPr lang="en-US" b="0" i="0" smtClean="0">
-                        <a:latin typeface="Cambria Math" panose="02040503050406030204" pitchFamily="18" charset="0"/>
-                        <a:sym typeface="Symbol" pitchFamily="18" charset="2"/>
-                      </a:rPr>
-                      <m:t>:</m:t>
-                    </m:r>
-                    <m:r>
-                      <a:rPr lang="en-US" b="0" i="1" smtClean="0">
-                        <a:latin typeface="Cambria Math" panose="02040503050406030204" pitchFamily="18" charset="0"/>
-                        <a:sym typeface="Symbol" pitchFamily="18" charset="2"/>
-                      </a:rPr>
-                      <m:t>𝐾</m:t>
-                    </m:r>
-                    <m:r>
-                      <a:rPr lang="en-US" b="0" i="1" smtClean="0">
-                        <a:latin typeface="Cambria Math" panose="02040503050406030204" pitchFamily="18" charset="0"/>
-                        <a:sym typeface="Symbol" pitchFamily="18" charset="2"/>
-                      </a:rPr>
-                      <m:t>×</m:t>
-                    </m:r>
-                    <m:r>
-                      <a:rPr lang="en-US" b="0" i="1" smtClean="0">
-                        <a:latin typeface="Cambria Math" panose="02040503050406030204" pitchFamily="18" charset="0"/>
-                        <a:sym typeface="Symbol" pitchFamily="18" charset="2"/>
-                      </a:rPr>
-                      <m:t>𝑋</m:t>
-                    </m:r>
-                    <m:r>
-                      <a:rPr lang="en-US" b="0" i="1" smtClean="0">
-                        <a:latin typeface="Cambria Math" panose="02040503050406030204" pitchFamily="18" charset="0"/>
-                        <a:sym typeface="Symbol" pitchFamily="18" charset="2"/>
-                      </a:rPr>
-                      <m:t>→</m:t>
-                    </m:r>
-                    <m:r>
-                      <a:rPr lang="en-US" b="0" i="1" smtClean="0">
-                        <a:latin typeface="Cambria Math" panose="02040503050406030204" pitchFamily="18" charset="0"/>
-                        <a:sym typeface="Symbol" pitchFamily="18" charset="2"/>
-                      </a:rPr>
-                      <m:t>𝑋</m:t>
-                    </m:r>
-                  </m:oMath>
-                </a14:m>
-                <a:r>
-                  <a:rPr lang="en-US" dirty="0" smtClean="0">
-                    <a:sym typeface="Symbol" pitchFamily="18" charset="2"/>
-                  </a:rPr>
-                  <a:t> </a:t>
-                </a:r>
-                <a:r>
-                  <a:rPr lang="ru-RU" dirty="0" smtClean="0">
-                    <a:sym typeface="Symbol" pitchFamily="18" charset="2"/>
-                  </a:rPr>
-                  <a:t>определена на </a:t>
-                </a:r>
-                <a14:m>
-                  <m:oMath xmlns:m="http://schemas.openxmlformats.org/officeDocument/2006/math">
-                    <m:r>
-                      <a:rPr lang="ru-RU" i="1">
-                        <a:latin typeface="Cambria Math" panose="02040503050406030204" pitchFamily="18" charset="0"/>
-                        <a:sym typeface="Symbol" pitchFamily="18" charset="2"/>
-                      </a:rPr>
-                      <m:t>(</m:t>
-                    </m:r>
-                    <m:r>
-                      <a:rPr lang="en-US" i="1">
-                        <a:latin typeface="Cambria Math" panose="02040503050406030204" pitchFamily="18" charset="0"/>
-                        <a:sym typeface="Symbol" pitchFamily="18" charset="2"/>
-                      </a:rPr>
-                      <m:t>𝐾</m:t>
-                    </m:r>
-                    <m:r>
-                      <a:rPr lang="en-US" i="1">
-                        <a:latin typeface="Cambria Math" panose="02040503050406030204" pitchFamily="18" charset="0"/>
-                        <a:sym typeface="Symbol" pitchFamily="18" charset="2"/>
-                      </a:rPr>
-                      <m:t>,</m:t>
-                    </m:r>
-                    <m:r>
-                      <a:rPr lang="en-US" b="0" i="1" smtClean="0">
-                        <a:latin typeface="Cambria Math" panose="02040503050406030204" pitchFamily="18" charset="0"/>
-                        <a:sym typeface="Symbol" pitchFamily="18" charset="2"/>
-                      </a:rPr>
-                      <m:t>𝑋</m:t>
-                    </m:r>
-                    <m:r>
-                      <a:rPr lang="en-US" i="1">
-                        <a:latin typeface="Cambria Math" panose="02040503050406030204" pitchFamily="18" charset="0"/>
-                        <a:sym typeface="Symbol" pitchFamily="18" charset="2"/>
-                      </a:rPr>
-                      <m:t>)</m:t>
-                    </m:r>
-                  </m:oMath>
-                </a14:m>
-                <a:r>
-                  <a:rPr lang="ru-RU" dirty="0">
-                    <a:sym typeface="Symbol" pitchFamily="18" charset="2"/>
-                  </a:rPr>
-                  <a:t>. </a:t>
-                </a:r>
-                <a:endParaRPr lang="en-US" dirty="0" smtClean="0">
-                  <a:sym typeface="Symbol" pitchFamily="18" charset="2"/>
-                </a:endParaRPr>
-              </a:p>
-              <a:p>
-                <a:pPr marL="0" indent="0">
-                  <a:lnSpc>
-                    <a:spcPct val="120000"/>
-                  </a:lnSpc>
-                  <a:buNone/>
-                </a:pPr>
-                <a:r>
-                  <a:rPr lang="ru-RU" dirty="0" smtClean="0">
-                    <a:sym typeface="Symbol" pitchFamily="18" charset="2"/>
-                  </a:rPr>
-                  <a:t>Тогда </a:t>
-                </a:r>
-                <a14:m>
-                  <m:oMath xmlns:m="http://schemas.openxmlformats.org/officeDocument/2006/math">
-                    <m:r>
-                      <a:rPr lang="en-US" b="0" i="1" smtClean="0">
-                        <a:latin typeface="Cambria Math" panose="02040503050406030204" pitchFamily="18" charset="0"/>
-                        <a:sym typeface="Symbol" pitchFamily="18" charset="2"/>
-                      </a:rPr>
-                      <m:t>𝐸</m:t>
-                    </m:r>
-                  </m:oMath>
-                </a14:m>
-                <a:r>
-                  <a:rPr lang="ru-RU" dirty="0" smtClean="0">
-                    <a:sym typeface="Symbol" pitchFamily="18" charset="2"/>
-                  </a:rPr>
-                  <a:t> – </a:t>
-                </a:r>
-                <a:r>
-                  <a:rPr lang="ru-RU" b="1" dirty="0" smtClean="0">
-                    <a:sym typeface="Symbol" pitchFamily="18" charset="2"/>
-                  </a:rPr>
-                  <a:t>псевдослучайная подстановка (</a:t>
-                </a:r>
-                <a:r>
-                  <a:rPr lang="en-US" b="1" dirty="0" smtClean="0">
-                    <a:sym typeface="Symbol" pitchFamily="18" charset="2"/>
-                  </a:rPr>
-                  <a:t>PR</a:t>
-                </a:r>
-                <a:r>
-                  <a:rPr lang="en-US" b="1" dirty="0">
-                    <a:sym typeface="Symbol" pitchFamily="18" charset="2"/>
-                  </a:rPr>
-                  <a:t>P</a:t>
-                </a:r>
-                <a:r>
-                  <a:rPr lang="en-US" b="1" dirty="0" smtClean="0">
-                    <a:sym typeface="Symbol" pitchFamily="18" charset="2"/>
-                  </a:rPr>
-                  <a:t>)</a:t>
-                </a:r>
-                <a:r>
-                  <a:rPr lang="ru-RU" dirty="0" smtClean="0">
-                    <a:sym typeface="Symbol" pitchFamily="18" charset="2"/>
-                  </a:rPr>
-                  <a:t>, если</a:t>
-                </a:r>
-              </a:p>
-              <a:p>
-                <a:pPr>
-                  <a:lnSpc>
-                    <a:spcPct val="120000"/>
-                  </a:lnSpc>
-                </a:pPr>
-                <a:r>
-                  <a:rPr lang="ru-RU" dirty="0" smtClean="0">
-                    <a:sym typeface="Symbol" pitchFamily="18" charset="2"/>
-                  </a:rPr>
-                  <a:t>Существует эффективный алгоритм вычисляющий </a:t>
-                </a:r>
-                <a14:m>
-                  <m:oMath xmlns:m="http://schemas.openxmlformats.org/officeDocument/2006/math">
-                    <m:r>
-                      <a:rPr lang="en-US" b="0" i="1" smtClean="0">
-                        <a:latin typeface="Cambria Math" panose="02040503050406030204" pitchFamily="18" charset="0"/>
-                        <a:sym typeface="Symbol" pitchFamily="18" charset="2"/>
-                      </a:rPr>
-                      <m:t>𝐸</m:t>
-                    </m:r>
-                    <m:d>
-                      <m:dPr>
-                        <m:ctrlPr>
-                          <a:rPr lang="en-US" b="0" i="1" smtClean="0">
-                            <a:latin typeface="Cambria Math" panose="02040503050406030204" pitchFamily="18" charset="0"/>
-                            <a:sym typeface="Symbol" pitchFamily="18" charset="2"/>
-                          </a:rPr>
-                        </m:ctrlPr>
-                      </m:dPr>
-                      <m:e>
-                        <m:r>
-                          <a:rPr lang="en-US" b="0" i="1" smtClean="0">
-                            <a:latin typeface="Cambria Math" panose="02040503050406030204" pitchFamily="18" charset="0"/>
-                            <a:sym typeface="Symbol" pitchFamily="18" charset="2"/>
-                          </a:rPr>
-                          <m:t>𝑘</m:t>
-                        </m:r>
-                        <m:r>
-                          <a:rPr lang="en-US" b="0" i="1" smtClean="0">
-                            <a:latin typeface="Cambria Math" panose="02040503050406030204" pitchFamily="18" charset="0"/>
-                            <a:sym typeface="Symbol" pitchFamily="18" charset="2"/>
-                          </a:rPr>
-                          <m:t>,</m:t>
-                        </m:r>
-                        <m:r>
-                          <a:rPr lang="en-US" b="0" i="1" smtClean="0">
-                            <a:latin typeface="Cambria Math" panose="02040503050406030204" pitchFamily="18" charset="0"/>
-                            <a:sym typeface="Symbol" pitchFamily="18" charset="2"/>
-                          </a:rPr>
-                          <m:t>𝑥</m:t>
-                        </m:r>
-                      </m:e>
-                    </m:d>
-                    <m:r>
-                      <a:rPr lang="en-US" b="0" i="1" smtClean="0">
-                        <a:latin typeface="Cambria Math" panose="02040503050406030204" pitchFamily="18" charset="0"/>
-                        <a:sym typeface="Symbol" pitchFamily="18" charset="2"/>
-                      </a:rPr>
-                      <m:t>. </m:t>
-                    </m:r>
-                    <m:r>
-                      <a:rPr lang="en-US" b="0" i="1" smtClean="0">
-                        <a:latin typeface="Cambria Math" panose="02040503050406030204" pitchFamily="18" charset="0"/>
-                        <a:sym typeface="Symbol" pitchFamily="18" charset="2"/>
-                      </a:rPr>
-                      <m:t>𝑘</m:t>
-                    </m:r>
-                    <m:r>
-                      <a:rPr lang="en-US" b="0" i="1" smtClean="0">
-                        <a:latin typeface="Cambria Math" panose="02040503050406030204" pitchFamily="18" charset="0"/>
-                        <a:sym typeface="Symbol" pitchFamily="18" charset="2"/>
-                      </a:rPr>
-                      <m:t>∈</m:t>
-                    </m:r>
-                    <m:r>
-                      <a:rPr lang="en-US" b="0" i="1" smtClean="0">
-                        <a:latin typeface="Cambria Math" panose="02040503050406030204" pitchFamily="18" charset="0"/>
-                        <a:sym typeface="Symbol" pitchFamily="18" charset="2"/>
-                      </a:rPr>
-                      <m:t>𝐾</m:t>
-                    </m:r>
-                    <m:r>
-                      <a:rPr lang="en-US" b="0" i="1" smtClean="0">
-                        <a:latin typeface="Cambria Math" panose="02040503050406030204" pitchFamily="18" charset="0"/>
-                        <a:sym typeface="Symbol" pitchFamily="18" charset="2"/>
-                      </a:rPr>
-                      <m:t>, </m:t>
-                    </m:r>
-                    <m:r>
-                      <a:rPr lang="en-US" b="0" i="1" smtClean="0">
-                        <a:latin typeface="Cambria Math" panose="02040503050406030204" pitchFamily="18" charset="0"/>
-                        <a:sym typeface="Symbol" pitchFamily="18" charset="2"/>
-                      </a:rPr>
-                      <m:t>𝑥</m:t>
-                    </m:r>
-                    <m:r>
-                      <a:rPr lang="en-US" b="0" i="1" smtClean="0">
-                        <a:latin typeface="Cambria Math" panose="02040503050406030204" pitchFamily="18" charset="0"/>
-                        <a:sym typeface="Symbol" pitchFamily="18" charset="2"/>
-                      </a:rPr>
-                      <m:t>∈</m:t>
-                    </m:r>
-                    <m:r>
-                      <a:rPr lang="en-US" b="0" i="1" smtClean="0">
-                        <a:latin typeface="Cambria Math" panose="02040503050406030204" pitchFamily="18" charset="0"/>
-                        <a:sym typeface="Symbol" pitchFamily="18" charset="2"/>
-                      </a:rPr>
-                      <m:t>𝑋</m:t>
-                    </m:r>
-                  </m:oMath>
-                </a14:m>
-                <a:endParaRPr lang="en-US" dirty="0" smtClean="0">
-                  <a:sym typeface="Symbol" pitchFamily="18" charset="2"/>
-                </a:endParaRPr>
-              </a:p>
-              <a:p>
-                <a:pPr>
-                  <a:lnSpc>
-                    <a:spcPct val="120000"/>
-                  </a:lnSpc>
-                </a:pPr>
-                <a:r>
-                  <a:rPr lang="ru-RU" dirty="0" smtClean="0">
-                    <a:sym typeface="Symbol" pitchFamily="18" charset="2"/>
-                  </a:rPr>
-                  <a:t>Функция </a:t>
-                </a:r>
-                <a14:m>
-                  <m:oMath xmlns:m="http://schemas.openxmlformats.org/officeDocument/2006/math">
-                    <m:sSub>
-                      <m:sSubPr>
-                        <m:ctrlPr>
-                          <a:rPr lang="en-US" b="0" i="1" smtClean="0">
-                            <a:latin typeface="Cambria Math" panose="02040503050406030204" pitchFamily="18" charset="0"/>
-                            <a:sym typeface="Symbol" pitchFamily="18" charset="2"/>
-                          </a:rPr>
-                        </m:ctrlPr>
-                      </m:sSubPr>
-                      <m:e>
-                        <m:r>
-                          <a:rPr lang="en-US" b="0" i="1" smtClean="0">
-                            <a:latin typeface="Cambria Math" panose="02040503050406030204" pitchFamily="18" charset="0"/>
-                            <a:sym typeface="Symbol" pitchFamily="18" charset="2"/>
-                          </a:rPr>
-                          <m:t>𝑓</m:t>
-                        </m:r>
-                      </m:e>
-                      <m:sub>
-                        <m:r>
-                          <a:rPr lang="en-US" b="0" i="1" smtClean="0">
-                            <a:latin typeface="Cambria Math" panose="02040503050406030204" pitchFamily="18" charset="0"/>
-                            <a:sym typeface="Symbol" pitchFamily="18" charset="2"/>
-                          </a:rPr>
-                          <m:t>𝑘</m:t>
-                        </m:r>
-                      </m:sub>
-                    </m:sSub>
-                    <m:r>
-                      <a:rPr lang="en-US" b="0" i="1" smtClean="0">
-                        <a:latin typeface="Cambria Math" panose="02040503050406030204" pitchFamily="18" charset="0"/>
-                        <a:sym typeface="Symbol" pitchFamily="18" charset="2"/>
-                      </a:rPr>
-                      <m:t>=</m:t>
-                    </m:r>
-                    <m:r>
-                      <a:rPr lang="en-US" b="0" i="1" smtClean="0">
-                        <a:latin typeface="Cambria Math" panose="02040503050406030204" pitchFamily="18" charset="0"/>
-                        <a:sym typeface="Symbol" pitchFamily="18" charset="2"/>
-                      </a:rPr>
-                      <m:t>𝐸</m:t>
-                    </m:r>
-                    <m:r>
-                      <a:rPr lang="en-US" b="0" i="1" smtClean="0">
-                        <a:latin typeface="Cambria Math" panose="02040503050406030204" pitchFamily="18" charset="0"/>
-                        <a:sym typeface="Symbol" pitchFamily="18" charset="2"/>
-                      </a:rPr>
-                      <m:t>(</m:t>
-                    </m:r>
-                    <m:r>
-                      <a:rPr lang="en-US" b="0" i="1" smtClean="0">
-                        <a:latin typeface="Cambria Math" panose="02040503050406030204" pitchFamily="18" charset="0"/>
-                        <a:sym typeface="Symbol" pitchFamily="18" charset="2"/>
-                      </a:rPr>
-                      <m:t>𝑘</m:t>
-                    </m:r>
-                    <m:r>
-                      <a:rPr lang="en-US" b="0" i="1" smtClean="0">
-                        <a:latin typeface="Cambria Math" panose="02040503050406030204" pitchFamily="18" charset="0"/>
-                        <a:sym typeface="Symbol" pitchFamily="18" charset="2"/>
-                      </a:rPr>
-                      <m:t>,∗)</m:t>
-                    </m:r>
-                  </m:oMath>
-                </a14:m>
-                <a:r>
-                  <a:rPr lang="ru-RU" dirty="0" smtClean="0">
-                    <a:sym typeface="Symbol" pitchFamily="18" charset="2"/>
-                  </a:rPr>
-                  <a:t> – подстановка.</a:t>
-                </a:r>
-                <a:endParaRPr lang="en-US" dirty="0" smtClean="0">
-                  <a:sym typeface="Symbol" pitchFamily="18" charset="2"/>
-                </a:endParaRPr>
-              </a:p>
-              <a:p>
-                <a:pPr marL="0" indent="0">
-                  <a:lnSpc>
-                    <a:spcPct val="120000"/>
-                  </a:lnSpc>
-                  <a:buNone/>
-                </a:pPr>
-                <a:r>
-                  <a:rPr lang="en-US" dirty="0" smtClean="0">
-                    <a:sym typeface="Symbol" pitchFamily="18" charset="2"/>
-                  </a:rPr>
-                  <a:t>PRP </a:t>
-                </a:r>
-                <a:r>
-                  <a:rPr lang="ru-RU" dirty="0">
-                    <a:sym typeface="Symbol" pitchFamily="18" charset="2"/>
-                  </a:rPr>
-                  <a:t>стойкая, если</a:t>
-                </a:r>
-                <a:r>
-                  <a:rPr lang="en-US" dirty="0">
-                    <a:sym typeface="Symbol" pitchFamily="18" charset="2"/>
-                  </a:rPr>
-                  <a:t> </a:t>
-                </a:r>
-                <a14:m>
-                  <m:oMath xmlns:m="http://schemas.openxmlformats.org/officeDocument/2006/math">
-                    <m:r>
-                      <a:rPr lang="en-US" i="1" dirty="0">
-                        <a:latin typeface="Cambria Math" panose="02040503050406030204" pitchFamily="18" charset="0"/>
-                        <a:sym typeface="Symbol" pitchFamily="18" charset="2"/>
-                      </a:rPr>
-                      <m:t>𝑘</m:t>
-                    </m:r>
-                    <m:sSub>
-                      <m:sSubPr>
-                        <m:ctrlPr>
-                          <a:rPr lang="en-US" i="1" dirty="0">
-                            <a:latin typeface="Cambria Math" panose="02040503050406030204" pitchFamily="18" charset="0"/>
-                            <a:sym typeface="Symbol" pitchFamily="18" charset="2"/>
-                          </a:rPr>
-                        </m:ctrlPr>
-                      </m:sSubPr>
-                      <m:e>
-                        <m:r>
-                          <a:rPr lang="en-US" i="1" dirty="0">
-                            <a:latin typeface="Cambria Math" panose="02040503050406030204" pitchFamily="18" charset="0"/>
-                            <a:sym typeface="Symbol" pitchFamily="18" charset="2"/>
-                          </a:rPr>
-                          <m:t>∈</m:t>
-                        </m:r>
-                      </m:e>
-                      <m:sub>
-                        <m:r>
-                          <a:rPr lang="en-US" i="1" dirty="0">
-                            <a:latin typeface="Cambria Math" panose="02040503050406030204" pitchFamily="18" charset="0"/>
-                            <a:sym typeface="Symbol" pitchFamily="18" charset="2"/>
-                          </a:rPr>
-                          <m:t>𝑅</m:t>
-                        </m:r>
-                      </m:sub>
-                    </m:sSub>
-                    <m:r>
-                      <a:rPr lang="en-US" i="1" dirty="0">
-                        <a:latin typeface="Cambria Math" panose="02040503050406030204" pitchFamily="18" charset="0"/>
-                        <a:sym typeface="Symbol" pitchFamily="18" charset="2"/>
-                      </a:rPr>
-                      <m:t>𝐾</m:t>
-                    </m:r>
-                    <m:r>
-                      <a:rPr lang="en-US" i="1" dirty="0">
-                        <a:latin typeface="Cambria Math" panose="02040503050406030204" pitchFamily="18" charset="0"/>
-                        <a:sym typeface="Symbol" pitchFamily="18" charset="2"/>
-                      </a:rPr>
-                      <m:t>, </m:t>
-                    </m:r>
-                    <m:r>
-                      <a:rPr lang="en-US" i="1" dirty="0">
-                        <a:latin typeface="Cambria Math" panose="02040503050406030204" pitchFamily="18" charset="0"/>
-                        <a:sym typeface="Symbol" pitchFamily="18" charset="2"/>
-                      </a:rPr>
-                      <m:t>𝐹</m:t>
-                    </m:r>
-                    <m:d>
-                      <m:dPr>
-                        <m:ctrlPr>
-                          <a:rPr lang="en-US" i="1" dirty="0">
-                            <a:latin typeface="Cambria Math" panose="02040503050406030204" pitchFamily="18" charset="0"/>
-                            <a:sym typeface="Symbol" pitchFamily="18" charset="2"/>
-                          </a:rPr>
-                        </m:ctrlPr>
-                      </m:dPr>
-                      <m:e>
-                        <m:r>
-                          <a:rPr lang="en-US" i="1" dirty="0" err="1">
-                            <a:latin typeface="Cambria Math" panose="02040503050406030204" pitchFamily="18" charset="0"/>
-                            <a:sym typeface="Symbol" pitchFamily="18" charset="2"/>
-                          </a:rPr>
-                          <m:t>𝑘</m:t>
-                        </m:r>
-                        <m:r>
-                          <a:rPr lang="en-US" i="1" dirty="0" err="1">
-                            <a:latin typeface="Cambria Math" panose="02040503050406030204" pitchFamily="18" charset="0"/>
-                            <a:sym typeface="Symbol" pitchFamily="18" charset="2"/>
-                          </a:rPr>
-                          <m:t>,</m:t>
-                        </m:r>
-                        <m:r>
-                          <a:rPr lang="en-US" i="1" dirty="0" err="1">
-                            <a:latin typeface="Cambria Math" panose="02040503050406030204" pitchFamily="18" charset="0"/>
-                            <a:sym typeface="Symbol" pitchFamily="18" charset="2"/>
-                          </a:rPr>
-                          <m:t>𝑚</m:t>
-                        </m:r>
-                      </m:e>
-                    </m:d>
-                    <m:sSub>
-                      <m:sSubPr>
-                        <m:ctrlPr>
-                          <a:rPr lang="en-US" i="1">
-                            <a:latin typeface="Cambria Math" panose="02040503050406030204" pitchFamily="18" charset="0"/>
-                            <a:ea typeface="Cambria Math" panose="02040503050406030204" pitchFamily="18" charset="0"/>
-                          </a:rPr>
-                        </m:ctrlPr>
-                      </m:sSubPr>
-                      <m:e>
-                        <m:r>
-                          <a:rPr lang="ru-RU" i="1">
-                            <a:latin typeface="Cambria Math" panose="02040503050406030204" pitchFamily="18" charset="0"/>
-                            <a:ea typeface="Cambria Math" panose="02040503050406030204" pitchFamily="18" charset="0"/>
-                          </a:rPr>
-                          <m:t>≈</m:t>
-                        </m:r>
-                      </m:e>
-                      <m:sub>
-                        <m:r>
-                          <a:rPr lang="en-US" i="1">
-                            <a:latin typeface="Cambria Math" panose="02040503050406030204" pitchFamily="18" charset="0"/>
-                            <a:ea typeface="Cambria Math" panose="02040503050406030204" pitchFamily="18" charset="0"/>
-                          </a:rPr>
-                          <m:t>𝑝</m:t>
-                        </m:r>
-                      </m:sub>
-                    </m:sSub>
-                    <m:r>
-                      <a:rPr lang="en-US" i="1">
-                        <a:latin typeface="Cambria Math" panose="02040503050406030204" pitchFamily="18" charset="0"/>
-                        <a:ea typeface="Cambria Math" panose="02040503050406030204" pitchFamily="18" charset="0"/>
-                      </a:rPr>
-                      <m:t>𝑟</m:t>
-                    </m:r>
-                    <m:r>
-                      <a:rPr lang="en-US" i="1">
-                        <a:latin typeface="Cambria Math" panose="02040503050406030204" pitchFamily="18" charset="0"/>
-                        <a:ea typeface="Cambria Math" panose="02040503050406030204" pitchFamily="18" charset="0"/>
-                      </a:rPr>
-                      <m:t>, </m:t>
-                    </m:r>
-                    <m:r>
-                      <a:rPr lang="en-US" i="1">
-                        <a:latin typeface="Cambria Math" panose="02040503050406030204" pitchFamily="18" charset="0"/>
-                        <a:ea typeface="Cambria Math" panose="02040503050406030204" pitchFamily="18" charset="0"/>
-                      </a:rPr>
-                      <m:t>𝑟</m:t>
-                    </m:r>
-                    <m:sSub>
-                      <m:sSubPr>
-                        <m:ctrlPr>
-                          <a:rPr lang="en-US" i="1">
-                            <a:latin typeface="Cambria Math" panose="02040503050406030204" pitchFamily="18" charset="0"/>
-                            <a:ea typeface="Cambria Math" panose="02040503050406030204" pitchFamily="18" charset="0"/>
-                          </a:rPr>
-                        </m:ctrlPr>
-                      </m:sSubPr>
-                      <m:e>
-                        <m:r>
-                          <a:rPr lang="en-US" i="1">
-                            <a:latin typeface="Cambria Math" panose="02040503050406030204" pitchFamily="18" charset="0"/>
-                            <a:ea typeface="Cambria Math" panose="02040503050406030204" pitchFamily="18" charset="0"/>
-                          </a:rPr>
-                          <m:t>∈</m:t>
-                        </m:r>
-                      </m:e>
-                      <m:sub>
-                        <m:r>
-                          <a:rPr lang="en-US" i="1">
-                            <a:latin typeface="Cambria Math" panose="02040503050406030204" pitchFamily="18" charset="0"/>
-                            <a:ea typeface="Cambria Math" panose="02040503050406030204" pitchFamily="18" charset="0"/>
-                          </a:rPr>
-                          <m:t>𝑅</m:t>
-                        </m:r>
-                      </m:sub>
-                    </m:sSub>
-                    <m:r>
-                      <a:rPr lang="en-US" b="0" i="1" smtClean="0">
-                        <a:latin typeface="Cambria Math" panose="02040503050406030204" pitchFamily="18" charset="0"/>
-                        <a:ea typeface="Cambria Math" panose="02040503050406030204" pitchFamily="18" charset="0"/>
-                      </a:rPr>
-                      <m:t>𝑋</m:t>
-                    </m:r>
-                  </m:oMath>
-                </a14:m>
-                <a:endParaRPr lang="ru-RU" dirty="0">
-                  <a:sym typeface="Symbol" pitchFamily="18" charset="2"/>
-                </a:endParaRPr>
-              </a:p>
-            </p:txBody>
-          </p:sp>
-        </mc:Choice>
-        <mc:Fallback xmlns="">
-          <p:sp>
-            <p:nvSpPr>
-              <p:cNvPr id="5" name="Rectangle 3"/>
-              <p:cNvSpPr>
-                <a:spLocks noGrp="1" noRot="1" noChangeAspect="1" noMove="1" noResize="1" noEditPoints="1" noAdjustHandles="1" noChangeArrowheads="1" noChangeShapeType="1" noTextEdit="1"/>
-              </p:cNvSpPr>
-              <p:nvPr>
-                <p:ph idx="1"/>
-              </p:nvPr>
-            </p:nvSpPr>
-            <p:spPr>
-              <a:xfrm>
-                <a:off x="838200" y="1473958"/>
-                <a:ext cx="11008056" cy="4882391"/>
-              </a:xfrm>
-              <a:blipFill rotWithShape="0">
-                <a:blip r:embed="rId2"/>
-                <a:stretch>
-                  <a:fillRect l="-886" t="-999" b="-1124"/>
-                </a:stretch>
-              </a:blipFill>
-            </p:spPr>
-            <p:txBody>
-              <a:bodyPr/>
-              <a:lstStyle/>
-              <a:p>
-                <a:r>
-                  <a:rPr lang="ru-RU">
-                    <a:noFill/>
-                  </a:rPr>
-                  <a:t> </a:t>
-                </a:r>
-              </a:p>
-            </p:txBody>
-          </p:sp>
-        </mc:Fallback>
-      </mc:AlternateContent>
+      <p:sp>
+        <p:nvSpPr>
+          <p:cNvPr id="5" name="Rectangle 4"/>
+          <p:cNvSpPr>
+            <a:spLocks noChangeArrowheads="1"/>
+          </p:cNvSpPr>
+          <p:nvPr/>
+        </p:nvSpPr>
+        <p:spPr bwMode="auto">
+          <a:xfrm>
+            <a:off x="5231643" y="4586050"/>
+            <a:ext cx="1371600" cy="742950"/>
+          </a:xfrm>
+          <a:prstGeom prst="rect">
+            <a:avLst/>
+          </a:prstGeom>
+          <a:solidFill>
+            <a:schemeClr val="accent6">
+              <a:lumMod val="60000"/>
+              <a:lumOff val="40000"/>
+            </a:schemeClr>
+          </a:solidFill>
+          <a:ln w="57150">
+            <a:solidFill>
+              <a:schemeClr val="tx1"/>
+            </a:solidFill>
+            <a:miter lim="800000"/>
+            <a:headEnd/>
+            <a:tailEnd/>
+          </a:ln>
+        </p:spPr>
+        <p:txBody>
+          <a:bodyPr wrap="none" anchor="ctr"/>
+          <a:lstStyle/>
+          <a:p>
+            <a:pPr algn="ctr">
+              <a:spcBef>
+                <a:spcPct val="50000"/>
+              </a:spcBef>
+            </a:pPr>
+            <a:r>
+              <a:rPr lang="en-US" sz="2800" b="1" dirty="0">
+                <a:solidFill>
+                  <a:srgbClr val="0000FF"/>
+                </a:solidFill>
+                <a:latin typeface="Tahoma" pitchFamily="34" charset="0"/>
+              </a:rPr>
+              <a:t>E, D</a:t>
+            </a:r>
+          </a:p>
+        </p:txBody>
+      </p:sp>
+      <p:sp>
+        <p:nvSpPr>
+          <p:cNvPr id="6" name="Line 5"/>
+          <p:cNvSpPr>
+            <a:spLocks noChangeShapeType="1"/>
+          </p:cNvSpPr>
+          <p:nvPr/>
+        </p:nvSpPr>
+        <p:spPr bwMode="auto">
+          <a:xfrm>
+            <a:off x="4317243" y="4986100"/>
+            <a:ext cx="914400" cy="0"/>
+          </a:xfrm>
+          <a:prstGeom prst="line">
+            <a:avLst/>
+          </a:prstGeom>
+          <a:noFill/>
+          <a:ln w="9525">
+            <a:solidFill>
+              <a:schemeClr val="tx1"/>
+            </a:solidFill>
+            <a:round/>
+            <a:headEnd type="none" w="med" len="med"/>
+            <a:tailEnd type="triangle" w="med" len="med"/>
+          </a:ln>
+        </p:spPr>
+        <p:txBody>
+          <a:bodyPr wrap="none" anchor="ctr"/>
+          <a:lstStyle/>
+          <a:p>
+            <a:endParaRPr lang="en-US"/>
+          </a:p>
+        </p:txBody>
+      </p:sp>
+      <p:sp>
+        <p:nvSpPr>
+          <p:cNvPr id="7" name="Line 6"/>
+          <p:cNvSpPr>
+            <a:spLocks noChangeShapeType="1"/>
+          </p:cNvSpPr>
+          <p:nvPr/>
+        </p:nvSpPr>
+        <p:spPr bwMode="auto">
+          <a:xfrm>
+            <a:off x="6603243" y="4986100"/>
+            <a:ext cx="914400" cy="0"/>
+          </a:xfrm>
+          <a:prstGeom prst="line">
+            <a:avLst/>
+          </a:prstGeom>
+          <a:noFill/>
+          <a:ln w="9525">
+            <a:solidFill>
+              <a:schemeClr val="tx1"/>
+            </a:solidFill>
+            <a:round/>
+            <a:headEnd type="none" w="med" len="med"/>
+            <a:tailEnd type="triangle" w="med" len="med"/>
+          </a:ln>
+        </p:spPr>
+        <p:txBody>
+          <a:bodyPr wrap="none" anchor="ctr"/>
+          <a:lstStyle/>
+          <a:p>
+            <a:endParaRPr lang="en-US"/>
+          </a:p>
+        </p:txBody>
+      </p:sp>
+      <p:sp>
+        <p:nvSpPr>
+          <p:cNvPr id="8" name="Rectangle 7"/>
+          <p:cNvSpPr>
+            <a:spLocks noChangeArrowheads="1"/>
+          </p:cNvSpPr>
+          <p:nvPr/>
+        </p:nvSpPr>
+        <p:spPr bwMode="auto">
+          <a:xfrm>
+            <a:off x="7517643" y="4814650"/>
+            <a:ext cx="2209800" cy="342900"/>
+          </a:xfrm>
+          <a:prstGeom prst="rect">
+            <a:avLst/>
+          </a:prstGeom>
+          <a:solidFill>
+            <a:schemeClr val="accent1"/>
+          </a:solidFill>
+          <a:ln w="9525">
+            <a:solidFill>
+              <a:schemeClr val="tx1"/>
+            </a:solidFill>
+            <a:miter lim="800000"/>
+            <a:headEnd/>
+            <a:tailEnd/>
+          </a:ln>
+        </p:spPr>
+        <p:txBody>
+          <a:bodyPr wrap="none" anchor="ctr"/>
+          <a:lstStyle/>
+          <a:p>
+            <a:pPr algn="ctr">
+              <a:spcBef>
+                <a:spcPct val="50000"/>
+              </a:spcBef>
+            </a:pPr>
+            <a:r>
+              <a:rPr lang="en-US">
+                <a:latin typeface="Tahoma" pitchFamily="34" charset="0"/>
+              </a:rPr>
+              <a:t>CT Block</a:t>
+            </a:r>
+          </a:p>
+        </p:txBody>
+      </p:sp>
+      <p:sp>
+        <p:nvSpPr>
+          <p:cNvPr id="9" name="Text Box 8"/>
+          <p:cNvSpPr txBox="1">
+            <a:spLocks noChangeArrowheads="1"/>
+          </p:cNvSpPr>
+          <p:nvPr/>
+        </p:nvSpPr>
+        <p:spPr bwMode="auto">
+          <a:xfrm>
+            <a:off x="8230417" y="4468733"/>
+            <a:ext cx="748923" cy="369332"/>
+          </a:xfrm>
+          <a:prstGeom prst="rect">
+            <a:avLst/>
+          </a:prstGeom>
+          <a:noFill/>
+          <a:ln w="9525">
+            <a:noFill/>
+            <a:miter lim="800000"/>
+            <a:headEnd/>
+            <a:tailEnd/>
+          </a:ln>
+        </p:spPr>
+        <p:txBody>
+          <a:bodyPr wrap="none">
+            <a:spAutoFit/>
+          </a:bodyPr>
+          <a:lstStyle/>
+          <a:p>
+            <a:pPr algn="ctr">
+              <a:spcBef>
+                <a:spcPct val="50000"/>
+              </a:spcBef>
+            </a:pPr>
+            <a:r>
+              <a:rPr lang="en-US" dirty="0">
+                <a:latin typeface="Tahoma" pitchFamily="34" charset="0"/>
+              </a:rPr>
+              <a:t>n</a:t>
+            </a:r>
+            <a:r>
+              <a:rPr lang="en-US" sz="1800" dirty="0" smtClean="0">
+                <a:latin typeface="Tahoma" pitchFamily="34" charset="0"/>
+              </a:rPr>
+              <a:t> </a:t>
+            </a:r>
+            <a:r>
+              <a:rPr lang="ru-RU" sz="1800" dirty="0" smtClean="0">
+                <a:latin typeface="Tahoma" pitchFamily="34" charset="0"/>
+              </a:rPr>
+              <a:t>бит</a:t>
+            </a:r>
+            <a:endParaRPr lang="en-US" sz="1800" dirty="0">
+              <a:latin typeface="Tahoma" pitchFamily="34" charset="0"/>
+            </a:endParaRPr>
+          </a:p>
+        </p:txBody>
+      </p:sp>
+      <p:sp>
+        <p:nvSpPr>
+          <p:cNvPr id="10" name="Rectangle 9"/>
+          <p:cNvSpPr>
+            <a:spLocks noChangeArrowheads="1"/>
+          </p:cNvSpPr>
+          <p:nvPr/>
+        </p:nvSpPr>
+        <p:spPr bwMode="auto">
+          <a:xfrm>
+            <a:off x="2132843" y="4814650"/>
+            <a:ext cx="2209800" cy="342900"/>
+          </a:xfrm>
+          <a:prstGeom prst="rect">
+            <a:avLst/>
+          </a:prstGeom>
+          <a:solidFill>
+            <a:schemeClr val="accent1"/>
+          </a:solidFill>
+          <a:ln w="9525">
+            <a:solidFill>
+              <a:schemeClr val="tx1"/>
+            </a:solidFill>
+            <a:miter lim="800000"/>
+            <a:headEnd/>
+            <a:tailEnd/>
+          </a:ln>
+        </p:spPr>
+        <p:txBody>
+          <a:bodyPr wrap="none" anchor="ctr"/>
+          <a:lstStyle/>
+          <a:p>
+            <a:pPr algn="ctr">
+              <a:spcBef>
+                <a:spcPct val="50000"/>
+              </a:spcBef>
+            </a:pPr>
+            <a:r>
+              <a:rPr lang="en-US" sz="2000">
+                <a:latin typeface="Tahoma" pitchFamily="34" charset="0"/>
+              </a:rPr>
+              <a:t>PT Block</a:t>
+            </a:r>
+          </a:p>
+        </p:txBody>
+      </p:sp>
+      <p:sp>
+        <p:nvSpPr>
+          <p:cNvPr id="11" name="Text Box 10"/>
+          <p:cNvSpPr txBox="1">
+            <a:spLocks noChangeArrowheads="1"/>
+          </p:cNvSpPr>
+          <p:nvPr/>
+        </p:nvSpPr>
+        <p:spPr bwMode="auto">
+          <a:xfrm>
+            <a:off x="2744704" y="4444365"/>
+            <a:ext cx="813044" cy="400110"/>
+          </a:xfrm>
+          <a:prstGeom prst="rect">
+            <a:avLst/>
+          </a:prstGeom>
+          <a:noFill/>
+          <a:ln w="9525">
+            <a:noFill/>
+            <a:miter lim="800000"/>
+            <a:headEnd/>
+            <a:tailEnd/>
+          </a:ln>
+        </p:spPr>
+        <p:txBody>
+          <a:bodyPr wrap="none">
+            <a:spAutoFit/>
+          </a:bodyPr>
+          <a:lstStyle/>
+          <a:p>
+            <a:pPr algn="ctr">
+              <a:spcBef>
+                <a:spcPct val="50000"/>
+              </a:spcBef>
+            </a:pPr>
+            <a:r>
+              <a:rPr lang="en-US" sz="2000" dirty="0">
+                <a:latin typeface="Tahoma" pitchFamily="34" charset="0"/>
+              </a:rPr>
+              <a:t>n</a:t>
+            </a:r>
+            <a:r>
+              <a:rPr lang="en-US" sz="2000" dirty="0" smtClean="0">
+                <a:latin typeface="Tahoma" pitchFamily="34" charset="0"/>
+              </a:rPr>
+              <a:t> </a:t>
+            </a:r>
+            <a:r>
+              <a:rPr lang="ru-RU" sz="2000" dirty="0" smtClean="0">
+                <a:latin typeface="Tahoma" pitchFamily="34" charset="0"/>
+              </a:rPr>
+              <a:t>бит</a:t>
+            </a:r>
+            <a:endParaRPr lang="en-US" sz="2000" dirty="0">
+              <a:latin typeface="Tahoma" pitchFamily="34" charset="0"/>
+            </a:endParaRPr>
+          </a:p>
+        </p:txBody>
+      </p:sp>
+      <p:sp>
+        <p:nvSpPr>
+          <p:cNvPr id="12" name="Rectangle 11"/>
+          <p:cNvSpPr>
+            <a:spLocks noChangeArrowheads="1"/>
+          </p:cNvSpPr>
+          <p:nvPr/>
+        </p:nvSpPr>
+        <p:spPr bwMode="auto">
+          <a:xfrm>
+            <a:off x="5460243" y="5786200"/>
+            <a:ext cx="990600" cy="342900"/>
+          </a:xfrm>
+          <a:prstGeom prst="rect">
+            <a:avLst/>
+          </a:prstGeom>
+          <a:solidFill>
+            <a:schemeClr val="accent1"/>
+          </a:solidFill>
+          <a:ln w="9525">
+            <a:solidFill>
+              <a:schemeClr val="tx1"/>
+            </a:solidFill>
+            <a:miter lim="800000"/>
+            <a:headEnd/>
+            <a:tailEnd/>
+          </a:ln>
+        </p:spPr>
+        <p:txBody>
+          <a:bodyPr wrap="none" anchor="ctr"/>
+          <a:lstStyle/>
+          <a:p>
+            <a:pPr algn="ctr">
+              <a:spcBef>
+                <a:spcPct val="50000"/>
+              </a:spcBef>
+            </a:pPr>
+            <a:r>
+              <a:rPr lang="en-US">
+                <a:latin typeface="Tahoma" pitchFamily="34" charset="0"/>
+              </a:rPr>
+              <a:t>Key</a:t>
+            </a:r>
+          </a:p>
+        </p:txBody>
+      </p:sp>
+      <p:sp>
+        <p:nvSpPr>
+          <p:cNvPr id="13" name="Text Box 12"/>
+          <p:cNvSpPr txBox="1">
+            <a:spLocks noChangeArrowheads="1"/>
+          </p:cNvSpPr>
+          <p:nvPr/>
+        </p:nvSpPr>
+        <p:spPr bwMode="auto">
+          <a:xfrm>
+            <a:off x="6520152" y="5807631"/>
+            <a:ext cx="736099" cy="369332"/>
+          </a:xfrm>
+          <a:prstGeom prst="rect">
+            <a:avLst/>
+          </a:prstGeom>
+          <a:noFill/>
+          <a:ln w="9525">
+            <a:noFill/>
+            <a:miter lim="800000"/>
+            <a:headEnd/>
+            <a:tailEnd/>
+          </a:ln>
+        </p:spPr>
+        <p:txBody>
+          <a:bodyPr wrap="none">
+            <a:spAutoFit/>
+          </a:bodyPr>
+          <a:lstStyle/>
+          <a:p>
+            <a:pPr algn="ctr">
+              <a:spcBef>
+                <a:spcPct val="50000"/>
+              </a:spcBef>
+            </a:pPr>
+            <a:r>
+              <a:rPr lang="en-US" sz="1800" dirty="0">
+                <a:latin typeface="Tahoma" pitchFamily="34" charset="0"/>
+              </a:rPr>
+              <a:t>k </a:t>
+            </a:r>
+            <a:r>
+              <a:rPr lang="ru-RU" sz="1800" dirty="0" smtClean="0">
+                <a:latin typeface="Tahoma" pitchFamily="34" charset="0"/>
+              </a:rPr>
+              <a:t>бит</a:t>
+            </a:r>
+            <a:endParaRPr lang="en-US" sz="1800" dirty="0">
+              <a:latin typeface="Tahoma" pitchFamily="34" charset="0"/>
+            </a:endParaRPr>
+          </a:p>
+        </p:txBody>
+      </p:sp>
+      <p:sp>
+        <p:nvSpPr>
+          <p:cNvPr id="14" name="Line 13"/>
+          <p:cNvSpPr>
+            <a:spLocks noChangeShapeType="1"/>
+          </p:cNvSpPr>
+          <p:nvPr/>
+        </p:nvSpPr>
+        <p:spPr bwMode="auto">
+          <a:xfrm flipV="1">
+            <a:off x="5993643" y="5329000"/>
+            <a:ext cx="0" cy="457200"/>
+          </a:xfrm>
+          <a:prstGeom prst="line">
+            <a:avLst/>
+          </a:prstGeom>
+          <a:noFill/>
+          <a:ln w="9525">
+            <a:solidFill>
+              <a:schemeClr val="tx1"/>
+            </a:solidFill>
+            <a:round/>
+            <a:headEnd/>
+            <a:tailEnd type="triangle" w="med" len="med"/>
+          </a:ln>
+        </p:spPr>
+        <p:txBody>
+          <a:bodyPr wrap="none" anchor="ctr"/>
+          <a:lstStyle/>
+          <a:p>
+            <a:endParaRPr lang="en-US"/>
+          </a:p>
+        </p:txBody>
+      </p:sp>
     </p:spTree>
     <p:extLst>
       <p:ext uri="{BB962C8B-B14F-4D97-AF65-F5344CB8AC3E}">
-        <p14:creationId xmlns:p14="http://schemas.microsoft.com/office/powerpoint/2010/main" val="2767229996"/>
+        <p14:creationId xmlns:p14="http://schemas.microsoft.com/office/powerpoint/2010/main" val="1618079482"/>
       </p:ext>
     </p:extLst>
   </p:cSld>
@@ -8555,53 +7436,16 @@
           <a:lstStyle/>
           <a:p>
             <a:r>
+              <a:rPr lang="en-US" dirty="0" smtClean="0"/>
+              <a:t>PRP </a:t>
+            </a:r>
+            <a:r>
               <a:rPr lang="ru-RU" dirty="0" smtClean="0"/>
-              <a:t>Стойкий блочный шифр</a:t>
-            </a:r>
-            <a:endParaRPr lang="ru-RU" dirty="0"/>
-          </a:p>
-        </p:txBody>
-      </p:sp>
-      <p:sp>
-        <p:nvSpPr>
-          <p:cNvPr id="3" name="Объект 2"/>
-          <p:cNvSpPr>
-            <a:spLocks noGrp="1"/>
-          </p:cNvSpPr>
-          <p:nvPr>
-            <p:ph idx="1"/>
-          </p:nvPr>
-        </p:nvSpPr>
-        <p:spPr/>
-        <p:txBody>
-          <a:bodyPr/>
-          <a:lstStyle/>
-          <a:p>
-            <a:r>
-              <a:rPr lang="ru-RU" dirty="0" smtClean="0"/>
-              <a:t>Предполагается, что стойкий блочный шифр задаёт стойкую </a:t>
+              <a:t>и </a:t>
             </a:r>
             <a:r>
               <a:rPr lang="en-US" dirty="0" smtClean="0"/>
-              <a:t>PRP</a:t>
-            </a:r>
-          </a:p>
-          <a:p>
-            <a:r>
-              <a:rPr lang="ru-RU" dirty="0" smtClean="0"/>
-              <a:t>Иными словами при случайном ключе, мы ожидаем, что выход </a:t>
-            </a:r>
-            <a:r>
-              <a:rPr lang="ru-RU" dirty="0" err="1" smtClean="0"/>
-              <a:t>зашифрования</a:t>
-            </a:r>
-            <a:r>
-              <a:rPr lang="ru-RU" dirty="0"/>
-              <a:t> </a:t>
-            </a:r>
-            <a:r>
-              <a:rPr lang="ru-RU" dirty="0" smtClean="0"/>
-              <a:t>произвольного блока блочным шифром будет неотличим от случайного блока, выбранного случайно равновероятно.</a:t>
+              <a:t>PRF</a:t>
             </a:r>
             <a:endParaRPr lang="ru-RU" dirty="0"/>
           </a:p>
@@ -8630,10 +7474,1186 @@
           </a:p>
         </p:txBody>
       </p:sp>
+      <mc:AlternateContent xmlns:mc="http://schemas.openxmlformats.org/markup-compatibility/2006" xmlns:a14="http://schemas.microsoft.com/office/drawing/2010/main">
+        <mc:Choice Requires="a14">
+          <p:sp>
+            <p:nvSpPr>
+              <p:cNvPr id="5" name="Rectangle 3"/>
+              <p:cNvSpPr>
+                <a:spLocks noGrp="1" noChangeArrowheads="1"/>
+              </p:cNvSpPr>
+              <p:nvPr>
+                <p:ph idx="1"/>
+              </p:nvPr>
+            </p:nvSpPr>
+            <p:spPr>
+              <a:xfrm>
+                <a:off x="838200" y="1473958"/>
+                <a:ext cx="11008056" cy="4882391"/>
+              </a:xfrm>
+            </p:spPr>
+            <p:txBody>
+              <a:bodyPr>
+                <a:normAutofit fontScale="92500" lnSpcReduction="20000"/>
+              </a:bodyPr>
+              <a:lstStyle/>
+              <a:p>
+                <a:pPr marL="0" indent="0">
+                  <a:lnSpc>
+                    <a:spcPct val="120000"/>
+                  </a:lnSpc>
+                  <a:buNone/>
+                </a:pPr>
+                <a:r>
+                  <a:rPr lang="ru-RU" dirty="0" smtClean="0">
+                    <a:sym typeface="Symbol" pitchFamily="18" charset="2"/>
+                  </a:rPr>
+                  <a:t>Пусть функция </a:t>
+                </a:r>
+                <a14:m>
+                  <m:oMath xmlns:m="http://schemas.openxmlformats.org/officeDocument/2006/math">
+                    <m:r>
+                      <a:rPr lang="en-US" b="0" i="1" smtClean="0">
+                        <a:latin typeface="Cambria Math" panose="02040503050406030204" pitchFamily="18" charset="0"/>
+                        <a:sym typeface="Symbol" pitchFamily="18" charset="2"/>
+                      </a:rPr>
+                      <m:t>𝐹</m:t>
+                    </m:r>
+                    <m:r>
+                      <a:rPr lang="en-US" b="0" i="1" smtClean="0">
+                        <a:latin typeface="Cambria Math" panose="02040503050406030204" pitchFamily="18" charset="0"/>
+                        <a:sym typeface="Symbol" pitchFamily="18" charset="2"/>
+                      </a:rPr>
+                      <m:t>:</m:t>
+                    </m:r>
+                    <m:r>
+                      <a:rPr lang="en-US" b="0" i="1" smtClean="0">
+                        <a:latin typeface="Cambria Math" panose="02040503050406030204" pitchFamily="18" charset="0"/>
+                        <a:sym typeface="Symbol" pitchFamily="18" charset="2"/>
+                      </a:rPr>
+                      <m:t>𝐾</m:t>
+                    </m:r>
+                    <m:r>
+                      <a:rPr lang="en-US" b="0" i="1" smtClean="0">
+                        <a:latin typeface="Cambria Math" panose="02040503050406030204" pitchFamily="18" charset="0"/>
+                        <a:sym typeface="Symbol" pitchFamily="18" charset="2"/>
+                      </a:rPr>
+                      <m:t>×</m:t>
+                    </m:r>
+                    <m:r>
+                      <a:rPr lang="en-US" b="0" i="1" smtClean="0">
+                        <a:latin typeface="Cambria Math" panose="02040503050406030204" pitchFamily="18" charset="0"/>
+                        <a:sym typeface="Symbol" pitchFamily="18" charset="2"/>
+                      </a:rPr>
+                      <m:t>𝑋</m:t>
+                    </m:r>
+                    <m:r>
+                      <a:rPr lang="en-US" b="0" i="1" smtClean="0">
+                        <a:latin typeface="Cambria Math" panose="02040503050406030204" pitchFamily="18" charset="0"/>
+                        <a:sym typeface="Symbol" pitchFamily="18" charset="2"/>
+                      </a:rPr>
+                      <m:t>→</m:t>
+                    </m:r>
+                    <m:r>
+                      <a:rPr lang="en-US" b="0" i="1" smtClean="0">
+                        <a:latin typeface="Cambria Math" panose="02040503050406030204" pitchFamily="18" charset="0"/>
+                        <a:sym typeface="Symbol" pitchFamily="18" charset="2"/>
+                      </a:rPr>
+                      <m:t>𝑌</m:t>
+                    </m:r>
+                  </m:oMath>
+                </a14:m>
+                <a:r>
+                  <a:rPr lang="en-US" dirty="0" smtClean="0">
+                    <a:sym typeface="Symbol" pitchFamily="18" charset="2"/>
+                  </a:rPr>
+                  <a:t> </a:t>
+                </a:r>
+                <a:r>
+                  <a:rPr lang="ru-RU" dirty="0" smtClean="0">
+                    <a:sym typeface="Symbol" pitchFamily="18" charset="2"/>
+                  </a:rPr>
+                  <a:t>определена на </a:t>
+                </a:r>
+                <a14:m>
+                  <m:oMath xmlns:m="http://schemas.openxmlformats.org/officeDocument/2006/math">
+                    <m:r>
+                      <a:rPr lang="ru-RU" b="0" i="1" smtClean="0">
+                        <a:latin typeface="Cambria Math" panose="02040503050406030204" pitchFamily="18" charset="0"/>
+                        <a:sym typeface="Symbol" pitchFamily="18" charset="2"/>
+                      </a:rPr>
+                      <m:t>(</m:t>
+                    </m:r>
+                    <m:r>
+                      <a:rPr lang="en-US" b="0" i="1" smtClean="0">
+                        <a:latin typeface="Cambria Math" panose="02040503050406030204" pitchFamily="18" charset="0"/>
+                        <a:sym typeface="Symbol" pitchFamily="18" charset="2"/>
+                      </a:rPr>
+                      <m:t>𝐾</m:t>
+                    </m:r>
+                    <m:r>
+                      <a:rPr lang="en-US" b="0" i="1" smtClean="0">
+                        <a:latin typeface="Cambria Math" panose="02040503050406030204" pitchFamily="18" charset="0"/>
+                        <a:sym typeface="Symbol" pitchFamily="18" charset="2"/>
+                      </a:rPr>
+                      <m:t>,</m:t>
+                    </m:r>
+                    <m:r>
+                      <a:rPr lang="en-US" b="0" i="1" smtClean="0">
+                        <a:latin typeface="Cambria Math" panose="02040503050406030204" pitchFamily="18" charset="0"/>
+                        <a:sym typeface="Symbol" pitchFamily="18" charset="2"/>
+                      </a:rPr>
+                      <m:t>𝑋</m:t>
+                    </m:r>
+                    <m:r>
+                      <a:rPr lang="en-US" b="0" i="1" smtClean="0">
+                        <a:latin typeface="Cambria Math" panose="02040503050406030204" pitchFamily="18" charset="0"/>
+                        <a:sym typeface="Symbol" pitchFamily="18" charset="2"/>
+                      </a:rPr>
+                      <m:t>,</m:t>
+                    </m:r>
+                    <m:r>
+                      <a:rPr lang="en-US" b="0" i="1" smtClean="0">
+                        <a:latin typeface="Cambria Math" panose="02040503050406030204" pitchFamily="18" charset="0"/>
+                        <a:sym typeface="Symbol" pitchFamily="18" charset="2"/>
+                      </a:rPr>
+                      <m:t>𝑌</m:t>
+                    </m:r>
+                    <m:r>
+                      <a:rPr lang="en-US" b="0" i="1" smtClean="0">
+                        <a:latin typeface="Cambria Math" panose="02040503050406030204" pitchFamily="18" charset="0"/>
+                        <a:sym typeface="Symbol" pitchFamily="18" charset="2"/>
+                      </a:rPr>
+                      <m:t>)</m:t>
+                    </m:r>
+                  </m:oMath>
+                </a14:m>
+                <a:r>
+                  <a:rPr lang="ru-RU" dirty="0" smtClean="0">
+                    <a:sym typeface="Symbol" pitchFamily="18" charset="2"/>
+                  </a:rPr>
+                  <a:t>. </a:t>
+                </a:r>
+              </a:p>
+              <a:p>
+                <a:pPr marL="0" indent="0">
+                  <a:lnSpc>
+                    <a:spcPct val="120000"/>
+                  </a:lnSpc>
+                  <a:buNone/>
+                </a:pPr>
+                <a:r>
+                  <a:rPr lang="ru-RU" dirty="0" smtClean="0">
+                    <a:sym typeface="Symbol" pitchFamily="18" charset="2"/>
+                  </a:rPr>
+                  <a:t>Тогда </a:t>
+                </a:r>
+                <a14:m>
+                  <m:oMath xmlns:m="http://schemas.openxmlformats.org/officeDocument/2006/math">
+                    <m:r>
+                      <a:rPr lang="en-US" b="0" i="1" smtClean="0">
+                        <a:latin typeface="Cambria Math" panose="02040503050406030204" pitchFamily="18" charset="0"/>
+                        <a:sym typeface="Symbol" pitchFamily="18" charset="2"/>
+                      </a:rPr>
+                      <m:t>𝐹</m:t>
+                    </m:r>
+                  </m:oMath>
+                </a14:m>
+                <a:r>
+                  <a:rPr lang="ru-RU" dirty="0" smtClean="0">
+                    <a:sym typeface="Symbol" pitchFamily="18" charset="2"/>
+                  </a:rPr>
+                  <a:t> – </a:t>
+                </a:r>
+                <a:r>
+                  <a:rPr lang="ru-RU" b="1" dirty="0" smtClean="0">
+                    <a:sym typeface="Symbol" pitchFamily="18" charset="2"/>
+                  </a:rPr>
+                  <a:t>псевдослучайная функция (</a:t>
+                </a:r>
+                <a:r>
+                  <a:rPr lang="en-US" b="1" dirty="0" smtClean="0">
+                    <a:sym typeface="Symbol" pitchFamily="18" charset="2"/>
+                  </a:rPr>
+                  <a:t>PRF)</a:t>
+                </a:r>
+                <a:r>
+                  <a:rPr lang="ru-RU" dirty="0" smtClean="0">
+                    <a:sym typeface="Symbol" pitchFamily="18" charset="2"/>
+                  </a:rPr>
+                  <a:t>, если существует эффективный алгоритм, вычисляющий </a:t>
+                </a:r>
+                <a14:m>
+                  <m:oMath xmlns:m="http://schemas.openxmlformats.org/officeDocument/2006/math">
+                    <m:r>
+                      <a:rPr lang="en-US" b="0" i="1" smtClean="0">
+                        <a:latin typeface="Cambria Math" panose="02040503050406030204" pitchFamily="18" charset="0"/>
+                        <a:sym typeface="Symbol" pitchFamily="18" charset="2"/>
+                      </a:rPr>
+                      <m:t>𝐹</m:t>
+                    </m:r>
+                    <m:d>
+                      <m:dPr>
+                        <m:ctrlPr>
+                          <a:rPr lang="en-US" b="0" i="1" smtClean="0">
+                            <a:latin typeface="Cambria Math" panose="02040503050406030204" pitchFamily="18" charset="0"/>
+                            <a:sym typeface="Symbol" pitchFamily="18" charset="2"/>
+                          </a:rPr>
+                        </m:ctrlPr>
+                      </m:dPr>
+                      <m:e>
+                        <m:r>
+                          <a:rPr lang="en-US" b="0" i="1" smtClean="0">
+                            <a:latin typeface="Cambria Math" panose="02040503050406030204" pitchFamily="18" charset="0"/>
+                            <a:sym typeface="Symbol" pitchFamily="18" charset="2"/>
+                          </a:rPr>
+                          <m:t>𝑘</m:t>
+                        </m:r>
+                        <m:r>
+                          <a:rPr lang="en-US" b="0" i="1" smtClean="0">
+                            <a:latin typeface="Cambria Math" panose="02040503050406030204" pitchFamily="18" charset="0"/>
+                            <a:sym typeface="Symbol" pitchFamily="18" charset="2"/>
+                          </a:rPr>
+                          <m:t>,</m:t>
+                        </m:r>
+                        <m:r>
+                          <a:rPr lang="en-US" b="0" i="1" smtClean="0">
+                            <a:latin typeface="Cambria Math" panose="02040503050406030204" pitchFamily="18" charset="0"/>
+                            <a:sym typeface="Symbol" pitchFamily="18" charset="2"/>
+                          </a:rPr>
+                          <m:t>𝑚</m:t>
+                        </m:r>
+                      </m:e>
+                    </m:d>
+                    <m:r>
+                      <a:rPr lang="en-US" b="0" i="1" smtClean="0">
+                        <a:latin typeface="Cambria Math" panose="02040503050406030204" pitchFamily="18" charset="0"/>
+                        <a:sym typeface="Symbol" pitchFamily="18" charset="2"/>
+                      </a:rPr>
+                      <m:t>, </m:t>
+                    </m:r>
+                    <m:r>
+                      <a:rPr lang="en-US" b="0" i="1" smtClean="0">
+                        <a:latin typeface="Cambria Math" panose="02040503050406030204" pitchFamily="18" charset="0"/>
+                        <a:sym typeface="Symbol" pitchFamily="18" charset="2"/>
+                      </a:rPr>
+                      <m:t>𝑘</m:t>
+                    </m:r>
+                    <m:r>
+                      <a:rPr lang="en-US" b="0" i="1" smtClean="0">
+                        <a:latin typeface="Cambria Math" panose="02040503050406030204" pitchFamily="18" charset="0"/>
+                        <a:sym typeface="Symbol" pitchFamily="18" charset="2"/>
+                      </a:rPr>
+                      <m:t>∈</m:t>
+                    </m:r>
+                    <m:r>
+                      <a:rPr lang="en-US" b="0" i="1" smtClean="0">
+                        <a:latin typeface="Cambria Math" panose="02040503050406030204" pitchFamily="18" charset="0"/>
+                        <a:sym typeface="Symbol" pitchFamily="18" charset="2"/>
+                      </a:rPr>
+                      <m:t>𝐾</m:t>
+                    </m:r>
+                    <m:r>
+                      <a:rPr lang="en-US" b="0" i="1" smtClean="0">
+                        <a:latin typeface="Cambria Math" panose="02040503050406030204" pitchFamily="18" charset="0"/>
+                        <a:sym typeface="Symbol" pitchFamily="18" charset="2"/>
+                      </a:rPr>
+                      <m:t>, </m:t>
+                    </m:r>
+                    <m:r>
+                      <a:rPr lang="en-US" b="0" i="1" smtClean="0">
+                        <a:latin typeface="Cambria Math" panose="02040503050406030204" pitchFamily="18" charset="0"/>
+                        <a:sym typeface="Symbol" pitchFamily="18" charset="2"/>
+                      </a:rPr>
+                      <m:t>𝑥</m:t>
+                    </m:r>
+                    <m:r>
+                      <a:rPr lang="en-US" b="0" i="1" smtClean="0">
+                        <a:latin typeface="Cambria Math" panose="02040503050406030204" pitchFamily="18" charset="0"/>
+                        <a:sym typeface="Symbol" pitchFamily="18" charset="2"/>
+                      </a:rPr>
+                      <m:t>∈</m:t>
+                    </m:r>
+                    <m:r>
+                      <a:rPr lang="en-US" b="0" i="1" smtClean="0">
+                        <a:latin typeface="Cambria Math" panose="02040503050406030204" pitchFamily="18" charset="0"/>
+                        <a:sym typeface="Symbol" pitchFamily="18" charset="2"/>
+                      </a:rPr>
+                      <m:t>𝑋</m:t>
+                    </m:r>
+                  </m:oMath>
+                </a14:m>
+                <a:r>
+                  <a:rPr lang="ru-RU" dirty="0" smtClean="0">
+                    <a:sym typeface="Symbol" pitchFamily="18" charset="2"/>
+                  </a:rPr>
+                  <a:t>.</a:t>
+                </a:r>
+                <a:endParaRPr lang="en-US" dirty="0" smtClean="0">
+                  <a:sym typeface="Symbol" pitchFamily="18" charset="2"/>
+                </a:endParaRPr>
+              </a:p>
+              <a:p>
+                <a:pPr marL="0" indent="0">
+                  <a:lnSpc>
+                    <a:spcPct val="120000"/>
+                  </a:lnSpc>
+                  <a:buNone/>
+                </a:pPr>
+                <a:r>
+                  <a:rPr lang="en-US" dirty="0" smtClean="0">
+                    <a:sym typeface="Symbol" pitchFamily="18" charset="2"/>
+                  </a:rPr>
+                  <a:t>PRF </a:t>
+                </a:r>
+                <a:r>
+                  <a:rPr lang="ru-RU" dirty="0" smtClean="0">
+                    <a:sym typeface="Symbol" pitchFamily="18" charset="2"/>
+                  </a:rPr>
+                  <a:t>стойкая, если</a:t>
+                </a:r>
+                <a:r>
+                  <a:rPr lang="en-US" dirty="0" smtClean="0">
+                    <a:sym typeface="Symbol" pitchFamily="18" charset="2"/>
+                  </a:rPr>
+                  <a:t> </a:t>
+                </a:r>
+                <a14:m>
+                  <m:oMath xmlns:m="http://schemas.openxmlformats.org/officeDocument/2006/math">
+                    <m:r>
+                      <a:rPr lang="en-US" i="1" dirty="0">
+                        <a:latin typeface="Cambria Math" panose="02040503050406030204" pitchFamily="18" charset="0"/>
+                        <a:sym typeface="Symbol" pitchFamily="18" charset="2"/>
+                      </a:rPr>
+                      <m:t>𝑘</m:t>
+                    </m:r>
+                    <m:sSub>
+                      <m:sSubPr>
+                        <m:ctrlPr>
+                          <a:rPr lang="en-US" b="0" i="1" dirty="0" smtClean="0">
+                            <a:latin typeface="Cambria Math" panose="02040503050406030204" pitchFamily="18" charset="0"/>
+                            <a:sym typeface="Symbol" pitchFamily="18" charset="2"/>
+                          </a:rPr>
+                        </m:ctrlPr>
+                      </m:sSubPr>
+                      <m:e>
+                        <m:r>
+                          <a:rPr lang="en-US" b="0" i="1" dirty="0" smtClean="0">
+                            <a:latin typeface="Cambria Math" panose="02040503050406030204" pitchFamily="18" charset="0"/>
+                            <a:sym typeface="Symbol" pitchFamily="18" charset="2"/>
+                          </a:rPr>
+                          <m:t>∈</m:t>
+                        </m:r>
+                      </m:e>
+                      <m:sub>
+                        <m:r>
+                          <a:rPr lang="en-US" b="0" i="1" dirty="0" smtClean="0">
+                            <a:latin typeface="Cambria Math" panose="02040503050406030204" pitchFamily="18" charset="0"/>
+                            <a:sym typeface="Symbol" pitchFamily="18" charset="2"/>
+                          </a:rPr>
+                          <m:t>𝑅</m:t>
+                        </m:r>
+                      </m:sub>
+                    </m:sSub>
+                    <m:r>
+                      <a:rPr lang="en-US" b="0" i="1" dirty="0" smtClean="0">
+                        <a:latin typeface="Cambria Math" panose="02040503050406030204" pitchFamily="18" charset="0"/>
+                        <a:sym typeface="Symbol" pitchFamily="18" charset="2"/>
+                      </a:rPr>
+                      <m:t>𝐾</m:t>
+                    </m:r>
+                    <m:r>
+                      <a:rPr lang="en-US" b="0" i="1" dirty="0" smtClean="0">
+                        <a:latin typeface="Cambria Math" panose="02040503050406030204" pitchFamily="18" charset="0"/>
+                        <a:sym typeface="Symbol" pitchFamily="18" charset="2"/>
+                      </a:rPr>
+                      <m:t>, </m:t>
+                    </m:r>
+                    <m:r>
+                      <a:rPr lang="en-US" i="1" dirty="0" smtClean="0">
+                        <a:latin typeface="Cambria Math" panose="02040503050406030204" pitchFamily="18" charset="0"/>
+                        <a:sym typeface="Symbol" pitchFamily="18" charset="2"/>
+                      </a:rPr>
+                      <m:t>𝐹</m:t>
+                    </m:r>
+                    <m:d>
+                      <m:dPr>
+                        <m:ctrlPr>
+                          <a:rPr lang="en-US" i="1" dirty="0" smtClean="0">
+                            <a:latin typeface="Cambria Math" panose="02040503050406030204" pitchFamily="18" charset="0"/>
+                            <a:sym typeface="Symbol" pitchFamily="18" charset="2"/>
+                          </a:rPr>
+                        </m:ctrlPr>
+                      </m:dPr>
+                      <m:e>
+                        <m:r>
+                          <a:rPr lang="en-US" i="1" dirty="0" err="1" smtClean="0">
+                            <a:latin typeface="Cambria Math" panose="02040503050406030204" pitchFamily="18" charset="0"/>
+                            <a:sym typeface="Symbol" pitchFamily="18" charset="2"/>
+                          </a:rPr>
+                          <m:t>𝑘</m:t>
+                        </m:r>
+                        <m:r>
+                          <a:rPr lang="en-US" i="1" dirty="0" err="1" smtClean="0">
+                            <a:latin typeface="Cambria Math" panose="02040503050406030204" pitchFamily="18" charset="0"/>
+                            <a:sym typeface="Symbol" pitchFamily="18" charset="2"/>
+                          </a:rPr>
+                          <m:t>,</m:t>
+                        </m:r>
+                        <m:r>
+                          <a:rPr lang="en-US" i="1" dirty="0" err="1" smtClean="0">
+                            <a:latin typeface="Cambria Math" panose="02040503050406030204" pitchFamily="18" charset="0"/>
+                            <a:sym typeface="Symbol" pitchFamily="18" charset="2"/>
+                          </a:rPr>
+                          <m:t>𝑚</m:t>
+                        </m:r>
+                      </m:e>
+                    </m:d>
+                    <m:sSub>
+                      <m:sSubPr>
+                        <m:ctrlPr>
+                          <a:rPr lang="en-US" i="1">
+                            <a:latin typeface="Cambria Math" panose="02040503050406030204" pitchFamily="18" charset="0"/>
+                            <a:ea typeface="Cambria Math" panose="02040503050406030204" pitchFamily="18" charset="0"/>
+                          </a:rPr>
+                        </m:ctrlPr>
+                      </m:sSubPr>
+                      <m:e>
+                        <m:r>
+                          <a:rPr lang="ru-RU" i="1">
+                            <a:latin typeface="Cambria Math" panose="02040503050406030204" pitchFamily="18" charset="0"/>
+                            <a:ea typeface="Cambria Math" panose="02040503050406030204" pitchFamily="18" charset="0"/>
+                          </a:rPr>
+                          <m:t>≈</m:t>
+                        </m:r>
+                      </m:e>
+                      <m:sub>
+                        <m:r>
+                          <a:rPr lang="en-US" i="1">
+                            <a:latin typeface="Cambria Math" panose="02040503050406030204" pitchFamily="18" charset="0"/>
+                            <a:ea typeface="Cambria Math" panose="02040503050406030204" pitchFamily="18" charset="0"/>
+                          </a:rPr>
+                          <m:t>𝑝</m:t>
+                        </m:r>
+                      </m:sub>
+                    </m:sSub>
+                    <m:r>
+                      <a:rPr lang="en-US" b="0" i="1" smtClean="0">
+                        <a:latin typeface="Cambria Math" panose="02040503050406030204" pitchFamily="18" charset="0"/>
+                        <a:ea typeface="Cambria Math" panose="02040503050406030204" pitchFamily="18" charset="0"/>
+                      </a:rPr>
+                      <m:t>𝑟</m:t>
+                    </m:r>
+                    <m:r>
+                      <a:rPr lang="en-US" b="0" i="1" smtClean="0">
+                        <a:latin typeface="Cambria Math" panose="02040503050406030204" pitchFamily="18" charset="0"/>
+                        <a:ea typeface="Cambria Math" panose="02040503050406030204" pitchFamily="18" charset="0"/>
+                      </a:rPr>
+                      <m:t>, </m:t>
+                    </m:r>
+                    <m:r>
+                      <a:rPr lang="en-US" b="0" i="1" smtClean="0">
+                        <a:latin typeface="Cambria Math" panose="02040503050406030204" pitchFamily="18" charset="0"/>
+                        <a:ea typeface="Cambria Math" panose="02040503050406030204" pitchFamily="18" charset="0"/>
+                      </a:rPr>
+                      <m:t>𝑟</m:t>
+                    </m:r>
+                    <m:sSub>
+                      <m:sSubPr>
+                        <m:ctrlPr>
+                          <a:rPr lang="en-US" b="0" i="1" smtClean="0">
+                            <a:latin typeface="Cambria Math" panose="02040503050406030204" pitchFamily="18" charset="0"/>
+                            <a:ea typeface="Cambria Math" panose="02040503050406030204" pitchFamily="18" charset="0"/>
+                          </a:rPr>
+                        </m:ctrlPr>
+                      </m:sSubPr>
+                      <m:e>
+                        <m:r>
+                          <a:rPr lang="en-US" b="0" i="1" smtClean="0">
+                            <a:latin typeface="Cambria Math" panose="02040503050406030204" pitchFamily="18" charset="0"/>
+                            <a:ea typeface="Cambria Math" panose="02040503050406030204" pitchFamily="18" charset="0"/>
+                          </a:rPr>
+                          <m:t>∈</m:t>
+                        </m:r>
+                      </m:e>
+                      <m:sub>
+                        <m:r>
+                          <a:rPr lang="en-US" b="0" i="1" smtClean="0">
+                            <a:latin typeface="Cambria Math" panose="02040503050406030204" pitchFamily="18" charset="0"/>
+                            <a:ea typeface="Cambria Math" panose="02040503050406030204" pitchFamily="18" charset="0"/>
+                          </a:rPr>
+                          <m:t>𝑅</m:t>
+                        </m:r>
+                      </m:sub>
+                    </m:sSub>
+                    <m:r>
+                      <a:rPr lang="en-US" b="0" i="1" smtClean="0">
+                        <a:latin typeface="Cambria Math" panose="02040503050406030204" pitchFamily="18" charset="0"/>
+                        <a:ea typeface="Cambria Math" panose="02040503050406030204" pitchFamily="18" charset="0"/>
+                      </a:rPr>
+                      <m:t>𝑌</m:t>
+                    </m:r>
+                  </m:oMath>
+                </a14:m>
+                <a:endParaRPr lang="ru-RU" dirty="0" smtClean="0">
+                  <a:sym typeface="Symbol" pitchFamily="18" charset="2"/>
+                </a:endParaRPr>
+              </a:p>
+              <a:p>
+                <a:pPr marL="0" indent="0">
+                  <a:lnSpc>
+                    <a:spcPct val="120000"/>
+                  </a:lnSpc>
+                  <a:buNone/>
+                </a:pPr>
+                <a:endParaRPr lang="ru-RU" dirty="0">
+                  <a:sym typeface="Symbol" pitchFamily="18" charset="2"/>
+                </a:endParaRPr>
+              </a:p>
+              <a:p>
+                <a:pPr marL="0" indent="0">
+                  <a:lnSpc>
+                    <a:spcPct val="120000"/>
+                  </a:lnSpc>
+                  <a:buNone/>
+                </a:pPr>
+                <a:r>
+                  <a:rPr lang="ru-RU" dirty="0" smtClean="0">
+                    <a:sym typeface="Symbol" pitchFamily="18" charset="2"/>
+                  </a:rPr>
+                  <a:t>Пусть функция </a:t>
+                </a:r>
+                <a14:m>
+                  <m:oMath xmlns:m="http://schemas.openxmlformats.org/officeDocument/2006/math">
+                    <m:r>
+                      <a:rPr lang="en-US" b="0" i="1" smtClean="0">
+                        <a:latin typeface="Cambria Math" panose="02040503050406030204" pitchFamily="18" charset="0"/>
+                        <a:sym typeface="Symbol" pitchFamily="18" charset="2"/>
+                      </a:rPr>
+                      <m:t>𝐸</m:t>
+                    </m:r>
+                    <m:r>
+                      <a:rPr lang="en-US" b="0" i="0" smtClean="0">
+                        <a:latin typeface="Cambria Math" panose="02040503050406030204" pitchFamily="18" charset="0"/>
+                        <a:sym typeface="Symbol" pitchFamily="18" charset="2"/>
+                      </a:rPr>
+                      <m:t>:</m:t>
+                    </m:r>
+                    <m:r>
+                      <a:rPr lang="en-US" b="0" i="1" smtClean="0">
+                        <a:latin typeface="Cambria Math" panose="02040503050406030204" pitchFamily="18" charset="0"/>
+                        <a:sym typeface="Symbol" pitchFamily="18" charset="2"/>
+                      </a:rPr>
+                      <m:t>𝐾</m:t>
+                    </m:r>
+                    <m:r>
+                      <a:rPr lang="en-US" b="0" i="1" smtClean="0">
+                        <a:latin typeface="Cambria Math" panose="02040503050406030204" pitchFamily="18" charset="0"/>
+                        <a:sym typeface="Symbol" pitchFamily="18" charset="2"/>
+                      </a:rPr>
+                      <m:t>×</m:t>
+                    </m:r>
+                    <m:r>
+                      <a:rPr lang="en-US" b="0" i="1" smtClean="0">
+                        <a:latin typeface="Cambria Math" panose="02040503050406030204" pitchFamily="18" charset="0"/>
+                        <a:sym typeface="Symbol" pitchFamily="18" charset="2"/>
+                      </a:rPr>
+                      <m:t>𝑋</m:t>
+                    </m:r>
+                    <m:r>
+                      <a:rPr lang="en-US" b="0" i="1" smtClean="0">
+                        <a:latin typeface="Cambria Math" panose="02040503050406030204" pitchFamily="18" charset="0"/>
+                        <a:sym typeface="Symbol" pitchFamily="18" charset="2"/>
+                      </a:rPr>
+                      <m:t>→</m:t>
+                    </m:r>
+                    <m:r>
+                      <a:rPr lang="en-US" b="0" i="1" smtClean="0">
+                        <a:latin typeface="Cambria Math" panose="02040503050406030204" pitchFamily="18" charset="0"/>
+                        <a:sym typeface="Symbol" pitchFamily="18" charset="2"/>
+                      </a:rPr>
+                      <m:t>𝑋</m:t>
+                    </m:r>
+                  </m:oMath>
+                </a14:m>
+                <a:r>
+                  <a:rPr lang="en-US" dirty="0" smtClean="0">
+                    <a:sym typeface="Symbol" pitchFamily="18" charset="2"/>
+                  </a:rPr>
+                  <a:t> </a:t>
+                </a:r>
+                <a:r>
+                  <a:rPr lang="ru-RU" dirty="0" smtClean="0">
+                    <a:sym typeface="Symbol" pitchFamily="18" charset="2"/>
+                  </a:rPr>
+                  <a:t>определена на </a:t>
+                </a:r>
+                <a14:m>
+                  <m:oMath xmlns:m="http://schemas.openxmlformats.org/officeDocument/2006/math">
+                    <m:r>
+                      <a:rPr lang="ru-RU" i="1">
+                        <a:latin typeface="Cambria Math" panose="02040503050406030204" pitchFamily="18" charset="0"/>
+                        <a:sym typeface="Symbol" pitchFamily="18" charset="2"/>
+                      </a:rPr>
+                      <m:t>(</m:t>
+                    </m:r>
+                    <m:r>
+                      <a:rPr lang="en-US" i="1">
+                        <a:latin typeface="Cambria Math" panose="02040503050406030204" pitchFamily="18" charset="0"/>
+                        <a:sym typeface="Symbol" pitchFamily="18" charset="2"/>
+                      </a:rPr>
+                      <m:t>𝐾</m:t>
+                    </m:r>
+                    <m:r>
+                      <a:rPr lang="en-US" i="1">
+                        <a:latin typeface="Cambria Math" panose="02040503050406030204" pitchFamily="18" charset="0"/>
+                        <a:sym typeface="Symbol" pitchFamily="18" charset="2"/>
+                      </a:rPr>
+                      <m:t>,</m:t>
+                    </m:r>
+                    <m:r>
+                      <a:rPr lang="en-US" b="0" i="1" smtClean="0">
+                        <a:latin typeface="Cambria Math" panose="02040503050406030204" pitchFamily="18" charset="0"/>
+                        <a:sym typeface="Symbol" pitchFamily="18" charset="2"/>
+                      </a:rPr>
+                      <m:t>𝑋</m:t>
+                    </m:r>
+                    <m:r>
+                      <a:rPr lang="en-US" i="1">
+                        <a:latin typeface="Cambria Math" panose="02040503050406030204" pitchFamily="18" charset="0"/>
+                        <a:sym typeface="Symbol" pitchFamily="18" charset="2"/>
+                      </a:rPr>
+                      <m:t>)</m:t>
+                    </m:r>
+                  </m:oMath>
+                </a14:m>
+                <a:r>
+                  <a:rPr lang="ru-RU" dirty="0">
+                    <a:sym typeface="Symbol" pitchFamily="18" charset="2"/>
+                  </a:rPr>
+                  <a:t>. </a:t>
+                </a:r>
+                <a:endParaRPr lang="en-US" dirty="0" smtClean="0">
+                  <a:sym typeface="Symbol" pitchFamily="18" charset="2"/>
+                </a:endParaRPr>
+              </a:p>
+              <a:p>
+                <a:pPr marL="0" indent="0">
+                  <a:lnSpc>
+                    <a:spcPct val="120000"/>
+                  </a:lnSpc>
+                  <a:buNone/>
+                </a:pPr>
+                <a:r>
+                  <a:rPr lang="ru-RU" dirty="0" smtClean="0">
+                    <a:sym typeface="Symbol" pitchFamily="18" charset="2"/>
+                  </a:rPr>
+                  <a:t>Тогда </a:t>
+                </a:r>
+                <a14:m>
+                  <m:oMath xmlns:m="http://schemas.openxmlformats.org/officeDocument/2006/math">
+                    <m:r>
+                      <a:rPr lang="en-US" b="0" i="1" smtClean="0">
+                        <a:latin typeface="Cambria Math" panose="02040503050406030204" pitchFamily="18" charset="0"/>
+                        <a:sym typeface="Symbol" pitchFamily="18" charset="2"/>
+                      </a:rPr>
+                      <m:t>𝐸</m:t>
+                    </m:r>
+                  </m:oMath>
+                </a14:m>
+                <a:r>
+                  <a:rPr lang="ru-RU" dirty="0" smtClean="0">
+                    <a:sym typeface="Symbol" pitchFamily="18" charset="2"/>
+                  </a:rPr>
+                  <a:t> – </a:t>
+                </a:r>
+                <a:r>
+                  <a:rPr lang="ru-RU" b="1" dirty="0" smtClean="0">
+                    <a:sym typeface="Symbol" pitchFamily="18" charset="2"/>
+                  </a:rPr>
+                  <a:t>псевдослучайная подстановка (</a:t>
+                </a:r>
+                <a:r>
+                  <a:rPr lang="en-US" b="1" dirty="0" smtClean="0">
+                    <a:sym typeface="Symbol" pitchFamily="18" charset="2"/>
+                  </a:rPr>
+                  <a:t>PR</a:t>
+                </a:r>
+                <a:r>
+                  <a:rPr lang="en-US" b="1" dirty="0">
+                    <a:sym typeface="Symbol" pitchFamily="18" charset="2"/>
+                  </a:rPr>
+                  <a:t>P</a:t>
+                </a:r>
+                <a:r>
+                  <a:rPr lang="en-US" b="1" dirty="0" smtClean="0">
+                    <a:sym typeface="Symbol" pitchFamily="18" charset="2"/>
+                  </a:rPr>
+                  <a:t>)</a:t>
+                </a:r>
+                <a:r>
+                  <a:rPr lang="ru-RU" dirty="0" smtClean="0">
+                    <a:sym typeface="Symbol" pitchFamily="18" charset="2"/>
+                  </a:rPr>
+                  <a:t>, если</a:t>
+                </a:r>
+              </a:p>
+              <a:p>
+                <a:pPr>
+                  <a:lnSpc>
+                    <a:spcPct val="120000"/>
+                  </a:lnSpc>
+                </a:pPr>
+                <a:r>
+                  <a:rPr lang="ru-RU" dirty="0" smtClean="0">
+                    <a:sym typeface="Symbol" pitchFamily="18" charset="2"/>
+                  </a:rPr>
+                  <a:t>Существует эффективный алгоритм вычисляющий </a:t>
+                </a:r>
+                <a14:m>
+                  <m:oMath xmlns:m="http://schemas.openxmlformats.org/officeDocument/2006/math">
+                    <m:r>
+                      <a:rPr lang="en-US" b="0" i="1" smtClean="0">
+                        <a:latin typeface="Cambria Math" panose="02040503050406030204" pitchFamily="18" charset="0"/>
+                        <a:sym typeface="Symbol" pitchFamily="18" charset="2"/>
+                      </a:rPr>
+                      <m:t>𝐸</m:t>
+                    </m:r>
+                    <m:d>
+                      <m:dPr>
+                        <m:ctrlPr>
+                          <a:rPr lang="en-US" b="0" i="1" smtClean="0">
+                            <a:latin typeface="Cambria Math" panose="02040503050406030204" pitchFamily="18" charset="0"/>
+                            <a:sym typeface="Symbol" pitchFamily="18" charset="2"/>
+                          </a:rPr>
+                        </m:ctrlPr>
+                      </m:dPr>
+                      <m:e>
+                        <m:r>
+                          <a:rPr lang="en-US" b="0" i="1" smtClean="0">
+                            <a:latin typeface="Cambria Math" panose="02040503050406030204" pitchFamily="18" charset="0"/>
+                            <a:sym typeface="Symbol" pitchFamily="18" charset="2"/>
+                          </a:rPr>
+                          <m:t>𝑘</m:t>
+                        </m:r>
+                        <m:r>
+                          <a:rPr lang="en-US" b="0" i="1" smtClean="0">
+                            <a:latin typeface="Cambria Math" panose="02040503050406030204" pitchFamily="18" charset="0"/>
+                            <a:sym typeface="Symbol" pitchFamily="18" charset="2"/>
+                          </a:rPr>
+                          <m:t>,</m:t>
+                        </m:r>
+                        <m:r>
+                          <a:rPr lang="en-US" b="0" i="1" smtClean="0">
+                            <a:latin typeface="Cambria Math" panose="02040503050406030204" pitchFamily="18" charset="0"/>
+                            <a:sym typeface="Symbol" pitchFamily="18" charset="2"/>
+                          </a:rPr>
+                          <m:t>𝑥</m:t>
+                        </m:r>
+                      </m:e>
+                    </m:d>
+                    <m:r>
+                      <a:rPr lang="en-US" b="0" i="1" smtClean="0">
+                        <a:latin typeface="Cambria Math" panose="02040503050406030204" pitchFamily="18" charset="0"/>
+                        <a:sym typeface="Symbol" pitchFamily="18" charset="2"/>
+                      </a:rPr>
+                      <m:t>. </m:t>
+                    </m:r>
+                    <m:r>
+                      <a:rPr lang="en-US" b="0" i="1" smtClean="0">
+                        <a:latin typeface="Cambria Math" panose="02040503050406030204" pitchFamily="18" charset="0"/>
+                        <a:sym typeface="Symbol" pitchFamily="18" charset="2"/>
+                      </a:rPr>
+                      <m:t>𝑘</m:t>
+                    </m:r>
+                    <m:r>
+                      <a:rPr lang="en-US" b="0" i="1" smtClean="0">
+                        <a:latin typeface="Cambria Math" panose="02040503050406030204" pitchFamily="18" charset="0"/>
+                        <a:sym typeface="Symbol" pitchFamily="18" charset="2"/>
+                      </a:rPr>
+                      <m:t>∈</m:t>
+                    </m:r>
+                    <m:r>
+                      <a:rPr lang="en-US" b="0" i="1" smtClean="0">
+                        <a:latin typeface="Cambria Math" panose="02040503050406030204" pitchFamily="18" charset="0"/>
+                        <a:sym typeface="Symbol" pitchFamily="18" charset="2"/>
+                      </a:rPr>
+                      <m:t>𝐾</m:t>
+                    </m:r>
+                    <m:r>
+                      <a:rPr lang="en-US" b="0" i="1" smtClean="0">
+                        <a:latin typeface="Cambria Math" panose="02040503050406030204" pitchFamily="18" charset="0"/>
+                        <a:sym typeface="Symbol" pitchFamily="18" charset="2"/>
+                      </a:rPr>
+                      <m:t>, </m:t>
+                    </m:r>
+                    <m:r>
+                      <a:rPr lang="en-US" b="0" i="1" smtClean="0">
+                        <a:latin typeface="Cambria Math" panose="02040503050406030204" pitchFamily="18" charset="0"/>
+                        <a:sym typeface="Symbol" pitchFamily="18" charset="2"/>
+                      </a:rPr>
+                      <m:t>𝑥</m:t>
+                    </m:r>
+                    <m:r>
+                      <a:rPr lang="en-US" b="0" i="1" smtClean="0">
+                        <a:latin typeface="Cambria Math" panose="02040503050406030204" pitchFamily="18" charset="0"/>
+                        <a:sym typeface="Symbol" pitchFamily="18" charset="2"/>
+                      </a:rPr>
+                      <m:t>∈</m:t>
+                    </m:r>
+                    <m:r>
+                      <a:rPr lang="en-US" b="0" i="1" smtClean="0">
+                        <a:latin typeface="Cambria Math" panose="02040503050406030204" pitchFamily="18" charset="0"/>
+                        <a:sym typeface="Symbol" pitchFamily="18" charset="2"/>
+                      </a:rPr>
+                      <m:t>𝑋</m:t>
+                    </m:r>
+                  </m:oMath>
+                </a14:m>
+                <a:endParaRPr lang="en-US" dirty="0" smtClean="0">
+                  <a:sym typeface="Symbol" pitchFamily="18" charset="2"/>
+                </a:endParaRPr>
+              </a:p>
+              <a:p>
+                <a:pPr>
+                  <a:lnSpc>
+                    <a:spcPct val="120000"/>
+                  </a:lnSpc>
+                </a:pPr>
+                <a:r>
+                  <a:rPr lang="ru-RU" dirty="0" smtClean="0">
+                    <a:sym typeface="Symbol" pitchFamily="18" charset="2"/>
+                  </a:rPr>
+                  <a:t>Функция </a:t>
+                </a:r>
+                <a14:m>
+                  <m:oMath xmlns:m="http://schemas.openxmlformats.org/officeDocument/2006/math">
+                    <m:sSub>
+                      <m:sSubPr>
+                        <m:ctrlPr>
+                          <a:rPr lang="en-US" b="0" i="1" smtClean="0">
+                            <a:latin typeface="Cambria Math" panose="02040503050406030204" pitchFamily="18" charset="0"/>
+                            <a:sym typeface="Symbol" pitchFamily="18" charset="2"/>
+                          </a:rPr>
+                        </m:ctrlPr>
+                      </m:sSubPr>
+                      <m:e>
+                        <m:r>
+                          <a:rPr lang="en-US" b="0" i="1" smtClean="0">
+                            <a:latin typeface="Cambria Math" panose="02040503050406030204" pitchFamily="18" charset="0"/>
+                            <a:sym typeface="Symbol" pitchFamily="18" charset="2"/>
+                          </a:rPr>
+                          <m:t>𝑓</m:t>
+                        </m:r>
+                      </m:e>
+                      <m:sub>
+                        <m:r>
+                          <a:rPr lang="en-US" b="0" i="1" smtClean="0">
+                            <a:latin typeface="Cambria Math" panose="02040503050406030204" pitchFamily="18" charset="0"/>
+                            <a:sym typeface="Symbol" pitchFamily="18" charset="2"/>
+                          </a:rPr>
+                          <m:t>𝑘</m:t>
+                        </m:r>
+                      </m:sub>
+                    </m:sSub>
+                    <m:r>
+                      <a:rPr lang="en-US" b="0" i="1" smtClean="0">
+                        <a:latin typeface="Cambria Math" panose="02040503050406030204" pitchFamily="18" charset="0"/>
+                        <a:sym typeface="Symbol" pitchFamily="18" charset="2"/>
+                      </a:rPr>
+                      <m:t>=</m:t>
+                    </m:r>
+                    <m:r>
+                      <a:rPr lang="en-US" b="0" i="1" smtClean="0">
+                        <a:latin typeface="Cambria Math" panose="02040503050406030204" pitchFamily="18" charset="0"/>
+                        <a:sym typeface="Symbol" pitchFamily="18" charset="2"/>
+                      </a:rPr>
+                      <m:t>𝐸</m:t>
+                    </m:r>
+                    <m:r>
+                      <a:rPr lang="en-US" b="0" i="1" smtClean="0">
+                        <a:latin typeface="Cambria Math" panose="02040503050406030204" pitchFamily="18" charset="0"/>
+                        <a:sym typeface="Symbol" pitchFamily="18" charset="2"/>
+                      </a:rPr>
+                      <m:t>(</m:t>
+                    </m:r>
+                    <m:r>
+                      <a:rPr lang="en-US" b="0" i="1" smtClean="0">
+                        <a:latin typeface="Cambria Math" panose="02040503050406030204" pitchFamily="18" charset="0"/>
+                        <a:sym typeface="Symbol" pitchFamily="18" charset="2"/>
+                      </a:rPr>
+                      <m:t>𝑘</m:t>
+                    </m:r>
+                    <m:r>
+                      <a:rPr lang="en-US" b="0" i="1" smtClean="0">
+                        <a:latin typeface="Cambria Math" panose="02040503050406030204" pitchFamily="18" charset="0"/>
+                        <a:sym typeface="Symbol" pitchFamily="18" charset="2"/>
+                      </a:rPr>
+                      <m:t>,∗)</m:t>
+                    </m:r>
+                  </m:oMath>
+                </a14:m>
+                <a:r>
+                  <a:rPr lang="ru-RU" dirty="0" smtClean="0">
+                    <a:sym typeface="Symbol" pitchFamily="18" charset="2"/>
+                  </a:rPr>
+                  <a:t> – подстановка.</a:t>
+                </a:r>
+                <a:endParaRPr lang="en-US" dirty="0" smtClean="0">
+                  <a:sym typeface="Symbol" pitchFamily="18" charset="2"/>
+                </a:endParaRPr>
+              </a:p>
+              <a:p>
+                <a:pPr marL="0" indent="0">
+                  <a:lnSpc>
+                    <a:spcPct val="120000"/>
+                  </a:lnSpc>
+                  <a:buNone/>
+                </a:pPr>
+                <a:r>
+                  <a:rPr lang="en-US" dirty="0" smtClean="0">
+                    <a:sym typeface="Symbol" pitchFamily="18" charset="2"/>
+                  </a:rPr>
+                  <a:t>PRP </a:t>
+                </a:r>
+                <a:r>
+                  <a:rPr lang="ru-RU" dirty="0">
+                    <a:sym typeface="Symbol" pitchFamily="18" charset="2"/>
+                  </a:rPr>
+                  <a:t>стойкая, если</a:t>
+                </a:r>
+                <a:r>
+                  <a:rPr lang="en-US" dirty="0">
+                    <a:sym typeface="Symbol" pitchFamily="18" charset="2"/>
+                  </a:rPr>
+                  <a:t> </a:t>
+                </a:r>
+                <a14:m>
+                  <m:oMath xmlns:m="http://schemas.openxmlformats.org/officeDocument/2006/math">
+                    <m:r>
+                      <a:rPr lang="en-US" i="1" dirty="0">
+                        <a:latin typeface="Cambria Math" panose="02040503050406030204" pitchFamily="18" charset="0"/>
+                        <a:sym typeface="Symbol" pitchFamily="18" charset="2"/>
+                      </a:rPr>
+                      <m:t>𝑘</m:t>
+                    </m:r>
+                    <m:sSub>
+                      <m:sSubPr>
+                        <m:ctrlPr>
+                          <a:rPr lang="en-US" i="1" dirty="0">
+                            <a:latin typeface="Cambria Math" panose="02040503050406030204" pitchFamily="18" charset="0"/>
+                            <a:sym typeface="Symbol" pitchFamily="18" charset="2"/>
+                          </a:rPr>
+                        </m:ctrlPr>
+                      </m:sSubPr>
+                      <m:e>
+                        <m:r>
+                          <a:rPr lang="en-US" i="1" dirty="0">
+                            <a:latin typeface="Cambria Math" panose="02040503050406030204" pitchFamily="18" charset="0"/>
+                            <a:sym typeface="Symbol" pitchFamily="18" charset="2"/>
+                          </a:rPr>
+                          <m:t>∈</m:t>
+                        </m:r>
+                      </m:e>
+                      <m:sub>
+                        <m:r>
+                          <a:rPr lang="en-US" i="1" dirty="0">
+                            <a:latin typeface="Cambria Math" panose="02040503050406030204" pitchFamily="18" charset="0"/>
+                            <a:sym typeface="Symbol" pitchFamily="18" charset="2"/>
+                          </a:rPr>
+                          <m:t>𝑅</m:t>
+                        </m:r>
+                      </m:sub>
+                    </m:sSub>
+                    <m:r>
+                      <a:rPr lang="en-US" i="1" dirty="0">
+                        <a:latin typeface="Cambria Math" panose="02040503050406030204" pitchFamily="18" charset="0"/>
+                        <a:sym typeface="Symbol" pitchFamily="18" charset="2"/>
+                      </a:rPr>
+                      <m:t>𝐾</m:t>
+                    </m:r>
+                    <m:r>
+                      <a:rPr lang="en-US" i="1" dirty="0">
+                        <a:latin typeface="Cambria Math" panose="02040503050406030204" pitchFamily="18" charset="0"/>
+                        <a:sym typeface="Symbol" pitchFamily="18" charset="2"/>
+                      </a:rPr>
+                      <m:t>, </m:t>
+                    </m:r>
+                    <m:r>
+                      <a:rPr lang="en-US" i="1" dirty="0">
+                        <a:latin typeface="Cambria Math" panose="02040503050406030204" pitchFamily="18" charset="0"/>
+                        <a:sym typeface="Symbol" pitchFamily="18" charset="2"/>
+                      </a:rPr>
+                      <m:t>𝐹</m:t>
+                    </m:r>
+                    <m:d>
+                      <m:dPr>
+                        <m:ctrlPr>
+                          <a:rPr lang="en-US" i="1" dirty="0">
+                            <a:latin typeface="Cambria Math" panose="02040503050406030204" pitchFamily="18" charset="0"/>
+                            <a:sym typeface="Symbol" pitchFamily="18" charset="2"/>
+                          </a:rPr>
+                        </m:ctrlPr>
+                      </m:dPr>
+                      <m:e>
+                        <m:r>
+                          <a:rPr lang="en-US" i="1" dirty="0" err="1">
+                            <a:latin typeface="Cambria Math" panose="02040503050406030204" pitchFamily="18" charset="0"/>
+                            <a:sym typeface="Symbol" pitchFamily="18" charset="2"/>
+                          </a:rPr>
+                          <m:t>𝑘</m:t>
+                        </m:r>
+                        <m:r>
+                          <a:rPr lang="en-US" i="1" dirty="0" err="1">
+                            <a:latin typeface="Cambria Math" panose="02040503050406030204" pitchFamily="18" charset="0"/>
+                            <a:sym typeface="Symbol" pitchFamily="18" charset="2"/>
+                          </a:rPr>
+                          <m:t>,</m:t>
+                        </m:r>
+                        <m:r>
+                          <a:rPr lang="en-US" i="1" dirty="0" err="1">
+                            <a:latin typeface="Cambria Math" panose="02040503050406030204" pitchFamily="18" charset="0"/>
+                            <a:sym typeface="Symbol" pitchFamily="18" charset="2"/>
+                          </a:rPr>
+                          <m:t>𝑚</m:t>
+                        </m:r>
+                      </m:e>
+                    </m:d>
+                    <m:sSub>
+                      <m:sSubPr>
+                        <m:ctrlPr>
+                          <a:rPr lang="en-US" i="1">
+                            <a:latin typeface="Cambria Math" panose="02040503050406030204" pitchFamily="18" charset="0"/>
+                            <a:ea typeface="Cambria Math" panose="02040503050406030204" pitchFamily="18" charset="0"/>
+                          </a:rPr>
+                        </m:ctrlPr>
+                      </m:sSubPr>
+                      <m:e>
+                        <m:r>
+                          <a:rPr lang="ru-RU" i="1">
+                            <a:latin typeface="Cambria Math" panose="02040503050406030204" pitchFamily="18" charset="0"/>
+                            <a:ea typeface="Cambria Math" panose="02040503050406030204" pitchFamily="18" charset="0"/>
+                          </a:rPr>
+                          <m:t>≈</m:t>
+                        </m:r>
+                      </m:e>
+                      <m:sub>
+                        <m:r>
+                          <a:rPr lang="en-US" i="1">
+                            <a:latin typeface="Cambria Math" panose="02040503050406030204" pitchFamily="18" charset="0"/>
+                            <a:ea typeface="Cambria Math" panose="02040503050406030204" pitchFamily="18" charset="0"/>
+                          </a:rPr>
+                          <m:t>𝑝</m:t>
+                        </m:r>
+                      </m:sub>
+                    </m:sSub>
+                    <m:r>
+                      <a:rPr lang="en-US" i="1">
+                        <a:latin typeface="Cambria Math" panose="02040503050406030204" pitchFamily="18" charset="0"/>
+                        <a:ea typeface="Cambria Math" panose="02040503050406030204" pitchFamily="18" charset="0"/>
+                      </a:rPr>
+                      <m:t>𝑟</m:t>
+                    </m:r>
+                    <m:r>
+                      <a:rPr lang="en-US" i="1">
+                        <a:latin typeface="Cambria Math" panose="02040503050406030204" pitchFamily="18" charset="0"/>
+                        <a:ea typeface="Cambria Math" panose="02040503050406030204" pitchFamily="18" charset="0"/>
+                      </a:rPr>
+                      <m:t>, </m:t>
+                    </m:r>
+                    <m:r>
+                      <a:rPr lang="en-US" i="1">
+                        <a:latin typeface="Cambria Math" panose="02040503050406030204" pitchFamily="18" charset="0"/>
+                        <a:ea typeface="Cambria Math" panose="02040503050406030204" pitchFamily="18" charset="0"/>
+                      </a:rPr>
+                      <m:t>𝑟</m:t>
+                    </m:r>
+                    <m:sSub>
+                      <m:sSubPr>
+                        <m:ctrlPr>
+                          <a:rPr lang="en-US" i="1">
+                            <a:latin typeface="Cambria Math" panose="02040503050406030204" pitchFamily="18" charset="0"/>
+                            <a:ea typeface="Cambria Math" panose="02040503050406030204" pitchFamily="18" charset="0"/>
+                          </a:rPr>
+                        </m:ctrlPr>
+                      </m:sSubPr>
+                      <m:e>
+                        <m:r>
+                          <a:rPr lang="en-US" i="1">
+                            <a:latin typeface="Cambria Math" panose="02040503050406030204" pitchFamily="18" charset="0"/>
+                            <a:ea typeface="Cambria Math" panose="02040503050406030204" pitchFamily="18" charset="0"/>
+                          </a:rPr>
+                          <m:t>∈</m:t>
+                        </m:r>
+                      </m:e>
+                      <m:sub>
+                        <m:r>
+                          <a:rPr lang="en-US" i="1">
+                            <a:latin typeface="Cambria Math" panose="02040503050406030204" pitchFamily="18" charset="0"/>
+                            <a:ea typeface="Cambria Math" panose="02040503050406030204" pitchFamily="18" charset="0"/>
+                          </a:rPr>
+                          <m:t>𝑅</m:t>
+                        </m:r>
+                      </m:sub>
+                    </m:sSub>
+                    <m:r>
+                      <a:rPr lang="en-US" b="0" i="1" smtClean="0">
+                        <a:latin typeface="Cambria Math" panose="02040503050406030204" pitchFamily="18" charset="0"/>
+                        <a:ea typeface="Cambria Math" panose="02040503050406030204" pitchFamily="18" charset="0"/>
+                      </a:rPr>
+                      <m:t>𝑋</m:t>
+                    </m:r>
+                  </m:oMath>
+                </a14:m>
+                <a:endParaRPr lang="ru-RU" dirty="0">
+                  <a:sym typeface="Symbol" pitchFamily="18" charset="2"/>
+                </a:endParaRPr>
+              </a:p>
+            </p:txBody>
+          </p:sp>
+        </mc:Choice>
+        <mc:Fallback xmlns="">
+          <p:sp>
+            <p:nvSpPr>
+              <p:cNvPr id="5" name="Rectangle 3"/>
+              <p:cNvSpPr>
+                <a:spLocks noGrp="1" noRot="1" noChangeAspect="1" noMove="1" noResize="1" noEditPoints="1" noAdjustHandles="1" noChangeArrowheads="1" noChangeShapeType="1" noTextEdit="1"/>
+              </p:cNvSpPr>
+              <p:nvPr>
+                <p:ph idx="1"/>
+              </p:nvPr>
+            </p:nvSpPr>
+            <p:spPr>
+              <a:xfrm>
+                <a:off x="838200" y="1473958"/>
+                <a:ext cx="11008056" cy="4882391"/>
+              </a:xfrm>
+              <a:blipFill rotWithShape="0">
+                <a:blip r:embed="rId2"/>
+                <a:stretch>
+                  <a:fillRect l="-886" t="-999" b="-1124"/>
+                </a:stretch>
+              </a:blipFill>
+            </p:spPr>
+            <p:txBody>
+              <a:bodyPr/>
+              <a:lstStyle/>
+              <a:p>
+                <a:r>
+                  <a:rPr lang="ru-RU">
+                    <a:noFill/>
+                  </a:rPr>
+                  <a:t> </a:t>
+                </a:r>
+              </a:p>
+            </p:txBody>
+          </p:sp>
+        </mc:Fallback>
+      </mc:AlternateContent>
     </p:spTree>
     <p:extLst>
       <p:ext uri="{BB962C8B-B14F-4D97-AF65-F5344CB8AC3E}">
-        <p14:creationId xmlns:p14="http://schemas.microsoft.com/office/powerpoint/2010/main" val="1229540702"/>
+        <p14:creationId xmlns:p14="http://schemas.microsoft.com/office/powerpoint/2010/main" val="2767229996"/>
       </p:ext>
     </p:extLst>
   </p:cSld>
@@ -8683,6 +8703,134 @@
           <a:lstStyle/>
           <a:p>
             <a:r>
+              <a:rPr lang="ru-RU" dirty="0" smtClean="0"/>
+              <a:t>Стойкий блочный шифр</a:t>
+            </a:r>
+            <a:endParaRPr lang="ru-RU" dirty="0"/>
+          </a:p>
+        </p:txBody>
+      </p:sp>
+      <p:sp>
+        <p:nvSpPr>
+          <p:cNvPr id="3" name="Объект 2"/>
+          <p:cNvSpPr>
+            <a:spLocks noGrp="1"/>
+          </p:cNvSpPr>
+          <p:nvPr>
+            <p:ph idx="1"/>
+          </p:nvPr>
+        </p:nvSpPr>
+        <p:spPr/>
+        <p:txBody>
+          <a:bodyPr/>
+          <a:lstStyle/>
+          <a:p>
+            <a:r>
+              <a:rPr lang="ru-RU" dirty="0" smtClean="0"/>
+              <a:t>Предполагается, что стойкий блочный шифр задаёт стойкую </a:t>
+            </a:r>
+            <a:r>
+              <a:rPr lang="en-US" dirty="0" smtClean="0"/>
+              <a:t>PRP</a:t>
+            </a:r>
+          </a:p>
+          <a:p>
+            <a:r>
+              <a:rPr lang="ru-RU" dirty="0" smtClean="0"/>
+              <a:t>Иными словами при случайном ключе, мы ожидаем, что выход </a:t>
+            </a:r>
+            <a:r>
+              <a:rPr lang="ru-RU" dirty="0" err="1" smtClean="0"/>
+              <a:t>зашифрования</a:t>
+            </a:r>
+            <a:r>
+              <a:rPr lang="ru-RU" dirty="0"/>
+              <a:t> </a:t>
+            </a:r>
+            <a:r>
+              <a:rPr lang="ru-RU" dirty="0" smtClean="0"/>
+              <a:t>произвольного блока блочным шифром будет неотличим от случайного блока, выбранного случайно равновероятно.</a:t>
+            </a:r>
+            <a:endParaRPr lang="ru-RU" dirty="0"/>
+          </a:p>
+        </p:txBody>
+      </p:sp>
+      <p:sp>
+        <p:nvSpPr>
+          <p:cNvPr id="4" name="Номер слайда 3"/>
+          <p:cNvSpPr>
+            <a:spLocks noGrp="1"/>
+          </p:cNvSpPr>
+          <p:nvPr>
+            <p:ph type="sldNum" sz="quarter" idx="12"/>
+          </p:nvPr>
+        </p:nvSpPr>
+        <p:spPr/>
+        <p:txBody>
+          <a:bodyPr/>
+          <a:lstStyle/>
+          <a:p>
+            <a:fld id="{8253DDDB-F8F7-4D64-A7FD-3F3D61C1949F}" type="slidenum">
+              <a:rPr lang="ru-RU" smtClean="0"/>
+              <a:t>16</a:t>
+            </a:fld>
+            <a:endParaRPr lang="ru-RU"/>
+          </a:p>
+        </p:txBody>
+      </p:sp>
+    </p:spTree>
+    <p:extLst>
+      <p:ext uri="{BB962C8B-B14F-4D97-AF65-F5344CB8AC3E}">
+        <p14:creationId xmlns:p14="http://schemas.microsoft.com/office/powerpoint/2010/main" val="1229540702"/>
+      </p:ext>
+    </p:extLst>
+  </p:cSld>
+  <p:clrMapOvr>
+    <a:masterClrMapping/>
+  </p:clrMapOvr>
+  <p:timing>
+    <p:tnLst>
+      <p:par>
+        <p:cTn id="1" dur="indefinite" restart="never" nodeType="tmRoot"/>
+      </p:par>
+    </p:tnLst>
+  </p:timing>
+</p:sld>
+</file>
+
+<file path=ppt/slides/slide17.xml><?xml version="1.0" encoding="utf-8"?>
+<p:sld xmlns:a="http://schemas.openxmlformats.org/drawingml/2006/main" xmlns:r="http://schemas.openxmlformats.org/officeDocument/2006/relationships" xmlns:p="http://schemas.openxmlformats.org/presentationml/2006/main">
+  <p:cSld>
+    <p:spTree>
+      <p:nvGrpSpPr>
+        <p:cNvPr id="1" name=""/>
+        <p:cNvGrpSpPr/>
+        <p:nvPr/>
+      </p:nvGrpSpPr>
+      <p:grpSpPr>
+        <a:xfrm>
+          <a:off x="0" y="0"/>
+          <a:ext cx="0" cy="0"/>
+          <a:chOff x="0" y="0"/>
+          <a:chExt cx="0" cy="0"/>
+        </a:xfrm>
+      </p:grpSpPr>
+      <p:sp>
+        <p:nvSpPr>
+          <p:cNvPr id="2" name="Заголовок 1"/>
+          <p:cNvSpPr>
+            <a:spLocks noGrp="1"/>
+          </p:cNvSpPr>
+          <p:nvPr>
+            <p:ph type="title"/>
+          </p:nvPr>
+        </p:nvSpPr>
+        <p:spPr/>
+        <p:txBody>
+          <a:bodyPr/>
+          <a:lstStyle/>
+          <a:p>
+            <a:r>
               <a:rPr lang="en-US" dirty="0" err="1" smtClean="0"/>
               <a:t>Использование</a:t>
             </a:r>
@@ -8918,7 +9066,7 @@
           <a:p>
             <a:fld id="{8253DDDB-F8F7-4D64-A7FD-3F3D61C1949F}" type="slidenum">
               <a:rPr lang="ru-RU" smtClean="0"/>
-              <a:t>16</a:t>
+              <a:t>17</a:t>
             </a:fld>
             <a:endParaRPr lang="ru-RU"/>
           </a:p>
@@ -8944,7 +9092,7 @@
 </p:sld>
 </file>
 
-<file path=ppt/slides/slide17.xml><?xml version="1.0" encoding="utf-8"?>
+<file path=ppt/slides/slide18.xml><?xml version="1.0" encoding="utf-8"?>
 <p:sld xmlns:a="http://schemas.openxmlformats.org/drawingml/2006/main" xmlns:r="http://schemas.openxmlformats.org/officeDocument/2006/relationships" xmlns:p="http://schemas.openxmlformats.org/presentationml/2006/main">
   <p:cSld>
     <p:spTree>
@@ -10079,7 +10227,7 @@
           <a:p>
             <a:fld id="{8253DDDB-F8F7-4D64-A7FD-3F3D61C1949F}" type="slidenum">
               <a:rPr lang="ru-RU" smtClean="0"/>
-              <a:t>17</a:t>
+              <a:t>18</a:t>
             </a:fld>
             <a:endParaRPr lang="ru-RU"/>
           </a:p>
@@ -10105,7 +10253,7 @@
 </p:sld>
 </file>
 
-<file path=ppt/slides/slide18.xml><?xml version="1.0" encoding="utf-8"?>
+<file path=ppt/slides/slide19.xml><?xml version="1.0" encoding="utf-8"?>
 <p:sld xmlns:a="http://schemas.openxmlformats.org/drawingml/2006/main" xmlns:r="http://schemas.openxmlformats.org/officeDocument/2006/relationships" xmlns:p="http://schemas.openxmlformats.org/presentationml/2006/main">
   <p:cSld>
     <p:spTree>
@@ -10162,7 +10310,7 @@
           <a:p>
             <a:fld id="{8253DDDB-F8F7-4D64-A7FD-3F3D61C1949F}" type="slidenum">
               <a:rPr lang="ru-RU" smtClean="0"/>
-              <a:t>18</a:t>
+              <a:t>19</a:t>
             </a:fld>
             <a:endParaRPr lang="ru-RU"/>
           </a:p>
@@ -10280,184 +10428,6 @@
     <p:extLst>
       <p:ext uri="{BB962C8B-B14F-4D97-AF65-F5344CB8AC3E}">
         <p14:creationId xmlns:p14="http://schemas.microsoft.com/office/powerpoint/2010/main" val="4060184928"/>
-      </p:ext>
-    </p:extLst>
-  </p:cSld>
-  <p:clrMapOvr>
-    <a:masterClrMapping/>
-  </p:clrMapOvr>
-  <p:timing>
-    <p:tnLst>
-      <p:par>
-        <p:cTn id="1" dur="indefinite" restart="never" nodeType="tmRoot"/>
-      </p:par>
-    </p:tnLst>
-  </p:timing>
-</p:sld>
-</file>
-
-<file path=ppt/slides/slide19.xml><?xml version="1.0" encoding="utf-8"?>
-<p:sld xmlns:a="http://schemas.openxmlformats.org/drawingml/2006/main" xmlns:r="http://schemas.openxmlformats.org/officeDocument/2006/relationships" xmlns:p="http://schemas.openxmlformats.org/presentationml/2006/main">
-  <p:cSld>
-    <p:spTree>
-      <p:nvGrpSpPr>
-        <p:cNvPr id="1" name=""/>
-        <p:cNvGrpSpPr/>
-        <p:nvPr/>
-      </p:nvGrpSpPr>
-      <p:grpSpPr>
-        <a:xfrm>
-          <a:off x="0" y="0"/>
-          <a:ext cx="0" cy="0"/>
-          <a:chOff x="0" y="0"/>
-          <a:chExt cx="0" cy="0"/>
-        </a:xfrm>
-      </p:grpSpPr>
-      <p:sp>
-        <p:nvSpPr>
-          <p:cNvPr id="2" name="Заголовок 1"/>
-          <p:cNvSpPr>
-            <a:spLocks noGrp="1"/>
-          </p:cNvSpPr>
-          <p:nvPr>
-            <p:ph type="title"/>
-          </p:nvPr>
-        </p:nvSpPr>
-        <p:spPr/>
-        <p:txBody>
-          <a:bodyPr/>
-          <a:lstStyle/>
-          <a:p>
-            <a:r>
-              <a:rPr lang="en-US" dirty="0" err="1"/>
-              <a:t>Стойкость</a:t>
-            </a:r>
-            <a:r>
-              <a:rPr lang="en-US" dirty="0"/>
-              <a:t> </a:t>
-            </a:r>
-            <a:r>
-              <a:rPr lang="ru-RU" dirty="0" smtClean="0"/>
-              <a:t>ECB</a:t>
-            </a:r>
-            <a:endParaRPr lang="ru-RU" dirty="0"/>
-          </a:p>
-        </p:txBody>
-      </p:sp>
-      <p:sp>
-        <p:nvSpPr>
-          <p:cNvPr id="3" name="Объект 2"/>
-          <p:cNvSpPr>
-            <a:spLocks noGrp="1"/>
-          </p:cNvSpPr>
-          <p:nvPr>
-            <p:ph idx="1"/>
-          </p:nvPr>
-        </p:nvSpPr>
-        <p:spPr/>
-        <p:txBody>
-          <a:bodyPr/>
-          <a:lstStyle/>
-          <a:p>
-            <a:r>
-              <a:rPr lang="ru-RU" dirty="0" smtClean="0"/>
-              <a:t>Стойкий блочный шифр в режиме </a:t>
-            </a:r>
-            <a:r>
-              <a:rPr lang="en-US" dirty="0" smtClean="0"/>
-              <a:t>ECB </a:t>
-            </a:r>
-            <a:r>
-              <a:rPr lang="ru-RU" dirty="0" smtClean="0"/>
-              <a:t>–стойкий для</a:t>
-            </a:r>
-          </a:p>
-          <a:p>
-            <a:pPr lvl="1"/>
-            <a:r>
-              <a:rPr lang="ru-RU" dirty="0" smtClean="0"/>
-              <a:t>Сообщений, состоящих из уникальных, </a:t>
-            </a:r>
-            <a:r>
-              <a:rPr lang="ru-RU" b="1" dirty="0" smtClean="0"/>
-              <a:t>попарно различных блоков </a:t>
-            </a:r>
-            <a:r>
-              <a:rPr lang="ru-RU" dirty="0" smtClean="0"/>
-              <a:t>(например есть открытый текст – случайных ключ), не повторяющихся во время жизни ключа шифрования</a:t>
-            </a:r>
-          </a:p>
-          <a:p>
-            <a:pPr lvl="1"/>
-            <a:r>
-              <a:rPr lang="ru-RU" dirty="0" smtClean="0"/>
-              <a:t>Любых коротких, уникальных сообщений, длинной в один блок, не повторяющихся во время жизни ключа</a:t>
-            </a:r>
-          </a:p>
-          <a:p>
-            <a:r>
-              <a:rPr lang="ru-RU" dirty="0" smtClean="0"/>
-              <a:t>Что </a:t>
-            </a:r>
-            <a:r>
-              <a:rPr lang="ru-RU" dirty="0"/>
-              <a:t>для произвольных сообщений произвольной </a:t>
-            </a:r>
-            <a:r>
-              <a:rPr lang="ru-RU" dirty="0" smtClean="0"/>
-              <a:t>длины?</a:t>
-            </a:r>
-          </a:p>
-          <a:p>
-            <a:endParaRPr lang="ru-RU" dirty="0"/>
-          </a:p>
-          <a:p>
-            <a:pPr marL="0" indent="0">
-              <a:buNone/>
-            </a:pPr>
-            <a:endParaRPr lang="ru-RU" dirty="0" smtClean="0"/>
-          </a:p>
-          <a:p>
-            <a:endParaRPr lang="ru-RU" dirty="0" smtClean="0"/>
-          </a:p>
-          <a:p>
-            <a:endParaRPr lang="ru-RU" dirty="0" smtClean="0"/>
-          </a:p>
-          <a:p>
-            <a:endParaRPr lang="ru-RU" dirty="0"/>
-          </a:p>
-          <a:p>
-            <a:endParaRPr lang="ru-RU" dirty="0"/>
-          </a:p>
-        </p:txBody>
-      </p:sp>
-      <p:sp>
-        <p:nvSpPr>
-          <p:cNvPr id="4" name="Номер слайда 3"/>
-          <p:cNvSpPr>
-            <a:spLocks noGrp="1"/>
-          </p:cNvSpPr>
-          <p:nvPr>
-            <p:ph type="sldNum" sz="quarter" idx="12"/>
-          </p:nvPr>
-        </p:nvSpPr>
-        <p:spPr/>
-        <p:txBody>
-          <a:bodyPr/>
-          <a:lstStyle/>
-          <a:p>
-            <a:fld id="{8253DDDB-F8F7-4D64-A7FD-3F3D61C1949F}" type="slidenum">
-              <a:rPr lang="ru-RU" smtClean="0"/>
-              <a:t>19</a:t>
-            </a:fld>
-            <a:endParaRPr lang="ru-RU"/>
-          </a:p>
-        </p:txBody>
-      </p:sp>
-    </p:spTree>
-    <p:extLst>
-      <p:ext uri="{BB962C8B-B14F-4D97-AF65-F5344CB8AC3E}">
-        <p14:creationId xmlns:p14="http://schemas.microsoft.com/office/powerpoint/2010/main" val="3701047638"/>
       </p:ext>
     </p:extLst>
   </p:cSld>
@@ -11070,6 +11040,184 @@
           <a:lstStyle/>
           <a:p>
             <a:r>
+              <a:rPr lang="en-US" dirty="0" err="1"/>
+              <a:t>Стойкость</a:t>
+            </a:r>
+            <a:r>
+              <a:rPr lang="en-US" dirty="0"/>
+              <a:t> </a:t>
+            </a:r>
+            <a:r>
+              <a:rPr lang="ru-RU" dirty="0" smtClean="0"/>
+              <a:t>ECB</a:t>
+            </a:r>
+            <a:endParaRPr lang="ru-RU" dirty="0"/>
+          </a:p>
+        </p:txBody>
+      </p:sp>
+      <p:sp>
+        <p:nvSpPr>
+          <p:cNvPr id="3" name="Объект 2"/>
+          <p:cNvSpPr>
+            <a:spLocks noGrp="1"/>
+          </p:cNvSpPr>
+          <p:nvPr>
+            <p:ph idx="1"/>
+          </p:nvPr>
+        </p:nvSpPr>
+        <p:spPr/>
+        <p:txBody>
+          <a:bodyPr/>
+          <a:lstStyle/>
+          <a:p>
+            <a:r>
+              <a:rPr lang="ru-RU" dirty="0" smtClean="0"/>
+              <a:t>Стойкий блочный шифр в режиме </a:t>
+            </a:r>
+            <a:r>
+              <a:rPr lang="en-US" dirty="0" smtClean="0"/>
+              <a:t>ECB </a:t>
+            </a:r>
+            <a:r>
+              <a:rPr lang="ru-RU" dirty="0" smtClean="0"/>
+              <a:t>–стойкий для</a:t>
+            </a:r>
+          </a:p>
+          <a:p>
+            <a:pPr lvl="1"/>
+            <a:r>
+              <a:rPr lang="ru-RU" dirty="0" smtClean="0"/>
+              <a:t>Сообщений, состоящих из уникальных, </a:t>
+            </a:r>
+            <a:r>
+              <a:rPr lang="ru-RU" b="1" dirty="0" smtClean="0"/>
+              <a:t>попарно различных блоков </a:t>
+            </a:r>
+            <a:r>
+              <a:rPr lang="ru-RU" dirty="0" smtClean="0"/>
+              <a:t>(например есть открытый текст – случайных ключ), не повторяющихся во время жизни ключа шифрования</a:t>
+            </a:r>
+          </a:p>
+          <a:p>
+            <a:pPr lvl="1"/>
+            <a:r>
+              <a:rPr lang="ru-RU" dirty="0" smtClean="0"/>
+              <a:t>Любых коротких, уникальных сообщений, длинной в один блок, не повторяющихся во время жизни ключа</a:t>
+            </a:r>
+          </a:p>
+          <a:p>
+            <a:r>
+              <a:rPr lang="ru-RU" dirty="0" smtClean="0"/>
+              <a:t>Что </a:t>
+            </a:r>
+            <a:r>
+              <a:rPr lang="ru-RU" dirty="0"/>
+              <a:t>для произвольных сообщений произвольной </a:t>
+            </a:r>
+            <a:r>
+              <a:rPr lang="ru-RU" dirty="0" smtClean="0"/>
+              <a:t>длины?</a:t>
+            </a:r>
+          </a:p>
+          <a:p>
+            <a:endParaRPr lang="ru-RU" dirty="0"/>
+          </a:p>
+          <a:p>
+            <a:pPr marL="0" indent="0">
+              <a:buNone/>
+            </a:pPr>
+            <a:endParaRPr lang="ru-RU" dirty="0" smtClean="0"/>
+          </a:p>
+          <a:p>
+            <a:endParaRPr lang="ru-RU" dirty="0" smtClean="0"/>
+          </a:p>
+          <a:p>
+            <a:endParaRPr lang="ru-RU" dirty="0" smtClean="0"/>
+          </a:p>
+          <a:p>
+            <a:endParaRPr lang="ru-RU" dirty="0"/>
+          </a:p>
+          <a:p>
+            <a:endParaRPr lang="ru-RU" dirty="0"/>
+          </a:p>
+        </p:txBody>
+      </p:sp>
+      <p:sp>
+        <p:nvSpPr>
+          <p:cNvPr id="4" name="Номер слайда 3"/>
+          <p:cNvSpPr>
+            <a:spLocks noGrp="1"/>
+          </p:cNvSpPr>
+          <p:nvPr>
+            <p:ph type="sldNum" sz="quarter" idx="12"/>
+          </p:nvPr>
+        </p:nvSpPr>
+        <p:spPr/>
+        <p:txBody>
+          <a:bodyPr/>
+          <a:lstStyle/>
+          <a:p>
+            <a:fld id="{8253DDDB-F8F7-4D64-A7FD-3F3D61C1949F}" type="slidenum">
+              <a:rPr lang="ru-RU" smtClean="0"/>
+              <a:t>20</a:t>
+            </a:fld>
+            <a:endParaRPr lang="ru-RU"/>
+          </a:p>
+        </p:txBody>
+      </p:sp>
+    </p:spTree>
+    <p:extLst>
+      <p:ext uri="{BB962C8B-B14F-4D97-AF65-F5344CB8AC3E}">
+        <p14:creationId xmlns:p14="http://schemas.microsoft.com/office/powerpoint/2010/main" val="3701047638"/>
+      </p:ext>
+    </p:extLst>
+  </p:cSld>
+  <p:clrMapOvr>
+    <a:masterClrMapping/>
+  </p:clrMapOvr>
+  <p:timing>
+    <p:tnLst>
+      <p:par>
+        <p:cTn id="1" dur="indefinite" restart="never" nodeType="tmRoot"/>
+      </p:par>
+    </p:tnLst>
+  </p:timing>
+</p:sld>
+</file>
+
+<file path=ppt/slides/slide21.xml><?xml version="1.0" encoding="utf-8"?>
+<p:sld xmlns:a="http://schemas.openxmlformats.org/drawingml/2006/main" xmlns:r="http://schemas.openxmlformats.org/officeDocument/2006/relationships" xmlns:p="http://schemas.openxmlformats.org/presentationml/2006/main">
+  <p:cSld>
+    <p:spTree>
+      <p:nvGrpSpPr>
+        <p:cNvPr id="1" name=""/>
+        <p:cNvGrpSpPr/>
+        <p:nvPr/>
+      </p:nvGrpSpPr>
+      <p:grpSpPr>
+        <a:xfrm>
+          <a:off x="0" y="0"/>
+          <a:ext cx="0" cy="0"/>
+          <a:chOff x="0" y="0"/>
+          <a:chExt cx="0" cy="0"/>
+        </a:xfrm>
+      </p:grpSpPr>
+      <p:sp>
+        <p:nvSpPr>
+          <p:cNvPr id="2" name="Заголовок 1"/>
+          <p:cNvSpPr>
+            <a:spLocks noGrp="1"/>
+          </p:cNvSpPr>
+          <p:nvPr>
+            <p:ph type="title"/>
+          </p:nvPr>
+        </p:nvSpPr>
+        <p:spPr/>
+        <p:txBody>
+          <a:bodyPr/>
+          <a:lstStyle/>
+          <a:p>
+            <a:r>
               <a:rPr lang="ru-RU" dirty="0" smtClean="0"/>
               <a:t>Стойкость </a:t>
             </a:r>
@@ -11167,7 +11315,7 @@
           <a:p>
             <a:fld id="{8253DDDB-F8F7-4D64-A7FD-3F3D61C1949F}" type="slidenum">
               <a:rPr lang="ru-RU" smtClean="0"/>
-              <a:t>20</a:t>
+              <a:t>21</a:t>
             </a:fld>
             <a:endParaRPr lang="ru-RU"/>
           </a:p>
@@ -12504,117 +12652,6 @@
 </p:sld>
 </file>
 
-<file path=ppt/slides/slide21.xml><?xml version="1.0" encoding="utf-8"?>
-<p:sld xmlns:a="http://schemas.openxmlformats.org/drawingml/2006/main" xmlns:r="http://schemas.openxmlformats.org/officeDocument/2006/relationships" xmlns:p="http://schemas.openxmlformats.org/presentationml/2006/main">
-  <p:cSld>
-    <p:spTree>
-      <p:nvGrpSpPr>
-        <p:cNvPr id="1" name=""/>
-        <p:cNvGrpSpPr/>
-        <p:nvPr/>
-      </p:nvGrpSpPr>
-      <p:grpSpPr>
-        <a:xfrm>
-          <a:off x="0" y="0"/>
-          <a:ext cx="0" cy="0"/>
-          <a:chOff x="0" y="0"/>
-          <a:chExt cx="0" cy="0"/>
-        </a:xfrm>
-      </p:grpSpPr>
-      <p:sp>
-        <p:nvSpPr>
-          <p:cNvPr id="2" name="Заголовок 1"/>
-          <p:cNvSpPr>
-            <a:spLocks noGrp="1"/>
-          </p:cNvSpPr>
-          <p:nvPr>
-            <p:ph type="title"/>
-          </p:nvPr>
-        </p:nvSpPr>
-        <p:spPr/>
-        <p:txBody>
-          <a:bodyPr/>
-          <a:lstStyle/>
-          <a:p>
-            <a:r>
-              <a:rPr lang="ru-RU" dirty="0"/>
-              <a:t>Стойкость </a:t>
-            </a:r>
-            <a:r>
-              <a:rPr lang="en-US" dirty="0"/>
-              <a:t>ECB</a:t>
-            </a:r>
-            <a:endParaRPr lang="ru-RU" dirty="0"/>
-          </a:p>
-        </p:txBody>
-      </p:sp>
-      <p:sp>
-        <p:nvSpPr>
-          <p:cNvPr id="4" name="Номер слайда 3"/>
-          <p:cNvSpPr>
-            <a:spLocks noGrp="1"/>
-          </p:cNvSpPr>
-          <p:nvPr>
-            <p:ph type="sldNum" sz="quarter" idx="12"/>
-          </p:nvPr>
-        </p:nvSpPr>
-        <p:spPr/>
-        <p:txBody>
-          <a:bodyPr/>
-          <a:lstStyle/>
-          <a:p>
-            <a:fld id="{8253DDDB-F8F7-4D64-A7FD-3F3D61C1949F}" type="slidenum">
-              <a:rPr lang="ru-RU" smtClean="0"/>
-              <a:t>21</a:t>
-            </a:fld>
-            <a:endParaRPr lang="ru-RU"/>
-          </a:p>
-        </p:txBody>
-      </p:sp>
-      <p:pic>
-        <p:nvPicPr>
-          <p:cNvPr id="5" name="Рисунок 4"/>
-          <p:cNvPicPr>
-            <a:picLocks noChangeAspect="1"/>
-          </p:cNvPicPr>
-          <p:nvPr/>
-        </p:nvPicPr>
-        <p:blipFill>
-          <a:blip r:embed="rId2"/>
-          <a:stretch>
-            <a:fillRect/>
-          </a:stretch>
-        </p:blipFill>
-        <p:spPr>
-          <a:xfrm>
-            <a:off x="2076521" y="1326230"/>
-            <a:ext cx="8213891" cy="5415904"/>
-          </a:xfrm>
-          <a:prstGeom prst="rect">
-            <a:avLst/>
-          </a:prstGeom>
-        </p:spPr>
-      </p:pic>
-    </p:spTree>
-    <p:extLst>
-      <p:ext uri="{BB962C8B-B14F-4D97-AF65-F5344CB8AC3E}">
-        <p14:creationId xmlns:p14="http://schemas.microsoft.com/office/powerpoint/2010/main" val="987993877"/>
-      </p:ext>
-    </p:extLst>
-  </p:cSld>
-  <p:clrMapOvr>
-    <a:masterClrMapping/>
-  </p:clrMapOvr>
-  <p:timing>
-    <p:tnLst>
-      <p:par>
-        <p:cTn id="1" dur="indefinite" restart="never" nodeType="tmRoot"/>
-      </p:par>
-    </p:tnLst>
-  </p:timing>
-</p:sld>
-</file>
-
 <file path=ppt/slides/slide22.xml><?xml version="1.0" encoding="utf-8"?>
 <p:sld xmlns:a="http://schemas.openxmlformats.org/drawingml/2006/main" xmlns:r="http://schemas.openxmlformats.org/officeDocument/2006/relationships" xmlns:p="http://schemas.openxmlformats.org/presentationml/2006/main">
   <p:cSld>
@@ -12661,25 +12698,6 @@
       </p:sp>
       <p:sp>
         <p:nvSpPr>
-          <p:cNvPr id="3" name="Объект 2"/>
-          <p:cNvSpPr>
-            <a:spLocks noGrp="1"/>
-          </p:cNvSpPr>
-          <p:nvPr>
-            <p:ph idx="1"/>
-          </p:nvPr>
-        </p:nvSpPr>
-        <p:spPr/>
-        <p:txBody>
-          <a:bodyPr/>
-          <a:lstStyle/>
-          <a:p>
-            <a:endParaRPr lang="ru-RU"/>
-          </a:p>
-        </p:txBody>
-      </p:sp>
-      <p:sp>
-        <p:nvSpPr>
           <p:cNvPr id="4" name="Номер слайда 3"/>
           <p:cNvSpPr>
             <a:spLocks noGrp="1"/>
@@ -12717,8 +12735,8 @@
         </p:blipFill>
         <p:spPr>
           <a:xfrm>
-            <a:off x="1922096" y="1825625"/>
-            <a:ext cx="7581900" cy="4733925"/>
+            <a:off x="2076521" y="1326230"/>
+            <a:ext cx="8213891" cy="5415904"/>
           </a:xfrm>
           <a:prstGeom prst="rect">
             <a:avLst/>
@@ -12728,7 +12746,7 @@
     </p:spTree>
     <p:extLst>
       <p:ext uri="{BB962C8B-B14F-4D97-AF65-F5344CB8AC3E}">
-        <p14:creationId xmlns:p14="http://schemas.microsoft.com/office/powerpoint/2010/main" val="3215736106"/>
+        <p14:creationId xmlns:p14="http://schemas.microsoft.com/office/powerpoint/2010/main" val="987993877"/>
       </p:ext>
     </p:extLst>
   </p:cSld>
@@ -12778,16 +12796,12 @@
           <a:lstStyle/>
           <a:p>
             <a:r>
-              <a:rPr lang="ru-RU" dirty="0" smtClean="0"/>
-              <a:t>Вопросы для достижения </a:t>
-            </a:r>
-            <a:r>
-              <a:rPr lang="ru-RU" dirty="0" err="1" smtClean="0"/>
-              <a:t>дзена</a:t>
-            </a:r>
-            <a:r>
-              <a:rPr lang="ru-RU" dirty="0" smtClean="0"/>
-              <a:t> в режимах шифрования</a:t>
+              <a:rPr lang="ru-RU" dirty="0"/>
+              <a:t>Стойкость </a:t>
+            </a:r>
+            <a:r>
+              <a:rPr lang="en-US" dirty="0"/>
+              <a:t>ECB</a:t>
             </a:r>
             <a:endParaRPr lang="ru-RU" dirty="0"/>
           </a:p>
@@ -12808,62 +12822,7 @@
           <a:bodyPr/>
           <a:lstStyle/>
           <a:p>
-            <a:pPr marL="0" indent="0">
-              <a:buNone/>
-            </a:pPr>
-            <a:r>
-              <a:rPr lang="ru-RU" dirty="0" smtClean="0"/>
-              <a:t>На сколько битов, в каких блоках и каким образов влияет </a:t>
-            </a:r>
-          </a:p>
-          <a:p>
-            <a:r>
-              <a:rPr lang="ru-RU" dirty="0" smtClean="0"/>
-              <a:t>Изменение одного бита открытого текста на </a:t>
-            </a:r>
-            <a:r>
-              <a:rPr lang="ru-RU" dirty="0" err="1" smtClean="0"/>
-              <a:t>шифртекст</a:t>
-            </a:r>
-            <a:endParaRPr lang="ru-RU" dirty="0" smtClean="0"/>
-          </a:p>
-          <a:p>
-            <a:r>
-              <a:rPr lang="ru-RU" dirty="0" smtClean="0"/>
-              <a:t>Изменение одного бита </a:t>
-            </a:r>
-            <a:r>
-              <a:rPr lang="ru-RU" dirty="0" err="1" smtClean="0"/>
-              <a:t>шифртекста</a:t>
-            </a:r>
-            <a:r>
-              <a:rPr lang="ru-RU" dirty="0" smtClean="0"/>
-              <a:t> на расшифрованный открытый текст</a:t>
-            </a:r>
-          </a:p>
-          <a:p>
-            <a:pPr marL="0" indent="0">
-              <a:buNone/>
-            </a:pPr>
-            <a:endParaRPr lang="ru-RU" dirty="0" smtClean="0"/>
-          </a:p>
-          <a:p>
-            <a:pPr marL="0" indent="0">
-              <a:buNone/>
-            </a:pPr>
-            <a:r>
-              <a:rPr lang="ru-RU" dirty="0" smtClean="0"/>
-              <a:t>Можно ли контролируемо изменить определённый бит расшифрованного открытого текста, изменив биты </a:t>
-            </a:r>
-            <a:r>
-              <a:rPr lang="ru-RU" dirty="0" err="1" smtClean="0"/>
-              <a:t>шифртекста</a:t>
-            </a:r>
-            <a:r>
-              <a:rPr lang="ru-RU" dirty="0" smtClean="0"/>
-              <a:t>, как?</a:t>
-            </a:r>
-            <a:endParaRPr lang="ru-RU" dirty="0"/>
+            <a:endParaRPr lang="ru-RU"/>
           </a:p>
         </p:txBody>
       </p:sp>
@@ -12890,10 +12849,34 @@
           </a:p>
         </p:txBody>
       </p:sp>
+      <p:pic>
+        <p:nvPicPr>
+          <p:cNvPr id="5" name="Рисунок 4"/>
+          <p:cNvPicPr>
+            <a:picLocks noChangeAspect="1"/>
+          </p:cNvPicPr>
+          <p:nvPr/>
+        </p:nvPicPr>
+        <p:blipFill>
+          <a:blip r:embed="rId2"/>
+          <a:stretch>
+            <a:fillRect/>
+          </a:stretch>
+        </p:blipFill>
+        <p:spPr>
+          <a:xfrm>
+            <a:off x="1922096" y="1825625"/>
+            <a:ext cx="7581900" cy="4733925"/>
+          </a:xfrm>
+          <a:prstGeom prst="rect">
+            <a:avLst/>
+          </a:prstGeom>
+        </p:spPr>
+      </p:pic>
     </p:spTree>
     <p:extLst>
       <p:ext uri="{BB962C8B-B14F-4D97-AF65-F5344CB8AC3E}">
-        <p14:creationId xmlns:p14="http://schemas.microsoft.com/office/powerpoint/2010/main" val="2764912950"/>
+        <p14:creationId xmlns:p14="http://schemas.microsoft.com/office/powerpoint/2010/main" val="3215736106"/>
       </p:ext>
     </p:extLst>
   </p:cSld>
@@ -12943,6 +12926,171 @@
           <a:lstStyle/>
           <a:p>
             <a:r>
+              <a:rPr lang="ru-RU" dirty="0" smtClean="0"/>
+              <a:t>Вопросы для достижения </a:t>
+            </a:r>
+            <a:r>
+              <a:rPr lang="ru-RU" dirty="0" err="1" smtClean="0"/>
+              <a:t>дзена</a:t>
+            </a:r>
+            <a:r>
+              <a:rPr lang="ru-RU" dirty="0" smtClean="0"/>
+              <a:t> в режимах шифрования</a:t>
+            </a:r>
+            <a:endParaRPr lang="ru-RU" dirty="0"/>
+          </a:p>
+        </p:txBody>
+      </p:sp>
+      <p:sp>
+        <p:nvSpPr>
+          <p:cNvPr id="3" name="Объект 2"/>
+          <p:cNvSpPr>
+            <a:spLocks noGrp="1"/>
+          </p:cNvSpPr>
+          <p:nvPr>
+            <p:ph idx="1"/>
+          </p:nvPr>
+        </p:nvSpPr>
+        <p:spPr/>
+        <p:txBody>
+          <a:bodyPr/>
+          <a:lstStyle/>
+          <a:p>
+            <a:pPr marL="0" indent="0">
+              <a:buNone/>
+            </a:pPr>
+            <a:r>
+              <a:rPr lang="ru-RU" dirty="0" smtClean="0"/>
+              <a:t>На сколько битов, в каких блоках и каким образов влияет </a:t>
+            </a:r>
+          </a:p>
+          <a:p>
+            <a:r>
+              <a:rPr lang="ru-RU" dirty="0" smtClean="0"/>
+              <a:t>Изменение одного бита открытого текста на </a:t>
+            </a:r>
+            <a:r>
+              <a:rPr lang="ru-RU" dirty="0" err="1" smtClean="0"/>
+              <a:t>шифртекст</a:t>
+            </a:r>
+            <a:endParaRPr lang="ru-RU" dirty="0" smtClean="0"/>
+          </a:p>
+          <a:p>
+            <a:r>
+              <a:rPr lang="ru-RU" dirty="0" smtClean="0"/>
+              <a:t>Изменение одного бита </a:t>
+            </a:r>
+            <a:r>
+              <a:rPr lang="ru-RU" dirty="0" err="1" smtClean="0"/>
+              <a:t>шифртекста</a:t>
+            </a:r>
+            <a:r>
+              <a:rPr lang="ru-RU" dirty="0" smtClean="0"/>
+              <a:t> на расшифрованный открытый текст</a:t>
+            </a:r>
+          </a:p>
+          <a:p>
+            <a:pPr marL="0" indent="0">
+              <a:buNone/>
+            </a:pPr>
+            <a:endParaRPr lang="ru-RU" dirty="0" smtClean="0"/>
+          </a:p>
+          <a:p>
+            <a:pPr marL="0" indent="0">
+              <a:buNone/>
+            </a:pPr>
+            <a:r>
+              <a:rPr lang="ru-RU" dirty="0" smtClean="0"/>
+              <a:t>Можно ли контролируемо изменить определённый бит расшифрованного открытого текста, изменив биты </a:t>
+            </a:r>
+            <a:r>
+              <a:rPr lang="ru-RU" dirty="0" err="1" smtClean="0"/>
+              <a:t>шифртекста</a:t>
+            </a:r>
+            <a:r>
+              <a:rPr lang="ru-RU" dirty="0" smtClean="0"/>
+              <a:t>, как?</a:t>
+            </a:r>
+            <a:endParaRPr lang="ru-RU" dirty="0"/>
+          </a:p>
+        </p:txBody>
+      </p:sp>
+      <p:sp>
+        <p:nvSpPr>
+          <p:cNvPr id="4" name="Номер слайда 3"/>
+          <p:cNvSpPr>
+            <a:spLocks noGrp="1"/>
+          </p:cNvSpPr>
+          <p:nvPr>
+            <p:ph type="sldNum" sz="quarter" idx="12"/>
+          </p:nvPr>
+        </p:nvSpPr>
+        <p:spPr/>
+        <p:txBody>
+          <a:bodyPr/>
+          <a:lstStyle/>
+          <a:p>
+            <a:fld id="{8253DDDB-F8F7-4D64-A7FD-3F3D61C1949F}" type="slidenum">
+              <a:rPr lang="ru-RU" smtClean="0"/>
+              <a:t>24</a:t>
+            </a:fld>
+            <a:endParaRPr lang="ru-RU"/>
+          </a:p>
+        </p:txBody>
+      </p:sp>
+    </p:spTree>
+    <p:extLst>
+      <p:ext uri="{BB962C8B-B14F-4D97-AF65-F5344CB8AC3E}">
+        <p14:creationId xmlns:p14="http://schemas.microsoft.com/office/powerpoint/2010/main" val="2764912950"/>
+      </p:ext>
+    </p:extLst>
+  </p:cSld>
+  <p:clrMapOvr>
+    <a:masterClrMapping/>
+  </p:clrMapOvr>
+  <p:timing>
+    <p:tnLst>
+      <p:par>
+        <p:cTn id="1" dur="indefinite" restart="never" nodeType="tmRoot"/>
+      </p:par>
+    </p:tnLst>
+  </p:timing>
+</p:sld>
+</file>
+
+<file path=ppt/slides/slide25.xml><?xml version="1.0" encoding="utf-8"?>
+<p:sld xmlns:a="http://schemas.openxmlformats.org/drawingml/2006/main" xmlns:r="http://schemas.openxmlformats.org/officeDocument/2006/relationships" xmlns:p="http://schemas.openxmlformats.org/presentationml/2006/main">
+  <p:cSld>
+    <p:spTree>
+      <p:nvGrpSpPr>
+        <p:cNvPr id="1" name=""/>
+        <p:cNvGrpSpPr/>
+        <p:nvPr/>
+      </p:nvGrpSpPr>
+      <p:grpSpPr>
+        <a:xfrm>
+          <a:off x="0" y="0"/>
+          <a:ext cx="0" cy="0"/>
+          <a:chOff x="0" y="0"/>
+          <a:chExt cx="0" cy="0"/>
+        </a:xfrm>
+      </p:grpSpPr>
+      <p:sp>
+        <p:nvSpPr>
+          <p:cNvPr id="2" name="Заголовок 1"/>
+          <p:cNvSpPr>
+            <a:spLocks noGrp="1"/>
+          </p:cNvSpPr>
+          <p:nvPr>
+            <p:ph type="title"/>
+          </p:nvPr>
+        </p:nvSpPr>
+        <p:spPr/>
+        <p:txBody>
+          <a:bodyPr/>
+          <a:lstStyle/>
+          <a:p>
+            <a:r>
               <a:rPr lang="en-US" dirty="0" smtClean="0"/>
               <a:t>ECB</a:t>
             </a:r>
@@ -12996,7 +13144,7 @@
           <a:p>
             <a:fld id="{8253DDDB-F8F7-4D64-A7FD-3F3D61C1949F}" type="slidenum">
               <a:rPr lang="ru-RU" smtClean="0"/>
-              <a:t>24</a:t>
+              <a:t>25</a:t>
             </a:fld>
             <a:endParaRPr lang="ru-RU"/>
           </a:p>
@@ -13052,7 +13200,7 @@
 </p:sld>
 </file>
 
-<file path=ppt/slides/slide25.xml><?xml version="1.0" encoding="utf-8"?>
+<file path=ppt/slides/slide26.xml><?xml version="1.0" encoding="utf-8"?>
 <p:sld xmlns:a="http://schemas.openxmlformats.org/drawingml/2006/main" xmlns:r="http://schemas.openxmlformats.org/officeDocument/2006/relationships" xmlns:p="http://schemas.openxmlformats.org/presentationml/2006/main">
   <p:cSld>
     <p:spTree>
@@ -13138,7 +13286,7 @@
           <a:p>
             <a:fld id="{8253DDDB-F8F7-4D64-A7FD-3F3D61C1949F}" type="slidenum">
               <a:rPr lang="ru-RU" smtClean="0"/>
-              <a:t>25</a:t>
+              <a:t>26</a:t>
             </a:fld>
             <a:endParaRPr lang="ru-RU"/>
           </a:p>
@@ -13194,7 +13342,7 @@
 </p:sld>
 </file>
 
-<file path=ppt/slides/slide26.xml><?xml version="1.0" encoding="utf-8"?>
+<file path=ppt/slides/slide27.xml><?xml version="1.0" encoding="utf-8"?>
 <p:sld xmlns:a="http://schemas.openxmlformats.org/drawingml/2006/main" xmlns:r="http://schemas.openxmlformats.org/officeDocument/2006/relationships" xmlns:p="http://schemas.openxmlformats.org/presentationml/2006/main">
   <p:cSld>
     <p:spTree>
@@ -13280,7 +13428,7 @@
           <a:p>
             <a:fld id="{8253DDDB-F8F7-4D64-A7FD-3F3D61C1949F}" type="slidenum">
               <a:rPr lang="ru-RU" smtClean="0"/>
-              <a:t>26</a:t>
+              <a:t>27</a:t>
             </a:fld>
             <a:endParaRPr lang="ru-RU"/>
           </a:p>
@@ -13336,7 +13484,7 @@
 </p:sld>
 </file>
 
-<file path=ppt/slides/slide27.xml><?xml version="1.0" encoding="utf-8"?>
+<file path=ppt/slides/slide28.xml><?xml version="1.0" encoding="utf-8"?>
 <p:sld xmlns:a="http://schemas.openxmlformats.org/drawingml/2006/main" xmlns:r="http://schemas.openxmlformats.org/officeDocument/2006/relationships" xmlns:p="http://schemas.openxmlformats.org/presentationml/2006/main">
   <p:cSld>
     <p:spTree>
@@ -13422,7 +13570,7 @@
           <a:p>
             <a:fld id="{8253DDDB-F8F7-4D64-A7FD-3F3D61C1949F}" type="slidenum">
               <a:rPr lang="ru-RU" smtClean="0"/>
-              <a:t>27</a:t>
+              <a:t>28</a:t>
             </a:fld>
             <a:endParaRPr lang="ru-RU"/>
           </a:p>
@@ -13478,7 +13626,7 @@
 </p:sld>
 </file>
 
-<file path=ppt/slides/slide28.xml><?xml version="1.0" encoding="utf-8"?>
+<file path=ppt/slides/slide29.xml><?xml version="1.0" encoding="utf-8"?>
 <p:sld xmlns:a="http://schemas.openxmlformats.org/drawingml/2006/main" xmlns:r="http://schemas.openxmlformats.org/officeDocument/2006/relationships" xmlns:p="http://schemas.openxmlformats.org/presentationml/2006/main">
   <p:cSld>
     <p:spTree>
@@ -13564,7 +13712,7 @@
           <a:p>
             <a:fld id="{8253DDDB-F8F7-4D64-A7FD-3F3D61C1949F}" type="slidenum">
               <a:rPr lang="ru-RU" smtClean="0"/>
-              <a:t>28</a:t>
+              <a:t>29</a:t>
             </a:fld>
             <a:endParaRPr lang="ru-RU"/>
           </a:p>
@@ -14304,6 +14452,672 @@
           <a:p>
             <a:r>
               <a:rPr lang="ru-RU" dirty="0" smtClean="0"/>
+              <a:t>Шифр Шеннона</a:t>
+            </a:r>
+            <a:endParaRPr lang="ru-RU" dirty="0"/>
+          </a:p>
+        </p:txBody>
+      </p:sp>
+      <mc:AlternateContent xmlns:mc="http://schemas.openxmlformats.org/markup-compatibility/2006" xmlns:a14="http://schemas.microsoft.com/office/drawing/2010/main">
+        <mc:Choice Requires="a14">
+          <p:sp>
+            <p:nvSpPr>
+              <p:cNvPr id="3" name="Объект 2"/>
+              <p:cNvSpPr>
+                <a:spLocks noGrp="1"/>
+              </p:cNvSpPr>
+              <p:nvPr>
+                <p:ph idx="1"/>
+              </p:nvPr>
+            </p:nvSpPr>
+            <p:spPr/>
+            <p:txBody>
+              <a:bodyPr>
+                <a:normAutofit lnSpcReduction="10000"/>
+              </a:bodyPr>
+              <a:lstStyle/>
+              <a:p>
+                <a:pPr marL="0" indent="0">
+                  <a:buNone/>
+                </a:pPr>
+                <a:r>
+                  <a:rPr lang="ru-RU" dirty="0" smtClean="0"/>
+                  <a:t>Шифр Шеннона  - пара функций</a:t>
+                </a:r>
+                <a:r>
+                  <a:rPr lang="en-US" dirty="0" smtClean="0"/>
+                  <a:t> </a:t>
+                </a:r>
+                <a14:m>
+                  <m:oMath xmlns:m="http://schemas.openxmlformats.org/officeDocument/2006/math">
+                    <m:r>
+                      <m:rPr>
+                        <m:sty m:val="p"/>
+                      </m:rPr>
+                      <a:rPr lang="en-US" b="0" i="1" smtClean="0">
+                        <a:latin typeface="Cambria Math" panose="02040503050406030204" pitchFamily="18" charset="0"/>
+                      </a:rPr>
+                      <m:t>Ε</m:t>
+                    </m:r>
+                    <m:r>
+                      <a:rPr lang="en-US" b="0" i="1" smtClean="0">
+                        <a:latin typeface="Cambria Math" panose="02040503050406030204" pitchFamily="18" charset="0"/>
+                      </a:rPr>
+                      <m:t>=</m:t>
+                    </m:r>
+                    <m:d>
+                      <m:dPr>
+                        <m:ctrlPr>
+                          <a:rPr lang="en-US" b="0" i="1" smtClean="0">
+                            <a:latin typeface="Cambria Math" panose="02040503050406030204" pitchFamily="18" charset="0"/>
+                          </a:rPr>
+                        </m:ctrlPr>
+                      </m:dPr>
+                      <m:e>
+                        <m:r>
+                          <a:rPr lang="en-US" b="0" i="1" smtClean="0">
+                            <a:latin typeface="Cambria Math" panose="02040503050406030204" pitchFamily="18" charset="0"/>
+                          </a:rPr>
+                          <m:t>𝐸</m:t>
+                        </m:r>
+                        <m:r>
+                          <a:rPr lang="en-US" b="0" i="1" smtClean="0">
+                            <a:latin typeface="Cambria Math" panose="02040503050406030204" pitchFamily="18" charset="0"/>
+                          </a:rPr>
+                          <m:t>,</m:t>
+                        </m:r>
+                        <m:r>
+                          <a:rPr lang="en-US" b="0" i="1" smtClean="0">
+                            <a:latin typeface="Cambria Math" panose="02040503050406030204" pitchFamily="18" charset="0"/>
+                          </a:rPr>
+                          <m:t>𝐷</m:t>
+                        </m:r>
+                      </m:e>
+                    </m:d>
+                    <m:r>
+                      <a:rPr lang="ru-RU" b="0" i="0" smtClean="0">
+                        <a:latin typeface="Cambria Math" panose="02040503050406030204" pitchFamily="18" charset="0"/>
+                      </a:rPr>
+                      <m:t>, таких что</m:t>
+                    </m:r>
+                  </m:oMath>
+                </a14:m>
+                <a:r>
+                  <a:rPr lang="en-US" b="0" dirty="0" smtClean="0"/>
+                  <a:t>:</a:t>
+                </a:r>
+              </a:p>
+              <a:p>
+                <a:r>
+                  <a:rPr lang="ru-RU" dirty="0" smtClean="0"/>
+                  <a:t>(1) Функция </a:t>
+                </a:r>
+                <a14:m>
+                  <m:oMath xmlns:m="http://schemas.openxmlformats.org/officeDocument/2006/math">
+                    <m:r>
+                      <a:rPr lang="en-US" b="0" i="1" smtClean="0">
+                        <a:latin typeface="Cambria Math" panose="02040503050406030204" pitchFamily="18" charset="0"/>
+                      </a:rPr>
+                      <m:t>𝐸</m:t>
+                    </m:r>
+                  </m:oMath>
+                </a14:m>
+                <a:r>
+                  <a:rPr lang="ru-RU" b="0" dirty="0" smtClean="0"/>
+                  <a:t> (</a:t>
+                </a:r>
+                <a:r>
+                  <a:rPr lang="ru-RU" b="1" dirty="0" smtClean="0"/>
+                  <a:t>функция </a:t>
+                </a:r>
+                <a:r>
+                  <a:rPr lang="ru-RU" b="1" dirty="0" err="1" smtClean="0"/>
+                  <a:t>зашифрования</a:t>
+                </a:r>
+                <a:r>
+                  <a:rPr lang="ru-RU" b="0" dirty="0" smtClean="0"/>
+                  <a:t>) принимает на вход ключ </a:t>
+                </a:r>
+                <a14:m>
+                  <m:oMath xmlns:m="http://schemas.openxmlformats.org/officeDocument/2006/math">
+                    <m:r>
+                      <a:rPr lang="en-US" b="0" i="1" smtClean="0">
+                        <a:latin typeface="Cambria Math" panose="02040503050406030204" pitchFamily="18" charset="0"/>
+                      </a:rPr>
+                      <m:t>𝑘</m:t>
+                    </m:r>
+                  </m:oMath>
+                </a14:m>
+                <a:r>
+                  <a:rPr lang="en-US" b="0" dirty="0" smtClean="0"/>
+                  <a:t> </a:t>
+                </a:r>
+                <a:r>
+                  <a:rPr lang="ru-RU" b="0" dirty="0" smtClean="0"/>
+                  <a:t>и сообщение </a:t>
+                </a:r>
+                <a14:m>
+                  <m:oMath xmlns:m="http://schemas.openxmlformats.org/officeDocument/2006/math">
+                    <m:r>
+                      <a:rPr lang="en-US" b="0" i="1" smtClean="0">
+                        <a:latin typeface="Cambria Math" panose="02040503050406030204" pitchFamily="18" charset="0"/>
+                      </a:rPr>
+                      <m:t>𝑚</m:t>
+                    </m:r>
+                  </m:oMath>
+                </a14:m>
+                <a:r>
+                  <a:rPr lang="en-US" b="0" dirty="0" smtClean="0"/>
+                  <a:t> (</a:t>
+                </a:r>
+                <a:r>
+                  <a:rPr lang="ru-RU" b="0" dirty="0" smtClean="0"/>
+                  <a:t>называемой открытым текстом, </a:t>
+                </a:r>
+                <a:r>
+                  <a:rPr lang="en-US" b="0" dirty="0" smtClean="0"/>
+                  <a:t>PT) </a:t>
+                </a:r>
+                <a:r>
+                  <a:rPr lang="ru-RU" b="0" dirty="0" smtClean="0"/>
+                  <a:t>и даёт на выходе </a:t>
+                </a:r>
+                <a:r>
+                  <a:rPr lang="ru-RU" b="0" dirty="0" err="1" smtClean="0"/>
+                  <a:t>шифртекст</a:t>
+                </a:r>
+                <a:r>
+                  <a:rPr lang="ru-RU" b="0" dirty="0" smtClean="0"/>
+                  <a:t> </a:t>
+                </a:r>
+                <a14:m>
+                  <m:oMath xmlns:m="http://schemas.openxmlformats.org/officeDocument/2006/math">
+                    <m:r>
+                      <a:rPr lang="en-US" b="0" i="1" smtClean="0">
+                        <a:latin typeface="Cambria Math" panose="02040503050406030204" pitchFamily="18" charset="0"/>
+                      </a:rPr>
+                      <m:t>𝑐</m:t>
+                    </m:r>
+                  </m:oMath>
+                </a14:m>
+                <a:r>
+                  <a:rPr lang="ru-RU" b="0" dirty="0" smtClean="0"/>
+                  <a:t> (</a:t>
+                </a:r>
+                <a:r>
+                  <a:rPr lang="en-US" b="0" dirty="0" smtClean="0"/>
+                  <a:t>CT)</a:t>
+                </a:r>
+                <a:r>
+                  <a:rPr lang="ru-RU" dirty="0" smtClean="0"/>
+                  <a:t>, такой что</a:t>
+                </a:r>
+              </a:p>
+              <a:p>
+                <a:pPr marL="0" indent="0" algn="ctr">
+                  <a:buNone/>
+                </a:pPr>
+                <a14:m>
+                  <m:oMath xmlns:m="http://schemas.openxmlformats.org/officeDocument/2006/math">
+                    <m:r>
+                      <a:rPr lang="en-US" b="0" i="1" smtClean="0">
+                        <a:latin typeface="Cambria Math" panose="02040503050406030204" pitchFamily="18" charset="0"/>
+                      </a:rPr>
+                      <m:t>𝑐</m:t>
+                    </m:r>
+                    <m:r>
+                      <a:rPr lang="en-US" b="0" i="1" smtClean="0">
+                        <a:latin typeface="Cambria Math" panose="02040503050406030204" pitchFamily="18" charset="0"/>
+                      </a:rPr>
+                      <m:t>=</m:t>
+                    </m:r>
+                    <m:r>
+                      <a:rPr lang="en-US" b="0" i="1" smtClean="0">
+                        <a:latin typeface="Cambria Math" panose="02040503050406030204" pitchFamily="18" charset="0"/>
+                      </a:rPr>
+                      <m:t>𝐸</m:t>
+                    </m:r>
+                    <m:d>
+                      <m:dPr>
+                        <m:ctrlPr>
+                          <a:rPr lang="en-US" b="0" i="1" smtClean="0">
+                            <a:latin typeface="Cambria Math" panose="02040503050406030204" pitchFamily="18" charset="0"/>
+                          </a:rPr>
+                        </m:ctrlPr>
+                      </m:dPr>
+                      <m:e>
+                        <m:r>
+                          <a:rPr lang="en-US" b="0" i="1" smtClean="0">
+                            <a:latin typeface="Cambria Math" panose="02040503050406030204" pitchFamily="18" charset="0"/>
+                          </a:rPr>
+                          <m:t>𝑘</m:t>
+                        </m:r>
+                        <m:r>
+                          <a:rPr lang="en-US" b="0" i="1" smtClean="0">
+                            <a:latin typeface="Cambria Math" panose="02040503050406030204" pitchFamily="18" charset="0"/>
+                          </a:rPr>
+                          <m:t>,</m:t>
+                        </m:r>
+                        <m:r>
+                          <a:rPr lang="en-US" b="0" i="1" smtClean="0">
+                            <a:latin typeface="Cambria Math" panose="02040503050406030204" pitchFamily="18" charset="0"/>
+                          </a:rPr>
+                          <m:t>𝑚</m:t>
+                        </m:r>
+                      </m:e>
+                    </m:d>
+                    <m:r>
+                      <a:rPr lang="en-US" b="0" i="1" smtClean="0">
+                        <a:latin typeface="Cambria Math" panose="02040503050406030204" pitchFamily="18" charset="0"/>
+                      </a:rPr>
+                      <m:t>.</m:t>
+                    </m:r>
+                  </m:oMath>
+                </a14:m>
+                <a:r>
+                  <a:rPr lang="en-US" b="0" dirty="0" smtClean="0"/>
+                  <a:t> </a:t>
+                </a:r>
+                <a:endParaRPr lang="ru-RU" b="0" dirty="0" smtClean="0"/>
+              </a:p>
+              <a:p>
+                <a:pPr marL="0" indent="0">
+                  <a:buNone/>
+                </a:pPr>
+                <a:r>
+                  <a:rPr lang="ru-RU" b="0" dirty="0" smtClean="0"/>
+                  <a:t>Говорят, что </a:t>
+                </a:r>
+                <a14:m>
+                  <m:oMath xmlns:m="http://schemas.openxmlformats.org/officeDocument/2006/math">
+                    <m:r>
+                      <a:rPr lang="en-US" b="0" i="1" smtClean="0">
+                        <a:latin typeface="Cambria Math" panose="02040503050406030204" pitchFamily="18" charset="0"/>
+                      </a:rPr>
+                      <m:t>𝑐</m:t>
+                    </m:r>
+                  </m:oMath>
+                </a14:m>
+                <a:r>
+                  <a:rPr lang="en-US" b="0" dirty="0" smtClean="0"/>
+                  <a:t> </a:t>
+                </a:r>
+                <a:r>
+                  <a:rPr lang="ru-RU" b="0" dirty="0" smtClean="0"/>
+                  <a:t>есть </a:t>
+                </a:r>
+                <a:r>
+                  <a:rPr lang="ru-RU" b="1" dirty="0" err="1" smtClean="0"/>
+                  <a:t>зашифрование</a:t>
+                </a:r>
+                <a:r>
+                  <a:rPr lang="ru-RU" b="0" dirty="0" smtClean="0"/>
+                  <a:t> </a:t>
+                </a:r>
+                <a14:m>
+                  <m:oMath xmlns:m="http://schemas.openxmlformats.org/officeDocument/2006/math">
+                    <m:r>
+                      <a:rPr lang="en-US" b="0" i="1" smtClean="0">
+                        <a:latin typeface="Cambria Math" panose="02040503050406030204" pitchFamily="18" charset="0"/>
+                      </a:rPr>
+                      <m:t>𝑚</m:t>
+                    </m:r>
+                  </m:oMath>
+                </a14:m>
+                <a:r>
+                  <a:rPr lang="en-US" b="0" dirty="0" smtClean="0"/>
+                  <a:t> </a:t>
+                </a:r>
+                <a:r>
+                  <a:rPr lang="ru-RU" b="0" dirty="0" smtClean="0"/>
+                  <a:t>на ключе </a:t>
+                </a:r>
+                <a14:m>
+                  <m:oMath xmlns:m="http://schemas.openxmlformats.org/officeDocument/2006/math">
+                    <m:r>
+                      <a:rPr lang="en-US" b="0" i="1" smtClean="0">
+                        <a:latin typeface="Cambria Math" panose="02040503050406030204" pitchFamily="18" charset="0"/>
+                      </a:rPr>
+                      <m:t>𝑘</m:t>
+                    </m:r>
+                  </m:oMath>
+                </a14:m>
+                <a:r>
+                  <a:rPr lang="ru-RU" b="0" dirty="0" smtClean="0"/>
+                  <a:t>.</a:t>
+                </a:r>
+              </a:p>
+              <a:p>
+                <a:r>
+                  <a:rPr lang="ru-RU" dirty="0" smtClean="0"/>
+                  <a:t> (2) Функция </a:t>
+                </a:r>
+                <a14:m>
+                  <m:oMath xmlns:m="http://schemas.openxmlformats.org/officeDocument/2006/math">
+                    <m:r>
+                      <a:rPr lang="en-US" b="0" i="1" smtClean="0">
+                        <a:latin typeface="Cambria Math" panose="02040503050406030204" pitchFamily="18" charset="0"/>
+                      </a:rPr>
+                      <m:t>𝐷</m:t>
+                    </m:r>
+                  </m:oMath>
+                </a14:m>
+                <a:r>
+                  <a:rPr lang="ru-RU" b="0" dirty="0" smtClean="0"/>
+                  <a:t> (</a:t>
+                </a:r>
+                <a:r>
+                  <a:rPr lang="ru-RU" b="1" dirty="0" smtClean="0"/>
+                  <a:t>функция </a:t>
+                </a:r>
+                <a:r>
+                  <a:rPr lang="ru-RU" b="1" dirty="0" err="1" smtClean="0"/>
+                  <a:t>расшифрования</a:t>
+                </a:r>
+                <a:r>
+                  <a:rPr lang="ru-RU" b="0" dirty="0" smtClean="0"/>
+                  <a:t>) принимает на вход ключ </a:t>
+                </a:r>
+                <a14:m>
+                  <m:oMath xmlns:m="http://schemas.openxmlformats.org/officeDocument/2006/math">
+                    <m:r>
+                      <a:rPr lang="en-US" b="0" i="1" smtClean="0">
+                        <a:latin typeface="Cambria Math" panose="02040503050406030204" pitchFamily="18" charset="0"/>
+                      </a:rPr>
+                      <m:t>𝑘</m:t>
+                    </m:r>
+                  </m:oMath>
+                </a14:m>
+                <a:r>
+                  <a:rPr lang="en-US" b="0" dirty="0" smtClean="0"/>
+                  <a:t> </a:t>
+                </a:r>
+                <a:r>
+                  <a:rPr lang="ru-RU" b="0" dirty="0" smtClean="0"/>
+                  <a:t>и </a:t>
+                </a:r>
+                <a:r>
+                  <a:rPr lang="ru-RU" b="0" dirty="0" err="1" smtClean="0"/>
+                  <a:t>шифртекст</a:t>
+                </a:r>
+                <a:r>
+                  <a:rPr lang="ru-RU" b="0" dirty="0" smtClean="0"/>
+                  <a:t> </a:t>
+                </a:r>
+                <a14:m>
+                  <m:oMath xmlns:m="http://schemas.openxmlformats.org/officeDocument/2006/math">
+                    <m:r>
+                      <a:rPr lang="en-US" b="0" i="1" smtClean="0">
+                        <a:latin typeface="Cambria Math" panose="02040503050406030204" pitchFamily="18" charset="0"/>
+                      </a:rPr>
+                      <m:t>𝑐</m:t>
+                    </m:r>
+                  </m:oMath>
+                </a14:m>
+                <a:r>
+                  <a:rPr lang="en-US" b="0" dirty="0" smtClean="0"/>
+                  <a:t> </a:t>
+                </a:r>
+                <a:r>
+                  <a:rPr lang="ru-RU" b="0" dirty="0" smtClean="0"/>
+                  <a:t>и даёт на выходе сообщение </a:t>
+                </a:r>
+                <a14:m>
+                  <m:oMath xmlns:m="http://schemas.openxmlformats.org/officeDocument/2006/math">
+                    <m:r>
+                      <a:rPr lang="en-US" b="0" i="1" smtClean="0">
+                        <a:latin typeface="Cambria Math" panose="02040503050406030204" pitchFamily="18" charset="0"/>
+                      </a:rPr>
+                      <m:t>𝑚</m:t>
+                    </m:r>
+                  </m:oMath>
+                </a14:m>
+                <a:r>
+                  <a:rPr lang="ru-RU" b="0" dirty="0" smtClean="0"/>
+                  <a:t>, такое что</a:t>
+                </a:r>
+              </a:p>
+              <a:p>
+                <a:pPr marL="0" indent="0" algn="ctr">
+                  <a:buNone/>
+                </a:pPr>
+                <a:r>
+                  <a:rPr lang="ru-RU" b="0" dirty="0" smtClean="0"/>
+                  <a:t> </a:t>
+                </a:r>
+                <a14:m>
+                  <m:oMath xmlns:m="http://schemas.openxmlformats.org/officeDocument/2006/math">
+                    <m:r>
+                      <a:rPr lang="en-US" b="0" i="1" smtClean="0">
+                        <a:latin typeface="Cambria Math" panose="02040503050406030204" pitchFamily="18" charset="0"/>
+                      </a:rPr>
+                      <m:t>𝑚</m:t>
+                    </m:r>
+                    <m:r>
+                      <a:rPr lang="en-US" b="0" i="1" smtClean="0">
+                        <a:latin typeface="Cambria Math" panose="02040503050406030204" pitchFamily="18" charset="0"/>
+                      </a:rPr>
+                      <m:t>=</m:t>
+                    </m:r>
+                    <m:r>
+                      <a:rPr lang="en-US" b="0" i="1" smtClean="0">
+                        <a:latin typeface="Cambria Math" panose="02040503050406030204" pitchFamily="18" charset="0"/>
+                      </a:rPr>
+                      <m:t>𝐷</m:t>
+                    </m:r>
+                    <m:d>
+                      <m:dPr>
+                        <m:ctrlPr>
+                          <a:rPr lang="en-US" b="0" i="1" smtClean="0">
+                            <a:latin typeface="Cambria Math" panose="02040503050406030204" pitchFamily="18" charset="0"/>
+                          </a:rPr>
+                        </m:ctrlPr>
+                      </m:dPr>
+                      <m:e>
+                        <m:r>
+                          <a:rPr lang="en-US" b="0" i="1" smtClean="0">
+                            <a:latin typeface="Cambria Math" panose="02040503050406030204" pitchFamily="18" charset="0"/>
+                          </a:rPr>
+                          <m:t>𝑘</m:t>
+                        </m:r>
+                        <m:r>
+                          <a:rPr lang="en-US" b="0" i="1" smtClean="0">
+                            <a:latin typeface="Cambria Math" panose="02040503050406030204" pitchFamily="18" charset="0"/>
+                          </a:rPr>
+                          <m:t>,</m:t>
+                        </m:r>
+                        <m:r>
+                          <a:rPr lang="en-US" b="0" i="1" smtClean="0">
+                            <a:latin typeface="Cambria Math" panose="02040503050406030204" pitchFamily="18" charset="0"/>
+                          </a:rPr>
+                          <m:t>𝑐</m:t>
+                        </m:r>
+                      </m:e>
+                    </m:d>
+                  </m:oMath>
+                </a14:m>
+                <a:endParaRPr lang="ru-RU" b="0" dirty="0" smtClean="0"/>
+              </a:p>
+              <a:p>
+                <a:pPr marL="0" indent="0">
+                  <a:buNone/>
+                </a:pPr>
+                <a:r>
+                  <a:rPr lang="ru-RU" dirty="0" smtClean="0"/>
+                  <a:t>Говорят, что </a:t>
+                </a:r>
+                <a14:m>
+                  <m:oMath xmlns:m="http://schemas.openxmlformats.org/officeDocument/2006/math">
+                    <m:r>
+                      <a:rPr lang="en-US" b="0" i="1" smtClean="0">
+                        <a:latin typeface="Cambria Math" panose="02040503050406030204" pitchFamily="18" charset="0"/>
+                      </a:rPr>
+                      <m:t>𝑚</m:t>
+                    </m:r>
+                  </m:oMath>
+                </a14:m>
+                <a:r>
+                  <a:rPr lang="ru-RU" b="0" dirty="0" smtClean="0"/>
+                  <a:t> это </a:t>
+                </a:r>
+                <a:r>
+                  <a:rPr lang="ru-RU" b="1" dirty="0" err="1" smtClean="0"/>
+                  <a:t>расшифрование</a:t>
+                </a:r>
+                <a:r>
+                  <a:rPr lang="ru-RU" b="0" dirty="0" smtClean="0"/>
+                  <a:t> </a:t>
+                </a:r>
+                <a14:m>
+                  <m:oMath xmlns:m="http://schemas.openxmlformats.org/officeDocument/2006/math">
+                    <m:r>
+                      <a:rPr lang="en-US" b="0" i="1" smtClean="0">
+                        <a:latin typeface="Cambria Math" panose="02040503050406030204" pitchFamily="18" charset="0"/>
+                      </a:rPr>
+                      <m:t>𝑐</m:t>
+                    </m:r>
+                  </m:oMath>
+                </a14:m>
+                <a:r>
+                  <a:rPr lang="ru-RU" b="0" dirty="0" smtClean="0"/>
+                  <a:t> на ключе </a:t>
+                </a:r>
+                <a14:m>
+                  <m:oMath xmlns:m="http://schemas.openxmlformats.org/officeDocument/2006/math">
+                    <m:r>
+                      <a:rPr lang="en-US" b="0" i="1" smtClean="0">
+                        <a:latin typeface="Cambria Math" panose="02040503050406030204" pitchFamily="18" charset="0"/>
+                      </a:rPr>
+                      <m:t>𝑘</m:t>
+                    </m:r>
+                  </m:oMath>
+                </a14:m>
+                <a:r>
+                  <a:rPr lang="ru-RU" b="0" dirty="0" smtClean="0"/>
+                  <a:t>.</a:t>
+                </a:r>
+                <a:endParaRPr lang="en-US" b="0" dirty="0" smtClean="0"/>
+              </a:p>
+              <a:p>
+                <a:endParaRPr lang="en-US" b="0" dirty="0" smtClean="0"/>
+              </a:p>
+              <a:p>
+                <a:endParaRPr lang="ru-RU" dirty="0"/>
+              </a:p>
+            </p:txBody>
+          </p:sp>
+        </mc:Choice>
+        <mc:Fallback xmlns="">
+          <p:sp>
+            <p:nvSpPr>
+              <p:cNvPr id="3" name="Объект 2"/>
+              <p:cNvSpPr>
+                <a:spLocks noGrp="1" noRot="1" noChangeAspect="1" noMove="1" noResize="1" noEditPoints="1" noAdjustHandles="1" noChangeArrowheads="1" noChangeShapeType="1" noTextEdit="1"/>
+              </p:cNvSpPr>
+              <p:nvPr>
+                <p:ph idx="1"/>
+              </p:nvPr>
+            </p:nvSpPr>
+            <p:spPr>
+              <a:blipFill>
+                <a:blip r:embed="rId2"/>
+                <a:stretch>
+                  <a:fillRect l="-1043" t="-2801" r="-1391"/>
+                </a:stretch>
+              </a:blipFill>
+            </p:spPr>
+            <p:txBody>
+              <a:bodyPr/>
+              <a:lstStyle/>
+              <a:p>
+                <a:r>
+                  <a:rPr lang="ru-RU">
+                    <a:noFill/>
+                  </a:rPr>
+                  <a:t> </a:t>
+                </a:r>
+              </a:p>
+            </p:txBody>
+          </p:sp>
+        </mc:Fallback>
+      </mc:AlternateContent>
+      <p:sp>
+        <p:nvSpPr>
+          <p:cNvPr id="4" name="Номер слайда 3"/>
+          <p:cNvSpPr>
+            <a:spLocks noGrp="1"/>
+          </p:cNvSpPr>
+          <p:nvPr>
+            <p:ph type="sldNum" sz="quarter" idx="12"/>
+          </p:nvPr>
+        </p:nvSpPr>
+        <p:spPr/>
+        <p:txBody>
+          <a:bodyPr/>
+          <a:lstStyle/>
+          <a:p>
+            <a:fld id="{8253DDDB-F8F7-4D64-A7FD-3F3D61C1949F}" type="slidenum">
+              <a:rPr lang="ru-RU" smtClean="0"/>
+              <a:t>4</a:t>
+            </a:fld>
+            <a:endParaRPr lang="ru-RU"/>
+          </a:p>
+        </p:txBody>
+      </p:sp>
+    </p:spTree>
+    <p:extLst>
+      <p:ext uri="{BB962C8B-B14F-4D97-AF65-F5344CB8AC3E}">
+        <p14:creationId xmlns:p14="http://schemas.microsoft.com/office/powerpoint/2010/main" val="4004200705"/>
+      </p:ext>
+    </p:extLst>
+  </p:cSld>
+  <p:clrMapOvr>
+    <a:masterClrMapping/>
+  </p:clrMapOvr>
+  <p:timing>
+    <p:tnLst>
+      <p:par>
+        <p:cTn id="1" dur="indefinite" restart="never" nodeType="tmRoot"/>
+      </p:par>
+    </p:tnLst>
+  </p:timing>
+</p:sld>
+</file>
+
+<file path=ppt/slides/slide5.xml><?xml version="1.0" encoding="utf-8"?>
+<p:sld xmlns:a="http://schemas.openxmlformats.org/drawingml/2006/main" xmlns:r="http://schemas.openxmlformats.org/officeDocument/2006/relationships" xmlns:p="http://schemas.openxmlformats.org/presentationml/2006/main">
+  <p:cSld>
+    <p:spTree>
+      <p:nvGrpSpPr>
+        <p:cNvPr id="1" name=""/>
+        <p:cNvGrpSpPr/>
+        <p:nvPr/>
+      </p:nvGrpSpPr>
+      <p:grpSpPr>
+        <a:xfrm>
+          <a:off x="0" y="0"/>
+          <a:ext cx="0" cy="0"/>
+          <a:chOff x="0" y="0"/>
+          <a:chExt cx="0" cy="0"/>
+        </a:xfrm>
+      </p:grpSpPr>
+      <p:sp>
+        <p:nvSpPr>
+          <p:cNvPr id="2" name="Заголовок 1"/>
+          <p:cNvSpPr>
+            <a:spLocks noGrp="1"/>
+          </p:cNvSpPr>
+          <p:nvPr>
+            <p:ph type="title"/>
+          </p:nvPr>
+        </p:nvSpPr>
+        <p:spPr/>
+        <p:txBody>
+          <a:bodyPr/>
+          <a:lstStyle/>
+          <a:p>
+            <a:r>
+              <a:rPr lang="ru-RU" dirty="0" smtClean="0"/>
               <a:t>Пример</a:t>
             </a:r>
             <a:r>
@@ -15216,7 +16030,7 @@
           <a:p>
             <a:fld id="{8253DDDB-F8F7-4D64-A7FD-3F3D61C1949F}" type="slidenum">
               <a:rPr lang="ru-RU" smtClean="0"/>
-              <a:t>4</a:t>
+              <a:t>5</a:t>
             </a:fld>
             <a:endParaRPr lang="ru-RU"/>
           </a:p>
@@ -15242,7 +16056,7 @@
 </p:sld>
 </file>
 
-<file path=ppt/slides/slide5.xml><?xml version="1.0" encoding="utf-8"?>
+<file path=ppt/slides/slide6.xml><?xml version="1.0" encoding="utf-8"?>
 <p:sld xmlns:a="http://schemas.openxmlformats.org/drawingml/2006/main" xmlns:r="http://schemas.openxmlformats.org/officeDocument/2006/relationships" xmlns:p="http://schemas.openxmlformats.org/presentationml/2006/main">
   <p:cSld>
     <p:spTree>
@@ -16142,7 +16956,7 @@
           <a:p>
             <a:fld id="{8253DDDB-F8F7-4D64-A7FD-3F3D61C1949F}" type="slidenum">
               <a:rPr lang="ru-RU" smtClean="0"/>
-              <a:t>5</a:t>
+              <a:t>6</a:t>
             </a:fld>
             <a:endParaRPr lang="ru-RU"/>
           </a:p>
@@ -16168,7 +16982,7 @@
 </p:sld>
 </file>
 
-<file path=ppt/slides/slide6.xml><?xml version="1.0" encoding="utf-8"?>
+<file path=ppt/slides/slide7.xml><?xml version="1.0" encoding="utf-8"?>
 <p:sld xmlns:a="http://schemas.openxmlformats.org/drawingml/2006/main" xmlns:r="http://schemas.openxmlformats.org/officeDocument/2006/relationships" xmlns:p="http://schemas.openxmlformats.org/presentationml/2006/main">
   <p:cSld>
     <p:spTree>
@@ -16333,7 +17147,7 @@
           <a:p>
             <a:fld id="{8253DDDB-F8F7-4D64-A7FD-3F3D61C1949F}" type="slidenum">
               <a:rPr lang="ru-RU" smtClean="0"/>
-              <a:t>6</a:t>
+              <a:t>7</a:t>
             </a:fld>
             <a:endParaRPr lang="ru-RU"/>
           </a:p>
@@ -16983,7 +17797,7 @@
 </p:sld>
 </file>
 
-<file path=ppt/slides/slide7.xml><?xml version="1.0" encoding="utf-8"?>
+<file path=ppt/slides/slide8.xml><?xml version="1.0" encoding="utf-8"?>
 <p:sld xmlns:a="http://schemas.openxmlformats.org/drawingml/2006/main" xmlns:r="http://schemas.openxmlformats.org/officeDocument/2006/relationships" xmlns:p="http://schemas.openxmlformats.org/presentationml/2006/main">
   <p:cSld>
     <p:spTree>
@@ -17374,7 +18188,7 @@
           <a:p>
             <a:fld id="{8253DDDB-F8F7-4D64-A7FD-3F3D61C1949F}" type="slidenum">
               <a:rPr lang="ru-RU" smtClean="0"/>
-              <a:t>7</a:t>
+              <a:t>8</a:t>
             </a:fld>
             <a:endParaRPr lang="ru-RU"/>
           </a:p>
@@ -17400,7 +18214,7 @@
 </p:sld>
 </file>
 
-<file path=ppt/slides/slide8.xml><?xml version="1.0" encoding="utf-8"?>
+<file path=ppt/slides/slide9.xml><?xml version="1.0" encoding="utf-8"?>
 <p:sld xmlns:a="http://schemas.openxmlformats.org/drawingml/2006/main" xmlns:r="http://schemas.openxmlformats.org/officeDocument/2006/relationships" xmlns:p="http://schemas.openxmlformats.org/presentationml/2006/main">
   <p:cSld>
     <p:spTree>
@@ -17979,7 +18793,7 @@
           <a:p>
             <a:fld id="{8253DDDB-F8F7-4D64-A7FD-3F3D61C1949F}" type="slidenum">
               <a:rPr lang="ru-RU" smtClean="0"/>
-              <a:t>8</a:t>
+              <a:t>9</a:t>
             </a:fld>
             <a:endParaRPr lang="ru-RU"/>
           </a:p>
@@ -17989,153 +18803,6 @@
     <p:extLst>
       <p:ext uri="{BB962C8B-B14F-4D97-AF65-F5344CB8AC3E}">
         <p14:creationId xmlns:p14="http://schemas.microsoft.com/office/powerpoint/2010/main" val="369562355"/>
-      </p:ext>
-    </p:extLst>
-  </p:cSld>
-  <p:clrMapOvr>
-    <a:masterClrMapping/>
-  </p:clrMapOvr>
-  <p:timing>
-    <p:tnLst>
-      <p:par>
-        <p:cTn id="1" dur="indefinite" restart="never" nodeType="tmRoot"/>
-      </p:par>
-    </p:tnLst>
-  </p:timing>
-</p:sld>
-</file>
-
-<file path=ppt/slides/slide9.xml><?xml version="1.0" encoding="utf-8"?>
-<p:sld xmlns:a="http://schemas.openxmlformats.org/drawingml/2006/main" xmlns:r="http://schemas.openxmlformats.org/officeDocument/2006/relationships" xmlns:p="http://schemas.openxmlformats.org/presentationml/2006/main">
-  <p:cSld>
-    <p:spTree>
-      <p:nvGrpSpPr>
-        <p:cNvPr id="1" name=""/>
-        <p:cNvGrpSpPr/>
-        <p:nvPr/>
-      </p:nvGrpSpPr>
-      <p:grpSpPr>
-        <a:xfrm>
-          <a:off x="0" y="0"/>
-          <a:ext cx="0" cy="0"/>
-          <a:chOff x="0" y="0"/>
-          <a:chExt cx="0" cy="0"/>
-        </a:xfrm>
-      </p:grpSpPr>
-      <p:sp>
-        <p:nvSpPr>
-          <p:cNvPr id="2" name="Заголовок 1"/>
-          <p:cNvSpPr>
-            <a:spLocks noGrp="1"/>
-          </p:cNvSpPr>
-          <p:nvPr>
-            <p:ph type="title"/>
-          </p:nvPr>
-        </p:nvSpPr>
-        <p:spPr/>
-        <p:txBody>
-          <a:bodyPr/>
-          <a:lstStyle/>
-          <a:p>
-            <a:r>
-              <a:rPr lang="ru-RU" dirty="0" smtClean="0"/>
-              <a:t>Идея одноразового блокнота</a:t>
-            </a:r>
-            <a:endParaRPr lang="ru-RU" dirty="0"/>
-          </a:p>
-        </p:txBody>
-      </p:sp>
-      <p:sp>
-        <p:nvSpPr>
-          <p:cNvPr id="3" name="Объект 2"/>
-          <p:cNvSpPr>
-            <a:spLocks noGrp="1"/>
-          </p:cNvSpPr>
-          <p:nvPr>
-            <p:ph idx="1"/>
-          </p:nvPr>
-        </p:nvSpPr>
-        <p:spPr/>
-        <p:txBody>
-          <a:bodyPr/>
-          <a:lstStyle/>
-          <a:p>
-            <a:pPr marL="0" indent="0">
-              <a:buNone/>
-            </a:pPr>
-            <a:r>
-              <a:rPr lang="ru-RU" dirty="0" smtClean="0"/>
-              <a:t>Одноразовый блокнот – сложение (побитное) случайного равновероятного вектора ключа с вектором открытого текста, для получения </a:t>
-            </a:r>
-            <a:r>
-              <a:rPr lang="ru-RU" dirty="0" err="1" smtClean="0"/>
-              <a:t>шифртекста</a:t>
-            </a:r>
-            <a:r>
-              <a:rPr lang="ru-RU" dirty="0" smtClean="0"/>
-              <a:t>.</a:t>
-            </a:r>
-          </a:p>
-          <a:p>
-            <a:pPr marL="0" indent="0">
-              <a:buNone/>
-            </a:pPr>
-            <a:endParaRPr lang="ru-RU" dirty="0"/>
-          </a:p>
-          <a:p>
-            <a:pPr marL="0" indent="0">
-              <a:buNone/>
-            </a:pPr>
-            <a:r>
-              <a:rPr lang="ru-RU" dirty="0" smtClean="0"/>
-              <a:t>Проблема (Теорема Шеннона) – длина (энтропия) ключа должна быть больше или равна длине сообщения.</a:t>
-            </a:r>
-          </a:p>
-          <a:p>
-            <a:pPr marL="0" indent="0">
-              <a:buNone/>
-            </a:pPr>
-            <a:endParaRPr lang="ru-RU" dirty="0"/>
-          </a:p>
-          <a:p>
-            <a:pPr marL="0" indent="0">
-              <a:buNone/>
-            </a:pPr>
-            <a:r>
-              <a:rPr lang="ru-RU" dirty="0" smtClean="0"/>
-              <a:t>Основная идея – заменить случайный длинный вектор ключа на «псевдослучайную» последовательность, называемую гаммой.</a:t>
-            </a:r>
-            <a:endParaRPr lang="ru-RU" dirty="0"/>
-          </a:p>
-        </p:txBody>
-      </p:sp>
-      <p:sp>
-        <p:nvSpPr>
-          <p:cNvPr id="4" name="Номер слайда 3"/>
-          <p:cNvSpPr>
-            <a:spLocks noGrp="1"/>
-          </p:cNvSpPr>
-          <p:nvPr>
-            <p:ph type="sldNum" sz="quarter" idx="12"/>
-          </p:nvPr>
-        </p:nvSpPr>
-        <p:spPr/>
-        <p:txBody>
-          <a:bodyPr/>
-          <a:lstStyle/>
-          <a:p>
-            <a:fld id="{8253DDDB-F8F7-4D64-A7FD-3F3D61C1949F}" type="slidenum">
-              <a:rPr lang="ru-RU" smtClean="0"/>
-              <a:t>9</a:t>
-            </a:fld>
-            <a:endParaRPr lang="ru-RU"/>
-          </a:p>
-        </p:txBody>
-      </p:sp>
-    </p:spTree>
-    <p:extLst>
-      <p:ext uri="{BB962C8B-B14F-4D97-AF65-F5344CB8AC3E}">
-        <p14:creationId xmlns:p14="http://schemas.microsoft.com/office/powerpoint/2010/main" val="979625680"/>
       </p:ext>
     </p:extLst>
   </p:cSld>

--- a/Lectures/BlockCiphersLite.pptx
+++ b/Lectures/BlockCiphersLite.pptx
@@ -5,13 +5,13 @@
     <p:sldMasterId id="2147483648" r:id="rId1"/>
   </p:sldMasterIdLst>
   <p:notesMasterIdLst>
-    <p:notesMasterId r:id="rId31"/>
+    <p:notesMasterId r:id="rId34"/>
   </p:notesMasterIdLst>
   <p:sldIdLst>
     <p:sldId id="256" r:id="rId2"/>
     <p:sldId id="260" r:id="rId3"/>
-    <p:sldId id="275" r:id="rId4"/>
-    <p:sldId id="319" r:id="rId5"/>
+    <p:sldId id="319" r:id="rId4"/>
+    <p:sldId id="275" r:id="rId5"/>
     <p:sldId id="276" r:id="rId6"/>
     <p:sldId id="281" r:id="rId7"/>
     <p:sldId id="268" r:id="rId8"/>
@@ -37,6 +37,9 @@
     <p:sldId id="316" r:id="rId28"/>
     <p:sldId id="317" r:id="rId29"/>
     <p:sldId id="318" r:id="rId30"/>
+    <p:sldId id="320" r:id="rId31"/>
+    <p:sldId id="321" r:id="rId32"/>
+    <p:sldId id="322" r:id="rId33"/>
   </p:sldIdLst>
   <p:sldSz cx="12192000" cy="6858000"/>
   <p:notesSz cx="6858000" cy="9144000"/>
@@ -228,7 +231,7 @@
           <a:p>
             <a:fld id="{CBA08D16-15DC-4E25-BDC3-F25146157B16}" type="datetimeFigureOut">
               <a:rPr lang="ru-RU" smtClean="0"/>
-              <a:t>24.03.2020</a:t>
+              <a:t>18.02.2021</a:t>
             </a:fld>
             <a:endParaRPr lang="ru-RU"/>
           </a:p>
@@ -627,7 +630,7 @@
           <a:p>
             <a:fld id="{FCEC8293-DB51-454A-BE81-EC8FCB31EBA2}" type="datetime1">
               <a:rPr lang="ru-RU" smtClean="0"/>
-              <a:t>24.03.2020</a:t>
+              <a:t>18.02.2021</a:t>
             </a:fld>
             <a:endParaRPr lang="ru-RU"/>
           </a:p>
@@ -801,7 +804,7 @@
           <a:p>
             <a:fld id="{241C87B1-1C35-4DBD-BC18-2BC72E776603}" type="datetime1">
               <a:rPr lang="ru-RU" smtClean="0"/>
-              <a:t>24.03.2020</a:t>
+              <a:t>18.02.2021</a:t>
             </a:fld>
             <a:endParaRPr lang="ru-RU"/>
           </a:p>
@@ -985,7 +988,7 @@
           <a:p>
             <a:fld id="{3134C275-26C0-42CD-9111-9ADE65922AF9}" type="datetime1">
               <a:rPr lang="ru-RU" smtClean="0"/>
-              <a:t>24.03.2020</a:t>
+              <a:t>18.02.2021</a:t>
             </a:fld>
             <a:endParaRPr lang="ru-RU"/>
           </a:p>
@@ -1159,7 +1162,7 @@
           <a:p>
             <a:fld id="{C1A9A50B-C350-45F5-8AAB-ADB9E670AF2E}" type="datetime1">
               <a:rPr lang="ru-RU" smtClean="0"/>
-              <a:t>24.03.2020</a:t>
+              <a:t>18.02.2021</a:t>
             </a:fld>
             <a:endParaRPr lang="ru-RU"/>
           </a:p>
@@ -1409,7 +1412,7 @@
           <a:p>
             <a:fld id="{089688C9-348F-42F9-B6C0-5990DDE0C5B2}" type="datetime1">
               <a:rPr lang="ru-RU" smtClean="0"/>
-              <a:t>24.03.2020</a:t>
+              <a:t>18.02.2021</a:t>
             </a:fld>
             <a:endParaRPr lang="ru-RU"/>
           </a:p>
@@ -1645,7 +1648,7 @@
           <a:p>
             <a:fld id="{684AFD8F-6DD9-4AD3-A505-FDC3F5C5F3F6}" type="datetime1">
               <a:rPr lang="ru-RU" smtClean="0"/>
-              <a:t>24.03.2020</a:t>
+              <a:t>18.02.2021</a:t>
             </a:fld>
             <a:endParaRPr lang="ru-RU"/>
           </a:p>
@@ -2016,7 +2019,7 @@
           <a:p>
             <a:fld id="{63551EFE-4D02-45EB-A747-8B6F047B5AA0}" type="datetime1">
               <a:rPr lang="ru-RU" smtClean="0"/>
-              <a:t>24.03.2020</a:t>
+              <a:t>18.02.2021</a:t>
             </a:fld>
             <a:endParaRPr lang="ru-RU"/>
           </a:p>
@@ -2138,7 +2141,7 @@
           <a:p>
             <a:fld id="{813A9F34-E5CD-4B8F-AA9E-889C84372B20}" type="datetime1">
               <a:rPr lang="ru-RU" smtClean="0"/>
-              <a:t>24.03.2020</a:t>
+              <a:t>18.02.2021</a:t>
             </a:fld>
             <a:endParaRPr lang="ru-RU"/>
           </a:p>
@@ -2237,7 +2240,7 @@
           <a:p>
             <a:fld id="{51224D22-9B29-44A6-8E82-95FC492DEDC1}" type="datetime1">
               <a:rPr lang="ru-RU" smtClean="0"/>
-              <a:t>24.03.2020</a:t>
+              <a:t>18.02.2021</a:t>
             </a:fld>
             <a:endParaRPr lang="ru-RU"/>
           </a:p>
@@ -2518,7 +2521,7 @@
           <a:p>
             <a:fld id="{91D1034F-4441-48A1-BDC0-25EA1022324A}" type="datetime1">
               <a:rPr lang="ru-RU" smtClean="0"/>
-              <a:t>24.03.2020</a:t>
+              <a:t>18.02.2021</a:t>
             </a:fld>
             <a:endParaRPr lang="ru-RU"/>
           </a:p>
@@ -2775,7 +2778,7 @@
           <a:p>
             <a:fld id="{B0FFDE79-B627-473B-AE17-4C65BD2495F7}" type="datetime1">
               <a:rPr lang="ru-RU" smtClean="0"/>
-              <a:t>24.03.2020</a:t>
+              <a:t>18.02.2021</a:t>
             </a:fld>
             <a:endParaRPr lang="ru-RU"/>
           </a:p>
@@ -2992,7 +2995,7 @@
           <a:p>
             <a:fld id="{11CA537A-1B8C-47BA-9BA6-7CE3FAFDA8BE}" type="datetime1">
               <a:rPr lang="ru-RU" smtClean="0"/>
-              <a:t>24.03.2020</a:t>
+              <a:t>18.02.2021</a:t>
             </a:fld>
             <a:endParaRPr lang="ru-RU"/>
           </a:p>
@@ -3462,8 +3465,8 @@
           </a:p>
           <a:p>
             <a:r>
-              <a:rPr lang="ru-RU" dirty="0" smtClean="0"/>
-              <a:t>МИФИ 2020</a:t>
+              <a:rPr lang="ru-RU" smtClean="0"/>
+              <a:t>МИФИ 2021</a:t>
             </a:r>
             <a:endParaRPr lang="ru-RU" dirty="0"/>
           </a:p>
@@ -11247,7 +11250,7 @@
         </p:spPr>
         <p:txBody>
           <a:bodyPr>
-            <a:normAutofit fontScale="92500"/>
+            <a:normAutofit/>
           </a:bodyPr>
           <a:lstStyle/>
           <a:p>
@@ -11268,15 +11271,7 @@
             </a:r>
             <a:r>
               <a:rPr lang="ru-RU" dirty="0" smtClean="0"/>
-              <a:t> происходит </a:t>
-            </a:r>
-            <a:r>
-              <a:rPr lang="ru-RU" dirty="0" err="1" smtClean="0"/>
-              <a:t>детерминированно</a:t>
-            </a:r>
-            <a:r>
-              <a:rPr lang="ru-RU" dirty="0" smtClean="0"/>
-              <a:t> и </a:t>
+              <a:t> происходит детерминировано и </a:t>
             </a:r>
             <a:r>
               <a:rPr lang="ru-RU" dirty="0" err="1" smtClean="0"/>
@@ -11284,15 +11279,7 @@
             </a:r>
             <a:r>
               <a:rPr lang="ru-RU" dirty="0" smtClean="0"/>
-              <a:t>, как следствие одинаковые блоки имеют одинаковый </a:t>
-            </a:r>
-            <a:r>
-              <a:rPr lang="ru-RU" dirty="0" err="1" smtClean="0"/>
-              <a:t>шифртекст</a:t>
-            </a:r>
-            <a:r>
-              <a:rPr lang="ru-RU" dirty="0" smtClean="0"/>
-              <a:t>.</a:t>
+              <a:t>, как следствие одинаковые блоки имеют одинаковый шифртекст.</a:t>
             </a:r>
             <a:endParaRPr lang="ru-RU" dirty="0"/>
           </a:p>
@@ -13769,6 +13756,1612 @@
 </file>
 
 <file path=ppt/slides/slide3.xml><?xml version="1.0" encoding="utf-8"?>
+<p:sld xmlns:a="http://schemas.openxmlformats.org/drawingml/2006/main" xmlns:r="http://schemas.openxmlformats.org/officeDocument/2006/relationships" xmlns:p="http://schemas.openxmlformats.org/presentationml/2006/main">
+  <p:cSld>
+    <p:spTree>
+      <p:nvGrpSpPr>
+        <p:cNvPr id="1" name=""/>
+        <p:cNvGrpSpPr/>
+        <p:nvPr/>
+      </p:nvGrpSpPr>
+      <p:grpSpPr>
+        <a:xfrm>
+          <a:off x="0" y="0"/>
+          <a:ext cx="0" cy="0"/>
+          <a:chOff x="0" y="0"/>
+          <a:chExt cx="0" cy="0"/>
+        </a:xfrm>
+      </p:grpSpPr>
+      <p:sp>
+        <p:nvSpPr>
+          <p:cNvPr id="2" name="Заголовок 1"/>
+          <p:cNvSpPr>
+            <a:spLocks noGrp="1"/>
+          </p:cNvSpPr>
+          <p:nvPr>
+            <p:ph type="title"/>
+          </p:nvPr>
+        </p:nvSpPr>
+        <p:spPr/>
+        <p:txBody>
+          <a:bodyPr/>
+          <a:lstStyle/>
+          <a:p>
+            <a:r>
+              <a:rPr lang="ru-RU" dirty="0" smtClean="0"/>
+              <a:t>Шифр Шеннона</a:t>
+            </a:r>
+            <a:endParaRPr lang="ru-RU" dirty="0"/>
+          </a:p>
+        </p:txBody>
+      </p:sp>
+      <mc:AlternateContent xmlns:mc="http://schemas.openxmlformats.org/markup-compatibility/2006" xmlns:a14="http://schemas.microsoft.com/office/drawing/2010/main">
+        <mc:Choice Requires="a14">
+          <p:sp>
+            <p:nvSpPr>
+              <p:cNvPr id="3" name="Объект 2"/>
+              <p:cNvSpPr>
+                <a:spLocks noGrp="1"/>
+              </p:cNvSpPr>
+              <p:nvPr>
+                <p:ph idx="1"/>
+              </p:nvPr>
+            </p:nvSpPr>
+            <p:spPr/>
+            <p:txBody>
+              <a:bodyPr>
+                <a:normAutofit lnSpcReduction="10000"/>
+              </a:bodyPr>
+              <a:lstStyle/>
+              <a:p>
+                <a:pPr marL="0" indent="0">
+                  <a:buNone/>
+                </a:pPr>
+                <a:r>
+                  <a:rPr lang="ru-RU" dirty="0" smtClean="0"/>
+                  <a:t>Шифр Шеннона  - пара функций</a:t>
+                </a:r>
+                <a:r>
+                  <a:rPr lang="en-US" dirty="0" smtClean="0"/>
+                  <a:t> </a:t>
+                </a:r>
+                <a14:m>
+                  <m:oMath xmlns:m="http://schemas.openxmlformats.org/officeDocument/2006/math">
+                    <m:r>
+                      <m:rPr>
+                        <m:sty m:val="p"/>
+                      </m:rPr>
+                      <a:rPr lang="en-US" b="0" i="1" smtClean="0">
+                        <a:latin typeface="Cambria Math" panose="02040503050406030204" pitchFamily="18" charset="0"/>
+                      </a:rPr>
+                      <m:t>Ε</m:t>
+                    </m:r>
+                    <m:r>
+                      <a:rPr lang="en-US" b="0" i="1" smtClean="0">
+                        <a:latin typeface="Cambria Math" panose="02040503050406030204" pitchFamily="18" charset="0"/>
+                      </a:rPr>
+                      <m:t>=</m:t>
+                    </m:r>
+                    <m:d>
+                      <m:dPr>
+                        <m:ctrlPr>
+                          <a:rPr lang="en-US" b="0" i="1" smtClean="0">
+                            <a:latin typeface="Cambria Math" panose="02040503050406030204" pitchFamily="18" charset="0"/>
+                          </a:rPr>
+                        </m:ctrlPr>
+                      </m:dPr>
+                      <m:e>
+                        <m:r>
+                          <a:rPr lang="en-US" b="0" i="1" smtClean="0">
+                            <a:latin typeface="Cambria Math" panose="02040503050406030204" pitchFamily="18" charset="0"/>
+                          </a:rPr>
+                          <m:t>𝐸</m:t>
+                        </m:r>
+                        <m:r>
+                          <a:rPr lang="en-US" b="0" i="1" smtClean="0">
+                            <a:latin typeface="Cambria Math" panose="02040503050406030204" pitchFamily="18" charset="0"/>
+                          </a:rPr>
+                          <m:t>,</m:t>
+                        </m:r>
+                        <m:r>
+                          <a:rPr lang="en-US" b="0" i="1" smtClean="0">
+                            <a:latin typeface="Cambria Math" panose="02040503050406030204" pitchFamily="18" charset="0"/>
+                          </a:rPr>
+                          <m:t>𝐷</m:t>
+                        </m:r>
+                      </m:e>
+                    </m:d>
+                    <m:r>
+                      <a:rPr lang="ru-RU" b="0" i="0" smtClean="0">
+                        <a:latin typeface="Cambria Math" panose="02040503050406030204" pitchFamily="18" charset="0"/>
+                      </a:rPr>
+                      <m:t>, таких что</m:t>
+                    </m:r>
+                  </m:oMath>
+                </a14:m>
+                <a:r>
+                  <a:rPr lang="en-US" b="0" dirty="0" smtClean="0"/>
+                  <a:t>:</a:t>
+                </a:r>
+              </a:p>
+              <a:p>
+                <a:r>
+                  <a:rPr lang="ru-RU" dirty="0" smtClean="0"/>
+                  <a:t>(1) Функция </a:t>
+                </a:r>
+                <a14:m>
+                  <m:oMath xmlns:m="http://schemas.openxmlformats.org/officeDocument/2006/math">
+                    <m:r>
+                      <a:rPr lang="en-US" b="0" i="1" smtClean="0">
+                        <a:latin typeface="Cambria Math" panose="02040503050406030204" pitchFamily="18" charset="0"/>
+                      </a:rPr>
+                      <m:t>𝐸</m:t>
+                    </m:r>
+                  </m:oMath>
+                </a14:m>
+                <a:r>
+                  <a:rPr lang="ru-RU" b="0" dirty="0" smtClean="0"/>
+                  <a:t> (</a:t>
+                </a:r>
+                <a:r>
+                  <a:rPr lang="ru-RU" b="1" dirty="0" smtClean="0"/>
+                  <a:t>функция </a:t>
+                </a:r>
+                <a:r>
+                  <a:rPr lang="ru-RU" b="1" dirty="0" err="1" smtClean="0"/>
+                  <a:t>зашифрования</a:t>
+                </a:r>
+                <a:r>
+                  <a:rPr lang="ru-RU" b="0" dirty="0" smtClean="0"/>
+                  <a:t>) принимает на вход ключ </a:t>
+                </a:r>
+                <a14:m>
+                  <m:oMath xmlns:m="http://schemas.openxmlformats.org/officeDocument/2006/math">
+                    <m:r>
+                      <a:rPr lang="en-US" b="0" i="1" smtClean="0">
+                        <a:latin typeface="Cambria Math" panose="02040503050406030204" pitchFamily="18" charset="0"/>
+                      </a:rPr>
+                      <m:t>𝑘</m:t>
+                    </m:r>
+                  </m:oMath>
+                </a14:m>
+                <a:r>
+                  <a:rPr lang="en-US" b="0" dirty="0" smtClean="0"/>
+                  <a:t> </a:t>
+                </a:r>
+                <a:r>
+                  <a:rPr lang="ru-RU" b="0" dirty="0" smtClean="0"/>
+                  <a:t>и сообщение </a:t>
+                </a:r>
+                <a14:m>
+                  <m:oMath xmlns:m="http://schemas.openxmlformats.org/officeDocument/2006/math">
+                    <m:r>
+                      <a:rPr lang="en-US" b="0" i="1" smtClean="0">
+                        <a:latin typeface="Cambria Math" panose="02040503050406030204" pitchFamily="18" charset="0"/>
+                      </a:rPr>
+                      <m:t>𝑚</m:t>
+                    </m:r>
+                  </m:oMath>
+                </a14:m>
+                <a:r>
+                  <a:rPr lang="en-US" b="0" dirty="0" smtClean="0"/>
+                  <a:t> (</a:t>
+                </a:r>
+                <a:r>
+                  <a:rPr lang="ru-RU" b="0" dirty="0" smtClean="0"/>
+                  <a:t>называемой открытым текстом, </a:t>
+                </a:r>
+                <a:r>
+                  <a:rPr lang="en-US" b="0" dirty="0" smtClean="0"/>
+                  <a:t>PT) </a:t>
+                </a:r>
+                <a:r>
+                  <a:rPr lang="ru-RU" b="0" dirty="0" smtClean="0"/>
+                  <a:t>и даёт на выходе </a:t>
+                </a:r>
+                <a:r>
+                  <a:rPr lang="ru-RU" b="0" dirty="0" err="1" smtClean="0"/>
+                  <a:t>шифртекст</a:t>
+                </a:r>
+                <a:r>
+                  <a:rPr lang="ru-RU" b="0" dirty="0" smtClean="0"/>
+                  <a:t> </a:t>
+                </a:r>
+                <a14:m>
+                  <m:oMath xmlns:m="http://schemas.openxmlformats.org/officeDocument/2006/math">
+                    <m:r>
+                      <a:rPr lang="en-US" b="0" i="1" smtClean="0">
+                        <a:latin typeface="Cambria Math" panose="02040503050406030204" pitchFamily="18" charset="0"/>
+                      </a:rPr>
+                      <m:t>𝑐</m:t>
+                    </m:r>
+                  </m:oMath>
+                </a14:m>
+                <a:r>
+                  <a:rPr lang="ru-RU" b="0" dirty="0" smtClean="0"/>
+                  <a:t> (</a:t>
+                </a:r>
+                <a:r>
+                  <a:rPr lang="en-US" b="0" dirty="0" smtClean="0"/>
+                  <a:t>CT)</a:t>
+                </a:r>
+                <a:r>
+                  <a:rPr lang="ru-RU" dirty="0" smtClean="0"/>
+                  <a:t>, такой что</a:t>
+                </a:r>
+              </a:p>
+              <a:p>
+                <a:pPr marL="0" indent="0" algn="ctr">
+                  <a:buNone/>
+                </a:pPr>
+                <a14:m>
+                  <m:oMath xmlns:m="http://schemas.openxmlformats.org/officeDocument/2006/math">
+                    <m:r>
+                      <a:rPr lang="en-US" b="0" i="1" smtClean="0">
+                        <a:latin typeface="Cambria Math" panose="02040503050406030204" pitchFamily="18" charset="0"/>
+                      </a:rPr>
+                      <m:t>𝑐</m:t>
+                    </m:r>
+                    <m:r>
+                      <a:rPr lang="en-US" b="0" i="1" smtClean="0">
+                        <a:latin typeface="Cambria Math" panose="02040503050406030204" pitchFamily="18" charset="0"/>
+                      </a:rPr>
+                      <m:t>=</m:t>
+                    </m:r>
+                    <m:r>
+                      <a:rPr lang="en-US" b="0" i="1" smtClean="0">
+                        <a:latin typeface="Cambria Math" panose="02040503050406030204" pitchFamily="18" charset="0"/>
+                      </a:rPr>
+                      <m:t>𝐸</m:t>
+                    </m:r>
+                    <m:d>
+                      <m:dPr>
+                        <m:ctrlPr>
+                          <a:rPr lang="en-US" b="0" i="1" smtClean="0">
+                            <a:latin typeface="Cambria Math" panose="02040503050406030204" pitchFamily="18" charset="0"/>
+                          </a:rPr>
+                        </m:ctrlPr>
+                      </m:dPr>
+                      <m:e>
+                        <m:r>
+                          <a:rPr lang="en-US" b="0" i="1" smtClean="0">
+                            <a:latin typeface="Cambria Math" panose="02040503050406030204" pitchFamily="18" charset="0"/>
+                          </a:rPr>
+                          <m:t>𝑘</m:t>
+                        </m:r>
+                        <m:r>
+                          <a:rPr lang="en-US" b="0" i="1" smtClean="0">
+                            <a:latin typeface="Cambria Math" panose="02040503050406030204" pitchFamily="18" charset="0"/>
+                          </a:rPr>
+                          <m:t>,</m:t>
+                        </m:r>
+                        <m:r>
+                          <a:rPr lang="en-US" b="0" i="1" smtClean="0">
+                            <a:latin typeface="Cambria Math" panose="02040503050406030204" pitchFamily="18" charset="0"/>
+                          </a:rPr>
+                          <m:t>𝑚</m:t>
+                        </m:r>
+                      </m:e>
+                    </m:d>
+                    <m:r>
+                      <a:rPr lang="en-US" b="0" i="1" smtClean="0">
+                        <a:latin typeface="Cambria Math" panose="02040503050406030204" pitchFamily="18" charset="0"/>
+                      </a:rPr>
+                      <m:t>.</m:t>
+                    </m:r>
+                  </m:oMath>
+                </a14:m>
+                <a:r>
+                  <a:rPr lang="en-US" b="0" dirty="0" smtClean="0"/>
+                  <a:t> </a:t>
+                </a:r>
+                <a:endParaRPr lang="ru-RU" b="0" dirty="0" smtClean="0"/>
+              </a:p>
+              <a:p>
+                <a:pPr marL="0" indent="0">
+                  <a:buNone/>
+                </a:pPr>
+                <a:r>
+                  <a:rPr lang="ru-RU" b="0" dirty="0" smtClean="0"/>
+                  <a:t>Говорят, что </a:t>
+                </a:r>
+                <a14:m>
+                  <m:oMath xmlns:m="http://schemas.openxmlformats.org/officeDocument/2006/math">
+                    <m:r>
+                      <a:rPr lang="en-US" b="0" i="1" smtClean="0">
+                        <a:latin typeface="Cambria Math" panose="02040503050406030204" pitchFamily="18" charset="0"/>
+                      </a:rPr>
+                      <m:t>𝑐</m:t>
+                    </m:r>
+                  </m:oMath>
+                </a14:m>
+                <a:r>
+                  <a:rPr lang="en-US" b="0" dirty="0" smtClean="0"/>
+                  <a:t> </a:t>
+                </a:r>
+                <a:r>
+                  <a:rPr lang="ru-RU" b="0" dirty="0" smtClean="0"/>
+                  <a:t>есть </a:t>
+                </a:r>
+                <a:r>
+                  <a:rPr lang="ru-RU" b="1" dirty="0" err="1" smtClean="0"/>
+                  <a:t>зашифрование</a:t>
+                </a:r>
+                <a:r>
+                  <a:rPr lang="ru-RU" b="0" dirty="0" smtClean="0"/>
+                  <a:t> </a:t>
+                </a:r>
+                <a14:m>
+                  <m:oMath xmlns:m="http://schemas.openxmlformats.org/officeDocument/2006/math">
+                    <m:r>
+                      <a:rPr lang="en-US" b="0" i="1" smtClean="0">
+                        <a:latin typeface="Cambria Math" panose="02040503050406030204" pitchFamily="18" charset="0"/>
+                      </a:rPr>
+                      <m:t>𝑚</m:t>
+                    </m:r>
+                  </m:oMath>
+                </a14:m>
+                <a:r>
+                  <a:rPr lang="en-US" b="0" dirty="0" smtClean="0"/>
+                  <a:t> </a:t>
+                </a:r>
+                <a:r>
+                  <a:rPr lang="ru-RU" b="0" dirty="0" smtClean="0"/>
+                  <a:t>на ключе </a:t>
+                </a:r>
+                <a14:m>
+                  <m:oMath xmlns:m="http://schemas.openxmlformats.org/officeDocument/2006/math">
+                    <m:r>
+                      <a:rPr lang="en-US" b="0" i="1" smtClean="0">
+                        <a:latin typeface="Cambria Math" panose="02040503050406030204" pitchFamily="18" charset="0"/>
+                      </a:rPr>
+                      <m:t>𝑘</m:t>
+                    </m:r>
+                  </m:oMath>
+                </a14:m>
+                <a:r>
+                  <a:rPr lang="ru-RU" b="0" dirty="0" smtClean="0"/>
+                  <a:t>.</a:t>
+                </a:r>
+              </a:p>
+              <a:p>
+                <a:r>
+                  <a:rPr lang="ru-RU" dirty="0" smtClean="0"/>
+                  <a:t> (2) Функция </a:t>
+                </a:r>
+                <a14:m>
+                  <m:oMath xmlns:m="http://schemas.openxmlformats.org/officeDocument/2006/math">
+                    <m:r>
+                      <a:rPr lang="en-US" b="0" i="1" smtClean="0">
+                        <a:latin typeface="Cambria Math" panose="02040503050406030204" pitchFamily="18" charset="0"/>
+                      </a:rPr>
+                      <m:t>𝐷</m:t>
+                    </m:r>
+                  </m:oMath>
+                </a14:m>
+                <a:r>
+                  <a:rPr lang="ru-RU" b="0" dirty="0" smtClean="0"/>
+                  <a:t> (</a:t>
+                </a:r>
+                <a:r>
+                  <a:rPr lang="ru-RU" b="1" dirty="0" smtClean="0"/>
+                  <a:t>функция </a:t>
+                </a:r>
+                <a:r>
+                  <a:rPr lang="ru-RU" b="1" dirty="0" err="1" smtClean="0"/>
+                  <a:t>расшифрования</a:t>
+                </a:r>
+                <a:r>
+                  <a:rPr lang="ru-RU" b="0" dirty="0" smtClean="0"/>
+                  <a:t>) принимает на вход ключ </a:t>
+                </a:r>
+                <a14:m>
+                  <m:oMath xmlns:m="http://schemas.openxmlformats.org/officeDocument/2006/math">
+                    <m:r>
+                      <a:rPr lang="en-US" b="0" i="1" smtClean="0">
+                        <a:latin typeface="Cambria Math" panose="02040503050406030204" pitchFamily="18" charset="0"/>
+                      </a:rPr>
+                      <m:t>𝑘</m:t>
+                    </m:r>
+                  </m:oMath>
+                </a14:m>
+                <a:r>
+                  <a:rPr lang="en-US" b="0" dirty="0" smtClean="0"/>
+                  <a:t> </a:t>
+                </a:r>
+                <a:r>
+                  <a:rPr lang="ru-RU" b="0" dirty="0" smtClean="0"/>
+                  <a:t>и </a:t>
+                </a:r>
+                <a:r>
+                  <a:rPr lang="ru-RU" b="0" dirty="0" err="1" smtClean="0"/>
+                  <a:t>шифртекст</a:t>
+                </a:r>
+                <a:r>
+                  <a:rPr lang="ru-RU" b="0" dirty="0" smtClean="0"/>
+                  <a:t> </a:t>
+                </a:r>
+                <a14:m>
+                  <m:oMath xmlns:m="http://schemas.openxmlformats.org/officeDocument/2006/math">
+                    <m:r>
+                      <a:rPr lang="en-US" b="0" i="1" smtClean="0">
+                        <a:latin typeface="Cambria Math" panose="02040503050406030204" pitchFamily="18" charset="0"/>
+                      </a:rPr>
+                      <m:t>𝑐</m:t>
+                    </m:r>
+                  </m:oMath>
+                </a14:m>
+                <a:r>
+                  <a:rPr lang="en-US" b="0" dirty="0" smtClean="0"/>
+                  <a:t> </a:t>
+                </a:r>
+                <a:r>
+                  <a:rPr lang="ru-RU" b="0" dirty="0" smtClean="0"/>
+                  <a:t>и даёт на выходе сообщение </a:t>
+                </a:r>
+                <a14:m>
+                  <m:oMath xmlns:m="http://schemas.openxmlformats.org/officeDocument/2006/math">
+                    <m:r>
+                      <a:rPr lang="en-US" b="0" i="1" smtClean="0">
+                        <a:latin typeface="Cambria Math" panose="02040503050406030204" pitchFamily="18" charset="0"/>
+                      </a:rPr>
+                      <m:t>𝑚</m:t>
+                    </m:r>
+                  </m:oMath>
+                </a14:m>
+                <a:r>
+                  <a:rPr lang="ru-RU" b="0" dirty="0" smtClean="0"/>
+                  <a:t>, такое что</a:t>
+                </a:r>
+              </a:p>
+              <a:p>
+                <a:pPr marL="0" indent="0" algn="ctr">
+                  <a:buNone/>
+                </a:pPr>
+                <a:r>
+                  <a:rPr lang="ru-RU" b="0" dirty="0" smtClean="0"/>
+                  <a:t> </a:t>
+                </a:r>
+                <a14:m>
+                  <m:oMath xmlns:m="http://schemas.openxmlformats.org/officeDocument/2006/math">
+                    <m:r>
+                      <a:rPr lang="en-US" b="0" i="1" smtClean="0">
+                        <a:latin typeface="Cambria Math" panose="02040503050406030204" pitchFamily="18" charset="0"/>
+                      </a:rPr>
+                      <m:t>𝑚</m:t>
+                    </m:r>
+                    <m:r>
+                      <a:rPr lang="en-US" b="0" i="1" smtClean="0">
+                        <a:latin typeface="Cambria Math" panose="02040503050406030204" pitchFamily="18" charset="0"/>
+                      </a:rPr>
+                      <m:t>=</m:t>
+                    </m:r>
+                    <m:r>
+                      <a:rPr lang="en-US" b="0" i="1" smtClean="0">
+                        <a:latin typeface="Cambria Math" panose="02040503050406030204" pitchFamily="18" charset="0"/>
+                      </a:rPr>
+                      <m:t>𝐷</m:t>
+                    </m:r>
+                    <m:d>
+                      <m:dPr>
+                        <m:ctrlPr>
+                          <a:rPr lang="en-US" b="0" i="1" smtClean="0">
+                            <a:latin typeface="Cambria Math" panose="02040503050406030204" pitchFamily="18" charset="0"/>
+                          </a:rPr>
+                        </m:ctrlPr>
+                      </m:dPr>
+                      <m:e>
+                        <m:r>
+                          <a:rPr lang="en-US" b="0" i="1" smtClean="0">
+                            <a:latin typeface="Cambria Math" panose="02040503050406030204" pitchFamily="18" charset="0"/>
+                          </a:rPr>
+                          <m:t>𝑘</m:t>
+                        </m:r>
+                        <m:r>
+                          <a:rPr lang="en-US" b="0" i="1" smtClean="0">
+                            <a:latin typeface="Cambria Math" panose="02040503050406030204" pitchFamily="18" charset="0"/>
+                          </a:rPr>
+                          <m:t>,</m:t>
+                        </m:r>
+                        <m:r>
+                          <a:rPr lang="en-US" b="0" i="1" smtClean="0">
+                            <a:latin typeface="Cambria Math" panose="02040503050406030204" pitchFamily="18" charset="0"/>
+                          </a:rPr>
+                          <m:t>𝑐</m:t>
+                        </m:r>
+                      </m:e>
+                    </m:d>
+                  </m:oMath>
+                </a14:m>
+                <a:endParaRPr lang="ru-RU" b="0" dirty="0" smtClean="0"/>
+              </a:p>
+              <a:p>
+                <a:pPr marL="0" indent="0">
+                  <a:buNone/>
+                </a:pPr>
+                <a:r>
+                  <a:rPr lang="ru-RU" dirty="0" smtClean="0"/>
+                  <a:t>Говорят, что </a:t>
+                </a:r>
+                <a14:m>
+                  <m:oMath xmlns:m="http://schemas.openxmlformats.org/officeDocument/2006/math">
+                    <m:r>
+                      <a:rPr lang="en-US" b="0" i="1" smtClean="0">
+                        <a:latin typeface="Cambria Math" panose="02040503050406030204" pitchFamily="18" charset="0"/>
+                      </a:rPr>
+                      <m:t>𝑚</m:t>
+                    </m:r>
+                  </m:oMath>
+                </a14:m>
+                <a:r>
+                  <a:rPr lang="ru-RU" b="0" dirty="0" smtClean="0"/>
+                  <a:t> это </a:t>
+                </a:r>
+                <a:r>
+                  <a:rPr lang="ru-RU" b="1" dirty="0" err="1" smtClean="0"/>
+                  <a:t>расшифрование</a:t>
+                </a:r>
+                <a:r>
+                  <a:rPr lang="ru-RU" b="0" dirty="0" smtClean="0"/>
+                  <a:t> </a:t>
+                </a:r>
+                <a14:m>
+                  <m:oMath xmlns:m="http://schemas.openxmlformats.org/officeDocument/2006/math">
+                    <m:r>
+                      <a:rPr lang="en-US" b="0" i="1" smtClean="0">
+                        <a:latin typeface="Cambria Math" panose="02040503050406030204" pitchFamily="18" charset="0"/>
+                      </a:rPr>
+                      <m:t>𝑐</m:t>
+                    </m:r>
+                  </m:oMath>
+                </a14:m>
+                <a:r>
+                  <a:rPr lang="ru-RU" b="0" dirty="0" smtClean="0"/>
+                  <a:t> на ключе </a:t>
+                </a:r>
+                <a14:m>
+                  <m:oMath xmlns:m="http://schemas.openxmlformats.org/officeDocument/2006/math">
+                    <m:r>
+                      <a:rPr lang="en-US" b="0" i="1" smtClean="0">
+                        <a:latin typeface="Cambria Math" panose="02040503050406030204" pitchFamily="18" charset="0"/>
+                      </a:rPr>
+                      <m:t>𝑘</m:t>
+                    </m:r>
+                  </m:oMath>
+                </a14:m>
+                <a:r>
+                  <a:rPr lang="ru-RU" b="0" dirty="0" smtClean="0"/>
+                  <a:t>.</a:t>
+                </a:r>
+                <a:endParaRPr lang="en-US" b="0" dirty="0" smtClean="0"/>
+              </a:p>
+              <a:p>
+                <a:endParaRPr lang="en-US" b="0" dirty="0" smtClean="0"/>
+              </a:p>
+              <a:p>
+                <a:endParaRPr lang="ru-RU" dirty="0"/>
+              </a:p>
+            </p:txBody>
+          </p:sp>
+        </mc:Choice>
+        <mc:Fallback xmlns="">
+          <p:sp>
+            <p:nvSpPr>
+              <p:cNvPr id="3" name="Объект 2"/>
+              <p:cNvSpPr>
+                <a:spLocks noGrp="1" noRot="1" noChangeAspect="1" noMove="1" noResize="1" noEditPoints="1" noAdjustHandles="1" noChangeArrowheads="1" noChangeShapeType="1" noTextEdit="1"/>
+              </p:cNvSpPr>
+              <p:nvPr>
+                <p:ph idx="1"/>
+              </p:nvPr>
+            </p:nvSpPr>
+            <p:spPr>
+              <a:blipFill>
+                <a:blip r:embed="rId2"/>
+                <a:stretch>
+                  <a:fillRect l="-1043" t="-2801" r="-1391"/>
+                </a:stretch>
+              </a:blipFill>
+            </p:spPr>
+            <p:txBody>
+              <a:bodyPr/>
+              <a:lstStyle/>
+              <a:p>
+                <a:r>
+                  <a:rPr lang="ru-RU">
+                    <a:noFill/>
+                  </a:rPr>
+                  <a:t> </a:t>
+                </a:r>
+              </a:p>
+            </p:txBody>
+          </p:sp>
+        </mc:Fallback>
+      </mc:AlternateContent>
+      <p:sp>
+        <p:nvSpPr>
+          <p:cNvPr id="4" name="Номер слайда 3"/>
+          <p:cNvSpPr>
+            <a:spLocks noGrp="1"/>
+          </p:cNvSpPr>
+          <p:nvPr>
+            <p:ph type="sldNum" sz="quarter" idx="12"/>
+          </p:nvPr>
+        </p:nvSpPr>
+        <p:spPr/>
+        <p:txBody>
+          <a:bodyPr/>
+          <a:lstStyle/>
+          <a:p>
+            <a:fld id="{8253DDDB-F8F7-4D64-A7FD-3F3D61C1949F}" type="slidenum">
+              <a:rPr lang="ru-RU" smtClean="0"/>
+              <a:t>3</a:t>
+            </a:fld>
+            <a:endParaRPr lang="ru-RU"/>
+          </a:p>
+        </p:txBody>
+      </p:sp>
+    </p:spTree>
+    <p:extLst>
+      <p:ext uri="{BB962C8B-B14F-4D97-AF65-F5344CB8AC3E}">
+        <p14:creationId xmlns:p14="http://schemas.microsoft.com/office/powerpoint/2010/main" val="4004200705"/>
+      </p:ext>
+    </p:extLst>
+  </p:cSld>
+  <p:clrMapOvr>
+    <a:masterClrMapping/>
+  </p:clrMapOvr>
+  <p:timing>
+    <p:tnLst>
+      <p:par>
+        <p:cTn id="1" dur="indefinite" restart="never" nodeType="tmRoot"/>
+      </p:par>
+    </p:tnLst>
+  </p:timing>
+</p:sld>
+</file>
+
+<file path=ppt/slides/slide30.xml><?xml version="1.0" encoding="utf-8"?>
+<p:sld xmlns:a="http://schemas.openxmlformats.org/drawingml/2006/main" xmlns:r="http://schemas.openxmlformats.org/officeDocument/2006/relationships" xmlns:p="http://schemas.openxmlformats.org/presentationml/2006/main">
+  <p:cSld>
+    <p:spTree>
+      <p:nvGrpSpPr>
+        <p:cNvPr id="1" name=""/>
+        <p:cNvGrpSpPr/>
+        <p:nvPr/>
+      </p:nvGrpSpPr>
+      <p:grpSpPr>
+        <a:xfrm>
+          <a:off x="0" y="0"/>
+          <a:ext cx="0" cy="0"/>
+          <a:chOff x="0" y="0"/>
+          <a:chExt cx="0" cy="0"/>
+        </a:xfrm>
+      </p:grpSpPr>
+      <p:sp>
+        <p:nvSpPr>
+          <p:cNvPr id="2" name="Заголовок 1"/>
+          <p:cNvSpPr>
+            <a:spLocks noGrp="1"/>
+          </p:cNvSpPr>
+          <p:nvPr>
+            <p:ph type="title"/>
+          </p:nvPr>
+        </p:nvSpPr>
+        <p:spPr/>
+        <p:txBody>
+          <a:bodyPr/>
+          <a:lstStyle/>
+          <a:p>
+            <a:r>
+              <a:rPr lang="ru-RU" dirty="0" smtClean="0"/>
+              <a:t>Безопасное программирование</a:t>
+            </a:r>
+            <a:endParaRPr lang="ru-RU" dirty="0"/>
+          </a:p>
+        </p:txBody>
+      </p:sp>
+      <p:sp>
+        <p:nvSpPr>
+          <p:cNvPr id="3" name="Объект 2"/>
+          <p:cNvSpPr>
+            <a:spLocks noGrp="1"/>
+          </p:cNvSpPr>
+          <p:nvPr>
+            <p:ph idx="1"/>
+          </p:nvPr>
+        </p:nvSpPr>
+        <p:spPr>
+          <a:xfrm>
+            <a:off x="838200" y="1708897"/>
+            <a:ext cx="10515600" cy="5012577"/>
+          </a:xfrm>
+        </p:spPr>
+        <p:txBody>
+          <a:bodyPr/>
+          <a:lstStyle/>
+          <a:p>
+            <a:r>
+              <a:rPr lang="ru-RU" dirty="0" smtClean="0"/>
+              <a:t>Проверка входных значений (длины входов, типы, корректность)</a:t>
+            </a:r>
+          </a:p>
+          <a:p>
+            <a:pPr lvl="1"/>
+            <a:r>
+              <a:rPr lang="ru-RU" dirty="0" smtClean="0"/>
+              <a:t>Должна производиться по возможности в начале функции</a:t>
+            </a:r>
+          </a:p>
+          <a:p>
+            <a:pPr lvl="1"/>
+            <a:r>
+              <a:rPr lang="ru-RU" dirty="0" err="1" smtClean="0"/>
+              <a:t>Параноидальные</a:t>
+            </a:r>
+            <a:r>
+              <a:rPr lang="ru-RU" dirty="0" smtClean="0"/>
+              <a:t> проверки</a:t>
+            </a:r>
+          </a:p>
+          <a:p>
+            <a:r>
+              <a:rPr lang="ru-RU" dirty="0" smtClean="0"/>
+              <a:t>Криптографические методы должны быть вынесены в отдельные функции и модули</a:t>
+            </a:r>
+          </a:p>
+          <a:p>
+            <a:r>
+              <a:rPr lang="ru-RU" dirty="0" smtClean="0"/>
+              <a:t>Все внешние криптографические интерфейсы работают только с массивом байт</a:t>
+            </a:r>
+          </a:p>
+          <a:p>
+            <a:r>
+              <a:rPr lang="ru-RU" dirty="0" smtClean="0"/>
+              <a:t>Не использование «магических чисел» – все константы должны быть определены</a:t>
+            </a:r>
+          </a:p>
+          <a:p>
+            <a:r>
+              <a:rPr lang="ru-RU" dirty="0" smtClean="0"/>
+              <a:t>Не использовать «алгоритмы по умолчанию», т.е. явно задавать алгоритмы шифрования через параметры</a:t>
+            </a:r>
+          </a:p>
+        </p:txBody>
+      </p:sp>
+      <p:sp>
+        <p:nvSpPr>
+          <p:cNvPr id="4" name="Номер слайда 3"/>
+          <p:cNvSpPr>
+            <a:spLocks noGrp="1"/>
+          </p:cNvSpPr>
+          <p:nvPr>
+            <p:ph type="sldNum" sz="quarter" idx="12"/>
+          </p:nvPr>
+        </p:nvSpPr>
+        <p:spPr/>
+        <p:txBody>
+          <a:bodyPr/>
+          <a:lstStyle/>
+          <a:p>
+            <a:fld id="{8253DDDB-F8F7-4D64-A7FD-3F3D61C1949F}" type="slidenum">
+              <a:rPr lang="ru-RU" smtClean="0"/>
+              <a:t>30</a:t>
+            </a:fld>
+            <a:endParaRPr lang="ru-RU"/>
+          </a:p>
+        </p:txBody>
+      </p:sp>
+    </p:spTree>
+    <p:extLst>
+      <p:ext uri="{BB962C8B-B14F-4D97-AF65-F5344CB8AC3E}">
+        <p14:creationId xmlns:p14="http://schemas.microsoft.com/office/powerpoint/2010/main" val="1287813214"/>
+      </p:ext>
+    </p:extLst>
+  </p:cSld>
+  <p:clrMapOvr>
+    <a:masterClrMapping/>
+  </p:clrMapOvr>
+  <p:timing>
+    <p:tnLst>
+      <p:par>
+        <p:cTn id="1" dur="indefinite" restart="never" nodeType="tmRoot"/>
+      </p:par>
+    </p:tnLst>
+  </p:timing>
+</p:sld>
+</file>
+
+<file path=ppt/slides/slide31.xml><?xml version="1.0" encoding="utf-8"?>
+<p:sld xmlns:a="http://schemas.openxmlformats.org/drawingml/2006/main" xmlns:r="http://schemas.openxmlformats.org/officeDocument/2006/relationships" xmlns:p="http://schemas.openxmlformats.org/presentationml/2006/main">
+  <p:cSld>
+    <p:spTree>
+      <p:nvGrpSpPr>
+        <p:cNvPr id="1" name=""/>
+        <p:cNvGrpSpPr/>
+        <p:nvPr/>
+      </p:nvGrpSpPr>
+      <p:grpSpPr>
+        <a:xfrm>
+          <a:off x="0" y="0"/>
+          <a:ext cx="0" cy="0"/>
+          <a:chOff x="0" y="0"/>
+          <a:chExt cx="0" cy="0"/>
+        </a:xfrm>
+      </p:grpSpPr>
+      <p:sp>
+        <p:nvSpPr>
+          <p:cNvPr id="2" name="Заголовок 1"/>
+          <p:cNvSpPr>
+            <a:spLocks noGrp="1"/>
+          </p:cNvSpPr>
+          <p:nvPr>
+            <p:ph type="title"/>
+          </p:nvPr>
+        </p:nvSpPr>
+        <p:spPr/>
+        <p:txBody>
+          <a:bodyPr/>
+          <a:lstStyle/>
+          <a:p>
+            <a:r>
+              <a:rPr lang="ru-RU" dirty="0" smtClean="0"/>
+              <a:t>Проверка входных данных</a:t>
+            </a:r>
+            <a:endParaRPr lang="ru-RU" dirty="0"/>
+          </a:p>
+        </p:txBody>
+      </p:sp>
+      <p:sp>
+        <p:nvSpPr>
+          <p:cNvPr id="3" name="Объект 2"/>
+          <p:cNvSpPr>
+            <a:spLocks noGrp="1"/>
+          </p:cNvSpPr>
+          <p:nvPr>
+            <p:ph idx="1"/>
+          </p:nvPr>
+        </p:nvSpPr>
+        <p:spPr/>
+        <p:txBody>
+          <a:bodyPr>
+            <a:normAutofit fontScale="92500" lnSpcReduction="20000"/>
+          </a:bodyPr>
+          <a:lstStyle/>
+          <a:p>
+            <a:pPr marL="0" indent="0">
+              <a:buNone/>
+            </a:pPr>
+            <a:r>
+              <a:rPr lang="en-US" dirty="0" err="1"/>
+              <a:t>d</a:t>
+            </a:r>
+            <a:r>
+              <a:rPr lang="en-US" dirty="0" err="1" smtClean="0"/>
+              <a:t>ef</a:t>
+            </a:r>
+            <a:r>
+              <a:rPr lang="en-US" dirty="0" smtClean="0"/>
+              <a:t> decrypt(key, data, </a:t>
+            </a:r>
+            <a:r>
+              <a:rPr lang="en-US" dirty="0" err="1" smtClean="0"/>
+              <a:t>cipher_suite</a:t>
+            </a:r>
+            <a:r>
+              <a:rPr lang="en-US" dirty="0" smtClean="0"/>
+              <a:t>):</a:t>
+            </a:r>
+          </a:p>
+          <a:p>
+            <a:pPr marL="0" indent="0">
+              <a:buNone/>
+            </a:pPr>
+            <a:r>
+              <a:rPr lang="en-US" dirty="0"/>
+              <a:t>	</a:t>
+            </a:r>
+            <a:r>
+              <a:rPr lang="en-US" dirty="0" smtClean="0"/>
+              <a:t>if </a:t>
+            </a:r>
+            <a:r>
+              <a:rPr lang="en-US" dirty="0" err="1" smtClean="0"/>
+              <a:t>len</a:t>
+            </a:r>
+            <a:r>
+              <a:rPr lang="en-US" dirty="0" smtClean="0"/>
+              <a:t>(key) != </a:t>
+            </a:r>
+            <a:r>
+              <a:rPr lang="en-US" dirty="0" smtClean="0">
+                <a:solidFill>
+                  <a:srgbClr val="FF0000"/>
+                </a:solidFill>
+              </a:rPr>
+              <a:t>AES_KEY_SIZE</a:t>
+            </a:r>
+            <a:r>
+              <a:rPr lang="en-US" dirty="0" smtClean="0"/>
+              <a:t>:</a:t>
+            </a:r>
+          </a:p>
+          <a:p>
+            <a:pPr marL="0" indent="0">
+              <a:buNone/>
+            </a:pPr>
+            <a:r>
+              <a:rPr lang="en-US" dirty="0"/>
+              <a:t>	</a:t>
+            </a:r>
+            <a:r>
+              <a:rPr lang="en-US" dirty="0" smtClean="0"/>
+              <a:t>	</a:t>
+            </a:r>
+            <a:r>
+              <a:rPr lang="en-US" dirty="0"/>
+              <a:t>raise Exception</a:t>
+            </a:r>
+            <a:r>
+              <a:rPr lang="en-US" dirty="0" smtClean="0"/>
+              <a:t>($‘</a:t>
+            </a:r>
+            <a:r>
+              <a:rPr lang="en-US" dirty="0"/>
+              <a:t>invalid </a:t>
+            </a:r>
+            <a:r>
+              <a:rPr lang="en-US" dirty="0" smtClean="0"/>
+              <a:t>key size, expecting {</a:t>
+            </a:r>
+            <a:r>
+              <a:rPr lang="en-US" dirty="0">
+                <a:solidFill>
+                  <a:srgbClr val="FF0000"/>
+                </a:solidFill>
+              </a:rPr>
+              <a:t>AES_KEY_SIZE</a:t>
+            </a:r>
+            <a:r>
+              <a:rPr lang="en-US" dirty="0" smtClean="0"/>
+              <a:t>}’)</a:t>
+            </a:r>
+          </a:p>
+          <a:p>
+            <a:pPr marL="0" indent="0">
+              <a:buNone/>
+            </a:pPr>
+            <a:r>
+              <a:rPr lang="en-US" dirty="0" smtClean="0"/>
+              <a:t>	if </a:t>
+            </a:r>
+            <a:r>
+              <a:rPr lang="en-US" dirty="0" err="1" smtClean="0"/>
+              <a:t>len</a:t>
+            </a:r>
+            <a:r>
+              <a:rPr lang="en-US" dirty="0" smtClean="0"/>
+              <a:t>(data) &lt; </a:t>
+            </a:r>
+            <a:r>
+              <a:rPr lang="en-US" dirty="0" smtClean="0">
+                <a:solidFill>
+                  <a:srgbClr val="FF0000"/>
+                </a:solidFill>
+              </a:rPr>
+              <a:t>NONCE_SIZE</a:t>
+            </a:r>
+            <a:r>
+              <a:rPr lang="en-US" dirty="0" smtClean="0"/>
+              <a:t>:</a:t>
+            </a:r>
+          </a:p>
+          <a:p>
+            <a:pPr marL="0" indent="0">
+              <a:buNone/>
+            </a:pPr>
+            <a:r>
+              <a:rPr lang="en-US" dirty="0"/>
+              <a:t>	</a:t>
+            </a:r>
+            <a:r>
+              <a:rPr lang="en-US" dirty="0" smtClean="0"/>
+              <a:t>	raise Exception(‘invalid </a:t>
+            </a:r>
+            <a:r>
+              <a:rPr lang="en-US" dirty="0" err="1" smtClean="0"/>
+              <a:t>ciphertext</a:t>
+            </a:r>
+            <a:r>
+              <a:rPr lang="en-US" dirty="0" smtClean="0"/>
+              <a:t> length’)</a:t>
+            </a:r>
+          </a:p>
+          <a:p>
+            <a:pPr marL="0" indent="0">
+              <a:buNone/>
+            </a:pPr>
+            <a:r>
+              <a:rPr lang="en-US" dirty="0"/>
+              <a:t>	</a:t>
+            </a:r>
+            <a:r>
+              <a:rPr lang="en-US" dirty="0" smtClean="0"/>
+              <a:t>if </a:t>
+            </a:r>
+            <a:r>
+              <a:rPr lang="en-US" dirty="0" err="1" smtClean="0"/>
+              <a:t>cipher_suite</a:t>
+            </a:r>
+            <a:r>
+              <a:rPr lang="en-US" dirty="0" smtClean="0"/>
+              <a:t> = </a:t>
+            </a:r>
+            <a:r>
+              <a:rPr lang="en-US" dirty="0" smtClean="0">
+                <a:solidFill>
+                  <a:srgbClr val="FF0000"/>
+                </a:solidFill>
+              </a:rPr>
+              <a:t>AES_CBC_WITH_CBC_MAC</a:t>
+            </a:r>
+            <a:r>
+              <a:rPr lang="en-US" dirty="0" smtClean="0"/>
+              <a:t>:</a:t>
+            </a:r>
+          </a:p>
+          <a:p>
+            <a:pPr marL="0" indent="0">
+              <a:buNone/>
+            </a:pPr>
+            <a:r>
+              <a:rPr lang="en-US" dirty="0"/>
+              <a:t>	</a:t>
+            </a:r>
+            <a:r>
+              <a:rPr lang="en-US" dirty="0" smtClean="0"/>
+              <a:t>	return </a:t>
+            </a:r>
+            <a:r>
+              <a:rPr lang="en-US" dirty="0" err="1" smtClean="0"/>
+              <a:t>aes.cbc.decrypt</a:t>
+            </a:r>
+            <a:r>
+              <a:rPr lang="en-US" dirty="0" smtClean="0"/>
+              <a:t>(key</a:t>
+            </a:r>
+            <a:r>
+              <a:rPr lang="en-US" dirty="0"/>
+              <a:t>, </a:t>
+            </a:r>
+            <a:r>
+              <a:rPr lang="en-US" dirty="0" smtClean="0"/>
+              <a:t>data)</a:t>
+            </a:r>
+          </a:p>
+          <a:p>
+            <a:pPr marL="0" indent="0">
+              <a:buNone/>
+            </a:pPr>
+            <a:r>
+              <a:rPr lang="en-US" dirty="0"/>
+              <a:t>	</a:t>
+            </a:r>
+            <a:r>
+              <a:rPr lang="en-US" dirty="0" smtClean="0"/>
+              <a:t>else if </a:t>
+            </a:r>
+            <a:r>
+              <a:rPr lang="en-US" dirty="0" err="1"/>
+              <a:t>cipher_suite</a:t>
+            </a:r>
+            <a:r>
+              <a:rPr lang="en-US" dirty="0"/>
+              <a:t> = </a:t>
+            </a:r>
+            <a:r>
+              <a:rPr lang="en-US" dirty="0" smtClean="0">
+                <a:solidFill>
+                  <a:srgbClr val="FF0000"/>
+                </a:solidFill>
+              </a:rPr>
+              <a:t>AES_CTR_WITH_CBC_MAC</a:t>
+            </a:r>
+            <a:r>
+              <a:rPr lang="en-US" dirty="0" smtClean="0"/>
+              <a:t> :</a:t>
+            </a:r>
+            <a:endParaRPr lang="en-US" dirty="0"/>
+          </a:p>
+          <a:p>
+            <a:pPr marL="0" indent="0">
+              <a:buNone/>
+            </a:pPr>
+            <a:r>
+              <a:rPr lang="en-US" dirty="0" smtClean="0"/>
+              <a:t>		return </a:t>
+            </a:r>
+            <a:r>
+              <a:rPr lang="en-US" dirty="0" err="1" smtClean="0"/>
+              <a:t>aes.ctr.decrypt</a:t>
+            </a:r>
+            <a:r>
+              <a:rPr lang="en-US" dirty="0" smtClean="0"/>
+              <a:t>(key, data)</a:t>
+            </a:r>
+          </a:p>
+          <a:p>
+            <a:pPr marL="0" indent="0">
+              <a:buNone/>
+            </a:pPr>
+            <a:r>
+              <a:rPr lang="en-US" dirty="0" smtClean="0"/>
+              <a:t>	else:</a:t>
+            </a:r>
+          </a:p>
+          <a:p>
+            <a:pPr marL="0" indent="0">
+              <a:buNone/>
+            </a:pPr>
+            <a:r>
+              <a:rPr lang="en-US" dirty="0"/>
+              <a:t>	</a:t>
+            </a:r>
+            <a:r>
+              <a:rPr lang="en-US" dirty="0" smtClean="0"/>
+              <a:t>	</a:t>
+            </a:r>
+            <a:r>
+              <a:rPr lang="en-US" dirty="0"/>
+              <a:t>raise Exception</a:t>
+            </a:r>
+            <a:r>
+              <a:rPr lang="en-US" dirty="0" smtClean="0"/>
+              <a:t>($‘</a:t>
+            </a:r>
+            <a:r>
+              <a:rPr lang="en-US" dirty="0" err="1"/>
+              <a:t>cipher_suite</a:t>
+            </a:r>
+            <a:r>
+              <a:rPr lang="en-US" dirty="0"/>
+              <a:t> </a:t>
+            </a:r>
+            <a:r>
+              <a:rPr lang="en-US" dirty="0" smtClean="0"/>
+              <a:t>{</a:t>
+            </a:r>
+            <a:r>
+              <a:rPr lang="en-US" dirty="0" err="1"/>
+              <a:t>cipher_suite</a:t>
+            </a:r>
+            <a:r>
+              <a:rPr lang="en-US" dirty="0" smtClean="0"/>
+              <a:t>} is not supported’)</a:t>
+            </a:r>
+            <a:endParaRPr lang="en-US" dirty="0"/>
+          </a:p>
+          <a:p>
+            <a:pPr marL="0" indent="0">
+              <a:buNone/>
+            </a:pPr>
+            <a:endParaRPr lang="ru-RU" dirty="0"/>
+          </a:p>
+        </p:txBody>
+      </p:sp>
+      <p:sp>
+        <p:nvSpPr>
+          <p:cNvPr id="4" name="Номер слайда 3"/>
+          <p:cNvSpPr>
+            <a:spLocks noGrp="1"/>
+          </p:cNvSpPr>
+          <p:nvPr>
+            <p:ph type="sldNum" sz="quarter" idx="12"/>
+          </p:nvPr>
+        </p:nvSpPr>
+        <p:spPr/>
+        <p:txBody>
+          <a:bodyPr/>
+          <a:lstStyle/>
+          <a:p>
+            <a:fld id="{8253DDDB-F8F7-4D64-A7FD-3F3D61C1949F}" type="slidenum">
+              <a:rPr lang="ru-RU" smtClean="0"/>
+              <a:t>31</a:t>
+            </a:fld>
+            <a:endParaRPr lang="ru-RU"/>
+          </a:p>
+        </p:txBody>
+      </p:sp>
+    </p:spTree>
+    <p:extLst>
+      <p:ext uri="{BB962C8B-B14F-4D97-AF65-F5344CB8AC3E}">
+        <p14:creationId xmlns:p14="http://schemas.microsoft.com/office/powerpoint/2010/main" val="25174087"/>
+      </p:ext>
+    </p:extLst>
+  </p:cSld>
+  <p:clrMapOvr>
+    <a:masterClrMapping/>
+  </p:clrMapOvr>
+  <p:timing>
+    <p:tnLst>
+      <p:par>
+        <p:cTn id="1" dur="indefinite" restart="never" nodeType="tmRoot"/>
+      </p:par>
+    </p:tnLst>
+  </p:timing>
+</p:sld>
+</file>
+
+<file path=ppt/slides/slide32.xml><?xml version="1.0" encoding="utf-8"?>
+<p:sld xmlns:a="http://schemas.openxmlformats.org/drawingml/2006/main" xmlns:r="http://schemas.openxmlformats.org/officeDocument/2006/relationships" xmlns:p="http://schemas.openxmlformats.org/presentationml/2006/main">
+  <p:cSld>
+    <p:spTree>
+      <p:nvGrpSpPr>
+        <p:cNvPr id="1" name=""/>
+        <p:cNvGrpSpPr/>
+        <p:nvPr/>
+      </p:nvGrpSpPr>
+      <p:grpSpPr>
+        <a:xfrm>
+          <a:off x="0" y="0"/>
+          <a:ext cx="0" cy="0"/>
+          <a:chOff x="0" y="0"/>
+          <a:chExt cx="0" cy="0"/>
+        </a:xfrm>
+      </p:grpSpPr>
+      <p:sp>
+        <p:nvSpPr>
+          <p:cNvPr id="2" name="Заголовок 1"/>
+          <p:cNvSpPr>
+            <a:spLocks noGrp="1"/>
+          </p:cNvSpPr>
+          <p:nvPr>
+            <p:ph type="title"/>
+          </p:nvPr>
+        </p:nvSpPr>
+        <p:spPr/>
+        <p:txBody>
+          <a:bodyPr/>
+          <a:lstStyle/>
+          <a:p>
+            <a:r>
+              <a:rPr lang="ru-RU" dirty="0" smtClean="0"/>
+              <a:t>Отдельные функции, работа только с массивом байт</a:t>
+            </a:r>
+            <a:endParaRPr lang="ru-RU" dirty="0"/>
+          </a:p>
+        </p:txBody>
+      </p:sp>
+      <p:sp>
+        <p:nvSpPr>
+          <p:cNvPr id="3" name="Объект 2"/>
+          <p:cNvSpPr>
+            <a:spLocks noGrp="1"/>
+          </p:cNvSpPr>
+          <p:nvPr>
+            <p:ph idx="1"/>
+          </p:nvPr>
+        </p:nvSpPr>
+        <p:spPr/>
+        <p:txBody>
+          <a:bodyPr>
+            <a:normAutofit fontScale="92500" lnSpcReduction="10000"/>
+          </a:bodyPr>
+          <a:lstStyle/>
+          <a:p>
+            <a:pPr marL="0" indent="0">
+              <a:buNone/>
+            </a:pPr>
+            <a:r>
+              <a:rPr lang="en-US" dirty="0" err="1" smtClean="0"/>
+              <a:t>def</a:t>
+            </a:r>
+            <a:r>
+              <a:rPr lang="en-US" dirty="0" smtClean="0"/>
+              <a:t> generate</a:t>
+            </a:r>
+            <a:r>
+              <a:rPr lang="ru-RU" dirty="0" smtClean="0"/>
+              <a:t>_</a:t>
+            </a:r>
+            <a:r>
+              <a:rPr lang="en-US" dirty="0" err="1" smtClean="0"/>
+              <a:t>aes_key</a:t>
+            </a:r>
+            <a:r>
+              <a:rPr lang="en-US" dirty="0" smtClean="0"/>
+              <a:t>():</a:t>
+            </a:r>
+          </a:p>
+          <a:p>
+            <a:pPr marL="0" indent="0">
+              <a:buNone/>
+            </a:pPr>
+            <a:r>
+              <a:rPr lang="en-US" dirty="0"/>
+              <a:t>	</a:t>
+            </a:r>
+            <a:r>
+              <a:rPr lang="en-US" dirty="0" smtClean="0"/>
+              <a:t>return </a:t>
+            </a:r>
+            <a:r>
+              <a:rPr lang="en-US" dirty="0" err="1" smtClean="0"/>
+              <a:t>Crypto.random.getBytes</a:t>
+            </a:r>
+            <a:r>
+              <a:rPr lang="en-US" dirty="0" smtClean="0"/>
+              <a:t>(</a:t>
+            </a:r>
+            <a:r>
+              <a:rPr lang="en-US" dirty="0" smtClean="0">
+                <a:solidFill>
+                  <a:srgbClr val="FF0000"/>
+                </a:solidFill>
+              </a:rPr>
+              <a:t>AES_KEY_SIZE</a:t>
+            </a:r>
+            <a:r>
+              <a:rPr lang="en-US" dirty="0" smtClean="0"/>
+              <a:t>)</a:t>
+            </a:r>
+          </a:p>
+          <a:p>
+            <a:pPr marL="0" indent="0">
+              <a:buNone/>
+            </a:pPr>
+            <a:r>
+              <a:rPr lang="en-US" dirty="0" smtClean="0"/>
+              <a:t>--------------------</a:t>
+            </a:r>
+          </a:p>
+          <a:p>
+            <a:pPr marL="0" indent="0">
+              <a:buNone/>
+            </a:pPr>
+            <a:r>
+              <a:rPr lang="en-US" dirty="0" err="1" smtClean="0"/>
+              <a:t>def</a:t>
+            </a:r>
+            <a:r>
+              <a:rPr lang="en-US" dirty="0" smtClean="0"/>
+              <a:t> </a:t>
+            </a:r>
+            <a:r>
+              <a:rPr lang="en-US" dirty="0" err="1" smtClean="0"/>
+              <a:t>encrypt_user_input</a:t>
+            </a:r>
+            <a:r>
+              <a:rPr lang="en-US" dirty="0" smtClean="0"/>
+              <a:t>(</a:t>
+            </a:r>
+            <a:r>
+              <a:rPr lang="en-US" dirty="0" err="1" smtClean="0"/>
+              <a:t>user_string</a:t>
+            </a:r>
+            <a:r>
+              <a:rPr lang="en-US" dirty="0" smtClean="0"/>
+              <a:t>):</a:t>
+            </a:r>
+          </a:p>
+          <a:p>
+            <a:pPr marL="0" indent="0">
+              <a:buNone/>
+            </a:pPr>
+            <a:r>
+              <a:rPr lang="en-US" dirty="0"/>
+              <a:t>	</a:t>
+            </a:r>
+            <a:r>
+              <a:rPr lang="en-US" dirty="0" err="1" smtClean="0"/>
+              <a:t>user_bytes</a:t>
+            </a:r>
+            <a:r>
+              <a:rPr lang="en-US" dirty="0" smtClean="0"/>
+              <a:t> = Encode.utf8.getBytes(</a:t>
+            </a:r>
+            <a:r>
+              <a:rPr lang="en-US" dirty="0" err="1" smtClean="0"/>
+              <a:t>user_string</a:t>
+            </a:r>
+            <a:r>
+              <a:rPr lang="en-US" dirty="0" smtClean="0"/>
+              <a:t>)</a:t>
+            </a:r>
+          </a:p>
+          <a:p>
+            <a:pPr marL="0" indent="0">
+              <a:buNone/>
+            </a:pPr>
+            <a:r>
+              <a:rPr lang="en-US" dirty="0"/>
+              <a:t>	</a:t>
+            </a:r>
+            <a:r>
+              <a:rPr lang="en-US" dirty="0" smtClean="0"/>
+              <a:t>key = </a:t>
+            </a:r>
+            <a:r>
+              <a:rPr lang="en-US" dirty="0" err="1" smtClean="0"/>
+              <a:t>generateAesKey</a:t>
+            </a:r>
+            <a:r>
+              <a:rPr lang="en-US" dirty="0" smtClean="0"/>
+              <a:t>()</a:t>
+            </a:r>
+          </a:p>
+          <a:p>
+            <a:pPr marL="0" indent="0">
+              <a:buNone/>
+            </a:pPr>
+            <a:r>
+              <a:rPr lang="en-US" dirty="0" smtClean="0"/>
+              <a:t>	encrypted = encrypt(key</a:t>
+            </a:r>
+            <a:r>
+              <a:rPr lang="en-US" dirty="0"/>
+              <a:t>, </a:t>
+            </a:r>
+            <a:r>
+              <a:rPr lang="en-US" dirty="0" err="1"/>
+              <a:t>user_bytes</a:t>
+            </a:r>
+            <a:r>
+              <a:rPr lang="en-US" dirty="0"/>
+              <a:t> </a:t>
+            </a:r>
+            <a:r>
+              <a:rPr lang="en-US" dirty="0" smtClean="0"/>
+              <a:t>, </a:t>
+            </a:r>
+            <a:r>
+              <a:rPr lang="en-US" dirty="0">
+                <a:solidFill>
+                  <a:srgbClr val="FF0000"/>
+                </a:solidFill>
+              </a:rPr>
+              <a:t>AES_CBC_WITH_CBC_MAC</a:t>
+            </a:r>
+            <a:r>
+              <a:rPr lang="en-US" dirty="0" smtClean="0"/>
+              <a:t>)</a:t>
+            </a:r>
+          </a:p>
+          <a:p>
+            <a:pPr marL="0" indent="0">
+              <a:buNone/>
+            </a:pPr>
+            <a:r>
+              <a:rPr lang="en-US" dirty="0"/>
+              <a:t>	</a:t>
+            </a:r>
+            <a:r>
+              <a:rPr lang="en-US" dirty="0" err="1" smtClean="0"/>
+              <a:t>encrypted_hex</a:t>
+            </a:r>
+            <a:r>
+              <a:rPr lang="en-US" dirty="0" smtClean="0"/>
+              <a:t> = </a:t>
+            </a:r>
+            <a:r>
+              <a:rPr lang="en-US" dirty="0" err="1" smtClean="0"/>
+              <a:t>Converter.toHex</a:t>
+            </a:r>
+            <a:r>
+              <a:rPr lang="en-US" dirty="0" smtClean="0"/>
+              <a:t>(encrypted)</a:t>
+            </a:r>
+          </a:p>
+          <a:p>
+            <a:pPr marL="0" indent="0">
+              <a:buNone/>
+            </a:pPr>
+            <a:r>
+              <a:rPr lang="en-US" dirty="0"/>
+              <a:t>	</a:t>
+            </a:r>
+            <a:r>
+              <a:rPr lang="en-US" dirty="0" err="1" smtClean="0"/>
+              <a:t>key_string</a:t>
+            </a:r>
+            <a:r>
+              <a:rPr lang="en-US" dirty="0" smtClean="0"/>
+              <a:t> = </a:t>
+            </a:r>
+            <a:r>
+              <a:rPr lang="en-US" dirty="0" err="1" smtClean="0"/>
+              <a:t>Converter.toHex</a:t>
+            </a:r>
+            <a:r>
+              <a:rPr lang="en-US" dirty="0" smtClean="0"/>
+              <a:t>(key)</a:t>
+            </a:r>
+          </a:p>
+          <a:p>
+            <a:pPr marL="0" indent="0">
+              <a:buNone/>
+            </a:pPr>
+            <a:r>
+              <a:rPr lang="en-US" dirty="0"/>
+              <a:t>	</a:t>
+            </a:r>
+            <a:r>
+              <a:rPr lang="en-US" dirty="0" smtClean="0"/>
+              <a:t>return </a:t>
+            </a:r>
+            <a:r>
+              <a:rPr lang="en-US" dirty="0" err="1" smtClean="0"/>
+              <a:t>key_string</a:t>
+            </a:r>
+            <a:r>
+              <a:rPr lang="en-US" dirty="0" smtClean="0"/>
+              <a:t>, </a:t>
+            </a:r>
+            <a:r>
+              <a:rPr lang="en-US" dirty="0" err="1" smtClean="0"/>
+              <a:t>encrypted_hex</a:t>
+            </a:r>
+            <a:endParaRPr lang="en-US" dirty="0"/>
+          </a:p>
+          <a:p>
+            <a:pPr marL="0" indent="0">
+              <a:buNone/>
+            </a:pPr>
+            <a:endParaRPr lang="en-US" dirty="0" smtClean="0"/>
+          </a:p>
+          <a:p>
+            <a:pPr marL="0" indent="0">
+              <a:buNone/>
+            </a:pPr>
+            <a:endParaRPr lang="ru-RU" dirty="0"/>
+          </a:p>
+        </p:txBody>
+      </p:sp>
+      <p:sp>
+        <p:nvSpPr>
+          <p:cNvPr id="4" name="Номер слайда 3"/>
+          <p:cNvSpPr>
+            <a:spLocks noGrp="1"/>
+          </p:cNvSpPr>
+          <p:nvPr>
+            <p:ph type="sldNum" sz="quarter" idx="12"/>
+          </p:nvPr>
+        </p:nvSpPr>
+        <p:spPr/>
+        <p:txBody>
+          <a:bodyPr/>
+          <a:lstStyle/>
+          <a:p>
+            <a:fld id="{8253DDDB-F8F7-4D64-A7FD-3F3D61C1949F}" type="slidenum">
+              <a:rPr lang="ru-RU" smtClean="0"/>
+              <a:t>32</a:t>
+            </a:fld>
+            <a:endParaRPr lang="ru-RU"/>
+          </a:p>
+        </p:txBody>
+      </p:sp>
+    </p:spTree>
+    <p:extLst>
+      <p:ext uri="{BB962C8B-B14F-4D97-AF65-F5344CB8AC3E}">
+        <p14:creationId xmlns:p14="http://schemas.microsoft.com/office/powerpoint/2010/main" val="3830868005"/>
+      </p:ext>
+    </p:extLst>
+  </p:cSld>
+  <p:clrMapOvr>
+    <a:masterClrMapping/>
+  </p:clrMapOvr>
+  <p:timing>
+    <p:tnLst>
+      <p:par>
+        <p:cTn id="1" dur="indefinite" restart="never" nodeType="tmRoot"/>
+      </p:par>
+    </p:tnLst>
+  </p:timing>
+</p:sld>
+</file>
+
+<file path=ppt/slides/slide4.xml><?xml version="1.0" encoding="utf-8"?>
 <p:sld xmlns:a="http://schemas.openxmlformats.org/drawingml/2006/main" xmlns:r="http://schemas.openxmlformats.org/officeDocument/2006/relationships" xmlns:p="http://schemas.openxmlformats.org/presentationml/2006/main">
   <p:cSld>
     <p:spTree>
@@ -14392,7 +15985,7 @@
           <a:p>
             <a:fld id="{8253DDDB-F8F7-4D64-A7FD-3F3D61C1949F}" type="slidenum">
               <a:rPr lang="ru-RU" smtClean="0"/>
-              <a:t>3</a:t>
+              <a:t>4</a:t>
             </a:fld>
             <a:endParaRPr lang="ru-RU"/>
           </a:p>
@@ -14402,672 +15995,6 @@
     <p:extLst>
       <p:ext uri="{BB962C8B-B14F-4D97-AF65-F5344CB8AC3E}">
         <p14:creationId xmlns:p14="http://schemas.microsoft.com/office/powerpoint/2010/main" val="718319279"/>
-      </p:ext>
-    </p:extLst>
-  </p:cSld>
-  <p:clrMapOvr>
-    <a:masterClrMapping/>
-  </p:clrMapOvr>
-  <p:timing>
-    <p:tnLst>
-      <p:par>
-        <p:cTn id="1" dur="indefinite" restart="never" nodeType="tmRoot"/>
-      </p:par>
-    </p:tnLst>
-  </p:timing>
-</p:sld>
-</file>
-
-<file path=ppt/slides/slide4.xml><?xml version="1.0" encoding="utf-8"?>
-<p:sld xmlns:a="http://schemas.openxmlformats.org/drawingml/2006/main" xmlns:r="http://schemas.openxmlformats.org/officeDocument/2006/relationships" xmlns:p="http://schemas.openxmlformats.org/presentationml/2006/main">
-  <p:cSld>
-    <p:spTree>
-      <p:nvGrpSpPr>
-        <p:cNvPr id="1" name=""/>
-        <p:cNvGrpSpPr/>
-        <p:nvPr/>
-      </p:nvGrpSpPr>
-      <p:grpSpPr>
-        <a:xfrm>
-          <a:off x="0" y="0"/>
-          <a:ext cx="0" cy="0"/>
-          <a:chOff x="0" y="0"/>
-          <a:chExt cx="0" cy="0"/>
-        </a:xfrm>
-      </p:grpSpPr>
-      <p:sp>
-        <p:nvSpPr>
-          <p:cNvPr id="2" name="Заголовок 1"/>
-          <p:cNvSpPr>
-            <a:spLocks noGrp="1"/>
-          </p:cNvSpPr>
-          <p:nvPr>
-            <p:ph type="title"/>
-          </p:nvPr>
-        </p:nvSpPr>
-        <p:spPr/>
-        <p:txBody>
-          <a:bodyPr/>
-          <a:lstStyle/>
-          <a:p>
-            <a:r>
-              <a:rPr lang="ru-RU" dirty="0" smtClean="0"/>
-              <a:t>Шифр Шеннона</a:t>
-            </a:r>
-            <a:endParaRPr lang="ru-RU" dirty="0"/>
-          </a:p>
-        </p:txBody>
-      </p:sp>
-      <mc:AlternateContent xmlns:mc="http://schemas.openxmlformats.org/markup-compatibility/2006" xmlns:a14="http://schemas.microsoft.com/office/drawing/2010/main">
-        <mc:Choice Requires="a14">
-          <p:sp>
-            <p:nvSpPr>
-              <p:cNvPr id="3" name="Объект 2"/>
-              <p:cNvSpPr>
-                <a:spLocks noGrp="1"/>
-              </p:cNvSpPr>
-              <p:nvPr>
-                <p:ph idx="1"/>
-              </p:nvPr>
-            </p:nvSpPr>
-            <p:spPr/>
-            <p:txBody>
-              <a:bodyPr>
-                <a:normAutofit lnSpcReduction="10000"/>
-              </a:bodyPr>
-              <a:lstStyle/>
-              <a:p>
-                <a:pPr marL="0" indent="0">
-                  <a:buNone/>
-                </a:pPr>
-                <a:r>
-                  <a:rPr lang="ru-RU" dirty="0" smtClean="0"/>
-                  <a:t>Шифр Шеннона  - пара функций</a:t>
-                </a:r>
-                <a:r>
-                  <a:rPr lang="en-US" dirty="0" smtClean="0"/>
-                  <a:t> </a:t>
-                </a:r>
-                <a14:m>
-                  <m:oMath xmlns:m="http://schemas.openxmlformats.org/officeDocument/2006/math">
-                    <m:r>
-                      <m:rPr>
-                        <m:sty m:val="p"/>
-                      </m:rPr>
-                      <a:rPr lang="en-US" b="0" i="1" smtClean="0">
-                        <a:latin typeface="Cambria Math" panose="02040503050406030204" pitchFamily="18" charset="0"/>
-                      </a:rPr>
-                      <m:t>Ε</m:t>
-                    </m:r>
-                    <m:r>
-                      <a:rPr lang="en-US" b="0" i="1" smtClean="0">
-                        <a:latin typeface="Cambria Math" panose="02040503050406030204" pitchFamily="18" charset="0"/>
-                      </a:rPr>
-                      <m:t>=</m:t>
-                    </m:r>
-                    <m:d>
-                      <m:dPr>
-                        <m:ctrlPr>
-                          <a:rPr lang="en-US" b="0" i="1" smtClean="0">
-                            <a:latin typeface="Cambria Math" panose="02040503050406030204" pitchFamily="18" charset="0"/>
-                          </a:rPr>
-                        </m:ctrlPr>
-                      </m:dPr>
-                      <m:e>
-                        <m:r>
-                          <a:rPr lang="en-US" b="0" i="1" smtClean="0">
-                            <a:latin typeface="Cambria Math" panose="02040503050406030204" pitchFamily="18" charset="0"/>
-                          </a:rPr>
-                          <m:t>𝐸</m:t>
-                        </m:r>
-                        <m:r>
-                          <a:rPr lang="en-US" b="0" i="1" smtClean="0">
-                            <a:latin typeface="Cambria Math" panose="02040503050406030204" pitchFamily="18" charset="0"/>
-                          </a:rPr>
-                          <m:t>,</m:t>
-                        </m:r>
-                        <m:r>
-                          <a:rPr lang="en-US" b="0" i="1" smtClean="0">
-                            <a:latin typeface="Cambria Math" panose="02040503050406030204" pitchFamily="18" charset="0"/>
-                          </a:rPr>
-                          <m:t>𝐷</m:t>
-                        </m:r>
-                      </m:e>
-                    </m:d>
-                    <m:r>
-                      <a:rPr lang="ru-RU" b="0" i="0" smtClean="0">
-                        <a:latin typeface="Cambria Math" panose="02040503050406030204" pitchFamily="18" charset="0"/>
-                      </a:rPr>
-                      <m:t>, таких что</m:t>
-                    </m:r>
-                  </m:oMath>
-                </a14:m>
-                <a:r>
-                  <a:rPr lang="en-US" b="0" dirty="0" smtClean="0"/>
-                  <a:t>:</a:t>
-                </a:r>
-              </a:p>
-              <a:p>
-                <a:r>
-                  <a:rPr lang="ru-RU" dirty="0" smtClean="0"/>
-                  <a:t>(1) Функция </a:t>
-                </a:r>
-                <a14:m>
-                  <m:oMath xmlns:m="http://schemas.openxmlformats.org/officeDocument/2006/math">
-                    <m:r>
-                      <a:rPr lang="en-US" b="0" i="1" smtClean="0">
-                        <a:latin typeface="Cambria Math" panose="02040503050406030204" pitchFamily="18" charset="0"/>
-                      </a:rPr>
-                      <m:t>𝐸</m:t>
-                    </m:r>
-                  </m:oMath>
-                </a14:m>
-                <a:r>
-                  <a:rPr lang="ru-RU" b="0" dirty="0" smtClean="0"/>
-                  <a:t> (</a:t>
-                </a:r>
-                <a:r>
-                  <a:rPr lang="ru-RU" b="1" dirty="0" smtClean="0"/>
-                  <a:t>функция </a:t>
-                </a:r>
-                <a:r>
-                  <a:rPr lang="ru-RU" b="1" dirty="0" err="1" smtClean="0"/>
-                  <a:t>зашифрования</a:t>
-                </a:r>
-                <a:r>
-                  <a:rPr lang="ru-RU" b="0" dirty="0" smtClean="0"/>
-                  <a:t>) принимает на вход ключ </a:t>
-                </a:r>
-                <a14:m>
-                  <m:oMath xmlns:m="http://schemas.openxmlformats.org/officeDocument/2006/math">
-                    <m:r>
-                      <a:rPr lang="en-US" b="0" i="1" smtClean="0">
-                        <a:latin typeface="Cambria Math" panose="02040503050406030204" pitchFamily="18" charset="0"/>
-                      </a:rPr>
-                      <m:t>𝑘</m:t>
-                    </m:r>
-                  </m:oMath>
-                </a14:m>
-                <a:r>
-                  <a:rPr lang="en-US" b="0" dirty="0" smtClean="0"/>
-                  <a:t> </a:t>
-                </a:r>
-                <a:r>
-                  <a:rPr lang="ru-RU" b="0" dirty="0" smtClean="0"/>
-                  <a:t>и сообщение </a:t>
-                </a:r>
-                <a14:m>
-                  <m:oMath xmlns:m="http://schemas.openxmlformats.org/officeDocument/2006/math">
-                    <m:r>
-                      <a:rPr lang="en-US" b="0" i="1" smtClean="0">
-                        <a:latin typeface="Cambria Math" panose="02040503050406030204" pitchFamily="18" charset="0"/>
-                      </a:rPr>
-                      <m:t>𝑚</m:t>
-                    </m:r>
-                  </m:oMath>
-                </a14:m>
-                <a:r>
-                  <a:rPr lang="en-US" b="0" dirty="0" smtClean="0"/>
-                  <a:t> (</a:t>
-                </a:r>
-                <a:r>
-                  <a:rPr lang="ru-RU" b="0" dirty="0" smtClean="0"/>
-                  <a:t>называемой открытым текстом, </a:t>
-                </a:r>
-                <a:r>
-                  <a:rPr lang="en-US" b="0" dirty="0" smtClean="0"/>
-                  <a:t>PT) </a:t>
-                </a:r>
-                <a:r>
-                  <a:rPr lang="ru-RU" b="0" dirty="0" smtClean="0"/>
-                  <a:t>и даёт на выходе </a:t>
-                </a:r>
-                <a:r>
-                  <a:rPr lang="ru-RU" b="0" dirty="0" err="1" smtClean="0"/>
-                  <a:t>шифртекст</a:t>
-                </a:r>
-                <a:r>
-                  <a:rPr lang="ru-RU" b="0" dirty="0" smtClean="0"/>
-                  <a:t> </a:t>
-                </a:r>
-                <a14:m>
-                  <m:oMath xmlns:m="http://schemas.openxmlformats.org/officeDocument/2006/math">
-                    <m:r>
-                      <a:rPr lang="en-US" b="0" i="1" smtClean="0">
-                        <a:latin typeface="Cambria Math" panose="02040503050406030204" pitchFamily="18" charset="0"/>
-                      </a:rPr>
-                      <m:t>𝑐</m:t>
-                    </m:r>
-                  </m:oMath>
-                </a14:m>
-                <a:r>
-                  <a:rPr lang="ru-RU" b="0" dirty="0" smtClean="0"/>
-                  <a:t> (</a:t>
-                </a:r>
-                <a:r>
-                  <a:rPr lang="en-US" b="0" dirty="0" smtClean="0"/>
-                  <a:t>CT)</a:t>
-                </a:r>
-                <a:r>
-                  <a:rPr lang="ru-RU" dirty="0" smtClean="0"/>
-                  <a:t>, такой что</a:t>
-                </a:r>
-              </a:p>
-              <a:p>
-                <a:pPr marL="0" indent="0" algn="ctr">
-                  <a:buNone/>
-                </a:pPr>
-                <a14:m>
-                  <m:oMath xmlns:m="http://schemas.openxmlformats.org/officeDocument/2006/math">
-                    <m:r>
-                      <a:rPr lang="en-US" b="0" i="1" smtClean="0">
-                        <a:latin typeface="Cambria Math" panose="02040503050406030204" pitchFamily="18" charset="0"/>
-                      </a:rPr>
-                      <m:t>𝑐</m:t>
-                    </m:r>
-                    <m:r>
-                      <a:rPr lang="en-US" b="0" i="1" smtClean="0">
-                        <a:latin typeface="Cambria Math" panose="02040503050406030204" pitchFamily="18" charset="0"/>
-                      </a:rPr>
-                      <m:t>=</m:t>
-                    </m:r>
-                    <m:r>
-                      <a:rPr lang="en-US" b="0" i="1" smtClean="0">
-                        <a:latin typeface="Cambria Math" panose="02040503050406030204" pitchFamily="18" charset="0"/>
-                      </a:rPr>
-                      <m:t>𝐸</m:t>
-                    </m:r>
-                    <m:d>
-                      <m:dPr>
-                        <m:ctrlPr>
-                          <a:rPr lang="en-US" b="0" i="1" smtClean="0">
-                            <a:latin typeface="Cambria Math" panose="02040503050406030204" pitchFamily="18" charset="0"/>
-                          </a:rPr>
-                        </m:ctrlPr>
-                      </m:dPr>
-                      <m:e>
-                        <m:r>
-                          <a:rPr lang="en-US" b="0" i="1" smtClean="0">
-                            <a:latin typeface="Cambria Math" panose="02040503050406030204" pitchFamily="18" charset="0"/>
-                          </a:rPr>
-                          <m:t>𝑘</m:t>
-                        </m:r>
-                        <m:r>
-                          <a:rPr lang="en-US" b="0" i="1" smtClean="0">
-                            <a:latin typeface="Cambria Math" panose="02040503050406030204" pitchFamily="18" charset="0"/>
-                          </a:rPr>
-                          <m:t>,</m:t>
-                        </m:r>
-                        <m:r>
-                          <a:rPr lang="en-US" b="0" i="1" smtClean="0">
-                            <a:latin typeface="Cambria Math" panose="02040503050406030204" pitchFamily="18" charset="0"/>
-                          </a:rPr>
-                          <m:t>𝑚</m:t>
-                        </m:r>
-                      </m:e>
-                    </m:d>
-                    <m:r>
-                      <a:rPr lang="en-US" b="0" i="1" smtClean="0">
-                        <a:latin typeface="Cambria Math" panose="02040503050406030204" pitchFamily="18" charset="0"/>
-                      </a:rPr>
-                      <m:t>.</m:t>
-                    </m:r>
-                  </m:oMath>
-                </a14:m>
-                <a:r>
-                  <a:rPr lang="en-US" b="0" dirty="0" smtClean="0"/>
-                  <a:t> </a:t>
-                </a:r>
-                <a:endParaRPr lang="ru-RU" b="0" dirty="0" smtClean="0"/>
-              </a:p>
-              <a:p>
-                <a:pPr marL="0" indent="0">
-                  <a:buNone/>
-                </a:pPr>
-                <a:r>
-                  <a:rPr lang="ru-RU" b="0" dirty="0" smtClean="0"/>
-                  <a:t>Говорят, что </a:t>
-                </a:r>
-                <a14:m>
-                  <m:oMath xmlns:m="http://schemas.openxmlformats.org/officeDocument/2006/math">
-                    <m:r>
-                      <a:rPr lang="en-US" b="0" i="1" smtClean="0">
-                        <a:latin typeface="Cambria Math" panose="02040503050406030204" pitchFamily="18" charset="0"/>
-                      </a:rPr>
-                      <m:t>𝑐</m:t>
-                    </m:r>
-                  </m:oMath>
-                </a14:m>
-                <a:r>
-                  <a:rPr lang="en-US" b="0" dirty="0" smtClean="0"/>
-                  <a:t> </a:t>
-                </a:r>
-                <a:r>
-                  <a:rPr lang="ru-RU" b="0" dirty="0" smtClean="0"/>
-                  <a:t>есть </a:t>
-                </a:r>
-                <a:r>
-                  <a:rPr lang="ru-RU" b="1" dirty="0" err="1" smtClean="0"/>
-                  <a:t>зашифрование</a:t>
-                </a:r>
-                <a:r>
-                  <a:rPr lang="ru-RU" b="0" dirty="0" smtClean="0"/>
-                  <a:t> </a:t>
-                </a:r>
-                <a14:m>
-                  <m:oMath xmlns:m="http://schemas.openxmlformats.org/officeDocument/2006/math">
-                    <m:r>
-                      <a:rPr lang="en-US" b="0" i="1" smtClean="0">
-                        <a:latin typeface="Cambria Math" panose="02040503050406030204" pitchFamily="18" charset="0"/>
-                      </a:rPr>
-                      <m:t>𝑚</m:t>
-                    </m:r>
-                  </m:oMath>
-                </a14:m>
-                <a:r>
-                  <a:rPr lang="en-US" b="0" dirty="0" smtClean="0"/>
-                  <a:t> </a:t>
-                </a:r>
-                <a:r>
-                  <a:rPr lang="ru-RU" b="0" dirty="0" smtClean="0"/>
-                  <a:t>на ключе </a:t>
-                </a:r>
-                <a14:m>
-                  <m:oMath xmlns:m="http://schemas.openxmlformats.org/officeDocument/2006/math">
-                    <m:r>
-                      <a:rPr lang="en-US" b="0" i="1" smtClean="0">
-                        <a:latin typeface="Cambria Math" panose="02040503050406030204" pitchFamily="18" charset="0"/>
-                      </a:rPr>
-                      <m:t>𝑘</m:t>
-                    </m:r>
-                  </m:oMath>
-                </a14:m>
-                <a:r>
-                  <a:rPr lang="ru-RU" b="0" dirty="0" smtClean="0"/>
-                  <a:t>.</a:t>
-                </a:r>
-              </a:p>
-              <a:p>
-                <a:r>
-                  <a:rPr lang="ru-RU" dirty="0" smtClean="0"/>
-                  <a:t> (2) Функция </a:t>
-                </a:r>
-                <a14:m>
-                  <m:oMath xmlns:m="http://schemas.openxmlformats.org/officeDocument/2006/math">
-                    <m:r>
-                      <a:rPr lang="en-US" b="0" i="1" smtClean="0">
-                        <a:latin typeface="Cambria Math" panose="02040503050406030204" pitchFamily="18" charset="0"/>
-                      </a:rPr>
-                      <m:t>𝐷</m:t>
-                    </m:r>
-                  </m:oMath>
-                </a14:m>
-                <a:r>
-                  <a:rPr lang="ru-RU" b="0" dirty="0" smtClean="0"/>
-                  <a:t> (</a:t>
-                </a:r>
-                <a:r>
-                  <a:rPr lang="ru-RU" b="1" dirty="0" smtClean="0"/>
-                  <a:t>функция </a:t>
-                </a:r>
-                <a:r>
-                  <a:rPr lang="ru-RU" b="1" dirty="0" err="1" smtClean="0"/>
-                  <a:t>расшифрования</a:t>
-                </a:r>
-                <a:r>
-                  <a:rPr lang="ru-RU" b="0" dirty="0" smtClean="0"/>
-                  <a:t>) принимает на вход ключ </a:t>
-                </a:r>
-                <a14:m>
-                  <m:oMath xmlns:m="http://schemas.openxmlformats.org/officeDocument/2006/math">
-                    <m:r>
-                      <a:rPr lang="en-US" b="0" i="1" smtClean="0">
-                        <a:latin typeface="Cambria Math" panose="02040503050406030204" pitchFamily="18" charset="0"/>
-                      </a:rPr>
-                      <m:t>𝑘</m:t>
-                    </m:r>
-                  </m:oMath>
-                </a14:m>
-                <a:r>
-                  <a:rPr lang="en-US" b="0" dirty="0" smtClean="0"/>
-                  <a:t> </a:t>
-                </a:r>
-                <a:r>
-                  <a:rPr lang="ru-RU" b="0" dirty="0" smtClean="0"/>
-                  <a:t>и </a:t>
-                </a:r>
-                <a:r>
-                  <a:rPr lang="ru-RU" b="0" dirty="0" err="1" smtClean="0"/>
-                  <a:t>шифртекст</a:t>
-                </a:r>
-                <a:r>
-                  <a:rPr lang="ru-RU" b="0" dirty="0" smtClean="0"/>
-                  <a:t> </a:t>
-                </a:r>
-                <a14:m>
-                  <m:oMath xmlns:m="http://schemas.openxmlformats.org/officeDocument/2006/math">
-                    <m:r>
-                      <a:rPr lang="en-US" b="0" i="1" smtClean="0">
-                        <a:latin typeface="Cambria Math" panose="02040503050406030204" pitchFamily="18" charset="0"/>
-                      </a:rPr>
-                      <m:t>𝑐</m:t>
-                    </m:r>
-                  </m:oMath>
-                </a14:m>
-                <a:r>
-                  <a:rPr lang="en-US" b="0" dirty="0" smtClean="0"/>
-                  <a:t> </a:t>
-                </a:r>
-                <a:r>
-                  <a:rPr lang="ru-RU" b="0" dirty="0" smtClean="0"/>
-                  <a:t>и даёт на выходе сообщение </a:t>
-                </a:r>
-                <a14:m>
-                  <m:oMath xmlns:m="http://schemas.openxmlformats.org/officeDocument/2006/math">
-                    <m:r>
-                      <a:rPr lang="en-US" b="0" i="1" smtClean="0">
-                        <a:latin typeface="Cambria Math" panose="02040503050406030204" pitchFamily="18" charset="0"/>
-                      </a:rPr>
-                      <m:t>𝑚</m:t>
-                    </m:r>
-                  </m:oMath>
-                </a14:m>
-                <a:r>
-                  <a:rPr lang="ru-RU" b="0" dirty="0" smtClean="0"/>
-                  <a:t>, такое что</a:t>
-                </a:r>
-              </a:p>
-              <a:p>
-                <a:pPr marL="0" indent="0" algn="ctr">
-                  <a:buNone/>
-                </a:pPr>
-                <a:r>
-                  <a:rPr lang="ru-RU" b="0" dirty="0" smtClean="0"/>
-                  <a:t> </a:t>
-                </a:r>
-                <a14:m>
-                  <m:oMath xmlns:m="http://schemas.openxmlformats.org/officeDocument/2006/math">
-                    <m:r>
-                      <a:rPr lang="en-US" b="0" i="1" smtClean="0">
-                        <a:latin typeface="Cambria Math" panose="02040503050406030204" pitchFamily="18" charset="0"/>
-                      </a:rPr>
-                      <m:t>𝑚</m:t>
-                    </m:r>
-                    <m:r>
-                      <a:rPr lang="en-US" b="0" i="1" smtClean="0">
-                        <a:latin typeface="Cambria Math" panose="02040503050406030204" pitchFamily="18" charset="0"/>
-                      </a:rPr>
-                      <m:t>=</m:t>
-                    </m:r>
-                    <m:r>
-                      <a:rPr lang="en-US" b="0" i="1" smtClean="0">
-                        <a:latin typeface="Cambria Math" panose="02040503050406030204" pitchFamily="18" charset="0"/>
-                      </a:rPr>
-                      <m:t>𝐷</m:t>
-                    </m:r>
-                    <m:d>
-                      <m:dPr>
-                        <m:ctrlPr>
-                          <a:rPr lang="en-US" b="0" i="1" smtClean="0">
-                            <a:latin typeface="Cambria Math" panose="02040503050406030204" pitchFamily="18" charset="0"/>
-                          </a:rPr>
-                        </m:ctrlPr>
-                      </m:dPr>
-                      <m:e>
-                        <m:r>
-                          <a:rPr lang="en-US" b="0" i="1" smtClean="0">
-                            <a:latin typeface="Cambria Math" panose="02040503050406030204" pitchFamily="18" charset="0"/>
-                          </a:rPr>
-                          <m:t>𝑘</m:t>
-                        </m:r>
-                        <m:r>
-                          <a:rPr lang="en-US" b="0" i="1" smtClean="0">
-                            <a:latin typeface="Cambria Math" panose="02040503050406030204" pitchFamily="18" charset="0"/>
-                          </a:rPr>
-                          <m:t>,</m:t>
-                        </m:r>
-                        <m:r>
-                          <a:rPr lang="en-US" b="0" i="1" smtClean="0">
-                            <a:latin typeface="Cambria Math" panose="02040503050406030204" pitchFamily="18" charset="0"/>
-                          </a:rPr>
-                          <m:t>𝑐</m:t>
-                        </m:r>
-                      </m:e>
-                    </m:d>
-                  </m:oMath>
-                </a14:m>
-                <a:endParaRPr lang="ru-RU" b="0" dirty="0" smtClean="0"/>
-              </a:p>
-              <a:p>
-                <a:pPr marL="0" indent="0">
-                  <a:buNone/>
-                </a:pPr>
-                <a:r>
-                  <a:rPr lang="ru-RU" dirty="0" smtClean="0"/>
-                  <a:t>Говорят, что </a:t>
-                </a:r>
-                <a14:m>
-                  <m:oMath xmlns:m="http://schemas.openxmlformats.org/officeDocument/2006/math">
-                    <m:r>
-                      <a:rPr lang="en-US" b="0" i="1" smtClean="0">
-                        <a:latin typeface="Cambria Math" panose="02040503050406030204" pitchFamily="18" charset="0"/>
-                      </a:rPr>
-                      <m:t>𝑚</m:t>
-                    </m:r>
-                  </m:oMath>
-                </a14:m>
-                <a:r>
-                  <a:rPr lang="ru-RU" b="0" dirty="0" smtClean="0"/>
-                  <a:t> это </a:t>
-                </a:r>
-                <a:r>
-                  <a:rPr lang="ru-RU" b="1" dirty="0" err="1" smtClean="0"/>
-                  <a:t>расшифрование</a:t>
-                </a:r>
-                <a:r>
-                  <a:rPr lang="ru-RU" b="0" dirty="0" smtClean="0"/>
-                  <a:t> </a:t>
-                </a:r>
-                <a14:m>
-                  <m:oMath xmlns:m="http://schemas.openxmlformats.org/officeDocument/2006/math">
-                    <m:r>
-                      <a:rPr lang="en-US" b="0" i="1" smtClean="0">
-                        <a:latin typeface="Cambria Math" panose="02040503050406030204" pitchFamily="18" charset="0"/>
-                      </a:rPr>
-                      <m:t>𝑐</m:t>
-                    </m:r>
-                  </m:oMath>
-                </a14:m>
-                <a:r>
-                  <a:rPr lang="ru-RU" b="0" dirty="0" smtClean="0"/>
-                  <a:t> на ключе </a:t>
-                </a:r>
-                <a14:m>
-                  <m:oMath xmlns:m="http://schemas.openxmlformats.org/officeDocument/2006/math">
-                    <m:r>
-                      <a:rPr lang="en-US" b="0" i="1" smtClean="0">
-                        <a:latin typeface="Cambria Math" panose="02040503050406030204" pitchFamily="18" charset="0"/>
-                      </a:rPr>
-                      <m:t>𝑘</m:t>
-                    </m:r>
-                  </m:oMath>
-                </a14:m>
-                <a:r>
-                  <a:rPr lang="ru-RU" b="0" dirty="0" smtClean="0"/>
-                  <a:t>.</a:t>
-                </a:r>
-                <a:endParaRPr lang="en-US" b="0" dirty="0" smtClean="0"/>
-              </a:p>
-              <a:p>
-                <a:endParaRPr lang="en-US" b="0" dirty="0" smtClean="0"/>
-              </a:p>
-              <a:p>
-                <a:endParaRPr lang="ru-RU" dirty="0"/>
-              </a:p>
-            </p:txBody>
-          </p:sp>
-        </mc:Choice>
-        <mc:Fallback xmlns="">
-          <p:sp>
-            <p:nvSpPr>
-              <p:cNvPr id="3" name="Объект 2"/>
-              <p:cNvSpPr>
-                <a:spLocks noGrp="1" noRot="1" noChangeAspect="1" noMove="1" noResize="1" noEditPoints="1" noAdjustHandles="1" noChangeArrowheads="1" noChangeShapeType="1" noTextEdit="1"/>
-              </p:cNvSpPr>
-              <p:nvPr>
-                <p:ph idx="1"/>
-              </p:nvPr>
-            </p:nvSpPr>
-            <p:spPr>
-              <a:blipFill>
-                <a:blip r:embed="rId2"/>
-                <a:stretch>
-                  <a:fillRect l="-1043" t="-2801" r="-1391"/>
-                </a:stretch>
-              </a:blipFill>
-            </p:spPr>
-            <p:txBody>
-              <a:bodyPr/>
-              <a:lstStyle/>
-              <a:p>
-                <a:r>
-                  <a:rPr lang="ru-RU">
-                    <a:noFill/>
-                  </a:rPr>
-                  <a:t> </a:t>
-                </a:r>
-              </a:p>
-            </p:txBody>
-          </p:sp>
-        </mc:Fallback>
-      </mc:AlternateContent>
-      <p:sp>
-        <p:nvSpPr>
-          <p:cNvPr id="4" name="Номер слайда 3"/>
-          <p:cNvSpPr>
-            <a:spLocks noGrp="1"/>
-          </p:cNvSpPr>
-          <p:nvPr>
-            <p:ph type="sldNum" sz="quarter" idx="12"/>
-          </p:nvPr>
-        </p:nvSpPr>
-        <p:spPr/>
-        <p:txBody>
-          <a:bodyPr/>
-          <a:lstStyle/>
-          <a:p>
-            <a:fld id="{8253DDDB-F8F7-4D64-A7FD-3F3D61C1949F}" type="slidenum">
-              <a:rPr lang="ru-RU" smtClean="0"/>
-              <a:t>4</a:t>
-            </a:fld>
-            <a:endParaRPr lang="ru-RU"/>
-          </a:p>
-        </p:txBody>
-      </p:sp>
-    </p:spTree>
-    <p:extLst>
-      <p:ext uri="{BB962C8B-B14F-4D97-AF65-F5344CB8AC3E}">
-        <p14:creationId xmlns:p14="http://schemas.microsoft.com/office/powerpoint/2010/main" val="4004200705"/>
       </p:ext>
     </p:extLst>
   </p:cSld>

--- a/Lectures/BlockCiphersLite.pptx
+++ b/Lectures/BlockCiphersLite.pptx
@@ -231,7 +231,7 @@
           <a:p>
             <a:fld id="{CBA08D16-15DC-4E25-BDC3-F25146157B16}" type="datetimeFigureOut">
               <a:rPr lang="ru-RU" smtClean="0"/>
-              <a:t>18.02.2021</a:t>
+              <a:t>10.02.2022</a:t>
             </a:fld>
             <a:endParaRPr lang="ru-RU"/>
           </a:p>
@@ -630,7 +630,7 @@
           <a:p>
             <a:fld id="{FCEC8293-DB51-454A-BE81-EC8FCB31EBA2}" type="datetime1">
               <a:rPr lang="ru-RU" smtClean="0"/>
-              <a:t>18.02.2021</a:t>
+              <a:t>10.02.2022</a:t>
             </a:fld>
             <a:endParaRPr lang="ru-RU"/>
           </a:p>
@@ -804,7 +804,7 @@
           <a:p>
             <a:fld id="{241C87B1-1C35-4DBD-BC18-2BC72E776603}" type="datetime1">
               <a:rPr lang="ru-RU" smtClean="0"/>
-              <a:t>18.02.2021</a:t>
+              <a:t>10.02.2022</a:t>
             </a:fld>
             <a:endParaRPr lang="ru-RU"/>
           </a:p>
@@ -988,7 +988,7 @@
           <a:p>
             <a:fld id="{3134C275-26C0-42CD-9111-9ADE65922AF9}" type="datetime1">
               <a:rPr lang="ru-RU" smtClean="0"/>
-              <a:t>18.02.2021</a:t>
+              <a:t>10.02.2022</a:t>
             </a:fld>
             <a:endParaRPr lang="ru-RU"/>
           </a:p>
@@ -1162,7 +1162,7 @@
           <a:p>
             <a:fld id="{C1A9A50B-C350-45F5-8AAB-ADB9E670AF2E}" type="datetime1">
               <a:rPr lang="ru-RU" smtClean="0"/>
-              <a:t>18.02.2021</a:t>
+              <a:t>10.02.2022</a:t>
             </a:fld>
             <a:endParaRPr lang="ru-RU"/>
           </a:p>
@@ -1412,7 +1412,7 @@
           <a:p>
             <a:fld id="{089688C9-348F-42F9-B6C0-5990DDE0C5B2}" type="datetime1">
               <a:rPr lang="ru-RU" smtClean="0"/>
-              <a:t>18.02.2021</a:t>
+              <a:t>10.02.2022</a:t>
             </a:fld>
             <a:endParaRPr lang="ru-RU"/>
           </a:p>
@@ -1648,7 +1648,7 @@
           <a:p>
             <a:fld id="{684AFD8F-6DD9-4AD3-A505-FDC3F5C5F3F6}" type="datetime1">
               <a:rPr lang="ru-RU" smtClean="0"/>
-              <a:t>18.02.2021</a:t>
+              <a:t>10.02.2022</a:t>
             </a:fld>
             <a:endParaRPr lang="ru-RU"/>
           </a:p>
@@ -2019,7 +2019,7 @@
           <a:p>
             <a:fld id="{63551EFE-4D02-45EB-A747-8B6F047B5AA0}" type="datetime1">
               <a:rPr lang="ru-RU" smtClean="0"/>
-              <a:t>18.02.2021</a:t>
+              <a:t>10.02.2022</a:t>
             </a:fld>
             <a:endParaRPr lang="ru-RU"/>
           </a:p>
@@ -2141,7 +2141,7 @@
           <a:p>
             <a:fld id="{813A9F34-E5CD-4B8F-AA9E-889C84372B20}" type="datetime1">
               <a:rPr lang="ru-RU" smtClean="0"/>
-              <a:t>18.02.2021</a:t>
+              <a:t>10.02.2022</a:t>
             </a:fld>
             <a:endParaRPr lang="ru-RU"/>
           </a:p>
@@ -2240,7 +2240,7 @@
           <a:p>
             <a:fld id="{51224D22-9B29-44A6-8E82-95FC492DEDC1}" type="datetime1">
               <a:rPr lang="ru-RU" smtClean="0"/>
-              <a:t>18.02.2021</a:t>
+              <a:t>10.02.2022</a:t>
             </a:fld>
             <a:endParaRPr lang="ru-RU"/>
           </a:p>
@@ -2521,7 +2521,7 @@
           <a:p>
             <a:fld id="{91D1034F-4441-48A1-BDC0-25EA1022324A}" type="datetime1">
               <a:rPr lang="ru-RU" smtClean="0"/>
-              <a:t>18.02.2021</a:t>
+              <a:t>10.02.2022</a:t>
             </a:fld>
             <a:endParaRPr lang="ru-RU"/>
           </a:p>
@@ -2778,7 +2778,7 @@
           <a:p>
             <a:fld id="{B0FFDE79-B627-473B-AE17-4C65BD2495F7}" type="datetime1">
               <a:rPr lang="ru-RU" smtClean="0"/>
-              <a:t>18.02.2021</a:t>
+              <a:t>10.02.2022</a:t>
             </a:fld>
             <a:endParaRPr lang="ru-RU"/>
           </a:p>
@@ -2995,7 +2995,7 @@
           <a:p>
             <a:fld id="{11CA537A-1B8C-47BA-9BA6-7CE3FAFDA8BE}" type="datetime1">
               <a:rPr lang="ru-RU" smtClean="0"/>
-              <a:t>18.02.2021</a:t>
+              <a:t>10.02.2022</a:t>
             </a:fld>
             <a:endParaRPr lang="ru-RU"/>
           </a:p>

--- a/Lectures/BlockCiphersLite.pptx
+++ b/Lectures/BlockCiphersLite.pptx
@@ -5,7 +5,7 @@
     <p:sldMasterId id="2147483648" r:id="rId1"/>
   </p:sldMasterIdLst>
   <p:notesMasterIdLst>
-    <p:notesMasterId r:id="rId36"/>
+    <p:notesMasterId r:id="rId37"/>
   </p:notesMasterIdLst>
   <p:sldIdLst>
     <p:sldId id="256" r:id="rId2"/>
@@ -42,6 +42,7 @@
     <p:sldId id="320" r:id="rId33"/>
     <p:sldId id="321" r:id="rId34"/>
     <p:sldId id="322" r:id="rId35"/>
+    <p:sldId id="325" r:id="rId36"/>
   </p:sldIdLst>
   <p:sldSz cx="12192000" cy="6858000"/>
   <p:notesSz cx="6858000" cy="9144000"/>
@@ -3468,11 +3469,7 @@
           <a:p>
             <a:r>
               <a:rPr lang="ru-RU" dirty="0" smtClean="0"/>
-              <a:t>МИФИ </a:t>
-            </a:r>
-            <a:r>
-              <a:rPr lang="ru-RU" dirty="0" smtClean="0"/>
-              <a:t>2024</a:t>
+              <a:t>МИФИ 2024</a:t>
             </a:r>
             <a:endParaRPr lang="ru-RU" dirty="0"/>
           </a:p>
@@ -3576,8 +3573,8 @@
           </a:p>
         </p:txBody>
       </p:sp>
-      <mc:AlternateContent xmlns:mc="http://schemas.openxmlformats.org/markup-compatibility/2006">
-        <mc:Choice xmlns:a14="http://schemas.microsoft.com/office/drawing/2010/main" Requires="a14">
+      <mc:AlternateContent xmlns:mc="http://schemas.openxmlformats.org/markup-compatibility/2006" xmlns:a14="http://schemas.microsoft.com/office/drawing/2010/main">
+        <mc:Choice Requires="a14">
           <p:sp>
             <p:nvSpPr>
               <p:cNvPr id="3" name="Объект 2"/>
@@ -3787,11 +3784,7 @@
                 </a:pPr>
                 <a:r>
                   <a:rPr lang="ru-RU" dirty="0" smtClean="0"/>
-                  <a:t>Следствия абсолютной стойкости </a:t>
-                </a:r>
-                <a:r>
-                  <a:rPr lang="ru-RU" dirty="0" smtClean="0"/>
-                  <a:t>– невозможны атаки, лучше чем атаки прямым перебором ключевого множества.</a:t>
+                  <a:t>Следствия абсолютной стойкости – невозможны атаки, лучше чем атаки прямым перебором ключевого множества.</a:t>
                 </a:r>
               </a:p>
               <a:p>
@@ -3842,7 +3835,7 @@
             </p:txBody>
           </p:sp>
         </mc:Choice>
-        <mc:Fallback>
+        <mc:Fallback xmlns="">
           <p:sp>
             <p:nvSpPr>
               <p:cNvPr id="3" name="Объект 2"/>
@@ -8535,13 +8528,7 @@
                   <a:rPr lang="ru-RU" dirty="0" smtClean="0">
                     <a:sym typeface="Symbol" pitchFamily="18" charset="2"/>
                   </a:rPr>
-                  <a:t>Пусть </a:t>
-                </a:r>
-                <a:r>
-                  <a:rPr lang="ru-RU" dirty="0" smtClean="0">
-                    <a:sym typeface="Symbol" pitchFamily="18" charset="2"/>
-                  </a:rPr>
-                  <a:t>функция </a:t>
+                  <a:t>Пусть функция </a:t>
                 </a:r>
                 <a14:m>
                   <m:oMath xmlns:m="http://schemas.openxmlformats.org/officeDocument/2006/math">
@@ -9000,11 +8987,11 @@
                       <m:t>, </m:t>
                     </m:r>
                     <m:r>
-                      <a:rPr lang="en-US" i="1" dirty="0">
+                      <a:rPr lang="en-US" b="0" i="1" dirty="0" smtClean="0">
                         <a:latin typeface="Cambria Math" panose="02040503050406030204" pitchFamily="18" charset="0"/>
                         <a:sym typeface="Symbol" pitchFamily="18" charset="2"/>
                       </a:rPr>
-                      <m:t>𝐹</m:t>
+                      <m:t>𝐸</m:t>
                     </m:r>
                     <m:d>
                       <m:dPr>
@@ -9358,15 +9345,7 @@
             </a:r>
             <a:r>
               <a:rPr lang="ru-RU" dirty="0" smtClean="0"/>
-              <a:t>произвольного блока блочным шифром будет </a:t>
-            </a:r>
-            <a:r>
-              <a:rPr lang="ru-RU" dirty="0" smtClean="0"/>
-              <a:t>вычислительно неотличим </a:t>
-            </a:r>
-            <a:r>
-              <a:rPr lang="ru-RU" dirty="0" smtClean="0"/>
-              <a:t>от случайного блока, выбранного случайно равновероятно.</a:t>
+              <a:t>произвольного блока блочным шифром будет вычислительно неотличим от случайного блока, выбранного случайно равновероятно.</a:t>
             </a:r>
             <a:endParaRPr lang="ru-RU" dirty="0"/>
           </a:p>
@@ -9849,6 +9828,13 @@
   <p:clrMapOvr>
     <a:masterClrMapping/>
   </p:clrMapOvr>
+  <p:timing>
+    <p:tnLst>
+      <p:par>
+        <p:cTn id="1" dur="indefinite" restart="never" nodeType="tmRoot"/>
+      </p:par>
+    </p:tnLst>
+  </p:timing>
 </p:sld>
 </file>
 
@@ -13846,6 +13832,13 @@
   <p:clrMapOvr>
     <a:masterClrMapping/>
   </p:clrMapOvr>
+  <p:timing>
+    <p:tnLst>
+      <p:par>
+        <p:cTn id="1" dur="indefinite" restart="never" nodeType="tmRoot"/>
+      </p:par>
+    </p:tnLst>
+  </p:timing>
 </p:sld>
 </file>
 
@@ -15057,6 +15050,104 @@
     <p:extLst>
       <p:ext uri="{BB962C8B-B14F-4D97-AF65-F5344CB8AC3E}">
         <p14:creationId xmlns:p14="http://schemas.microsoft.com/office/powerpoint/2010/main" val="3830868005"/>
+      </p:ext>
+    </p:extLst>
+  </p:cSld>
+  <p:clrMapOvr>
+    <a:masterClrMapping/>
+  </p:clrMapOvr>
+  <p:timing>
+    <p:tnLst>
+      <p:par>
+        <p:cTn id="1" dur="indefinite" restart="never" nodeType="tmRoot"/>
+      </p:par>
+    </p:tnLst>
+  </p:timing>
+</p:sld>
+</file>
+
+<file path=ppt/slides/slide35.xml><?xml version="1.0" encoding="utf-8"?>
+<p:sld xmlns:a="http://schemas.openxmlformats.org/drawingml/2006/main" xmlns:r="http://schemas.openxmlformats.org/officeDocument/2006/relationships" xmlns:p="http://schemas.openxmlformats.org/presentationml/2006/main">
+  <p:cSld>
+    <p:spTree>
+      <p:nvGrpSpPr>
+        <p:cNvPr id="1" name=""/>
+        <p:cNvGrpSpPr/>
+        <p:nvPr/>
+      </p:nvGrpSpPr>
+      <p:grpSpPr>
+        <a:xfrm>
+          <a:off x="0" y="0"/>
+          <a:ext cx="0" cy="0"/>
+          <a:chOff x="0" y="0"/>
+          <a:chExt cx="0" cy="0"/>
+        </a:xfrm>
+      </p:grpSpPr>
+      <p:sp>
+        <p:nvSpPr>
+          <p:cNvPr id="2" name="Заголовок 1"/>
+          <p:cNvSpPr>
+            <a:spLocks noGrp="1"/>
+          </p:cNvSpPr>
+          <p:nvPr>
+            <p:ph type="title"/>
+          </p:nvPr>
+        </p:nvSpPr>
+        <p:spPr/>
+        <p:txBody>
+          <a:bodyPr/>
+          <a:lstStyle/>
+          <a:p>
+            <a:endParaRPr lang="ru-RU"/>
+          </a:p>
+        </p:txBody>
+      </p:sp>
+      <p:sp>
+        <p:nvSpPr>
+          <p:cNvPr id="3" name="Объект 2"/>
+          <p:cNvSpPr>
+            <a:spLocks noGrp="1"/>
+          </p:cNvSpPr>
+          <p:nvPr>
+            <p:ph idx="1"/>
+          </p:nvPr>
+        </p:nvSpPr>
+        <p:spPr/>
+        <p:txBody>
+          <a:bodyPr/>
+          <a:lstStyle/>
+          <a:p>
+            <a:endParaRPr lang="ru-RU"/>
+          </a:p>
+        </p:txBody>
+      </p:sp>
+      <p:sp>
+        <p:nvSpPr>
+          <p:cNvPr id="4" name="Номер слайда 3"/>
+          <p:cNvSpPr>
+            <a:spLocks noGrp="1"/>
+          </p:cNvSpPr>
+          <p:nvPr>
+            <p:ph type="sldNum" sz="quarter" idx="12"/>
+          </p:nvPr>
+        </p:nvSpPr>
+        <p:spPr/>
+        <p:txBody>
+          <a:bodyPr/>
+          <a:lstStyle/>
+          <a:p>
+            <a:fld id="{8253DDDB-F8F7-4D64-A7FD-3F3D61C1949F}" type="slidenum">
+              <a:rPr lang="ru-RU" smtClean="0"/>
+              <a:t>35</a:t>
+            </a:fld>
+            <a:endParaRPr lang="ru-RU"/>
+          </a:p>
+        </p:txBody>
+      </p:sp>
+    </p:spTree>
+    <p:extLst>
+      <p:ext uri="{BB962C8B-B14F-4D97-AF65-F5344CB8AC3E}">
+        <p14:creationId xmlns:p14="http://schemas.microsoft.com/office/powerpoint/2010/main" val="2570729421"/>
       </p:ext>
     </p:extLst>
   </p:cSld>
@@ -17972,8 +18063,8 @@
           </a:p>
         </p:txBody>
       </p:sp>
-      <mc:AlternateContent xmlns:mc="http://schemas.openxmlformats.org/markup-compatibility/2006" xmlns:a14="http://schemas.microsoft.com/office/drawing/2010/main">
-        <mc:Choice Requires="a14">
+      <mc:AlternateContent xmlns:mc="http://schemas.openxmlformats.org/markup-compatibility/2006">
+        <mc:Choice xmlns:a14="http://schemas.microsoft.com/office/drawing/2010/main" Requires="a14">
           <p:sp>
             <p:nvSpPr>
               <p:cNvPr id="3" name="Объект 2"/>
@@ -18160,6 +18251,18 @@
                       </a:rPr>
                       <m:t>𝑛</m:t>
                     </m:r>
+                    <m:r>
+                      <a:rPr lang="en-US" b="0" i="1" smtClean="0">
+                        <a:latin typeface="Cambria Math" panose="02040503050406030204" pitchFamily="18" charset="0"/>
+                      </a:rPr>
+                      <m:t>, </m:t>
+                    </m:r>
+                    <m:r>
+                      <a:rPr lang="en-US" b="0" i="1" smtClean="0">
+                        <a:latin typeface="Cambria Math" panose="02040503050406030204" pitchFamily="18" charset="0"/>
+                      </a:rPr>
+                      <m:t>𝐿</m:t>
+                    </m:r>
                   </m:oMath>
                 </a14:m>
                 <a:r>
@@ -18167,8 +18270,8 @@
                   <a:t> – </a:t>
                 </a:r>
                 <a:r>
-                  <a:rPr lang="ru-RU" b="0" dirty="0" smtClean="0"/>
-                  <a:t>фиксированный параметр.</a:t>
+                  <a:rPr lang="ru-RU" b="0" smtClean="0"/>
+                  <a:t>фиксированные параметры.</a:t>
                 </a:r>
                 <a:endParaRPr lang="ru-RU" dirty="0"/>
               </a:p>
@@ -18769,7 +18872,7 @@
             </p:txBody>
           </p:sp>
         </mc:Choice>
-        <mc:Fallback xmlns="">
+        <mc:Fallback>
           <p:sp>
             <p:nvSpPr>
               <p:cNvPr id="3" name="Объект 2"/>
@@ -18788,7 +18891,7 @@
               <a:blipFill>
                 <a:blip r:embed="rId2"/>
                 <a:stretch>
-                  <a:fillRect l="-1043"/>
+                  <a:fillRect l="-1043" t="-1961"/>
                 </a:stretch>
               </a:blipFill>
             </p:spPr>

--- a/Lectures/BlockCiphersLite.pptx
+++ b/Lectures/BlockCiphersLite.pptx
@@ -234,7 +234,7 @@
           <a:p>
             <a:fld id="{CBA08D16-15DC-4E25-BDC3-F25146157B16}" type="datetimeFigureOut">
               <a:rPr lang="ru-RU" smtClean="0"/>
-              <a:t>08.02.2024</a:t>
+              <a:t>13.02.2025</a:t>
             </a:fld>
             <a:endParaRPr lang="ru-RU"/>
           </a:p>
@@ -633,7 +633,7 @@
           <a:p>
             <a:fld id="{FCEC8293-DB51-454A-BE81-EC8FCB31EBA2}" type="datetime1">
               <a:rPr lang="ru-RU" smtClean="0"/>
-              <a:t>08.02.2024</a:t>
+              <a:t>13.02.2025</a:t>
             </a:fld>
             <a:endParaRPr lang="ru-RU"/>
           </a:p>
@@ -807,7 +807,7 @@
           <a:p>
             <a:fld id="{241C87B1-1C35-4DBD-BC18-2BC72E776603}" type="datetime1">
               <a:rPr lang="ru-RU" smtClean="0"/>
-              <a:t>08.02.2024</a:t>
+              <a:t>13.02.2025</a:t>
             </a:fld>
             <a:endParaRPr lang="ru-RU"/>
           </a:p>
@@ -991,7 +991,7 @@
           <a:p>
             <a:fld id="{3134C275-26C0-42CD-9111-9ADE65922AF9}" type="datetime1">
               <a:rPr lang="ru-RU" smtClean="0"/>
-              <a:t>08.02.2024</a:t>
+              <a:t>13.02.2025</a:t>
             </a:fld>
             <a:endParaRPr lang="ru-RU"/>
           </a:p>
@@ -1165,7 +1165,7 @@
           <a:p>
             <a:fld id="{C1A9A50B-C350-45F5-8AAB-ADB9E670AF2E}" type="datetime1">
               <a:rPr lang="ru-RU" smtClean="0"/>
-              <a:t>08.02.2024</a:t>
+              <a:t>13.02.2025</a:t>
             </a:fld>
             <a:endParaRPr lang="ru-RU"/>
           </a:p>
@@ -1415,7 +1415,7 @@
           <a:p>
             <a:fld id="{089688C9-348F-42F9-B6C0-5990DDE0C5B2}" type="datetime1">
               <a:rPr lang="ru-RU" smtClean="0"/>
-              <a:t>08.02.2024</a:t>
+              <a:t>13.02.2025</a:t>
             </a:fld>
             <a:endParaRPr lang="ru-RU"/>
           </a:p>
@@ -1651,7 +1651,7 @@
           <a:p>
             <a:fld id="{684AFD8F-6DD9-4AD3-A505-FDC3F5C5F3F6}" type="datetime1">
               <a:rPr lang="ru-RU" smtClean="0"/>
-              <a:t>08.02.2024</a:t>
+              <a:t>13.02.2025</a:t>
             </a:fld>
             <a:endParaRPr lang="ru-RU"/>
           </a:p>
@@ -2022,7 +2022,7 @@
           <a:p>
             <a:fld id="{63551EFE-4D02-45EB-A747-8B6F047B5AA0}" type="datetime1">
               <a:rPr lang="ru-RU" smtClean="0"/>
-              <a:t>08.02.2024</a:t>
+              <a:t>13.02.2025</a:t>
             </a:fld>
             <a:endParaRPr lang="ru-RU"/>
           </a:p>
@@ -2144,7 +2144,7 @@
           <a:p>
             <a:fld id="{813A9F34-E5CD-4B8F-AA9E-889C84372B20}" type="datetime1">
               <a:rPr lang="ru-RU" smtClean="0"/>
-              <a:t>08.02.2024</a:t>
+              <a:t>13.02.2025</a:t>
             </a:fld>
             <a:endParaRPr lang="ru-RU"/>
           </a:p>
@@ -2243,7 +2243,7 @@
           <a:p>
             <a:fld id="{51224D22-9B29-44A6-8E82-95FC492DEDC1}" type="datetime1">
               <a:rPr lang="ru-RU" smtClean="0"/>
-              <a:t>08.02.2024</a:t>
+              <a:t>13.02.2025</a:t>
             </a:fld>
             <a:endParaRPr lang="ru-RU"/>
           </a:p>
@@ -2524,7 +2524,7 @@
           <a:p>
             <a:fld id="{91D1034F-4441-48A1-BDC0-25EA1022324A}" type="datetime1">
               <a:rPr lang="ru-RU" smtClean="0"/>
-              <a:t>08.02.2024</a:t>
+              <a:t>13.02.2025</a:t>
             </a:fld>
             <a:endParaRPr lang="ru-RU"/>
           </a:p>
@@ -2781,7 +2781,7 @@
           <a:p>
             <a:fld id="{B0FFDE79-B627-473B-AE17-4C65BD2495F7}" type="datetime1">
               <a:rPr lang="ru-RU" smtClean="0"/>
-              <a:t>08.02.2024</a:t>
+              <a:t>13.02.2025</a:t>
             </a:fld>
             <a:endParaRPr lang="ru-RU"/>
           </a:p>
@@ -2998,7 +2998,7 @@
           <a:p>
             <a:fld id="{11CA537A-1B8C-47BA-9BA6-7CE3FAFDA8BE}" type="datetime1">
               <a:rPr lang="ru-RU" smtClean="0"/>
-              <a:t>08.02.2024</a:t>
+              <a:t>13.02.2025</a:t>
             </a:fld>
             <a:endParaRPr lang="ru-RU"/>
           </a:p>
@@ -3469,7 +3469,11 @@
           <a:p>
             <a:r>
               <a:rPr lang="ru-RU" dirty="0" smtClean="0"/>
-              <a:t>МИФИ 2024</a:t>
+              <a:t>МИФИ </a:t>
+            </a:r>
+            <a:r>
+              <a:rPr lang="ru-RU" dirty="0" smtClean="0"/>
+              <a:t>2025</a:t>
             </a:r>
             <a:endParaRPr lang="ru-RU" dirty="0"/>
           </a:p>
@@ -3573,8 +3577,8 @@
           </a:p>
         </p:txBody>
       </p:sp>
-      <mc:AlternateContent xmlns:mc="http://schemas.openxmlformats.org/markup-compatibility/2006" xmlns:a14="http://schemas.microsoft.com/office/drawing/2010/main">
-        <mc:Choice Requires="a14">
+      <mc:AlternateContent xmlns:mc="http://schemas.openxmlformats.org/markup-compatibility/2006">
+        <mc:Choice xmlns:a14="http://schemas.microsoft.com/office/drawing/2010/main" Requires="a14">
           <p:sp>
             <p:nvSpPr>
               <p:cNvPr id="3" name="Объект 2"/>
@@ -3587,7 +3591,9 @@
             </p:nvSpPr>
             <p:spPr/>
             <p:txBody>
-              <a:bodyPr/>
+              <a:bodyPr>
+                <a:normAutofit lnSpcReduction="10000"/>
+              </a:bodyPr>
               <a:lstStyle/>
               <a:p>
                 <a:pPr marL="0" indent="0">
@@ -3776,6 +3782,101 @@
                 <a:endParaRPr lang="en-US" dirty="0"/>
               </a:p>
               <a:p>
+                <a:pPr marL="0" indent="0">
+                  <a:buNone/>
+                </a:pPr>
+                <a:r>
+                  <a:rPr lang="ru-RU" dirty="0" smtClean="0"/>
+                  <a:t>Формальное определение – посмотреть самостоятельно. Суть коротко – вероятность для фиксированного </a:t>
+                </a:r>
+                <a:r>
+                  <a:rPr lang="ru-RU" dirty="0" err="1" smtClean="0"/>
+                  <a:t>шифртекста</a:t>
+                </a:r>
+                <a:r>
+                  <a:rPr lang="ru-RU" dirty="0" smtClean="0"/>
+                  <a:t> </a:t>
+                </a:r>
+                <a14:m>
+                  <m:oMath xmlns:m="http://schemas.openxmlformats.org/officeDocument/2006/math">
+                    <m:r>
+                      <a:rPr lang="ru-RU" b="0" i="1" smtClean="0">
+                        <a:latin typeface="Cambria Math" panose="02040503050406030204" pitchFamily="18" charset="0"/>
+                      </a:rPr>
+                      <m:t>с</m:t>
+                    </m:r>
+                  </m:oMath>
+                </a14:m>
+                <a:r>
+                  <a:rPr lang="ru-RU" dirty="0" smtClean="0"/>
+                  <a:t> соответствовать одному из открытых текстов </a:t>
+                </a:r>
+                <a14:m>
+                  <m:oMath xmlns:m="http://schemas.openxmlformats.org/officeDocument/2006/math">
+                    <m:sSub>
+                      <m:sSubPr>
+                        <m:ctrlPr>
+                          <a:rPr lang="en-US" b="0" i="1" smtClean="0">
+                            <a:latin typeface="Cambria Math" panose="02040503050406030204" pitchFamily="18" charset="0"/>
+                          </a:rPr>
+                        </m:ctrlPr>
+                      </m:sSubPr>
+                      <m:e>
+                        <m:r>
+                          <a:rPr lang="en-US" b="0" i="1" smtClean="0">
+                            <a:latin typeface="Cambria Math" panose="02040503050406030204" pitchFamily="18" charset="0"/>
+                          </a:rPr>
+                          <m:t>𝑚</m:t>
+                        </m:r>
+                      </m:e>
+                      <m:sub>
+                        <m:r>
+                          <a:rPr lang="ru-RU" b="0" i="1" smtClean="0">
+                            <a:latin typeface="Cambria Math" panose="02040503050406030204" pitchFamily="18" charset="0"/>
+                          </a:rPr>
+                          <m:t>0</m:t>
+                        </m:r>
+                      </m:sub>
+                    </m:sSub>
+                    <m:r>
+                      <a:rPr lang="en-US" b="0" i="1" smtClean="0">
+                        <a:latin typeface="Cambria Math" panose="02040503050406030204" pitchFamily="18" charset="0"/>
+                      </a:rPr>
+                      <m:t>,</m:t>
+                    </m:r>
+                    <m:sSub>
+                      <m:sSubPr>
+                        <m:ctrlPr>
+                          <a:rPr lang="en-US" b="0" i="1" smtClean="0">
+                            <a:latin typeface="Cambria Math" panose="02040503050406030204" pitchFamily="18" charset="0"/>
+                          </a:rPr>
+                        </m:ctrlPr>
+                      </m:sSubPr>
+                      <m:e>
+                        <m:r>
+                          <a:rPr lang="en-US" b="0" i="1" smtClean="0">
+                            <a:latin typeface="Cambria Math" panose="02040503050406030204" pitchFamily="18" charset="0"/>
+                          </a:rPr>
+                          <m:t>𝑚</m:t>
+                        </m:r>
+                      </m:e>
+                      <m:sub>
+                        <m:r>
+                          <a:rPr lang="ru-RU" b="0" i="1" smtClean="0">
+                            <a:latin typeface="Cambria Math" panose="02040503050406030204" pitchFamily="18" charset="0"/>
+                          </a:rPr>
+                          <m:t>1</m:t>
+                        </m:r>
+                      </m:sub>
+                    </m:sSub>
+                  </m:oMath>
+                </a14:m>
+                <a:r>
+                  <a:rPr lang="ru-RU" dirty="0" smtClean="0"/>
+                  <a:t> одинакова при незнании ключа.</a:t>
+                </a:r>
+              </a:p>
+              <a:p>
                 <a:endParaRPr lang="en-US" dirty="0" smtClean="0"/>
               </a:p>
               <a:p>
@@ -3835,7 +3936,7 @@
             </p:txBody>
           </p:sp>
         </mc:Choice>
-        <mc:Fallback xmlns="">
+        <mc:Fallback>
           <p:sp>
             <p:nvSpPr>
               <p:cNvPr id="3" name="Объект 2"/>
@@ -3847,10 +3948,10 @@
               </p:nvPr>
             </p:nvSpPr>
             <p:spPr>
-              <a:blipFill>
+              <a:blipFill rotWithShape="0">
                 <a:blip r:embed="rId2"/>
                 <a:stretch>
-                  <a:fillRect l="-1043" t="-2101" r="-290"/>
+                  <a:fillRect l="-1043" t="-2801" r="-290" b="-3641"/>
                 </a:stretch>
               </a:blipFill>
             </p:spPr>
@@ -9203,7 +9304,27 @@
                   <a:rPr lang="ru-RU" dirty="0" smtClean="0">
                     <a:sym typeface="Symbol" pitchFamily="18" charset="2"/>
                   </a:rPr>
-                  <a:t> - выбор случайного элемента множества)</a:t>
+                  <a:t> - выбор случайного элемента множества</a:t>
+                </a:r>
+                <a:r>
+                  <a:rPr lang="ru-RU" dirty="0" smtClean="0">
+                    <a:sym typeface="Symbol" pitchFamily="18" charset="2"/>
+                  </a:rPr>
+                  <a:t>)</a:t>
+                </a:r>
+              </a:p>
+              <a:p>
+                <a:pPr marL="0" indent="0">
+                  <a:lnSpc>
+                    <a:spcPct val="120000"/>
+                  </a:lnSpc>
+                  <a:buNone/>
+                </a:pPr>
+                <a:r>
+                  <a:rPr lang="ru-RU" dirty="0" smtClean="0">
+                    <a:sym typeface="Symbol" pitchFamily="18" charset="2"/>
+                  </a:rPr>
+                  <a:t>Используется в качестве модели блочного шифра при анализе схем</a:t>
                 </a:r>
                 <a:endParaRPr lang="ru-RU" dirty="0">
                   <a:sym typeface="Symbol" pitchFamily="18" charset="2"/>
@@ -9228,7 +9349,7 @@
                 <a:off x="838200" y="1473958"/>
                 <a:ext cx="11008056" cy="4882391"/>
               </a:xfrm>
-              <a:blipFill>
+              <a:blipFill rotWithShape="0">
                 <a:blip r:embed="rId2"/>
                 <a:stretch>
                   <a:fillRect l="-997"/>
@@ -9751,8 +9872,21 @@
           <a:p>
             <a:r>
               <a:rPr lang="ru-RU" dirty="0" smtClean="0"/>
-              <a:t>Запрещается использовать части кода, полученные из открытых источников, включая генеративные сети</a:t>
-            </a:r>
+              <a:t>Запрещается использовать части кода, полученные из открытых источников, включая генеративные </a:t>
+            </a:r>
+            <a:r>
+              <a:rPr lang="ru-RU" dirty="0" smtClean="0"/>
+              <a:t>сети</a:t>
+            </a:r>
+            <a:endParaRPr lang="en-US" dirty="0" smtClean="0"/>
+          </a:p>
+          <a:p>
+            <a:pPr lvl="1"/>
+            <a:r>
+              <a:rPr lang="ru-RU" dirty="0" smtClean="0"/>
+              <a:t>Пойманные на нарушении данного правила лишаются возможности сдавать лабораторные</a:t>
+            </a:r>
+            <a:endParaRPr lang="ru-RU" dirty="0" smtClean="0"/>
           </a:p>
           <a:p>
             <a:r>
@@ -9763,18 +9897,11 @@
           <a:p>
             <a:r>
               <a:rPr lang="ru-RU" dirty="0" smtClean="0"/>
-              <a:t>Лабораторная работа должна быть загружена в соответствующий </a:t>
-            </a:r>
-            <a:r>
-              <a:rPr lang="ru-RU" dirty="0" err="1" smtClean="0"/>
-              <a:t>репозиторий</a:t>
-            </a:r>
-            <a:endParaRPr lang="ru-RU" dirty="0" smtClean="0"/>
-          </a:p>
-          <a:p>
+              <a:t>На </a:t>
+            </a:r>
             <a:r>
               <a:rPr lang="ru-RU" dirty="0" smtClean="0"/>
-              <a:t>На выполнение каждой работы 3 недели, каждые 2 недели новая лабораторная работа</a:t>
+              <a:t>выполнение каждой работы 3 недели, каждые 2 недели новая лабораторная работа</a:t>
             </a:r>
           </a:p>
           <a:p>
@@ -18063,8 +18190,8 @@
           </a:p>
         </p:txBody>
       </p:sp>
-      <mc:AlternateContent xmlns:mc="http://schemas.openxmlformats.org/markup-compatibility/2006">
-        <mc:Choice xmlns:a14="http://schemas.microsoft.com/office/drawing/2010/main" Requires="a14">
+      <mc:AlternateContent xmlns:mc="http://schemas.openxmlformats.org/markup-compatibility/2006" xmlns:a14="http://schemas.microsoft.com/office/drawing/2010/main">
+        <mc:Choice Requires="a14">
           <p:sp>
             <p:nvSpPr>
               <p:cNvPr id="3" name="Объект 2"/>
@@ -18872,7 +18999,7 @@
             </p:txBody>
           </p:sp>
         </mc:Choice>
-        <mc:Fallback>
+        <mc:Fallback xmlns="">
           <p:sp>
             <p:nvSpPr>
               <p:cNvPr id="3" name="Объект 2"/>
